--- a/assets/img/vision/concept/calibration/calibration.pptx
+++ b/assets/img/vision/concept/calibration/calibration.pptx
@@ -10,6 +10,7 @@
     <p:sldId id="278" r:id="rId4"/>
     <p:sldId id="279" r:id="rId5"/>
     <p:sldId id="280" r:id="rId6"/>
+    <p:sldId id="256" r:id="rId7"/>
   </p:sldIdLst>
   <p:sldSz cx="12192000" cy="6858000"/>
   <p:notesSz cx="6858000" cy="9144000"/>
@@ -108,6 +109,32 @@
       </a:defRPr>
     </a:lvl9pPr>
   </p:defaultTextStyle>
+  <p:extLst>
+    <p:ext uri="{EFAFB233-063F-42B5-8137-9DF3F51BA10A}">
+      <p15:sldGuideLst xmlns:p15="http://schemas.microsoft.com/office/powerpoint/2012/main">
+        <p15:guide id="1" orient="horz" pos="2160" userDrawn="1">
+          <p15:clr>
+            <a:srgbClr val="A4A3A4"/>
+          </p15:clr>
+        </p15:guide>
+        <p15:guide id="2" pos="3840" userDrawn="1">
+          <p15:clr>
+            <a:srgbClr val="A4A3A4"/>
+          </p15:clr>
+        </p15:guide>
+        <p15:guide id="3" pos="2230" userDrawn="1">
+          <p15:clr>
+            <a:srgbClr val="A4A3A4"/>
+          </p15:clr>
+        </p15:guide>
+        <p15:guide id="4" pos="5360" userDrawn="1">
+          <p15:clr>
+            <a:srgbClr val="A4A3A4"/>
+          </p15:clr>
+        </p15:guide>
+      </p15:sldGuideLst>
+    </p:ext>
+  </p:extLst>
 </p:presentation>
 </file>
 
@@ -258,7 +285,7 @@
           <a:p>
             <a:fld id="{D91F2FA3-6A4B-4A98-A624-31A8BDB83614}" type="datetimeFigureOut">
               <a:rPr lang="ko-KR" altLang="en-US" smtClean="0"/>
-              <a:t>2022-11-13</a:t>
+              <a:t>2023-08-14</a:t>
             </a:fld>
             <a:endParaRPr lang="ko-KR" altLang="en-US"/>
           </a:p>
@@ -456,7 +483,7 @@
           <a:p>
             <a:fld id="{D91F2FA3-6A4B-4A98-A624-31A8BDB83614}" type="datetimeFigureOut">
               <a:rPr lang="ko-KR" altLang="en-US" smtClean="0"/>
-              <a:t>2022-11-13</a:t>
+              <a:t>2023-08-14</a:t>
             </a:fld>
             <a:endParaRPr lang="ko-KR" altLang="en-US"/>
           </a:p>
@@ -664,7 +691,7 @@
           <a:p>
             <a:fld id="{D91F2FA3-6A4B-4A98-A624-31A8BDB83614}" type="datetimeFigureOut">
               <a:rPr lang="ko-KR" altLang="en-US" smtClean="0"/>
-              <a:t>2022-11-13</a:t>
+              <a:t>2023-08-14</a:t>
             </a:fld>
             <a:endParaRPr lang="ko-KR" altLang="en-US"/>
           </a:p>
@@ -862,7 +889,7 @@
           <a:p>
             <a:fld id="{D91F2FA3-6A4B-4A98-A624-31A8BDB83614}" type="datetimeFigureOut">
               <a:rPr lang="ko-KR" altLang="en-US" smtClean="0"/>
-              <a:t>2022-11-13</a:t>
+              <a:t>2023-08-14</a:t>
             </a:fld>
             <a:endParaRPr lang="ko-KR" altLang="en-US"/>
           </a:p>
@@ -1137,7 +1164,7 @@
           <a:p>
             <a:fld id="{D91F2FA3-6A4B-4A98-A624-31A8BDB83614}" type="datetimeFigureOut">
               <a:rPr lang="ko-KR" altLang="en-US" smtClean="0"/>
-              <a:t>2022-11-13</a:t>
+              <a:t>2023-08-14</a:t>
             </a:fld>
             <a:endParaRPr lang="ko-KR" altLang="en-US"/>
           </a:p>
@@ -1402,7 +1429,7 @@
           <a:p>
             <a:fld id="{D91F2FA3-6A4B-4A98-A624-31A8BDB83614}" type="datetimeFigureOut">
               <a:rPr lang="ko-KR" altLang="en-US" smtClean="0"/>
-              <a:t>2022-11-13</a:t>
+              <a:t>2023-08-14</a:t>
             </a:fld>
             <a:endParaRPr lang="ko-KR" altLang="en-US"/>
           </a:p>
@@ -1814,7 +1841,7 @@
           <a:p>
             <a:fld id="{D91F2FA3-6A4B-4A98-A624-31A8BDB83614}" type="datetimeFigureOut">
               <a:rPr lang="ko-KR" altLang="en-US" smtClean="0"/>
-              <a:t>2022-11-13</a:t>
+              <a:t>2023-08-14</a:t>
             </a:fld>
             <a:endParaRPr lang="ko-KR" altLang="en-US"/>
           </a:p>
@@ -1955,7 +1982,7 @@
           <a:p>
             <a:fld id="{D91F2FA3-6A4B-4A98-A624-31A8BDB83614}" type="datetimeFigureOut">
               <a:rPr lang="ko-KR" altLang="en-US" smtClean="0"/>
-              <a:t>2022-11-13</a:t>
+              <a:t>2023-08-14</a:t>
             </a:fld>
             <a:endParaRPr lang="ko-KR" altLang="en-US"/>
           </a:p>
@@ -2068,7 +2095,7 @@
           <a:p>
             <a:fld id="{D91F2FA3-6A4B-4A98-A624-31A8BDB83614}" type="datetimeFigureOut">
               <a:rPr lang="ko-KR" altLang="en-US" smtClean="0"/>
-              <a:t>2022-11-13</a:t>
+              <a:t>2023-08-14</a:t>
             </a:fld>
             <a:endParaRPr lang="ko-KR" altLang="en-US"/>
           </a:p>
@@ -2379,7 +2406,7 @@
           <a:p>
             <a:fld id="{D91F2FA3-6A4B-4A98-A624-31A8BDB83614}" type="datetimeFigureOut">
               <a:rPr lang="ko-KR" altLang="en-US" smtClean="0"/>
-              <a:t>2022-11-13</a:t>
+              <a:t>2023-08-14</a:t>
             </a:fld>
             <a:endParaRPr lang="ko-KR" altLang="en-US"/>
           </a:p>
@@ -2667,7 +2694,7 @@
           <a:p>
             <a:fld id="{D91F2FA3-6A4B-4A98-A624-31A8BDB83614}" type="datetimeFigureOut">
               <a:rPr lang="ko-KR" altLang="en-US" smtClean="0"/>
-              <a:t>2022-11-13</a:t>
+              <a:t>2023-08-14</a:t>
             </a:fld>
             <a:endParaRPr lang="ko-KR" altLang="en-US"/>
           </a:p>
@@ -2908,7 +2935,7 @@
           <a:p>
             <a:fld id="{D91F2FA3-6A4B-4A98-A624-31A8BDB83614}" type="datetimeFigureOut">
               <a:rPr lang="ko-KR" altLang="en-US" smtClean="0"/>
-              <a:t>2022-11-13</a:t>
+              <a:t>2023-08-14</a:t>
             </a:fld>
             <a:endParaRPr lang="ko-KR" altLang="en-US"/>
           </a:p>
@@ -3900,8 +3927,8 @@
           </a:p>
         </p:txBody>
       </p:sp>
-      <mc:AlternateContent xmlns:mc="http://schemas.openxmlformats.org/markup-compatibility/2006">
-        <mc:Choice xmlns:a14="http://schemas.microsoft.com/office/drawing/2010/main" Requires="a14">
+      <mc:AlternateContent xmlns:mc="http://schemas.openxmlformats.org/markup-compatibility/2006" xmlns:a14="http://schemas.microsoft.com/office/drawing/2010/main">
+        <mc:Choice Requires="a14">
           <p:sp>
             <p:nvSpPr>
               <p:cNvPr id="26" name="TextBox 25">
@@ -4029,7 +4056,7 @@
             </p:txBody>
           </p:sp>
         </mc:Choice>
-        <mc:Fallback>
+        <mc:Fallback xmlns="">
           <p:sp>
             <p:nvSpPr>
               <p:cNvPr id="26" name="TextBox 25">
@@ -4074,8 +4101,8 @@
           </p:sp>
         </mc:Fallback>
       </mc:AlternateContent>
-      <mc:AlternateContent xmlns:mc="http://schemas.openxmlformats.org/markup-compatibility/2006">
-        <mc:Choice xmlns:a14="http://schemas.microsoft.com/office/drawing/2010/main" Requires="a14">
+      <mc:AlternateContent xmlns:mc="http://schemas.openxmlformats.org/markup-compatibility/2006" xmlns:a14="http://schemas.microsoft.com/office/drawing/2010/main">
+        <mc:Choice Requires="a14">
           <p:sp>
             <p:nvSpPr>
               <p:cNvPr id="27" name="TextBox 26">
@@ -4203,7 +4230,7 @@
             </p:txBody>
           </p:sp>
         </mc:Choice>
-        <mc:Fallback>
+        <mc:Fallback xmlns="">
           <p:sp>
             <p:nvSpPr>
               <p:cNvPr id="27" name="TextBox 26">
@@ -4248,8 +4275,8 @@
           </p:sp>
         </mc:Fallback>
       </mc:AlternateContent>
-      <mc:AlternateContent xmlns:mc="http://schemas.openxmlformats.org/markup-compatibility/2006">
-        <mc:Choice xmlns:a14="http://schemas.microsoft.com/office/drawing/2010/main" Requires="a14">
+      <mc:AlternateContent xmlns:mc="http://schemas.openxmlformats.org/markup-compatibility/2006" xmlns:a14="http://schemas.microsoft.com/office/drawing/2010/main">
+        <mc:Choice Requires="a14">
           <p:sp>
             <p:nvSpPr>
               <p:cNvPr id="28" name="TextBox 27">
@@ -4377,7 +4404,7 @@
             </p:txBody>
           </p:sp>
         </mc:Choice>
-        <mc:Fallback>
+        <mc:Fallback xmlns="">
           <p:sp>
             <p:nvSpPr>
               <p:cNvPr id="28" name="TextBox 27">
@@ -4537,8 +4564,8 @@
           </a:p>
         </p:txBody>
       </p:sp>
-      <mc:AlternateContent xmlns:mc="http://schemas.openxmlformats.org/markup-compatibility/2006">
-        <mc:Choice xmlns:a14="http://schemas.microsoft.com/office/drawing/2010/main" Requires="a14">
+      <mc:AlternateContent xmlns:mc="http://schemas.openxmlformats.org/markup-compatibility/2006" xmlns:a14="http://schemas.microsoft.com/office/drawing/2010/main">
+        <mc:Choice Requires="a14">
           <p:sp>
             <p:nvSpPr>
               <p:cNvPr id="30" name="TextBox 29">
@@ -4666,7 +4693,7 @@
             </p:txBody>
           </p:sp>
         </mc:Choice>
-        <mc:Fallback>
+        <mc:Fallback xmlns="">
           <p:sp>
             <p:nvSpPr>
               <p:cNvPr id="30" name="TextBox 29">
@@ -4711,8 +4738,8 @@
           </p:sp>
         </mc:Fallback>
       </mc:AlternateContent>
-      <mc:AlternateContent xmlns:mc="http://schemas.openxmlformats.org/markup-compatibility/2006">
-        <mc:Choice xmlns:a14="http://schemas.microsoft.com/office/drawing/2010/main" Requires="a14">
+      <mc:AlternateContent xmlns:mc="http://schemas.openxmlformats.org/markup-compatibility/2006" xmlns:a14="http://schemas.microsoft.com/office/drawing/2010/main">
+        <mc:Choice Requires="a14">
           <p:sp>
             <p:nvSpPr>
               <p:cNvPr id="31" name="TextBox 30">
@@ -4872,7 +4899,7 @@
             </p:txBody>
           </p:sp>
         </mc:Choice>
-        <mc:Fallback>
+        <mc:Fallback xmlns="">
           <p:sp>
             <p:nvSpPr>
               <p:cNvPr id="31" name="TextBox 30">
@@ -4917,8 +4944,8 @@
           </p:sp>
         </mc:Fallback>
       </mc:AlternateContent>
-      <mc:AlternateContent xmlns:mc="http://schemas.openxmlformats.org/markup-compatibility/2006">
-        <mc:Choice xmlns:a14="http://schemas.microsoft.com/office/drawing/2010/main" Requires="a14">
+      <mc:AlternateContent xmlns:mc="http://schemas.openxmlformats.org/markup-compatibility/2006" xmlns:a14="http://schemas.microsoft.com/office/drawing/2010/main">
+        <mc:Choice Requires="a14">
           <p:sp>
             <p:nvSpPr>
               <p:cNvPr id="32" name="TextBox 31">
@@ -5046,7 +5073,7 @@
             </p:txBody>
           </p:sp>
         </mc:Choice>
-        <mc:Fallback>
+        <mc:Fallback xmlns="">
           <p:sp>
             <p:nvSpPr>
               <p:cNvPr id="32" name="TextBox 31">
@@ -5373,8 +5400,8 @@
           </a:fontRef>
         </p:style>
       </p:cxnSp>
-      <mc:AlternateContent xmlns:mc="http://schemas.openxmlformats.org/markup-compatibility/2006">
-        <mc:Choice xmlns:a14="http://schemas.microsoft.com/office/drawing/2010/main" Requires="a14">
+      <mc:AlternateContent xmlns:mc="http://schemas.openxmlformats.org/markup-compatibility/2006" xmlns:a14="http://schemas.microsoft.com/office/drawing/2010/main">
+        <mc:Choice Requires="a14">
           <p:sp>
             <p:nvSpPr>
               <p:cNvPr id="37" name="TextBox 36">
@@ -5463,7 +5490,7 @@
             </p:txBody>
           </p:sp>
         </mc:Choice>
-        <mc:Fallback>
+        <mc:Fallback xmlns="">
           <p:sp>
             <p:nvSpPr>
               <p:cNvPr id="37" name="TextBox 36">
@@ -5508,8 +5535,8 @@
           </p:sp>
         </mc:Fallback>
       </mc:AlternateContent>
-      <mc:AlternateContent xmlns:mc="http://schemas.openxmlformats.org/markup-compatibility/2006">
-        <mc:Choice xmlns:a14="http://schemas.microsoft.com/office/drawing/2010/main" Requires="a14">
+      <mc:AlternateContent xmlns:mc="http://schemas.openxmlformats.org/markup-compatibility/2006" xmlns:a14="http://schemas.microsoft.com/office/drawing/2010/main">
+        <mc:Choice Requires="a14">
           <p:sp>
             <p:nvSpPr>
               <p:cNvPr id="38" name="TextBox 37">
@@ -5598,7 +5625,7 @@
             </p:txBody>
           </p:sp>
         </mc:Choice>
-        <mc:Fallback>
+        <mc:Fallback xmlns="">
           <p:sp>
             <p:nvSpPr>
               <p:cNvPr id="38" name="TextBox 37">
@@ -5731,8 +5758,8 @@
           </a:fontRef>
         </p:style>
       </p:cxnSp>
-      <mc:AlternateContent xmlns:mc="http://schemas.openxmlformats.org/markup-compatibility/2006">
-        <mc:Choice xmlns:a14="http://schemas.microsoft.com/office/drawing/2010/main" Requires="a14">
+      <mc:AlternateContent xmlns:mc="http://schemas.openxmlformats.org/markup-compatibility/2006" xmlns:a14="http://schemas.microsoft.com/office/drawing/2010/main">
+        <mc:Choice Requires="a14">
           <p:sp>
             <p:nvSpPr>
               <p:cNvPr id="41" name="TextBox 40">
@@ -5821,7 +5848,7 @@
             </p:txBody>
           </p:sp>
         </mc:Choice>
-        <mc:Fallback>
+        <mc:Fallback xmlns="">
           <p:sp>
             <p:nvSpPr>
               <p:cNvPr id="41" name="TextBox 40">
@@ -5866,8 +5893,8 @@
           </p:sp>
         </mc:Fallback>
       </mc:AlternateContent>
-      <mc:AlternateContent xmlns:mc="http://schemas.openxmlformats.org/markup-compatibility/2006">
-        <mc:Choice xmlns:a14="http://schemas.microsoft.com/office/drawing/2010/main" Requires="a14">
+      <mc:AlternateContent xmlns:mc="http://schemas.openxmlformats.org/markup-compatibility/2006" xmlns:a14="http://schemas.microsoft.com/office/drawing/2010/main">
+        <mc:Choice Requires="a14">
           <p:sp>
             <p:nvSpPr>
               <p:cNvPr id="42" name="TextBox 41">
@@ -5956,7 +5983,7 @@
             </p:txBody>
           </p:sp>
         </mc:Choice>
-        <mc:Fallback>
+        <mc:Fallback xmlns="">
           <p:sp>
             <p:nvSpPr>
               <p:cNvPr id="42" name="TextBox 41">
@@ -6264,8 +6291,8 @@
             <a:chExt cx="1614353" cy="800212"/>
           </a:xfrm>
         </p:grpSpPr>
-        <mc:AlternateContent xmlns:mc="http://schemas.openxmlformats.org/markup-compatibility/2006">
-          <mc:Choice xmlns:a14="http://schemas.microsoft.com/office/drawing/2010/main" Requires="a14">
+        <mc:AlternateContent xmlns:mc="http://schemas.openxmlformats.org/markup-compatibility/2006" xmlns:a14="http://schemas.microsoft.com/office/drawing/2010/main">
+          <mc:Choice Requires="a14">
             <p:sp>
               <p:nvSpPr>
                 <p:cNvPr id="47" name="TextBox 46">
@@ -6528,7 +6555,7 @@
               </p:txBody>
             </p:sp>
           </mc:Choice>
-          <mc:Fallback>
+          <mc:Fallback xmlns="">
             <p:sp>
               <p:nvSpPr>
                 <p:cNvPr id="47" name="TextBox 46">
@@ -6573,8 +6600,8 @@
             </p:sp>
           </mc:Fallback>
         </mc:AlternateContent>
-        <mc:AlternateContent xmlns:mc="http://schemas.openxmlformats.org/markup-compatibility/2006">
-          <mc:Choice xmlns:a14="http://schemas.microsoft.com/office/drawing/2010/main" Requires="a14">
+        <mc:AlternateContent xmlns:mc="http://schemas.openxmlformats.org/markup-compatibility/2006" xmlns:a14="http://schemas.microsoft.com/office/drawing/2010/main">
+          <mc:Choice Requires="a14">
             <p:sp>
               <p:nvSpPr>
                 <p:cNvPr id="48" name="TextBox 47">
@@ -6837,7 +6864,7 @@
               </p:txBody>
             </p:sp>
           </mc:Choice>
-          <mc:Fallback>
+          <mc:Fallback xmlns="">
             <p:sp>
               <p:nvSpPr>
                 <p:cNvPr id="48" name="TextBox 47">
@@ -7368,8 +7395,8 @@
           </a:p>
         </p:txBody>
       </p:sp>
-      <mc:AlternateContent xmlns:mc="http://schemas.openxmlformats.org/markup-compatibility/2006">
-        <mc:Choice xmlns:a14="http://schemas.microsoft.com/office/drawing/2010/main" Requires="a14">
+      <mc:AlternateContent xmlns:mc="http://schemas.openxmlformats.org/markup-compatibility/2006" xmlns:a14="http://schemas.microsoft.com/office/drawing/2010/main">
+        <mc:Choice Requires="a14">
           <p:sp>
             <p:nvSpPr>
               <p:cNvPr id="26" name="TextBox 25">
@@ -7497,7 +7524,7 @@
             </p:txBody>
           </p:sp>
         </mc:Choice>
-        <mc:Fallback>
+        <mc:Fallback xmlns="">
           <p:sp>
             <p:nvSpPr>
               <p:cNvPr id="26" name="TextBox 25">
@@ -7542,8 +7569,8 @@
           </p:sp>
         </mc:Fallback>
       </mc:AlternateContent>
-      <mc:AlternateContent xmlns:mc="http://schemas.openxmlformats.org/markup-compatibility/2006">
-        <mc:Choice xmlns:a14="http://schemas.microsoft.com/office/drawing/2010/main" Requires="a14">
+      <mc:AlternateContent xmlns:mc="http://schemas.openxmlformats.org/markup-compatibility/2006" xmlns:a14="http://schemas.microsoft.com/office/drawing/2010/main">
+        <mc:Choice Requires="a14">
           <p:sp>
             <p:nvSpPr>
               <p:cNvPr id="27" name="TextBox 26">
@@ -7671,7 +7698,7 @@
             </p:txBody>
           </p:sp>
         </mc:Choice>
-        <mc:Fallback>
+        <mc:Fallback xmlns="">
           <p:sp>
             <p:nvSpPr>
               <p:cNvPr id="27" name="TextBox 26">
@@ -7716,8 +7743,8 @@
           </p:sp>
         </mc:Fallback>
       </mc:AlternateContent>
-      <mc:AlternateContent xmlns:mc="http://schemas.openxmlformats.org/markup-compatibility/2006">
-        <mc:Choice xmlns:a14="http://schemas.microsoft.com/office/drawing/2010/main" Requires="a14">
+      <mc:AlternateContent xmlns:mc="http://schemas.openxmlformats.org/markup-compatibility/2006" xmlns:a14="http://schemas.microsoft.com/office/drawing/2010/main">
+        <mc:Choice Requires="a14">
           <p:sp>
             <p:nvSpPr>
               <p:cNvPr id="28" name="TextBox 27">
@@ -7845,7 +7872,7 @@
             </p:txBody>
           </p:sp>
         </mc:Choice>
-        <mc:Fallback>
+        <mc:Fallback xmlns="">
           <p:sp>
             <p:nvSpPr>
               <p:cNvPr id="28" name="TextBox 27">
@@ -8005,8 +8032,8 @@
           </a:p>
         </p:txBody>
       </p:sp>
-      <mc:AlternateContent xmlns:mc="http://schemas.openxmlformats.org/markup-compatibility/2006">
-        <mc:Choice xmlns:a14="http://schemas.microsoft.com/office/drawing/2010/main" Requires="a14">
+      <mc:AlternateContent xmlns:mc="http://schemas.openxmlformats.org/markup-compatibility/2006" xmlns:a14="http://schemas.microsoft.com/office/drawing/2010/main">
+        <mc:Choice Requires="a14">
           <p:sp>
             <p:nvSpPr>
               <p:cNvPr id="30" name="TextBox 29">
@@ -8134,7 +8161,7 @@
             </p:txBody>
           </p:sp>
         </mc:Choice>
-        <mc:Fallback>
+        <mc:Fallback xmlns="">
           <p:sp>
             <p:nvSpPr>
               <p:cNvPr id="30" name="TextBox 29">
@@ -8179,8 +8206,8 @@
           </p:sp>
         </mc:Fallback>
       </mc:AlternateContent>
-      <mc:AlternateContent xmlns:mc="http://schemas.openxmlformats.org/markup-compatibility/2006">
-        <mc:Choice xmlns:a14="http://schemas.microsoft.com/office/drawing/2010/main" Requires="a14">
+      <mc:AlternateContent xmlns:mc="http://schemas.openxmlformats.org/markup-compatibility/2006" xmlns:a14="http://schemas.microsoft.com/office/drawing/2010/main">
+        <mc:Choice Requires="a14">
           <p:sp>
             <p:nvSpPr>
               <p:cNvPr id="31" name="TextBox 30">
@@ -8340,7 +8367,7 @@
             </p:txBody>
           </p:sp>
         </mc:Choice>
-        <mc:Fallback>
+        <mc:Fallback xmlns="">
           <p:sp>
             <p:nvSpPr>
               <p:cNvPr id="31" name="TextBox 30">
@@ -8667,8 +8694,8 @@
           </a:fontRef>
         </p:style>
       </p:cxnSp>
-      <mc:AlternateContent xmlns:mc="http://schemas.openxmlformats.org/markup-compatibility/2006">
-        <mc:Choice xmlns:a14="http://schemas.microsoft.com/office/drawing/2010/main" Requires="a14">
+      <mc:AlternateContent xmlns:mc="http://schemas.openxmlformats.org/markup-compatibility/2006" xmlns:a14="http://schemas.microsoft.com/office/drawing/2010/main">
+        <mc:Choice Requires="a14">
           <p:sp>
             <p:nvSpPr>
               <p:cNvPr id="37" name="TextBox 36">
@@ -8757,7 +8784,7 @@
             </p:txBody>
           </p:sp>
         </mc:Choice>
-        <mc:Fallback>
+        <mc:Fallback xmlns="">
           <p:sp>
             <p:nvSpPr>
               <p:cNvPr id="37" name="TextBox 36">
@@ -8802,8 +8829,8 @@
           </p:sp>
         </mc:Fallback>
       </mc:AlternateContent>
-      <mc:AlternateContent xmlns:mc="http://schemas.openxmlformats.org/markup-compatibility/2006">
-        <mc:Choice xmlns:a14="http://schemas.microsoft.com/office/drawing/2010/main" Requires="a14">
+      <mc:AlternateContent xmlns:mc="http://schemas.openxmlformats.org/markup-compatibility/2006" xmlns:a14="http://schemas.microsoft.com/office/drawing/2010/main">
+        <mc:Choice Requires="a14">
           <p:sp>
             <p:nvSpPr>
               <p:cNvPr id="38" name="TextBox 37">
@@ -8892,7 +8919,7 @@
             </p:txBody>
           </p:sp>
         </mc:Choice>
-        <mc:Fallback>
+        <mc:Fallback xmlns="">
           <p:sp>
             <p:nvSpPr>
               <p:cNvPr id="38" name="TextBox 37">
@@ -9306,8 +9333,8 @@
           </a:p>
         </p:txBody>
       </p:sp>
-      <mc:AlternateContent xmlns:mc="http://schemas.openxmlformats.org/markup-compatibility/2006">
-        <mc:Choice xmlns:a14="http://schemas.microsoft.com/office/drawing/2010/main" Requires="a14">
+      <mc:AlternateContent xmlns:mc="http://schemas.openxmlformats.org/markup-compatibility/2006" xmlns:a14="http://schemas.microsoft.com/office/drawing/2010/main">
+        <mc:Choice Requires="a14">
           <p:sp>
             <p:nvSpPr>
               <p:cNvPr id="32" name="TextBox 31">
@@ -9435,7 +9462,7 @@
             </p:txBody>
           </p:sp>
         </mc:Choice>
-        <mc:Fallback>
+        <mc:Fallback xmlns="">
           <p:sp>
             <p:nvSpPr>
               <p:cNvPr id="32" name="TextBox 31">
@@ -9588,8 +9615,8 @@
             </a:fontRef>
           </p:style>
         </p:cxnSp>
-        <mc:AlternateContent xmlns:mc="http://schemas.openxmlformats.org/markup-compatibility/2006">
-          <mc:Choice xmlns:a14="http://schemas.microsoft.com/office/drawing/2010/main" Requires="a14">
+        <mc:AlternateContent xmlns:mc="http://schemas.openxmlformats.org/markup-compatibility/2006" xmlns:a14="http://schemas.microsoft.com/office/drawing/2010/main">
+          <mc:Choice Requires="a14">
             <p:sp>
               <p:nvSpPr>
                 <p:cNvPr id="41" name="TextBox 40">
@@ -9678,7 +9705,7 @@
               </p:txBody>
             </p:sp>
           </mc:Choice>
-          <mc:Fallback>
+          <mc:Fallback xmlns="">
             <p:sp>
               <p:nvSpPr>
                 <p:cNvPr id="41" name="TextBox 40">
@@ -9723,8 +9750,8 @@
             </p:sp>
           </mc:Fallback>
         </mc:AlternateContent>
-        <mc:AlternateContent xmlns:mc="http://schemas.openxmlformats.org/markup-compatibility/2006">
-          <mc:Choice xmlns:a14="http://schemas.microsoft.com/office/drawing/2010/main" Requires="a14">
+        <mc:AlternateContent xmlns:mc="http://schemas.openxmlformats.org/markup-compatibility/2006" xmlns:a14="http://schemas.microsoft.com/office/drawing/2010/main">
+          <mc:Choice Requires="a14">
             <p:sp>
               <p:nvSpPr>
                 <p:cNvPr id="42" name="TextBox 41">
@@ -9813,7 +9840,7 @@
               </p:txBody>
             </p:sp>
           </mc:Choice>
-          <mc:Fallback>
+          <mc:Fallback xmlns="">
             <p:sp>
               <p:nvSpPr>
                 <p:cNvPr id="42" name="TextBox 41">
@@ -9940,8 +9967,8 @@
           </p:txBody>
         </p:sp>
       </p:grpSp>
-      <mc:AlternateContent xmlns:mc="http://schemas.openxmlformats.org/markup-compatibility/2006">
-        <mc:Choice xmlns:a14="http://schemas.microsoft.com/office/drawing/2010/main" Requires="a14">
+      <mc:AlternateContent xmlns:mc="http://schemas.openxmlformats.org/markup-compatibility/2006" xmlns:a14="http://schemas.microsoft.com/office/drawing/2010/main">
+        <mc:Choice Requires="a14">
           <p:sp>
             <p:nvSpPr>
               <p:cNvPr id="7" name="TextBox 6">
@@ -10085,7 +10112,7 @@
             </p:txBody>
           </p:sp>
         </mc:Choice>
-        <mc:Fallback>
+        <mc:Fallback xmlns="">
           <p:sp>
             <p:nvSpPr>
               <p:cNvPr id="7" name="TextBox 6">
@@ -10130,8 +10157,8 @@
           </p:sp>
         </mc:Fallback>
       </mc:AlternateContent>
-      <mc:AlternateContent xmlns:mc="http://schemas.openxmlformats.org/markup-compatibility/2006">
-        <mc:Choice xmlns:a14="http://schemas.microsoft.com/office/drawing/2010/main" Requires="a14">
+      <mc:AlternateContent xmlns:mc="http://schemas.openxmlformats.org/markup-compatibility/2006" xmlns:a14="http://schemas.microsoft.com/office/drawing/2010/main">
+        <mc:Choice Requires="a14">
           <p:sp>
             <p:nvSpPr>
               <p:cNvPr id="8" name="TextBox 7">
@@ -10275,7 +10302,7 @@
             </p:txBody>
           </p:sp>
         </mc:Choice>
-        <mc:Fallback>
+        <mc:Fallback xmlns="">
           <p:sp>
             <p:nvSpPr>
               <p:cNvPr id="8" name="TextBox 7">
@@ -10408,8 +10435,8 @@
           </a:fontRef>
         </p:style>
       </p:cxnSp>
-      <mc:AlternateContent xmlns:mc="http://schemas.openxmlformats.org/markup-compatibility/2006">
-        <mc:Choice xmlns:a14="http://schemas.microsoft.com/office/drawing/2010/main" Requires="a14">
+      <mc:AlternateContent xmlns:mc="http://schemas.openxmlformats.org/markup-compatibility/2006" xmlns:a14="http://schemas.microsoft.com/office/drawing/2010/main">
+        <mc:Choice Requires="a14">
           <p:sp>
             <p:nvSpPr>
               <p:cNvPr id="48" name="TextBox 47">
@@ -10775,7 +10802,7 @@
             </p:txBody>
           </p:sp>
         </mc:Choice>
-        <mc:Fallback>
+        <mc:Fallback xmlns="">
           <p:sp>
             <p:nvSpPr>
               <p:cNvPr id="48" name="TextBox 47">
@@ -10820,8 +10847,8 @@
           </p:sp>
         </mc:Fallback>
       </mc:AlternateContent>
-      <mc:AlternateContent xmlns:mc="http://schemas.openxmlformats.org/markup-compatibility/2006">
-        <mc:Choice xmlns:a14="http://schemas.microsoft.com/office/drawing/2010/main" Requires="a14">
+      <mc:AlternateContent xmlns:mc="http://schemas.openxmlformats.org/markup-compatibility/2006" xmlns:a14="http://schemas.microsoft.com/office/drawing/2010/main">
+        <mc:Choice Requires="a14">
           <p:sp>
             <p:nvSpPr>
               <p:cNvPr id="49" name="TextBox 48">
@@ -11203,7 +11230,7 @@
             </p:txBody>
           </p:sp>
         </mc:Choice>
-        <mc:Fallback>
+        <mc:Fallback xmlns="">
           <p:sp>
             <p:nvSpPr>
               <p:cNvPr id="49" name="TextBox 48">
@@ -11773,8 +11800,8 @@
               </a:p>
             </p:txBody>
           </p:sp>
-          <mc:AlternateContent xmlns:mc="http://schemas.openxmlformats.org/markup-compatibility/2006">
-            <mc:Choice xmlns:a14="http://schemas.microsoft.com/office/drawing/2010/main" Requires="a14">
+          <mc:AlternateContent xmlns:mc="http://schemas.openxmlformats.org/markup-compatibility/2006" xmlns:a14="http://schemas.microsoft.com/office/drawing/2010/main">
+            <mc:Choice Requires="a14">
               <p:sp>
                 <p:nvSpPr>
                   <p:cNvPr id="26" name="TextBox 25">
@@ -11902,7 +11929,7 @@
                 </p:txBody>
               </p:sp>
             </mc:Choice>
-            <mc:Fallback>
+            <mc:Fallback xmlns="">
               <p:sp>
                 <p:nvSpPr>
                   <p:cNvPr id="26" name="TextBox 25">
@@ -11947,8 +11974,8 @@
               </p:sp>
             </mc:Fallback>
           </mc:AlternateContent>
-          <mc:AlternateContent xmlns:mc="http://schemas.openxmlformats.org/markup-compatibility/2006">
-            <mc:Choice xmlns:a14="http://schemas.microsoft.com/office/drawing/2010/main" Requires="a14">
+          <mc:AlternateContent xmlns:mc="http://schemas.openxmlformats.org/markup-compatibility/2006" xmlns:a14="http://schemas.microsoft.com/office/drawing/2010/main">
+            <mc:Choice Requires="a14">
               <p:sp>
                 <p:nvSpPr>
                   <p:cNvPr id="27" name="TextBox 26">
@@ -12076,7 +12103,7 @@
                 </p:txBody>
               </p:sp>
             </mc:Choice>
-            <mc:Fallback>
+            <mc:Fallback xmlns="">
               <p:sp>
                 <p:nvSpPr>
                   <p:cNvPr id="27" name="TextBox 26">
@@ -12121,8 +12148,8 @@
               </p:sp>
             </mc:Fallback>
           </mc:AlternateContent>
-          <mc:AlternateContent xmlns:mc="http://schemas.openxmlformats.org/markup-compatibility/2006">
-            <mc:Choice xmlns:a14="http://schemas.microsoft.com/office/drawing/2010/main" Requires="a14">
+          <mc:AlternateContent xmlns:mc="http://schemas.openxmlformats.org/markup-compatibility/2006" xmlns:a14="http://schemas.microsoft.com/office/drawing/2010/main">
+            <mc:Choice Requires="a14">
               <p:sp>
                 <p:nvSpPr>
                   <p:cNvPr id="28" name="TextBox 27">
@@ -12250,7 +12277,7 @@
                 </p:txBody>
               </p:sp>
             </mc:Choice>
-            <mc:Fallback>
+            <mc:Fallback xmlns="">
               <p:sp>
                 <p:nvSpPr>
                   <p:cNvPr id="28" name="TextBox 27">
@@ -12410,8 +12437,8 @@
               </a:p>
             </p:txBody>
           </p:sp>
-          <mc:AlternateContent xmlns:mc="http://schemas.openxmlformats.org/markup-compatibility/2006">
-            <mc:Choice xmlns:a14="http://schemas.microsoft.com/office/drawing/2010/main" Requires="a14">
+          <mc:AlternateContent xmlns:mc="http://schemas.openxmlformats.org/markup-compatibility/2006" xmlns:a14="http://schemas.microsoft.com/office/drawing/2010/main">
+            <mc:Choice Requires="a14">
               <p:sp>
                 <p:nvSpPr>
                   <p:cNvPr id="30" name="TextBox 29">
@@ -12539,7 +12566,7 @@
                 </p:txBody>
               </p:sp>
             </mc:Choice>
-            <mc:Fallback>
+            <mc:Fallback xmlns="">
               <p:sp>
                 <p:nvSpPr>
                   <p:cNvPr id="30" name="TextBox 29">
@@ -12584,8 +12611,8 @@
               </p:sp>
             </mc:Fallback>
           </mc:AlternateContent>
-          <mc:AlternateContent xmlns:mc="http://schemas.openxmlformats.org/markup-compatibility/2006">
-            <mc:Choice xmlns:a14="http://schemas.microsoft.com/office/drawing/2010/main" Requires="a14">
+          <mc:AlternateContent xmlns:mc="http://schemas.openxmlformats.org/markup-compatibility/2006" xmlns:a14="http://schemas.microsoft.com/office/drawing/2010/main">
+            <mc:Choice Requires="a14">
               <p:sp>
                 <p:nvSpPr>
                   <p:cNvPr id="31" name="TextBox 30">
@@ -12745,7 +12772,7 @@
                 </p:txBody>
               </p:sp>
             </mc:Choice>
-            <mc:Fallback>
+            <mc:Fallback xmlns="">
               <p:sp>
                 <p:nvSpPr>
                   <p:cNvPr id="31" name="TextBox 30">
@@ -13072,8 +13099,8 @@
               </a:fontRef>
             </p:style>
           </p:cxnSp>
-          <mc:AlternateContent xmlns:mc="http://schemas.openxmlformats.org/markup-compatibility/2006">
-            <mc:Choice xmlns:a14="http://schemas.microsoft.com/office/drawing/2010/main" Requires="a14">
+          <mc:AlternateContent xmlns:mc="http://schemas.openxmlformats.org/markup-compatibility/2006" xmlns:a14="http://schemas.microsoft.com/office/drawing/2010/main">
+            <mc:Choice Requires="a14">
               <p:sp>
                 <p:nvSpPr>
                   <p:cNvPr id="37" name="TextBox 36">
@@ -13162,7 +13189,7 @@
                 </p:txBody>
               </p:sp>
             </mc:Choice>
-            <mc:Fallback>
+            <mc:Fallback xmlns="">
               <p:sp>
                 <p:nvSpPr>
                   <p:cNvPr id="37" name="TextBox 36">
@@ -13207,8 +13234,8 @@
               </p:sp>
             </mc:Fallback>
           </mc:AlternateContent>
-          <mc:AlternateContent xmlns:mc="http://schemas.openxmlformats.org/markup-compatibility/2006">
-            <mc:Choice xmlns:a14="http://schemas.microsoft.com/office/drawing/2010/main" Requires="a14">
+          <mc:AlternateContent xmlns:mc="http://schemas.openxmlformats.org/markup-compatibility/2006" xmlns:a14="http://schemas.microsoft.com/office/drawing/2010/main">
+            <mc:Choice Requires="a14">
               <p:sp>
                 <p:nvSpPr>
                   <p:cNvPr id="38" name="TextBox 37">
@@ -13297,7 +13324,7 @@
                 </p:txBody>
               </p:sp>
             </mc:Choice>
-            <mc:Fallback>
+            <mc:Fallback xmlns="">
               <p:sp>
                 <p:nvSpPr>
                   <p:cNvPr id="38" name="TextBox 37">
@@ -13711,8 +13738,8 @@
               </a:p>
             </p:txBody>
           </p:sp>
-          <mc:AlternateContent xmlns:mc="http://schemas.openxmlformats.org/markup-compatibility/2006">
-            <mc:Choice xmlns:a14="http://schemas.microsoft.com/office/drawing/2010/main" Requires="a14">
+          <mc:AlternateContent xmlns:mc="http://schemas.openxmlformats.org/markup-compatibility/2006" xmlns:a14="http://schemas.microsoft.com/office/drawing/2010/main">
+            <mc:Choice Requires="a14">
               <p:sp>
                 <p:nvSpPr>
                   <p:cNvPr id="32" name="TextBox 31">
@@ -13840,7 +13867,7 @@
                 </p:txBody>
               </p:sp>
             </mc:Choice>
-            <mc:Fallback>
+            <mc:Fallback xmlns="">
               <p:sp>
                 <p:nvSpPr>
                   <p:cNvPr id="32" name="TextBox 31">
@@ -13993,8 +14020,8 @@
                 </a:fontRef>
               </p:style>
             </p:cxnSp>
-            <mc:AlternateContent xmlns:mc="http://schemas.openxmlformats.org/markup-compatibility/2006">
-              <mc:Choice xmlns:a14="http://schemas.microsoft.com/office/drawing/2010/main" Requires="a14">
+            <mc:AlternateContent xmlns:mc="http://schemas.openxmlformats.org/markup-compatibility/2006" xmlns:a14="http://schemas.microsoft.com/office/drawing/2010/main">
+              <mc:Choice Requires="a14">
                 <p:sp>
                   <p:nvSpPr>
                     <p:cNvPr id="41" name="TextBox 40">
@@ -14083,7 +14110,7 @@
                   </p:txBody>
                 </p:sp>
               </mc:Choice>
-              <mc:Fallback>
+              <mc:Fallback xmlns="">
                 <p:sp>
                   <p:nvSpPr>
                     <p:cNvPr id="41" name="TextBox 40">
@@ -14128,8 +14155,8 @@
                 </p:sp>
               </mc:Fallback>
             </mc:AlternateContent>
-            <mc:AlternateContent xmlns:mc="http://schemas.openxmlformats.org/markup-compatibility/2006">
-              <mc:Choice xmlns:a14="http://schemas.microsoft.com/office/drawing/2010/main" Requires="a14">
+            <mc:AlternateContent xmlns:mc="http://schemas.openxmlformats.org/markup-compatibility/2006" xmlns:a14="http://schemas.microsoft.com/office/drawing/2010/main">
+              <mc:Choice Requires="a14">
                 <p:sp>
                   <p:nvSpPr>
                     <p:cNvPr id="42" name="TextBox 41">
@@ -14218,7 +14245,7 @@
                   </p:txBody>
                 </p:sp>
               </mc:Choice>
-              <mc:Fallback>
+              <mc:Fallback xmlns="">
                 <p:sp>
                   <p:nvSpPr>
                     <p:cNvPr id="42" name="TextBox 41">
@@ -14515,8 +14542,8 @@
               <a:chExt cx="1614353" cy="800212"/>
             </a:xfrm>
           </p:grpSpPr>
-          <mc:AlternateContent xmlns:mc="http://schemas.openxmlformats.org/markup-compatibility/2006">
-            <mc:Choice xmlns:a14="http://schemas.microsoft.com/office/drawing/2010/main" Requires="a14">
+          <mc:AlternateContent xmlns:mc="http://schemas.openxmlformats.org/markup-compatibility/2006" xmlns:a14="http://schemas.microsoft.com/office/drawing/2010/main">
+            <mc:Choice Requires="a14">
               <p:sp>
                 <p:nvSpPr>
                   <p:cNvPr id="8" name="TextBox 7">
@@ -14779,7 +14806,7 @@
                 </p:txBody>
               </p:sp>
             </mc:Choice>
-            <mc:Fallback>
+            <mc:Fallback xmlns="">
               <p:sp>
                 <p:nvSpPr>
                   <p:cNvPr id="8" name="TextBox 7">
@@ -14824,8 +14851,8 @@
               </p:sp>
             </mc:Fallback>
           </mc:AlternateContent>
-          <mc:AlternateContent xmlns:mc="http://schemas.openxmlformats.org/markup-compatibility/2006">
-            <mc:Choice xmlns:a14="http://schemas.microsoft.com/office/drawing/2010/main" Requires="a14">
+          <mc:AlternateContent xmlns:mc="http://schemas.openxmlformats.org/markup-compatibility/2006" xmlns:a14="http://schemas.microsoft.com/office/drawing/2010/main">
+            <mc:Choice Requires="a14">
               <p:sp>
                 <p:nvSpPr>
                   <p:cNvPr id="10" name="TextBox 9">
@@ -15088,7 +15115,7 @@
                 </p:txBody>
               </p:sp>
             </mc:Choice>
-            <mc:Fallback>
+            <mc:Fallback xmlns="">
               <p:sp>
                 <p:nvSpPr>
                   <p:cNvPr id="10" name="TextBox 9">
@@ -15660,8 +15687,8 @@
               </a:p>
             </p:txBody>
           </p:sp>
-          <mc:AlternateContent xmlns:mc="http://schemas.openxmlformats.org/markup-compatibility/2006">
-            <mc:Choice xmlns:a14="http://schemas.microsoft.com/office/drawing/2010/main" Requires="a14">
+          <mc:AlternateContent xmlns:mc="http://schemas.openxmlformats.org/markup-compatibility/2006" xmlns:a14="http://schemas.microsoft.com/office/drawing/2010/main">
+            <mc:Choice Requires="a14">
               <p:sp>
                 <p:nvSpPr>
                   <p:cNvPr id="26" name="TextBox 25">
@@ -15789,7 +15816,7 @@
                 </p:txBody>
               </p:sp>
             </mc:Choice>
-            <mc:Fallback>
+            <mc:Fallback xmlns="">
               <p:sp>
                 <p:nvSpPr>
                   <p:cNvPr id="26" name="TextBox 25">
@@ -15834,8 +15861,8 @@
               </p:sp>
             </mc:Fallback>
           </mc:AlternateContent>
-          <mc:AlternateContent xmlns:mc="http://schemas.openxmlformats.org/markup-compatibility/2006">
-            <mc:Choice xmlns:a14="http://schemas.microsoft.com/office/drawing/2010/main" Requires="a14">
+          <mc:AlternateContent xmlns:mc="http://schemas.openxmlformats.org/markup-compatibility/2006" xmlns:a14="http://schemas.microsoft.com/office/drawing/2010/main">
+            <mc:Choice Requires="a14">
               <p:sp>
                 <p:nvSpPr>
                   <p:cNvPr id="27" name="TextBox 26">
@@ -15963,7 +15990,7 @@
                 </p:txBody>
               </p:sp>
             </mc:Choice>
-            <mc:Fallback>
+            <mc:Fallback xmlns="">
               <p:sp>
                 <p:nvSpPr>
                   <p:cNvPr id="27" name="TextBox 26">
@@ -16008,8 +16035,8 @@
               </p:sp>
             </mc:Fallback>
           </mc:AlternateContent>
-          <mc:AlternateContent xmlns:mc="http://schemas.openxmlformats.org/markup-compatibility/2006">
-            <mc:Choice xmlns:a14="http://schemas.microsoft.com/office/drawing/2010/main" Requires="a14">
+          <mc:AlternateContent xmlns:mc="http://schemas.openxmlformats.org/markup-compatibility/2006" xmlns:a14="http://schemas.microsoft.com/office/drawing/2010/main">
+            <mc:Choice Requires="a14">
               <p:sp>
                 <p:nvSpPr>
                   <p:cNvPr id="28" name="TextBox 27">
@@ -16137,7 +16164,7 @@
                 </p:txBody>
               </p:sp>
             </mc:Choice>
-            <mc:Fallback>
+            <mc:Fallback xmlns="">
               <p:sp>
                 <p:nvSpPr>
                   <p:cNvPr id="28" name="TextBox 27">
@@ -16297,8 +16324,8 @@
               </a:p>
             </p:txBody>
           </p:sp>
-          <mc:AlternateContent xmlns:mc="http://schemas.openxmlformats.org/markup-compatibility/2006">
-            <mc:Choice xmlns:a14="http://schemas.microsoft.com/office/drawing/2010/main" Requires="a14">
+          <mc:AlternateContent xmlns:mc="http://schemas.openxmlformats.org/markup-compatibility/2006" xmlns:a14="http://schemas.microsoft.com/office/drawing/2010/main">
+            <mc:Choice Requires="a14">
               <p:sp>
                 <p:nvSpPr>
                   <p:cNvPr id="30" name="TextBox 29">
@@ -16426,7 +16453,7 @@
                 </p:txBody>
               </p:sp>
             </mc:Choice>
-            <mc:Fallback>
+            <mc:Fallback xmlns="">
               <p:sp>
                 <p:nvSpPr>
                   <p:cNvPr id="30" name="TextBox 29">
@@ -16471,8 +16498,8 @@
               </p:sp>
             </mc:Fallback>
           </mc:AlternateContent>
-          <mc:AlternateContent xmlns:mc="http://schemas.openxmlformats.org/markup-compatibility/2006">
-            <mc:Choice xmlns:a14="http://schemas.microsoft.com/office/drawing/2010/main" Requires="a14">
+          <mc:AlternateContent xmlns:mc="http://schemas.openxmlformats.org/markup-compatibility/2006" xmlns:a14="http://schemas.microsoft.com/office/drawing/2010/main">
+            <mc:Choice Requires="a14">
               <p:sp>
                 <p:nvSpPr>
                   <p:cNvPr id="31" name="TextBox 30">
@@ -16632,7 +16659,7 @@
                 </p:txBody>
               </p:sp>
             </mc:Choice>
-            <mc:Fallback>
+            <mc:Fallback xmlns="">
               <p:sp>
                 <p:nvSpPr>
                   <p:cNvPr id="31" name="TextBox 30">
@@ -16959,8 +16986,8 @@
               </a:fontRef>
             </p:style>
           </p:cxnSp>
-          <mc:AlternateContent xmlns:mc="http://schemas.openxmlformats.org/markup-compatibility/2006">
-            <mc:Choice xmlns:a14="http://schemas.microsoft.com/office/drawing/2010/main" Requires="a14">
+          <mc:AlternateContent xmlns:mc="http://schemas.openxmlformats.org/markup-compatibility/2006" xmlns:a14="http://schemas.microsoft.com/office/drawing/2010/main">
+            <mc:Choice Requires="a14">
               <p:sp>
                 <p:nvSpPr>
                   <p:cNvPr id="37" name="TextBox 36">
@@ -17049,7 +17076,7 @@
                 </p:txBody>
               </p:sp>
             </mc:Choice>
-            <mc:Fallback>
+            <mc:Fallback xmlns="">
               <p:sp>
                 <p:nvSpPr>
                   <p:cNvPr id="37" name="TextBox 36">
@@ -17094,8 +17121,8 @@
               </p:sp>
             </mc:Fallback>
           </mc:AlternateContent>
-          <mc:AlternateContent xmlns:mc="http://schemas.openxmlformats.org/markup-compatibility/2006">
-            <mc:Choice xmlns:a14="http://schemas.microsoft.com/office/drawing/2010/main" Requires="a14">
+          <mc:AlternateContent xmlns:mc="http://schemas.openxmlformats.org/markup-compatibility/2006" xmlns:a14="http://schemas.microsoft.com/office/drawing/2010/main">
+            <mc:Choice Requires="a14">
               <p:sp>
                 <p:nvSpPr>
                   <p:cNvPr id="38" name="TextBox 37">
@@ -17184,7 +17211,7 @@
                 </p:txBody>
               </p:sp>
             </mc:Choice>
-            <mc:Fallback>
+            <mc:Fallback xmlns="">
               <p:sp>
                 <p:nvSpPr>
                   <p:cNvPr id="38" name="TextBox 37">
@@ -17598,8 +17625,8 @@
               </a:p>
             </p:txBody>
           </p:sp>
-          <mc:AlternateContent xmlns:mc="http://schemas.openxmlformats.org/markup-compatibility/2006">
-            <mc:Choice xmlns:a14="http://schemas.microsoft.com/office/drawing/2010/main" Requires="a14">
+          <mc:AlternateContent xmlns:mc="http://schemas.openxmlformats.org/markup-compatibility/2006" xmlns:a14="http://schemas.microsoft.com/office/drawing/2010/main">
+            <mc:Choice Requires="a14">
               <p:sp>
                 <p:nvSpPr>
                   <p:cNvPr id="32" name="TextBox 31">
@@ -17727,7 +17754,7 @@
                 </p:txBody>
               </p:sp>
             </mc:Choice>
-            <mc:Fallback>
+            <mc:Fallback xmlns="">
               <p:sp>
                 <p:nvSpPr>
                   <p:cNvPr id="32" name="TextBox 31">
@@ -17880,8 +17907,8 @@
                 </a:fontRef>
               </p:style>
             </p:cxnSp>
-            <mc:AlternateContent xmlns:mc="http://schemas.openxmlformats.org/markup-compatibility/2006">
-              <mc:Choice xmlns:a14="http://schemas.microsoft.com/office/drawing/2010/main" Requires="a14">
+            <mc:AlternateContent xmlns:mc="http://schemas.openxmlformats.org/markup-compatibility/2006" xmlns:a14="http://schemas.microsoft.com/office/drawing/2010/main">
+              <mc:Choice Requires="a14">
                 <p:sp>
                   <p:nvSpPr>
                     <p:cNvPr id="41" name="TextBox 40">
@@ -17970,7 +17997,7 @@
                   </p:txBody>
                 </p:sp>
               </mc:Choice>
-              <mc:Fallback>
+              <mc:Fallback xmlns="">
                 <p:sp>
                   <p:nvSpPr>
                     <p:cNvPr id="41" name="TextBox 40">
@@ -18015,8 +18042,8 @@
                 </p:sp>
               </mc:Fallback>
             </mc:AlternateContent>
-            <mc:AlternateContent xmlns:mc="http://schemas.openxmlformats.org/markup-compatibility/2006">
-              <mc:Choice xmlns:a14="http://schemas.microsoft.com/office/drawing/2010/main" Requires="a14">
+            <mc:AlternateContent xmlns:mc="http://schemas.openxmlformats.org/markup-compatibility/2006" xmlns:a14="http://schemas.microsoft.com/office/drawing/2010/main">
+              <mc:Choice Requires="a14">
                 <p:sp>
                   <p:nvSpPr>
                     <p:cNvPr id="42" name="TextBox 41">
@@ -18105,7 +18132,7 @@
                   </p:txBody>
                 </p:sp>
               </mc:Choice>
-              <mc:Fallback>
+              <mc:Fallback xmlns="">
                 <p:sp>
                   <p:nvSpPr>
                     <p:cNvPr id="42" name="TextBox 41">
@@ -18232,8 +18259,8 @@
               </p:txBody>
             </p:sp>
           </p:grpSp>
-          <mc:AlternateContent xmlns:mc="http://schemas.openxmlformats.org/markup-compatibility/2006">
-            <mc:Choice xmlns:a14="http://schemas.microsoft.com/office/drawing/2010/main" Requires="a14">
+          <mc:AlternateContent xmlns:mc="http://schemas.openxmlformats.org/markup-compatibility/2006" xmlns:a14="http://schemas.microsoft.com/office/drawing/2010/main">
+            <mc:Choice Requires="a14">
               <p:sp>
                 <p:nvSpPr>
                   <p:cNvPr id="7" name="TextBox 6">
@@ -18361,7 +18388,7 @@
                 </p:txBody>
               </p:sp>
             </mc:Choice>
-            <mc:Fallback>
+            <mc:Fallback xmlns="">
               <p:sp>
                 <p:nvSpPr>
                   <p:cNvPr id="7" name="TextBox 6">
@@ -18406,8 +18433,8 @@
               </p:sp>
             </mc:Fallback>
           </mc:AlternateContent>
-          <mc:AlternateContent xmlns:mc="http://schemas.openxmlformats.org/markup-compatibility/2006">
-            <mc:Choice xmlns:a14="http://schemas.microsoft.com/office/drawing/2010/main" Requires="a14">
+          <mc:AlternateContent xmlns:mc="http://schemas.openxmlformats.org/markup-compatibility/2006" xmlns:a14="http://schemas.microsoft.com/office/drawing/2010/main">
+            <mc:Choice Requires="a14">
               <p:sp>
                 <p:nvSpPr>
                   <p:cNvPr id="8" name="TextBox 7">
@@ -18551,7 +18578,7 @@
                 </p:txBody>
               </p:sp>
             </mc:Choice>
-            <mc:Fallback>
+            <mc:Fallback xmlns="">
               <p:sp>
                 <p:nvSpPr>
                   <p:cNvPr id="8" name="TextBox 7">
@@ -18684,8 +18711,8 @@
               </a:fontRef>
             </p:style>
           </p:cxnSp>
-          <mc:AlternateContent xmlns:mc="http://schemas.openxmlformats.org/markup-compatibility/2006">
-            <mc:Choice xmlns:a14="http://schemas.microsoft.com/office/drawing/2010/main" Requires="a14">
+          <mc:AlternateContent xmlns:mc="http://schemas.openxmlformats.org/markup-compatibility/2006" xmlns:a14="http://schemas.microsoft.com/office/drawing/2010/main">
+            <mc:Choice Requires="a14">
               <p:sp>
                 <p:nvSpPr>
                   <p:cNvPr id="12" name="TextBox 11">
@@ -18813,7 +18840,7 @@
                 </p:txBody>
               </p:sp>
             </mc:Choice>
-            <mc:Fallback>
+            <mc:Fallback xmlns="">
               <p:sp>
                 <p:nvSpPr>
                   <p:cNvPr id="12" name="TextBox 11">
@@ -18858,8 +18885,8 @@
               </p:sp>
             </mc:Fallback>
           </mc:AlternateContent>
-          <mc:AlternateContent xmlns:mc="http://schemas.openxmlformats.org/markup-compatibility/2006">
-            <mc:Choice xmlns:a14="http://schemas.microsoft.com/office/drawing/2010/main" Requires="a14">
+          <mc:AlternateContent xmlns:mc="http://schemas.openxmlformats.org/markup-compatibility/2006" xmlns:a14="http://schemas.microsoft.com/office/drawing/2010/main">
+            <mc:Choice Requires="a14">
               <p:sp>
                 <p:nvSpPr>
                   <p:cNvPr id="13" name="TextBox 12">
@@ -19003,7 +19030,7 @@
                 </p:txBody>
               </p:sp>
             </mc:Choice>
-            <mc:Fallback>
+            <mc:Fallback xmlns="">
               <p:sp>
                 <p:nvSpPr>
                   <p:cNvPr id="13" name="TextBox 12">
@@ -19157,8 +19184,8 @@
               <a:chExt cx="5844805" cy="819961"/>
             </a:xfrm>
           </p:grpSpPr>
-          <mc:AlternateContent xmlns:mc="http://schemas.openxmlformats.org/markup-compatibility/2006">
-            <mc:Choice xmlns:a14="http://schemas.microsoft.com/office/drawing/2010/main" Requires="a14">
+          <mc:AlternateContent xmlns:mc="http://schemas.openxmlformats.org/markup-compatibility/2006" xmlns:a14="http://schemas.microsoft.com/office/drawing/2010/main">
+            <mc:Choice Requires="a14">
               <p:sp>
                 <p:nvSpPr>
                   <p:cNvPr id="20" name="TextBox 19">
@@ -19797,7 +19824,7 @@
                 </p:txBody>
               </p:sp>
             </mc:Choice>
-            <mc:Fallback>
+            <mc:Fallback xmlns="">
               <p:sp>
                 <p:nvSpPr>
                   <p:cNvPr id="20" name="TextBox 19">
@@ -19842,8 +19869,8 @@
               </p:sp>
             </mc:Fallback>
           </mc:AlternateContent>
-          <mc:AlternateContent xmlns:mc="http://schemas.openxmlformats.org/markup-compatibility/2006">
-            <mc:Choice xmlns:a14="http://schemas.microsoft.com/office/drawing/2010/main" Requires="a14">
+          <mc:AlternateContent xmlns:mc="http://schemas.openxmlformats.org/markup-compatibility/2006" xmlns:a14="http://schemas.microsoft.com/office/drawing/2010/main">
+            <mc:Choice Requires="a14">
               <p:sp>
                 <p:nvSpPr>
                   <p:cNvPr id="22" name="TextBox 21">
@@ -20482,7 +20509,7 @@
                 </p:txBody>
               </p:sp>
             </mc:Choice>
-            <mc:Fallback>
+            <mc:Fallback xmlns="">
               <p:sp>
                 <p:nvSpPr>
                   <p:cNvPr id="22" name="TextBox 21">
@@ -20740,8 +20767,8 @@
             </a:p>
           </p:txBody>
         </p:sp>
-        <mc:AlternateContent xmlns:mc="http://schemas.openxmlformats.org/markup-compatibility/2006">
-          <mc:Choice xmlns:a14="http://schemas.microsoft.com/office/drawing/2010/main" Requires="a14">
+        <mc:AlternateContent xmlns:mc="http://schemas.openxmlformats.org/markup-compatibility/2006" xmlns:a14="http://schemas.microsoft.com/office/drawing/2010/main">
+          <mc:Choice Requires="a14">
             <p:sp>
               <p:nvSpPr>
                 <p:cNvPr id="6" name="TextBox 5">
@@ -20869,7 +20896,7 @@
               </p:txBody>
             </p:sp>
           </mc:Choice>
-          <mc:Fallback>
+          <mc:Fallback xmlns="">
             <p:sp>
               <p:nvSpPr>
                 <p:cNvPr id="6" name="TextBox 5">
@@ -21002,8 +21029,8 @@
             </a:fontRef>
           </p:style>
         </p:cxnSp>
-        <mc:AlternateContent xmlns:mc="http://schemas.openxmlformats.org/markup-compatibility/2006">
-          <mc:Choice xmlns:a14="http://schemas.microsoft.com/office/drawing/2010/main" Requires="a14">
+        <mc:AlternateContent xmlns:mc="http://schemas.openxmlformats.org/markup-compatibility/2006" xmlns:a14="http://schemas.microsoft.com/office/drawing/2010/main">
+          <mc:Choice Requires="a14">
             <p:sp>
               <p:nvSpPr>
                 <p:cNvPr id="9" name="TextBox 8">
@@ -21092,7 +21119,7 @@
               </p:txBody>
             </p:sp>
           </mc:Choice>
-          <mc:Fallback>
+          <mc:Fallback xmlns="">
             <p:sp>
               <p:nvSpPr>
                 <p:cNvPr id="9" name="TextBox 8">
@@ -21466,8 +21493,8 @@
             </a:p>
           </p:txBody>
         </p:sp>
-        <mc:AlternateContent xmlns:mc="http://schemas.openxmlformats.org/markup-compatibility/2006">
-          <mc:Choice xmlns:a14="http://schemas.microsoft.com/office/drawing/2010/main" Requires="a14">
+        <mc:AlternateContent xmlns:mc="http://schemas.openxmlformats.org/markup-compatibility/2006" xmlns:a14="http://schemas.microsoft.com/office/drawing/2010/main">
+          <mc:Choice Requires="a14">
             <p:sp>
               <p:nvSpPr>
                 <p:cNvPr id="29" name="TextBox 28">
@@ -21595,7 +21622,7 @@
               </p:txBody>
             </p:sp>
           </mc:Choice>
-          <mc:Fallback>
+          <mc:Fallback xmlns="">
             <p:sp>
               <p:nvSpPr>
                 <p:cNvPr id="29" name="TextBox 28">
@@ -21748,8 +21775,8 @@
               </a:fontRef>
             </p:style>
           </p:cxnSp>
-          <mc:AlternateContent xmlns:mc="http://schemas.openxmlformats.org/markup-compatibility/2006">
-            <mc:Choice xmlns:a14="http://schemas.microsoft.com/office/drawing/2010/main" Requires="a14">
+          <mc:AlternateContent xmlns:mc="http://schemas.openxmlformats.org/markup-compatibility/2006" xmlns:a14="http://schemas.microsoft.com/office/drawing/2010/main">
+            <mc:Choice Requires="a14">
               <p:sp>
                 <p:nvSpPr>
                   <p:cNvPr id="33" name="TextBox 32">
@@ -21838,7 +21865,7 @@
                 </p:txBody>
               </p:sp>
             </mc:Choice>
-            <mc:Fallback>
+            <mc:Fallback xmlns="">
               <p:sp>
                 <p:nvSpPr>
                   <p:cNvPr id="33" name="TextBox 32">
@@ -21883,8 +21910,8 @@
               </p:sp>
             </mc:Fallback>
           </mc:AlternateContent>
-          <mc:AlternateContent xmlns:mc="http://schemas.openxmlformats.org/markup-compatibility/2006">
-            <mc:Choice xmlns:a14="http://schemas.microsoft.com/office/drawing/2010/main" Requires="a14">
+          <mc:AlternateContent xmlns:mc="http://schemas.openxmlformats.org/markup-compatibility/2006" xmlns:a14="http://schemas.microsoft.com/office/drawing/2010/main">
+            <mc:Choice Requires="a14">
               <p:sp>
                 <p:nvSpPr>
                   <p:cNvPr id="34" name="TextBox 33">
@@ -21973,7 +22000,7 @@
                 </p:txBody>
               </p:sp>
             </mc:Choice>
-            <mc:Fallback>
+            <mc:Fallback xmlns="">
               <p:sp>
                 <p:nvSpPr>
                   <p:cNvPr id="34" name="TextBox 33">
@@ -22370,6 +22397,1362 @@
 </p:sld>
 </file>
 
+<file path=ppt/slides/slide6.xml><?xml version="1.0" encoding="utf-8"?>
+<p:sld xmlns:a="http://schemas.openxmlformats.org/drawingml/2006/main" xmlns:r="http://schemas.openxmlformats.org/officeDocument/2006/relationships" xmlns:p="http://schemas.openxmlformats.org/presentationml/2006/main">
+  <p:cSld>
+    <p:spTree>
+      <p:nvGrpSpPr>
+        <p:cNvPr id="1" name=""/>
+        <p:cNvGrpSpPr/>
+        <p:nvPr/>
+      </p:nvGrpSpPr>
+      <p:grpSpPr>
+        <a:xfrm>
+          <a:off x="0" y="0"/>
+          <a:ext cx="0" cy="0"/>
+          <a:chOff x="0" y="0"/>
+          <a:chExt cx="0" cy="0"/>
+        </a:xfrm>
+      </p:grpSpPr>
+      <p:grpSp>
+        <p:nvGrpSpPr>
+          <p:cNvPr id="46" name="그룹 45">
+            <a:extLst>
+              <a:ext uri="{FF2B5EF4-FFF2-40B4-BE49-F238E27FC236}">
+                <a16:creationId xmlns:a16="http://schemas.microsoft.com/office/drawing/2014/main" id="{770B032C-D343-6FE6-EFF3-5018279BE160}"/>
+              </a:ext>
+            </a:extLst>
+          </p:cNvPr>
+          <p:cNvGrpSpPr/>
+          <p:nvPr/>
+        </p:nvGrpSpPr>
+        <p:grpSpPr>
+          <a:xfrm>
+            <a:off x="2179867" y="1326482"/>
+            <a:ext cx="7832266" cy="3473392"/>
+            <a:chOff x="2179867" y="1326482"/>
+            <a:chExt cx="7832266" cy="3473392"/>
+          </a:xfrm>
+        </p:grpSpPr>
+        <p:grpSp>
+          <p:nvGrpSpPr>
+            <p:cNvPr id="33" name="그룹 32">
+              <a:extLst>
+                <a:ext uri="{FF2B5EF4-FFF2-40B4-BE49-F238E27FC236}">
+                  <a16:creationId xmlns:a16="http://schemas.microsoft.com/office/drawing/2014/main" id="{70A4E659-EDA1-A0E8-75B9-17A1F39A1C71}"/>
+                </a:ext>
+              </a:extLst>
+            </p:cNvPr>
+            <p:cNvGrpSpPr/>
+            <p:nvPr/>
+          </p:nvGrpSpPr>
+          <p:grpSpPr>
+            <a:xfrm>
+              <a:off x="2179867" y="1326482"/>
+              <a:ext cx="7832266" cy="3473392"/>
+              <a:chOff x="2430780" y="1456022"/>
+              <a:chExt cx="7832266" cy="3473392"/>
+            </a:xfrm>
+          </p:grpSpPr>
+          <p:grpSp>
+            <p:nvGrpSpPr>
+              <p:cNvPr id="29" name="그룹 28">
+                <a:extLst>
+                  <a:ext uri="{FF2B5EF4-FFF2-40B4-BE49-F238E27FC236}">
+                    <a16:creationId xmlns:a16="http://schemas.microsoft.com/office/drawing/2014/main" id="{0B136872-BE65-8ADD-00B1-74791F7CF382}"/>
+                  </a:ext>
+                </a:extLst>
+              </p:cNvPr>
+              <p:cNvGrpSpPr/>
+              <p:nvPr/>
+            </p:nvGrpSpPr>
+            <p:grpSpPr>
+              <a:xfrm>
+                <a:off x="2430780" y="1456022"/>
+                <a:ext cx="7832266" cy="3013850"/>
+                <a:chOff x="2057400" y="1577942"/>
+                <a:chExt cx="7832266" cy="3013850"/>
+              </a:xfrm>
+            </p:grpSpPr>
+            <p:cxnSp>
+              <p:nvCxnSpPr>
+                <p:cNvPr id="5" name="직선 연결선 4">
+                  <a:extLst>
+                    <a:ext uri="{FF2B5EF4-FFF2-40B4-BE49-F238E27FC236}">
+                      <a16:creationId xmlns:a16="http://schemas.microsoft.com/office/drawing/2014/main" id="{1317BC2F-A90D-3F56-714C-02B606A12D12}"/>
+                    </a:ext>
+                  </a:extLst>
+                </p:cNvPr>
+                <p:cNvCxnSpPr>
+                  <a:cxnSpLocks/>
+                </p:cNvCxnSpPr>
+                <p:nvPr/>
+              </p:nvCxnSpPr>
+              <p:spPr>
+                <a:xfrm>
+                  <a:off x="2057400" y="3064476"/>
+                  <a:ext cx="2934730" cy="0"/>
+                </a:xfrm>
+                <a:prstGeom prst="line">
+                  <a:avLst/>
+                </a:prstGeom>
+              </p:spPr>
+              <p:style>
+                <a:lnRef idx="1">
+                  <a:schemeClr val="dk1"/>
+                </a:lnRef>
+                <a:fillRef idx="0">
+                  <a:schemeClr val="dk1"/>
+                </a:fillRef>
+                <a:effectRef idx="0">
+                  <a:schemeClr val="dk1"/>
+                </a:effectRef>
+                <a:fontRef idx="minor">
+                  <a:schemeClr val="tx1"/>
+                </a:fontRef>
+              </p:style>
+            </p:cxnSp>
+            <p:cxnSp>
+              <p:nvCxnSpPr>
+                <p:cNvPr id="7" name="직선 연결선 6">
+                  <a:extLst>
+                    <a:ext uri="{FF2B5EF4-FFF2-40B4-BE49-F238E27FC236}">
+                      <a16:creationId xmlns:a16="http://schemas.microsoft.com/office/drawing/2014/main" id="{2D4D31AC-230E-DD9A-0DA4-16C7C07F9A83}"/>
+                    </a:ext>
+                  </a:extLst>
+                </p:cNvPr>
+                <p:cNvCxnSpPr>
+                  <a:cxnSpLocks/>
+                </p:cNvCxnSpPr>
+                <p:nvPr/>
+              </p:nvCxnSpPr>
+              <p:spPr>
+                <a:xfrm>
+                  <a:off x="2782330" y="3847071"/>
+                  <a:ext cx="1484870" cy="0"/>
+                </a:xfrm>
+                <a:prstGeom prst="line">
+                  <a:avLst/>
+                </a:prstGeom>
+                <a:ln w="28575"/>
+              </p:spPr>
+              <p:style>
+                <a:lnRef idx="1">
+                  <a:schemeClr val="dk1"/>
+                </a:lnRef>
+                <a:fillRef idx="0">
+                  <a:schemeClr val="dk1"/>
+                </a:fillRef>
+                <a:effectRef idx="0">
+                  <a:schemeClr val="dk1"/>
+                </a:effectRef>
+                <a:fontRef idx="minor">
+                  <a:schemeClr val="tx1"/>
+                </a:fontRef>
+              </p:style>
+            </p:cxnSp>
+            <p:cxnSp>
+              <p:nvCxnSpPr>
+                <p:cNvPr id="14" name="직선 연결선 13">
+                  <a:extLst>
+                    <a:ext uri="{FF2B5EF4-FFF2-40B4-BE49-F238E27FC236}">
+                      <a16:creationId xmlns:a16="http://schemas.microsoft.com/office/drawing/2014/main" id="{A5B67F63-6AC0-432F-08E3-0F3C9FC1B1B8}"/>
+                    </a:ext>
+                  </a:extLst>
+                </p:cNvPr>
+                <p:cNvCxnSpPr>
+                  <a:cxnSpLocks/>
+                </p:cNvCxnSpPr>
+                <p:nvPr/>
+              </p:nvCxnSpPr>
+              <p:spPr>
+                <a:xfrm>
+                  <a:off x="6708175" y="4591792"/>
+                  <a:ext cx="1484870" cy="0"/>
+                </a:xfrm>
+                <a:prstGeom prst="line">
+                  <a:avLst/>
+                </a:prstGeom>
+                <a:ln w="28575"/>
+              </p:spPr>
+              <p:style>
+                <a:lnRef idx="1">
+                  <a:schemeClr val="dk1"/>
+                </a:lnRef>
+                <a:fillRef idx="0">
+                  <a:schemeClr val="dk1"/>
+                </a:fillRef>
+                <a:effectRef idx="0">
+                  <a:schemeClr val="dk1"/>
+                </a:effectRef>
+                <a:fontRef idx="minor">
+                  <a:schemeClr val="tx1"/>
+                </a:fontRef>
+              </p:style>
+            </p:cxnSp>
+            <p:sp>
+              <p:nvSpPr>
+                <p:cNvPr id="15" name="타원 14">
+                  <a:extLst>
+                    <a:ext uri="{FF2B5EF4-FFF2-40B4-BE49-F238E27FC236}">
+                      <a16:creationId xmlns:a16="http://schemas.microsoft.com/office/drawing/2014/main" id="{E4A68B0E-3A48-E217-5F54-7E194C6AC48B}"/>
+                    </a:ext>
+                  </a:extLst>
+                </p:cNvPr>
+                <p:cNvSpPr/>
+                <p:nvPr/>
+              </p:nvSpPr>
+              <p:spPr>
+                <a:xfrm>
+                  <a:off x="3487695" y="3027405"/>
+                  <a:ext cx="74141" cy="74141"/>
+                </a:xfrm>
+                <a:prstGeom prst="ellipse">
+                  <a:avLst/>
+                </a:prstGeom>
+                <a:noFill/>
+              </p:spPr>
+              <p:style>
+                <a:lnRef idx="2">
+                  <a:schemeClr val="accent1">
+                    <a:shade val="15000"/>
+                  </a:schemeClr>
+                </a:lnRef>
+                <a:fillRef idx="1">
+                  <a:schemeClr val="accent1"/>
+                </a:fillRef>
+                <a:effectRef idx="0">
+                  <a:schemeClr val="accent1"/>
+                </a:effectRef>
+                <a:fontRef idx="minor">
+                  <a:schemeClr val="lt1"/>
+                </a:fontRef>
+              </p:style>
+              <p:txBody>
+                <a:bodyPr rtlCol="0" anchor="ctr"/>
+                <a:lstStyle/>
+                <a:p>
+                  <a:pPr algn="ctr"/>
+                  <a:endParaRPr lang="ko-KR" altLang="en-US"/>
+                </a:p>
+              </p:txBody>
+            </p:sp>
+            <p:grpSp>
+              <p:nvGrpSpPr>
+                <p:cNvPr id="19" name="그룹 18">
+                  <a:extLst>
+                    <a:ext uri="{FF2B5EF4-FFF2-40B4-BE49-F238E27FC236}">
+                      <a16:creationId xmlns:a16="http://schemas.microsoft.com/office/drawing/2014/main" id="{EB336159-5248-B4AE-13A0-2AF9FD93F652}"/>
+                    </a:ext>
+                  </a:extLst>
+                </p:cNvPr>
+                <p:cNvGrpSpPr/>
+                <p:nvPr/>
+              </p:nvGrpSpPr>
+              <p:grpSpPr>
+                <a:xfrm>
+                  <a:off x="5983245" y="2989531"/>
+                  <a:ext cx="2934730" cy="74141"/>
+                  <a:chOff x="5274791" y="3027405"/>
+                  <a:chExt cx="2934730" cy="74141"/>
+                </a:xfrm>
+              </p:grpSpPr>
+              <p:cxnSp>
+                <p:nvCxnSpPr>
+                  <p:cNvPr id="20" name="직선 연결선 19">
+                    <a:extLst>
+                      <a:ext uri="{FF2B5EF4-FFF2-40B4-BE49-F238E27FC236}">
+                        <a16:creationId xmlns:a16="http://schemas.microsoft.com/office/drawing/2014/main" id="{92F6B490-1C5A-82B2-FBBF-DB98DD5603D4}"/>
+                      </a:ext>
+                    </a:extLst>
+                  </p:cNvPr>
+                  <p:cNvCxnSpPr>
+                    <a:cxnSpLocks/>
+                  </p:cNvCxnSpPr>
+                  <p:nvPr/>
+                </p:nvCxnSpPr>
+                <p:spPr>
+                  <a:xfrm>
+                    <a:off x="5274791" y="3064476"/>
+                    <a:ext cx="2934730" cy="0"/>
+                  </a:xfrm>
+                  <a:prstGeom prst="line">
+                    <a:avLst/>
+                  </a:prstGeom>
+                </p:spPr>
+                <p:style>
+                  <a:lnRef idx="1">
+                    <a:schemeClr val="dk1"/>
+                  </a:lnRef>
+                  <a:fillRef idx="0">
+                    <a:schemeClr val="dk1"/>
+                  </a:fillRef>
+                  <a:effectRef idx="0">
+                    <a:schemeClr val="dk1"/>
+                  </a:effectRef>
+                  <a:fontRef idx="minor">
+                    <a:schemeClr val="tx1"/>
+                  </a:fontRef>
+                </p:style>
+              </p:cxnSp>
+              <p:sp>
+                <p:nvSpPr>
+                  <p:cNvPr id="21" name="타원 20">
+                    <a:extLst>
+                      <a:ext uri="{FF2B5EF4-FFF2-40B4-BE49-F238E27FC236}">
+                        <a16:creationId xmlns:a16="http://schemas.microsoft.com/office/drawing/2014/main" id="{48093FD2-0878-2A53-78C0-20648EF66A76}"/>
+                      </a:ext>
+                    </a:extLst>
+                  </p:cNvPr>
+                  <p:cNvSpPr/>
+                  <p:nvPr/>
+                </p:nvSpPr>
+                <p:spPr>
+                  <a:xfrm>
+                    <a:off x="6705086" y="3027405"/>
+                    <a:ext cx="74141" cy="74141"/>
+                  </a:xfrm>
+                  <a:prstGeom prst="ellipse">
+                    <a:avLst/>
+                  </a:prstGeom>
+                  <a:noFill/>
+                </p:spPr>
+                <p:style>
+                  <a:lnRef idx="2">
+                    <a:schemeClr val="accent1">
+                      <a:shade val="15000"/>
+                    </a:schemeClr>
+                  </a:lnRef>
+                  <a:fillRef idx="1">
+                    <a:schemeClr val="accent1"/>
+                  </a:fillRef>
+                  <a:effectRef idx="0">
+                    <a:schemeClr val="accent1"/>
+                  </a:effectRef>
+                  <a:fontRef idx="minor">
+                    <a:schemeClr val="lt1"/>
+                  </a:fontRef>
+                </p:style>
+                <p:txBody>
+                  <a:bodyPr rtlCol="0" anchor="ctr"/>
+                  <a:lstStyle/>
+                  <a:p>
+                    <a:pPr algn="ctr"/>
+                    <a:endParaRPr lang="ko-KR" altLang="en-US"/>
+                  </a:p>
+                </p:txBody>
+              </p:sp>
+            </p:grpSp>
+            <p:sp>
+              <p:nvSpPr>
+                <p:cNvPr id="22" name="오른쪽 중괄호 21">
+                  <a:extLst>
+                    <a:ext uri="{FF2B5EF4-FFF2-40B4-BE49-F238E27FC236}">
+                      <a16:creationId xmlns:a16="http://schemas.microsoft.com/office/drawing/2014/main" id="{8E5A412B-B668-4B54-0CC5-D423222134F4}"/>
+                    </a:ext>
+                  </a:extLst>
+                </p:cNvPr>
+                <p:cNvSpPr/>
+                <p:nvPr/>
+              </p:nvSpPr>
+              <p:spPr>
+                <a:xfrm>
+                  <a:off x="5088924" y="3064474"/>
+                  <a:ext cx="185351" cy="846429"/>
+                </a:xfrm>
+                <a:prstGeom prst="rightBrace">
+                  <a:avLst/>
+                </a:prstGeom>
+                <a:ln>
+                  <a:solidFill>
+                    <a:schemeClr val="tx1"/>
+                  </a:solidFill>
+                </a:ln>
+              </p:spPr>
+              <p:style>
+                <a:lnRef idx="1">
+                  <a:schemeClr val="accent1"/>
+                </a:lnRef>
+                <a:fillRef idx="0">
+                  <a:schemeClr val="accent1"/>
+                </a:fillRef>
+                <a:effectRef idx="0">
+                  <a:schemeClr val="accent1"/>
+                </a:effectRef>
+                <a:fontRef idx="minor">
+                  <a:schemeClr val="tx1"/>
+                </a:fontRef>
+              </p:style>
+              <p:txBody>
+                <a:bodyPr rtlCol="0" anchor="ctr"/>
+                <a:lstStyle/>
+                <a:p>
+                  <a:pPr algn="ctr"/>
+                  <a:endParaRPr lang="ko-KR" altLang="en-US"/>
+                </a:p>
+              </p:txBody>
+            </p:sp>
+            <p:sp>
+              <p:nvSpPr>
+                <p:cNvPr id="23" name="TextBox 22">
+                  <a:extLst>
+                    <a:ext uri="{FF2B5EF4-FFF2-40B4-BE49-F238E27FC236}">
+                      <a16:creationId xmlns:a16="http://schemas.microsoft.com/office/drawing/2014/main" id="{1B91DC5B-AE8E-B2AD-84AC-878AC2EBBD42}"/>
+                    </a:ext>
+                  </a:extLst>
+                </p:cNvPr>
+                <p:cNvSpPr txBox="1"/>
+                <p:nvPr/>
+              </p:nvSpPr>
+              <p:spPr>
+                <a:xfrm>
+                  <a:off x="5274275" y="3303022"/>
+                  <a:ext cx="263214" cy="369332"/>
+                </a:xfrm>
+                <a:prstGeom prst="rect">
+                  <a:avLst/>
+                </a:prstGeom>
+                <a:noFill/>
+              </p:spPr>
+              <p:txBody>
+                <a:bodyPr wrap="none" rtlCol="0">
+                  <a:spAutoFit/>
+                </a:bodyPr>
+                <a:lstStyle/>
+                <a:p>
+                  <a:r>
+                    <a:rPr lang="en-US" altLang="ko-KR" dirty="0">
+                      <a:latin typeface="나눔바른고딕" panose="020B0603020101020101" pitchFamily="50" charset="-127"/>
+                      <a:ea typeface="나눔바른고딕" panose="020B0603020101020101" pitchFamily="50" charset="-127"/>
+                    </a:rPr>
+                    <a:t>f</a:t>
+                  </a:r>
+                  <a:endParaRPr lang="ko-KR" altLang="en-US" dirty="0">
+                    <a:latin typeface="나눔바른고딕" panose="020B0603020101020101" pitchFamily="50" charset="-127"/>
+                    <a:ea typeface="나눔바른고딕" panose="020B0603020101020101" pitchFamily="50" charset="-127"/>
+                  </a:endParaRPr>
+                </a:p>
+              </p:txBody>
+            </p:sp>
+            <p:sp>
+              <p:nvSpPr>
+                <p:cNvPr id="24" name="오른쪽 중괄호 23">
+                  <a:extLst>
+                    <a:ext uri="{FF2B5EF4-FFF2-40B4-BE49-F238E27FC236}">
+                      <a16:creationId xmlns:a16="http://schemas.microsoft.com/office/drawing/2014/main" id="{718CB356-3045-8E14-5174-AEF0530ED57C}"/>
+                    </a:ext>
+                  </a:extLst>
+                </p:cNvPr>
+                <p:cNvSpPr/>
+                <p:nvPr/>
+              </p:nvSpPr>
+              <p:spPr>
+                <a:xfrm>
+                  <a:off x="9033303" y="3026600"/>
+                  <a:ext cx="185351" cy="1565192"/>
+                </a:xfrm>
+                <a:prstGeom prst="rightBrace">
+                  <a:avLst/>
+                </a:prstGeom>
+                <a:ln>
+                  <a:solidFill>
+                    <a:schemeClr val="tx1"/>
+                  </a:solidFill>
+                </a:ln>
+              </p:spPr>
+              <p:style>
+                <a:lnRef idx="1">
+                  <a:schemeClr val="accent1"/>
+                </a:lnRef>
+                <a:fillRef idx="0">
+                  <a:schemeClr val="accent1"/>
+                </a:fillRef>
+                <a:effectRef idx="0">
+                  <a:schemeClr val="accent1"/>
+                </a:effectRef>
+                <a:fontRef idx="minor">
+                  <a:schemeClr val="tx1"/>
+                </a:fontRef>
+              </p:style>
+              <p:txBody>
+                <a:bodyPr rtlCol="0" anchor="ctr"/>
+                <a:lstStyle/>
+                <a:p>
+                  <a:pPr algn="ctr"/>
+                  <a:endParaRPr lang="ko-KR" altLang="en-US"/>
+                </a:p>
+              </p:txBody>
+            </p:sp>
+            <p:sp>
+              <p:nvSpPr>
+                <p:cNvPr id="25" name="TextBox 24">
+                  <a:extLst>
+                    <a:ext uri="{FF2B5EF4-FFF2-40B4-BE49-F238E27FC236}">
+                      <a16:creationId xmlns:a16="http://schemas.microsoft.com/office/drawing/2014/main" id="{9CC6C189-7D7F-7D6C-110B-77537F36DAB9}"/>
+                    </a:ext>
+                  </a:extLst>
+                </p:cNvPr>
+                <p:cNvSpPr txBox="1"/>
+                <p:nvPr/>
+              </p:nvSpPr>
+              <p:spPr>
+                <a:xfrm>
+                  <a:off x="9286616" y="3634480"/>
+                  <a:ext cx="603050" cy="369332"/>
+                </a:xfrm>
+                <a:prstGeom prst="rect">
+                  <a:avLst/>
+                </a:prstGeom>
+                <a:noFill/>
+              </p:spPr>
+              <p:txBody>
+                <a:bodyPr wrap="none" rtlCol="0">
+                  <a:spAutoFit/>
+                </a:bodyPr>
+                <a:lstStyle/>
+                <a:p>
+                  <a:r>
+                    <a:rPr lang="en-US" altLang="ko-KR" dirty="0">
+                      <a:latin typeface="나눔바른고딕" panose="020B0603020101020101" pitchFamily="50" charset="-127"/>
+                      <a:ea typeface="나눔바른고딕" panose="020B0603020101020101" pitchFamily="50" charset="-127"/>
+                    </a:rPr>
+                    <a:t>2 * f</a:t>
+                  </a:r>
+                  <a:endParaRPr lang="ko-KR" altLang="en-US" dirty="0">
+                    <a:latin typeface="나눔바른고딕" panose="020B0603020101020101" pitchFamily="50" charset="-127"/>
+                    <a:ea typeface="나눔바른고딕" panose="020B0603020101020101" pitchFamily="50" charset="-127"/>
+                  </a:endParaRPr>
+                </a:p>
+              </p:txBody>
+            </p:sp>
+            <p:cxnSp>
+              <p:nvCxnSpPr>
+                <p:cNvPr id="27" name="직선 화살표 연결선 26">
+                  <a:extLst>
+                    <a:ext uri="{FF2B5EF4-FFF2-40B4-BE49-F238E27FC236}">
+                      <a16:creationId xmlns:a16="http://schemas.microsoft.com/office/drawing/2014/main" id="{1F467F14-A96D-C59F-5F12-7B9F6E6BAF7F}"/>
+                    </a:ext>
+                  </a:extLst>
+                </p:cNvPr>
+                <p:cNvCxnSpPr>
+                  <a:cxnSpLocks/>
+                </p:cNvCxnSpPr>
+                <p:nvPr/>
+              </p:nvCxnSpPr>
+              <p:spPr>
+                <a:xfrm>
+                  <a:off x="2533650" y="2011987"/>
+                  <a:ext cx="1733550" cy="1845033"/>
+                </a:xfrm>
+                <a:prstGeom prst="straightConnector1">
+                  <a:avLst/>
+                </a:prstGeom>
+                <a:ln>
+                  <a:solidFill>
+                    <a:schemeClr val="accent2"/>
+                  </a:solidFill>
+                  <a:tailEnd type="triangle"/>
+                </a:ln>
+              </p:spPr>
+              <p:style>
+                <a:lnRef idx="1">
+                  <a:schemeClr val="accent1"/>
+                </a:lnRef>
+                <a:fillRef idx="0">
+                  <a:schemeClr val="accent1"/>
+                </a:fillRef>
+                <a:effectRef idx="0">
+                  <a:schemeClr val="accent1"/>
+                </a:effectRef>
+                <a:fontRef idx="minor">
+                  <a:schemeClr val="tx1"/>
+                </a:fontRef>
+              </p:style>
+            </p:cxnSp>
+            <p:cxnSp>
+              <p:nvCxnSpPr>
+                <p:cNvPr id="32" name="직선 화살표 연결선 31">
+                  <a:extLst>
+                    <a:ext uri="{FF2B5EF4-FFF2-40B4-BE49-F238E27FC236}">
+                      <a16:creationId xmlns:a16="http://schemas.microsoft.com/office/drawing/2014/main" id="{14C4D127-D973-0BE2-3A11-6A29451E41C7}"/>
+                    </a:ext>
+                  </a:extLst>
+                </p:cNvPr>
+                <p:cNvCxnSpPr>
+                  <a:cxnSpLocks/>
+                  <a:stCxn id="34" idx="2"/>
+                </p:cNvCxnSpPr>
+                <p:nvPr/>
+              </p:nvCxnSpPr>
+              <p:spPr>
+                <a:xfrm flipH="1">
+                  <a:off x="2781686" y="2011984"/>
+                  <a:ext cx="1739059" cy="1835086"/>
+                </a:xfrm>
+                <a:prstGeom prst="straightConnector1">
+                  <a:avLst/>
+                </a:prstGeom>
+                <a:ln>
+                  <a:solidFill>
+                    <a:schemeClr val="accent2"/>
+                  </a:solidFill>
+                  <a:tailEnd type="triangle"/>
+                </a:ln>
+              </p:spPr>
+              <p:style>
+                <a:lnRef idx="1">
+                  <a:schemeClr val="accent1"/>
+                </a:lnRef>
+                <a:fillRef idx="0">
+                  <a:schemeClr val="accent1"/>
+                </a:fillRef>
+                <a:effectRef idx="0">
+                  <a:schemeClr val="accent1"/>
+                </a:effectRef>
+                <a:fontRef idx="minor">
+                  <a:schemeClr val="tx1"/>
+                </a:fontRef>
+              </p:style>
+            </p:cxnSp>
+            <p:cxnSp>
+              <p:nvCxnSpPr>
+                <p:cNvPr id="36" name="직선 화살표 연결선 35">
+                  <a:extLst>
+                    <a:ext uri="{FF2B5EF4-FFF2-40B4-BE49-F238E27FC236}">
+                      <a16:creationId xmlns:a16="http://schemas.microsoft.com/office/drawing/2014/main" id="{A0600702-6ED6-E1F9-CBE1-0E9D40767C48}"/>
+                    </a:ext>
+                  </a:extLst>
+                </p:cNvPr>
+                <p:cNvCxnSpPr>
+                  <a:cxnSpLocks/>
+                  <a:stCxn id="34" idx="3"/>
+                </p:cNvCxnSpPr>
+                <p:nvPr/>
+              </p:nvCxnSpPr>
+              <p:spPr>
+                <a:xfrm flipH="1">
+                  <a:off x="3524765" y="2011984"/>
+                  <a:ext cx="7005" cy="1835086"/>
+                </a:xfrm>
+                <a:prstGeom prst="straightConnector1">
+                  <a:avLst/>
+                </a:prstGeom>
+                <a:ln>
+                  <a:solidFill>
+                    <a:schemeClr val="accent2"/>
+                  </a:solidFill>
+                  <a:tailEnd type="triangle"/>
+                </a:ln>
+              </p:spPr>
+              <p:style>
+                <a:lnRef idx="1">
+                  <a:schemeClr val="accent1"/>
+                </a:lnRef>
+                <a:fillRef idx="0">
+                  <a:schemeClr val="accent1"/>
+                </a:fillRef>
+                <a:effectRef idx="0">
+                  <a:schemeClr val="accent1"/>
+                </a:effectRef>
+                <a:fontRef idx="minor">
+                  <a:schemeClr val="tx1"/>
+                </a:fontRef>
+              </p:style>
+            </p:cxnSp>
+            <p:cxnSp>
+              <p:nvCxnSpPr>
+                <p:cNvPr id="6" name="직선 화살표 연결선 5">
+                  <a:extLst>
+                    <a:ext uri="{FF2B5EF4-FFF2-40B4-BE49-F238E27FC236}">
+                      <a16:creationId xmlns:a16="http://schemas.microsoft.com/office/drawing/2014/main" id="{58A802E4-60C3-D90A-7858-66141284AD48}"/>
+                    </a:ext>
+                  </a:extLst>
+                </p:cNvPr>
+                <p:cNvCxnSpPr>
+                  <a:cxnSpLocks/>
+                  <a:stCxn id="35" idx="3"/>
+                </p:cNvCxnSpPr>
+                <p:nvPr/>
+              </p:nvCxnSpPr>
+              <p:spPr>
+                <a:xfrm>
+                  <a:off x="7450608" y="1577942"/>
+                  <a:ext cx="2" cy="3013850"/>
+                </a:xfrm>
+                <a:prstGeom prst="straightConnector1">
+                  <a:avLst/>
+                </a:prstGeom>
+                <a:ln>
+                  <a:solidFill>
+                    <a:schemeClr val="accent2"/>
+                  </a:solidFill>
+                  <a:tailEnd type="triangle"/>
+                </a:ln>
+              </p:spPr>
+              <p:style>
+                <a:lnRef idx="1">
+                  <a:schemeClr val="accent1"/>
+                </a:lnRef>
+                <a:fillRef idx="0">
+                  <a:schemeClr val="accent1"/>
+                </a:fillRef>
+                <a:effectRef idx="0">
+                  <a:schemeClr val="accent1"/>
+                </a:effectRef>
+                <a:fontRef idx="minor">
+                  <a:schemeClr val="tx1"/>
+                </a:fontRef>
+              </p:style>
+            </p:cxnSp>
+            <p:cxnSp>
+              <p:nvCxnSpPr>
+                <p:cNvPr id="9" name="직선 화살표 연결선 8">
+                  <a:extLst>
+                    <a:ext uri="{FF2B5EF4-FFF2-40B4-BE49-F238E27FC236}">
+                      <a16:creationId xmlns:a16="http://schemas.microsoft.com/office/drawing/2014/main" id="{66661E1B-3A52-239A-CE85-B6330C8F4114}"/>
+                    </a:ext>
+                  </a:extLst>
+                </p:cNvPr>
+                <p:cNvCxnSpPr>
+                  <a:cxnSpLocks/>
+                  <a:stCxn id="35" idx="2"/>
+                </p:cNvCxnSpPr>
+                <p:nvPr/>
+              </p:nvCxnSpPr>
+              <p:spPr>
+                <a:xfrm flipH="1">
+                  <a:off x="6708175" y="1577942"/>
+                  <a:ext cx="1420855" cy="3003723"/>
+                </a:xfrm>
+                <a:prstGeom prst="straightConnector1">
+                  <a:avLst/>
+                </a:prstGeom>
+                <a:ln>
+                  <a:solidFill>
+                    <a:schemeClr val="accent2"/>
+                  </a:solidFill>
+                  <a:tailEnd type="triangle"/>
+                </a:ln>
+              </p:spPr>
+              <p:style>
+                <a:lnRef idx="1">
+                  <a:schemeClr val="accent1"/>
+                </a:lnRef>
+                <a:fillRef idx="0">
+                  <a:schemeClr val="accent1"/>
+                </a:fillRef>
+                <a:effectRef idx="0">
+                  <a:schemeClr val="accent1"/>
+                </a:effectRef>
+                <a:fontRef idx="minor">
+                  <a:schemeClr val="tx1"/>
+                </a:fontRef>
+              </p:style>
+            </p:cxnSp>
+            <p:cxnSp>
+              <p:nvCxnSpPr>
+                <p:cNvPr id="12" name="직선 화살표 연결선 11">
+                  <a:extLst>
+                    <a:ext uri="{FF2B5EF4-FFF2-40B4-BE49-F238E27FC236}">
+                      <a16:creationId xmlns:a16="http://schemas.microsoft.com/office/drawing/2014/main" id="{330152FB-C400-DA53-E538-B966E80F4560}"/>
+                    </a:ext>
+                  </a:extLst>
+                </p:cNvPr>
+                <p:cNvCxnSpPr>
+                  <a:cxnSpLocks/>
+                </p:cNvCxnSpPr>
+                <p:nvPr/>
+              </p:nvCxnSpPr>
+              <p:spPr>
+                <a:xfrm>
+                  <a:off x="6764108" y="1577943"/>
+                  <a:ext cx="1428937" cy="3003722"/>
+                </a:xfrm>
+                <a:prstGeom prst="straightConnector1">
+                  <a:avLst/>
+                </a:prstGeom>
+                <a:ln>
+                  <a:solidFill>
+                    <a:schemeClr val="accent2"/>
+                  </a:solidFill>
+                  <a:tailEnd type="triangle"/>
+                </a:ln>
+              </p:spPr>
+              <p:style>
+                <a:lnRef idx="1">
+                  <a:schemeClr val="accent1"/>
+                </a:lnRef>
+                <a:fillRef idx="0">
+                  <a:schemeClr val="accent1"/>
+                </a:fillRef>
+                <a:effectRef idx="0">
+                  <a:schemeClr val="accent1"/>
+                </a:effectRef>
+                <a:fontRef idx="minor">
+                  <a:schemeClr val="tx1"/>
+                </a:fontRef>
+              </p:style>
+            </p:cxnSp>
+            <p:sp>
+              <p:nvSpPr>
+                <p:cNvPr id="16" name="부분 원형 15">
+                  <a:extLst>
+                    <a:ext uri="{FF2B5EF4-FFF2-40B4-BE49-F238E27FC236}">
+                      <a16:creationId xmlns:a16="http://schemas.microsoft.com/office/drawing/2014/main" id="{E065851A-0F64-4D19-E208-9A16B781CCF9}"/>
+                    </a:ext>
+                  </a:extLst>
+                </p:cNvPr>
+                <p:cNvSpPr/>
+                <p:nvPr/>
+              </p:nvSpPr>
+              <p:spPr>
+                <a:xfrm rot="16200000">
+                  <a:off x="3232579" y="2769199"/>
+                  <a:ext cx="590550" cy="590550"/>
+                </a:xfrm>
+                <a:prstGeom prst="pie">
+                  <a:avLst>
+                    <a:gd name="adj1" fmla="val 0"/>
+                    <a:gd name="adj2" fmla="val 2607944"/>
+                  </a:avLst>
+                </a:prstGeom>
+                <a:noFill/>
+                <a:ln>
+                  <a:solidFill>
+                    <a:schemeClr val="tx1"/>
+                  </a:solidFill>
+                </a:ln>
+              </p:spPr>
+              <p:style>
+                <a:lnRef idx="2">
+                  <a:schemeClr val="accent1">
+                    <a:shade val="15000"/>
+                  </a:schemeClr>
+                </a:lnRef>
+                <a:fillRef idx="1">
+                  <a:schemeClr val="accent1"/>
+                </a:fillRef>
+                <a:effectRef idx="0">
+                  <a:schemeClr val="accent1"/>
+                </a:effectRef>
+                <a:fontRef idx="minor">
+                  <a:schemeClr val="lt1"/>
+                </a:fontRef>
+              </p:style>
+              <p:txBody>
+                <a:bodyPr rtlCol="0" anchor="ctr"/>
+                <a:lstStyle/>
+                <a:p>
+                  <a:pPr algn="ctr"/>
+                  <a:endParaRPr lang="ko-KR" altLang="en-US">
+                    <a:solidFill>
+                      <a:schemeClr val="tx1"/>
+                    </a:solidFill>
+                  </a:endParaRPr>
+                </a:p>
+              </p:txBody>
+            </p:sp>
+            <p:sp>
+              <p:nvSpPr>
+                <p:cNvPr id="17" name="부분 원형 16">
+                  <a:extLst>
+                    <a:ext uri="{FF2B5EF4-FFF2-40B4-BE49-F238E27FC236}">
+                      <a16:creationId xmlns:a16="http://schemas.microsoft.com/office/drawing/2014/main" id="{CE22FE6A-674A-C8E9-DB2A-8B405FF98DA1}"/>
+                    </a:ext>
+                  </a:extLst>
+                </p:cNvPr>
+                <p:cNvSpPr/>
+                <p:nvPr/>
+              </p:nvSpPr>
+              <p:spPr>
+                <a:xfrm rot="16200000">
+                  <a:off x="7157716" y="2714656"/>
+                  <a:ext cx="590550" cy="590550"/>
+                </a:xfrm>
+                <a:prstGeom prst="pie">
+                  <a:avLst>
+                    <a:gd name="adj1" fmla="val 0"/>
+                    <a:gd name="adj2" fmla="val 1603671"/>
+                  </a:avLst>
+                </a:prstGeom>
+                <a:noFill/>
+                <a:ln>
+                  <a:solidFill>
+                    <a:schemeClr val="tx1"/>
+                  </a:solidFill>
+                </a:ln>
+              </p:spPr>
+              <p:style>
+                <a:lnRef idx="2">
+                  <a:schemeClr val="accent1">
+                    <a:shade val="15000"/>
+                  </a:schemeClr>
+                </a:lnRef>
+                <a:fillRef idx="1">
+                  <a:schemeClr val="accent1"/>
+                </a:fillRef>
+                <a:effectRef idx="0">
+                  <a:schemeClr val="accent1"/>
+                </a:effectRef>
+                <a:fontRef idx="minor">
+                  <a:schemeClr val="lt1"/>
+                </a:fontRef>
+              </p:style>
+              <p:txBody>
+                <a:bodyPr rtlCol="0" anchor="ctr"/>
+                <a:lstStyle/>
+                <a:p>
+                  <a:pPr algn="ctr"/>
+                  <a:endParaRPr lang="ko-KR" altLang="en-US">
+                    <a:solidFill>
+                      <a:schemeClr val="tx1"/>
+                    </a:solidFill>
+                  </a:endParaRPr>
+                </a:p>
+              </p:txBody>
+            </p:sp>
+            <mc:AlternateContent xmlns:mc="http://schemas.openxmlformats.org/markup-compatibility/2006">
+              <mc:Choice xmlns:a14="http://schemas.microsoft.com/office/drawing/2010/main" Requires="a14">
+                <p:sp>
+                  <p:nvSpPr>
+                    <p:cNvPr id="26" name="TextBox 25">
+                      <a:extLst>
+                        <a:ext uri="{FF2B5EF4-FFF2-40B4-BE49-F238E27FC236}">
+                          <a16:creationId xmlns:a16="http://schemas.microsoft.com/office/drawing/2014/main" id="{8936E743-0E32-179E-C63F-63CD778E068C}"/>
+                        </a:ext>
+                      </a:extLst>
+                    </p:cNvPr>
+                    <p:cNvSpPr txBox="1"/>
+                    <p:nvPr/>
+                  </p:nvSpPr>
+                  <p:spPr>
+                    <a:xfrm>
+                      <a:off x="3561836" y="2460395"/>
+                      <a:ext cx="304571" cy="299249"/>
+                    </a:xfrm>
+                    <a:prstGeom prst="rect">
+                      <a:avLst/>
+                    </a:prstGeom>
+                    <a:noFill/>
+                  </p:spPr>
+                  <p:txBody>
+                    <a:bodyPr wrap="none" lIns="0" tIns="0" rIns="0" bIns="0" rtlCol="0">
+                      <a:spAutoFit/>
+                    </a:bodyPr>
+                    <a:lstStyle/>
+                    <a:p>
+                      <a14:m>
+                        <m:oMathPara xmlns:m="http://schemas.openxmlformats.org/officeDocument/2006/math">
+                          <m:oMathParaPr>
+                            <m:jc m:val="centerGroup"/>
+                          </m:oMathParaPr>
+                          <m:oMath xmlns:m="http://schemas.openxmlformats.org/officeDocument/2006/math">
+                            <m:sSub>
+                              <m:sSubPr>
+                                <m:ctrlPr>
+                                  <a:rPr lang="en-US" altLang="ko-KR" b="0" i="1" smtClean="0">
+                                    <a:latin typeface="Cambria Math" panose="02040503050406030204" pitchFamily="18" charset="0"/>
+                                  </a:rPr>
+                                </m:ctrlPr>
+                              </m:sSubPr>
+                              <m:e>
+                                <m:r>
+                                  <a:rPr lang="en-US" altLang="ko-KR" i="1" smtClean="0">
+                                    <a:latin typeface="Cambria Math" panose="02040503050406030204" pitchFamily="18" charset="0"/>
+                                  </a:rPr>
+                                  <m:t>𝜃</m:t>
+                                </m:r>
+                              </m:e>
+                              <m:sub>
+                                <m:r>
+                                  <a:rPr lang="en-US" altLang="ko-KR" b="0" i="1" smtClean="0">
+                                    <a:latin typeface="Cambria Math" panose="02040503050406030204" pitchFamily="18" charset="0"/>
+                                  </a:rPr>
+                                  <m:t>𝑓</m:t>
+                                </m:r>
+                              </m:sub>
+                            </m:sSub>
+                          </m:oMath>
+                        </m:oMathPara>
+                      </a14:m>
+                      <a:endParaRPr lang="en-US" altLang="ko-KR" b="0" dirty="0"/>
+                    </a:p>
+                  </p:txBody>
+                </p:sp>
+              </mc:Choice>
+              <mc:Fallback>
+                <p:sp>
+                  <p:nvSpPr>
+                    <p:cNvPr id="26" name="TextBox 25">
+                      <a:extLst>
+                        <a:ext uri="{FF2B5EF4-FFF2-40B4-BE49-F238E27FC236}">
+                          <a16:creationId xmlns:a16="http://schemas.microsoft.com/office/drawing/2014/main" id="{8936E743-0E32-179E-C63F-63CD778E068C}"/>
+                        </a:ext>
+                      </a:extLst>
+                    </p:cNvPr>
+                    <p:cNvSpPr txBox="1">
+                      <a:spLocks noRot="1" noChangeAspect="1" noMove="1" noResize="1" noEditPoints="1" noAdjustHandles="1" noChangeArrowheads="1" noChangeShapeType="1" noTextEdit="1"/>
+                    </p:cNvSpPr>
+                    <p:nvPr/>
+                  </p:nvSpPr>
+                  <p:spPr>
+                    <a:xfrm>
+                      <a:off x="3561836" y="2460395"/>
+                      <a:ext cx="304571" cy="299249"/>
+                    </a:xfrm>
+                    <a:prstGeom prst="rect">
+                      <a:avLst/>
+                    </a:prstGeom>
+                    <a:blipFill>
+                      <a:blip r:embed="rId2"/>
+                      <a:stretch>
+                        <a:fillRect l="-12000" r="-10000" b="-28571"/>
+                      </a:stretch>
+                    </a:blipFill>
+                  </p:spPr>
+                  <p:txBody>
+                    <a:bodyPr/>
+                    <a:lstStyle/>
+                    <a:p>
+                      <a:r>
+                        <a:rPr lang="ko-KR" altLang="en-US">
+                          <a:noFill/>
+                        </a:rPr>
+                        <a:t> </a:t>
+                      </a:r>
+                    </a:p>
+                  </p:txBody>
+                </p:sp>
+              </mc:Fallback>
+            </mc:AlternateContent>
+            <mc:AlternateContent xmlns:mc="http://schemas.openxmlformats.org/markup-compatibility/2006">
+              <mc:Choice xmlns:a14="http://schemas.microsoft.com/office/drawing/2010/main" Requires="a14">
+                <p:sp>
+                  <p:nvSpPr>
+                    <p:cNvPr id="28" name="TextBox 27">
+                      <a:extLst>
+                        <a:ext uri="{FF2B5EF4-FFF2-40B4-BE49-F238E27FC236}">
+                          <a16:creationId xmlns:a16="http://schemas.microsoft.com/office/drawing/2014/main" id="{AEF4E8B5-7863-6AEB-983C-9672A0606565}"/>
+                        </a:ext>
+                      </a:extLst>
+                    </p:cNvPr>
+                    <p:cNvSpPr txBox="1"/>
+                    <p:nvPr/>
+                  </p:nvSpPr>
+                  <p:spPr>
+                    <a:xfrm>
+                      <a:off x="7406436" y="2386916"/>
+                      <a:ext cx="416268" cy="299249"/>
+                    </a:xfrm>
+                    <a:prstGeom prst="rect">
+                      <a:avLst/>
+                    </a:prstGeom>
+                    <a:noFill/>
+                  </p:spPr>
+                  <p:txBody>
+                    <a:bodyPr wrap="none" lIns="0" tIns="0" rIns="0" bIns="0" rtlCol="0">
+                      <a:spAutoFit/>
+                    </a:bodyPr>
+                    <a:lstStyle/>
+                    <a:p>
+                      <a14:m>
+                        <m:oMathPara xmlns:m="http://schemas.openxmlformats.org/officeDocument/2006/math">
+                          <m:oMathParaPr>
+                            <m:jc m:val="centerGroup"/>
+                          </m:oMathParaPr>
+                          <m:oMath xmlns:m="http://schemas.openxmlformats.org/officeDocument/2006/math">
+                            <m:sSub>
+                              <m:sSubPr>
+                                <m:ctrlPr>
+                                  <a:rPr lang="en-US" altLang="ko-KR" b="0" i="1" smtClean="0">
+                                    <a:latin typeface="Cambria Math" panose="02040503050406030204" pitchFamily="18" charset="0"/>
+                                  </a:rPr>
+                                </m:ctrlPr>
+                              </m:sSubPr>
+                              <m:e>
+                                <m:r>
+                                  <a:rPr lang="en-US" altLang="ko-KR" i="1" smtClean="0">
+                                    <a:latin typeface="Cambria Math" panose="02040503050406030204" pitchFamily="18" charset="0"/>
+                                  </a:rPr>
+                                  <m:t>𝜃</m:t>
+                                </m:r>
+                              </m:e>
+                              <m:sub>
+                                <m:r>
+                                  <a:rPr lang="en-US" altLang="ko-KR" b="0" i="1" smtClean="0">
+                                    <a:latin typeface="Cambria Math" panose="02040503050406030204" pitchFamily="18" charset="0"/>
+                                  </a:rPr>
+                                  <m:t>2</m:t>
+                                </m:r>
+                                <m:r>
+                                  <a:rPr lang="en-US" altLang="ko-KR" b="0" i="1" smtClean="0">
+                                    <a:latin typeface="Cambria Math" panose="02040503050406030204" pitchFamily="18" charset="0"/>
+                                  </a:rPr>
+                                  <m:t>𝑓</m:t>
+                                </m:r>
+                              </m:sub>
+                            </m:sSub>
+                          </m:oMath>
+                        </m:oMathPara>
+                      </a14:m>
+                      <a:endParaRPr lang="en-US" altLang="ko-KR" b="0" dirty="0"/>
+                    </a:p>
+                  </p:txBody>
+                </p:sp>
+              </mc:Choice>
+              <mc:Fallback>
+                <p:sp>
+                  <p:nvSpPr>
+                    <p:cNvPr id="28" name="TextBox 27">
+                      <a:extLst>
+                        <a:ext uri="{FF2B5EF4-FFF2-40B4-BE49-F238E27FC236}">
+                          <a16:creationId xmlns:a16="http://schemas.microsoft.com/office/drawing/2014/main" id="{AEF4E8B5-7863-6AEB-983C-9672A0606565}"/>
+                        </a:ext>
+                      </a:extLst>
+                    </p:cNvPr>
+                    <p:cNvSpPr txBox="1">
+                      <a:spLocks noRot="1" noChangeAspect="1" noMove="1" noResize="1" noEditPoints="1" noAdjustHandles="1" noChangeArrowheads="1" noChangeShapeType="1" noTextEdit="1"/>
+                    </p:cNvSpPr>
+                    <p:nvPr/>
+                  </p:nvSpPr>
+                  <p:spPr>
+                    <a:xfrm>
+                      <a:off x="7406436" y="2386916"/>
+                      <a:ext cx="416268" cy="299249"/>
+                    </a:xfrm>
+                    <a:prstGeom prst="rect">
+                      <a:avLst/>
+                    </a:prstGeom>
+                    <a:blipFill>
+                      <a:blip r:embed="rId3"/>
+                      <a:stretch>
+                        <a:fillRect l="-8824" r="-7353" b="-28571"/>
+                      </a:stretch>
+                    </a:blipFill>
+                  </p:spPr>
+                  <p:txBody>
+                    <a:bodyPr/>
+                    <a:lstStyle/>
+                    <a:p>
+                      <a:r>
+                        <a:rPr lang="ko-KR" altLang="en-US">
+                          <a:noFill/>
+                        </a:rPr>
+                        <a:t> </a:t>
+                      </a:r>
+                    </a:p>
+                  </p:txBody>
+                </p:sp>
+              </mc:Fallback>
+            </mc:AlternateContent>
+          </p:grpSp>
+          <p:sp>
+            <p:nvSpPr>
+              <p:cNvPr id="30" name="TextBox 29">
+                <a:extLst>
+                  <a:ext uri="{FF2B5EF4-FFF2-40B4-BE49-F238E27FC236}">
+                    <a16:creationId xmlns:a16="http://schemas.microsoft.com/office/drawing/2014/main" id="{3B536DF8-E4EA-1C3E-CD09-E64A06719811}"/>
+                  </a:ext>
+                </a:extLst>
+              </p:cNvPr>
+              <p:cNvSpPr txBox="1"/>
+              <p:nvPr/>
+            </p:nvSpPr>
+            <p:spPr>
+              <a:xfrm>
+                <a:off x="3167564" y="3794094"/>
+                <a:ext cx="1486304" cy="369332"/>
+              </a:xfrm>
+              <a:prstGeom prst="rect">
+                <a:avLst/>
+              </a:prstGeom>
+              <a:noFill/>
+            </p:spPr>
+            <p:txBody>
+              <a:bodyPr wrap="none" rtlCol="0">
+                <a:spAutoFit/>
+              </a:bodyPr>
+              <a:lstStyle/>
+              <a:p>
+                <a:r>
+                  <a:rPr lang="en-US" altLang="ko-KR" dirty="0">
+                    <a:latin typeface="나눔바른고딕" panose="020B0603020101020101" pitchFamily="50" charset="-127"/>
+                    <a:ea typeface="나눔바른고딕" panose="020B0603020101020101" pitchFamily="50" charset="-127"/>
+                  </a:rPr>
+                  <a:t>Image plane</a:t>
+                </a:r>
+                <a:endParaRPr lang="ko-KR" altLang="en-US" dirty="0">
+                  <a:latin typeface="나눔바른고딕" panose="020B0603020101020101" pitchFamily="50" charset="-127"/>
+                  <a:ea typeface="나눔바른고딕" panose="020B0603020101020101" pitchFamily="50" charset="-127"/>
+                </a:endParaRPr>
+              </a:p>
+            </p:txBody>
+          </p:sp>
+          <p:sp>
+            <p:nvSpPr>
+              <p:cNvPr id="31" name="TextBox 30">
+                <a:extLst>
+                  <a:ext uri="{FF2B5EF4-FFF2-40B4-BE49-F238E27FC236}">
+                    <a16:creationId xmlns:a16="http://schemas.microsoft.com/office/drawing/2014/main" id="{AED25C57-77F7-8100-6C9F-2CB6EA0F2341}"/>
+                  </a:ext>
+                </a:extLst>
+              </p:cNvPr>
+              <p:cNvSpPr txBox="1"/>
+              <p:nvPr/>
+            </p:nvSpPr>
+            <p:spPr>
+              <a:xfrm>
+                <a:off x="7095049" y="4560082"/>
+                <a:ext cx="1486304" cy="369332"/>
+              </a:xfrm>
+              <a:prstGeom prst="rect">
+                <a:avLst/>
+              </a:prstGeom>
+              <a:noFill/>
+            </p:spPr>
+            <p:txBody>
+              <a:bodyPr wrap="none" rtlCol="0">
+                <a:spAutoFit/>
+              </a:bodyPr>
+              <a:lstStyle/>
+              <a:p>
+                <a:r>
+                  <a:rPr lang="en-US" altLang="ko-KR" dirty="0">
+                    <a:latin typeface="나눔바른고딕" panose="020B0603020101020101" pitchFamily="50" charset="-127"/>
+                    <a:ea typeface="나눔바른고딕" panose="020B0603020101020101" pitchFamily="50" charset="-127"/>
+                  </a:rPr>
+                  <a:t>Image plane</a:t>
+                </a:r>
+                <a:endParaRPr lang="ko-KR" altLang="en-US" dirty="0">
+                  <a:latin typeface="나눔바른고딕" panose="020B0603020101020101" pitchFamily="50" charset="-127"/>
+                  <a:ea typeface="나눔바른고딕" panose="020B0603020101020101" pitchFamily="50" charset="-127"/>
+                </a:endParaRPr>
+              </a:p>
+            </p:txBody>
+          </p:sp>
+        </p:grpSp>
+        <p:sp>
+          <p:nvSpPr>
+            <p:cNvPr id="34" name="이등변 삼각형 33">
+              <a:extLst>
+                <a:ext uri="{FF2B5EF4-FFF2-40B4-BE49-F238E27FC236}">
+                  <a16:creationId xmlns:a16="http://schemas.microsoft.com/office/drawing/2014/main" id="{ADBD21C8-0C02-5DB1-0F53-F4EB215007F8}"/>
+                </a:ext>
+              </a:extLst>
+            </p:cNvPr>
+            <p:cNvSpPr/>
+            <p:nvPr/>
+          </p:nvSpPr>
+          <p:spPr>
+            <a:xfrm rot="10800000">
+              <a:off x="2665262" y="1760524"/>
+              <a:ext cx="1977950" cy="1053543"/>
+            </a:xfrm>
+            <a:prstGeom prst="triangle">
+              <a:avLst/>
+            </a:prstGeom>
+            <a:solidFill>
+              <a:schemeClr val="accent1">
+                <a:alpha val="30000"/>
+              </a:schemeClr>
+            </a:solidFill>
+            <a:ln>
+              <a:noFill/>
+            </a:ln>
+          </p:spPr>
+          <p:style>
+            <a:lnRef idx="2">
+              <a:schemeClr val="accent1">
+                <a:shade val="15000"/>
+              </a:schemeClr>
+            </a:lnRef>
+            <a:fillRef idx="1">
+              <a:schemeClr val="accent1"/>
+            </a:fillRef>
+            <a:effectRef idx="0">
+              <a:schemeClr val="accent1"/>
+            </a:effectRef>
+            <a:fontRef idx="minor">
+              <a:schemeClr val="lt1"/>
+            </a:fontRef>
+          </p:style>
+          <p:txBody>
+            <a:bodyPr rtlCol="0" anchor="ctr"/>
+            <a:lstStyle/>
+            <a:p>
+              <a:pPr algn="ctr"/>
+              <a:endParaRPr lang="ko-KR" altLang="en-US" dirty="0"/>
+            </a:p>
+          </p:txBody>
+        </p:sp>
+        <p:sp>
+          <p:nvSpPr>
+            <p:cNvPr id="35" name="이등변 삼각형 34">
+              <a:extLst>
+                <a:ext uri="{FF2B5EF4-FFF2-40B4-BE49-F238E27FC236}">
+                  <a16:creationId xmlns:a16="http://schemas.microsoft.com/office/drawing/2014/main" id="{A918CF44-9874-472F-58D6-1530B5142703}"/>
+                </a:ext>
+              </a:extLst>
+            </p:cNvPr>
+            <p:cNvSpPr/>
+            <p:nvPr/>
+          </p:nvSpPr>
+          <p:spPr>
+            <a:xfrm rot="10800000">
+              <a:off x="6894653" y="1326482"/>
+              <a:ext cx="1356844" cy="1448846"/>
+            </a:xfrm>
+            <a:prstGeom prst="triangle">
+              <a:avLst/>
+            </a:prstGeom>
+            <a:solidFill>
+              <a:srgbClr val="92D050">
+                <a:alpha val="30000"/>
+              </a:srgbClr>
+            </a:solidFill>
+            <a:ln>
+              <a:noFill/>
+            </a:ln>
+          </p:spPr>
+          <p:style>
+            <a:lnRef idx="2">
+              <a:schemeClr val="accent1">
+                <a:shade val="15000"/>
+              </a:schemeClr>
+            </a:lnRef>
+            <a:fillRef idx="1">
+              <a:schemeClr val="accent1"/>
+            </a:fillRef>
+            <a:effectRef idx="0">
+              <a:schemeClr val="accent1"/>
+            </a:effectRef>
+            <a:fontRef idx="minor">
+              <a:schemeClr val="lt1"/>
+            </a:fontRef>
+          </p:style>
+          <p:txBody>
+            <a:bodyPr rtlCol="0" anchor="ctr"/>
+            <a:lstStyle/>
+            <a:p>
+              <a:pPr algn="ctr"/>
+              <a:endParaRPr lang="ko-KR" altLang="en-US" dirty="0"/>
+            </a:p>
+          </p:txBody>
+        </p:sp>
+      </p:grpSp>
+    </p:spTree>
+    <p:extLst>
+      <p:ext uri="{BB962C8B-B14F-4D97-AF65-F5344CB8AC3E}">
+        <p14:creationId xmlns:p14="http://schemas.microsoft.com/office/powerpoint/2010/main" val="2777282122"/>
+      </p:ext>
+    </p:extLst>
+  </p:cSld>
+  <p:clrMapOvr>
+    <a:masterClrMapping/>
+  </p:clrMapOvr>
+</p:sld>
+</file>
+
 <file path=ppt/theme/theme1.xml><?xml version="1.0" encoding="utf-8"?>
 <a:theme xmlns:a="http://schemas.openxmlformats.org/drawingml/2006/main" name="Office 테마">
   <a:themeElements>

--- a/assets/img/vision/concept/calibration/calibration.pptx
+++ b/assets/img/vision/concept/calibration/calibration.pptx
@@ -4,6 +4,9 @@
   <p:sldMasterIdLst>
     <p:sldMasterId id="2147483648" r:id="rId1"/>
   </p:sldMasterIdLst>
+  <p:notesMasterIdLst>
+    <p:notesMasterId r:id="rId9"/>
+  </p:notesMasterIdLst>
   <p:sldIdLst>
     <p:sldId id="276" r:id="rId2"/>
     <p:sldId id="277" r:id="rId3"/>
@@ -11,6 +14,7 @@
     <p:sldId id="279" r:id="rId5"/>
     <p:sldId id="280" r:id="rId6"/>
     <p:sldId id="256" r:id="rId7"/>
+    <p:sldId id="281" r:id="rId8"/>
   </p:sldIdLst>
   <p:sldSz cx="12192000" cy="6858000"/>
   <p:notesSz cx="6858000" cy="9144000"/>
@@ -136,6 +140,439 @@
     </p:ext>
   </p:extLst>
 </p:presentation>
+</file>
+
+<file path=ppt/notesMasters/notesMaster1.xml><?xml version="1.0" encoding="utf-8"?>
+<p:notesMaster xmlns:a="http://schemas.openxmlformats.org/drawingml/2006/main" xmlns:r="http://schemas.openxmlformats.org/officeDocument/2006/relationships" xmlns:p="http://schemas.openxmlformats.org/presentationml/2006/main">
+  <p:cSld>
+    <p:bg>
+      <p:bgRef idx="1001">
+        <a:schemeClr val="bg1"/>
+      </p:bgRef>
+    </p:bg>
+    <p:spTree>
+      <p:nvGrpSpPr>
+        <p:cNvPr id="1" name=""/>
+        <p:cNvGrpSpPr/>
+        <p:nvPr/>
+      </p:nvGrpSpPr>
+      <p:grpSpPr>
+        <a:xfrm>
+          <a:off x="0" y="0"/>
+          <a:ext cx="0" cy="0"/>
+          <a:chOff x="0" y="0"/>
+          <a:chExt cx="0" cy="0"/>
+        </a:xfrm>
+      </p:grpSpPr>
+      <p:sp>
+        <p:nvSpPr>
+          <p:cNvPr id="2" name="머리글 개체 틀 1"/>
+          <p:cNvSpPr>
+            <a:spLocks noGrp="1"/>
+          </p:cNvSpPr>
+          <p:nvPr>
+            <p:ph type="hdr" sz="quarter"/>
+          </p:nvPr>
+        </p:nvSpPr>
+        <p:spPr>
+          <a:xfrm>
+            <a:off x="0" y="0"/>
+            <a:ext cx="2971800" cy="458788"/>
+          </a:xfrm>
+          <a:prstGeom prst="rect">
+            <a:avLst/>
+          </a:prstGeom>
+        </p:spPr>
+        <p:txBody>
+          <a:bodyPr vert="horz" lIns="91440" tIns="45720" rIns="91440" bIns="45720" rtlCol="0"/>
+          <a:lstStyle>
+            <a:lvl1pPr algn="l">
+              <a:defRPr sz="1200"/>
+            </a:lvl1pPr>
+          </a:lstStyle>
+          <a:p>
+            <a:endParaRPr lang="ko-KR" altLang="en-US"/>
+          </a:p>
+        </p:txBody>
+      </p:sp>
+      <p:sp>
+        <p:nvSpPr>
+          <p:cNvPr id="3" name="날짜 개체 틀 2"/>
+          <p:cNvSpPr>
+            <a:spLocks noGrp="1"/>
+          </p:cNvSpPr>
+          <p:nvPr>
+            <p:ph type="dt" idx="1"/>
+          </p:nvPr>
+        </p:nvSpPr>
+        <p:spPr>
+          <a:xfrm>
+            <a:off x="3884613" y="0"/>
+            <a:ext cx="2971800" cy="458788"/>
+          </a:xfrm>
+          <a:prstGeom prst="rect">
+            <a:avLst/>
+          </a:prstGeom>
+        </p:spPr>
+        <p:txBody>
+          <a:bodyPr vert="horz" lIns="91440" tIns="45720" rIns="91440" bIns="45720" rtlCol="0"/>
+          <a:lstStyle>
+            <a:lvl1pPr algn="r">
+              <a:defRPr sz="1200"/>
+            </a:lvl1pPr>
+          </a:lstStyle>
+          <a:p>
+            <a:fld id="{A1A29041-9778-454B-A135-55BF0A67CC13}" type="datetimeFigureOut">
+              <a:rPr lang="ko-KR" altLang="en-US" smtClean="0"/>
+              <a:t>2023-08-14</a:t>
+            </a:fld>
+            <a:endParaRPr lang="ko-KR" altLang="en-US"/>
+          </a:p>
+        </p:txBody>
+      </p:sp>
+      <p:sp>
+        <p:nvSpPr>
+          <p:cNvPr id="4" name="슬라이드 이미지 개체 틀 3"/>
+          <p:cNvSpPr>
+            <a:spLocks noGrp="1" noRot="1" noChangeAspect="1"/>
+          </p:cNvSpPr>
+          <p:nvPr>
+            <p:ph type="sldImg" idx="2"/>
+          </p:nvPr>
+        </p:nvSpPr>
+        <p:spPr>
+          <a:xfrm>
+            <a:off x="685800" y="1143000"/>
+            <a:ext cx="5486400" cy="3086100"/>
+          </a:xfrm>
+          <a:prstGeom prst="rect">
+            <a:avLst/>
+          </a:prstGeom>
+          <a:noFill/>
+          <a:ln w="12700">
+            <a:solidFill>
+              <a:prstClr val="black"/>
+            </a:solidFill>
+          </a:ln>
+        </p:spPr>
+        <p:txBody>
+          <a:bodyPr vert="horz" lIns="91440" tIns="45720" rIns="91440" bIns="45720" rtlCol="0" anchor="ctr"/>
+          <a:lstStyle/>
+          <a:p>
+            <a:endParaRPr lang="ko-KR" altLang="en-US"/>
+          </a:p>
+        </p:txBody>
+      </p:sp>
+      <p:sp>
+        <p:nvSpPr>
+          <p:cNvPr id="5" name="슬라이드 노트 개체 틀 4"/>
+          <p:cNvSpPr>
+            <a:spLocks noGrp="1"/>
+          </p:cNvSpPr>
+          <p:nvPr>
+            <p:ph type="body" sz="quarter" idx="3"/>
+          </p:nvPr>
+        </p:nvSpPr>
+        <p:spPr>
+          <a:xfrm>
+            <a:off x="685800" y="4400550"/>
+            <a:ext cx="5486400" cy="3600450"/>
+          </a:xfrm>
+          <a:prstGeom prst="rect">
+            <a:avLst/>
+          </a:prstGeom>
+        </p:spPr>
+        <p:txBody>
+          <a:bodyPr vert="horz" lIns="91440" tIns="45720" rIns="91440" bIns="45720" rtlCol="0"/>
+          <a:lstStyle/>
+          <a:p>
+            <a:pPr lvl="0"/>
+            <a:r>
+              <a:rPr lang="ko-KR" altLang="en-US"/>
+              <a:t>마스터 텍스트 스타일을 편집하려면 클릭</a:t>
+            </a:r>
+          </a:p>
+          <a:p>
+            <a:pPr lvl="1"/>
+            <a:r>
+              <a:rPr lang="ko-KR" altLang="en-US"/>
+              <a:t>두 번째 수준</a:t>
+            </a:r>
+          </a:p>
+          <a:p>
+            <a:pPr lvl="2"/>
+            <a:r>
+              <a:rPr lang="ko-KR" altLang="en-US"/>
+              <a:t>세 번째 수준</a:t>
+            </a:r>
+          </a:p>
+          <a:p>
+            <a:pPr lvl="3"/>
+            <a:r>
+              <a:rPr lang="ko-KR" altLang="en-US"/>
+              <a:t>네 번째 수준</a:t>
+            </a:r>
+          </a:p>
+          <a:p>
+            <a:pPr lvl="4"/>
+            <a:r>
+              <a:rPr lang="ko-KR" altLang="en-US"/>
+              <a:t>다섯 번째 수준</a:t>
+            </a:r>
+          </a:p>
+        </p:txBody>
+      </p:sp>
+      <p:sp>
+        <p:nvSpPr>
+          <p:cNvPr id="6" name="바닥글 개체 틀 5"/>
+          <p:cNvSpPr>
+            <a:spLocks noGrp="1"/>
+          </p:cNvSpPr>
+          <p:nvPr>
+            <p:ph type="ftr" sz="quarter" idx="4"/>
+          </p:nvPr>
+        </p:nvSpPr>
+        <p:spPr>
+          <a:xfrm>
+            <a:off x="0" y="8685213"/>
+            <a:ext cx="2971800" cy="458787"/>
+          </a:xfrm>
+          <a:prstGeom prst="rect">
+            <a:avLst/>
+          </a:prstGeom>
+        </p:spPr>
+        <p:txBody>
+          <a:bodyPr vert="horz" lIns="91440" tIns="45720" rIns="91440" bIns="45720" rtlCol="0" anchor="b"/>
+          <a:lstStyle>
+            <a:lvl1pPr algn="l">
+              <a:defRPr sz="1200"/>
+            </a:lvl1pPr>
+          </a:lstStyle>
+          <a:p>
+            <a:endParaRPr lang="ko-KR" altLang="en-US"/>
+          </a:p>
+        </p:txBody>
+      </p:sp>
+      <p:sp>
+        <p:nvSpPr>
+          <p:cNvPr id="7" name="슬라이드 번호 개체 틀 6"/>
+          <p:cNvSpPr>
+            <a:spLocks noGrp="1"/>
+          </p:cNvSpPr>
+          <p:nvPr>
+            <p:ph type="sldNum" sz="quarter" idx="5"/>
+          </p:nvPr>
+        </p:nvSpPr>
+        <p:spPr>
+          <a:xfrm>
+            <a:off x="3884613" y="8685213"/>
+            <a:ext cx="2971800" cy="458787"/>
+          </a:xfrm>
+          <a:prstGeom prst="rect">
+            <a:avLst/>
+          </a:prstGeom>
+        </p:spPr>
+        <p:txBody>
+          <a:bodyPr vert="horz" lIns="91440" tIns="45720" rIns="91440" bIns="45720" rtlCol="0" anchor="b"/>
+          <a:lstStyle>
+            <a:lvl1pPr algn="r">
+              <a:defRPr sz="1200"/>
+            </a:lvl1pPr>
+          </a:lstStyle>
+          <a:p>
+            <a:fld id="{7FB16E04-0E34-4B15-8D1A-78FF6588D599}" type="slidenum">
+              <a:rPr lang="ko-KR" altLang="en-US" smtClean="0"/>
+              <a:t>‹#›</a:t>
+            </a:fld>
+            <a:endParaRPr lang="ko-KR" altLang="en-US"/>
+          </a:p>
+        </p:txBody>
+      </p:sp>
+    </p:spTree>
+    <p:extLst>
+      <p:ext uri="{BB962C8B-B14F-4D97-AF65-F5344CB8AC3E}">
+        <p14:creationId xmlns:p14="http://schemas.microsoft.com/office/powerpoint/2010/main" val="3789496961"/>
+      </p:ext>
+    </p:extLst>
+  </p:cSld>
+  <p:clrMap bg1="lt1" tx1="dk1" bg2="lt2" tx2="dk2" accent1="accent1" accent2="accent2" accent3="accent3" accent4="accent4" accent5="accent5" accent6="accent6" hlink="hlink" folHlink="folHlink"/>
+  <p:notesStyle>
+    <a:lvl1pPr marL="0" algn="l" defTabSz="914400" rtl="0" eaLnBrk="1" latinLnBrk="1" hangingPunct="1">
+      <a:defRPr sz="1200" kern="1200">
+        <a:solidFill>
+          <a:schemeClr val="tx1"/>
+        </a:solidFill>
+        <a:latin typeface="+mn-lt"/>
+        <a:ea typeface="+mn-ea"/>
+        <a:cs typeface="+mn-cs"/>
+      </a:defRPr>
+    </a:lvl1pPr>
+    <a:lvl2pPr marL="457200" algn="l" defTabSz="914400" rtl="0" eaLnBrk="1" latinLnBrk="1" hangingPunct="1">
+      <a:defRPr sz="1200" kern="1200">
+        <a:solidFill>
+          <a:schemeClr val="tx1"/>
+        </a:solidFill>
+        <a:latin typeface="+mn-lt"/>
+        <a:ea typeface="+mn-ea"/>
+        <a:cs typeface="+mn-cs"/>
+      </a:defRPr>
+    </a:lvl2pPr>
+    <a:lvl3pPr marL="914400" algn="l" defTabSz="914400" rtl="0" eaLnBrk="1" latinLnBrk="1" hangingPunct="1">
+      <a:defRPr sz="1200" kern="1200">
+        <a:solidFill>
+          <a:schemeClr val="tx1"/>
+        </a:solidFill>
+        <a:latin typeface="+mn-lt"/>
+        <a:ea typeface="+mn-ea"/>
+        <a:cs typeface="+mn-cs"/>
+      </a:defRPr>
+    </a:lvl3pPr>
+    <a:lvl4pPr marL="1371600" algn="l" defTabSz="914400" rtl="0" eaLnBrk="1" latinLnBrk="1" hangingPunct="1">
+      <a:defRPr sz="1200" kern="1200">
+        <a:solidFill>
+          <a:schemeClr val="tx1"/>
+        </a:solidFill>
+        <a:latin typeface="+mn-lt"/>
+        <a:ea typeface="+mn-ea"/>
+        <a:cs typeface="+mn-cs"/>
+      </a:defRPr>
+    </a:lvl4pPr>
+    <a:lvl5pPr marL="1828800" algn="l" defTabSz="914400" rtl="0" eaLnBrk="1" latinLnBrk="1" hangingPunct="1">
+      <a:defRPr sz="1200" kern="1200">
+        <a:solidFill>
+          <a:schemeClr val="tx1"/>
+        </a:solidFill>
+        <a:latin typeface="+mn-lt"/>
+        <a:ea typeface="+mn-ea"/>
+        <a:cs typeface="+mn-cs"/>
+      </a:defRPr>
+    </a:lvl5pPr>
+    <a:lvl6pPr marL="2286000" algn="l" defTabSz="914400" rtl="0" eaLnBrk="1" latinLnBrk="1" hangingPunct="1">
+      <a:defRPr sz="1200" kern="1200">
+        <a:solidFill>
+          <a:schemeClr val="tx1"/>
+        </a:solidFill>
+        <a:latin typeface="+mn-lt"/>
+        <a:ea typeface="+mn-ea"/>
+        <a:cs typeface="+mn-cs"/>
+      </a:defRPr>
+    </a:lvl6pPr>
+    <a:lvl7pPr marL="2743200" algn="l" defTabSz="914400" rtl="0" eaLnBrk="1" latinLnBrk="1" hangingPunct="1">
+      <a:defRPr sz="1200" kern="1200">
+        <a:solidFill>
+          <a:schemeClr val="tx1"/>
+        </a:solidFill>
+        <a:latin typeface="+mn-lt"/>
+        <a:ea typeface="+mn-ea"/>
+        <a:cs typeface="+mn-cs"/>
+      </a:defRPr>
+    </a:lvl7pPr>
+    <a:lvl8pPr marL="3200400" algn="l" defTabSz="914400" rtl="0" eaLnBrk="1" latinLnBrk="1" hangingPunct="1">
+      <a:defRPr sz="1200" kern="1200">
+        <a:solidFill>
+          <a:schemeClr val="tx1"/>
+        </a:solidFill>
+        <a:latin typeface="+mn-lt"/>
+        <a:ea typeface="+mn-ea"/>
+        <a:cs typeface="+mn-cs"/>
+      </a:defRPr>
+    </a:lvl8pPr>
+    <a:lvl9pPr marL="3657600" algn="l" defTabSz="914400" rtl="0" eaLnBrk="1" latinLnBrk="1" hangingPunct="1">
+      <a:defRPr sz="1200" kern="1200">
+        <a:solidFill>
+          <a:schemeClr val="tx1"/>
+        </a:solidFill>
+        <a:latin typeface="+mn-lt"/>
+        <a:ea typeface="+mn-ea"/>
+        <a:cs typeface="+mn-cs"/>
+      </a:defRPr>
+    </a:lvl9pPr>
+  </p:notesStyle>
+</p:notesMaster>
+</file>
+
+<file path=ppt/notesSlides/notesSlide1.xml><?xml version="1.0" encoding="utf-8"?>
+<p:notes xmlns:a="http://schemas.openxmlformats.org/drawingml/2006/main" xmlns:r="http://schemas.openxmlformats.org/officeDocument/2006/relationships" xmlns:p="http://schemas.openxmlformats.org/presentationml/2006/main">
+  <p:cSld>
+    <p:spTree>
+      <p:nvGrpSpPr>
+        <p:cNvPr id="1" name=""/>
+        <p:cNvGrpSpPr/>
+        <p:nvPr/>
+      </p:nvGrpSpPr>
+      <p:grpSpPr>
+        <a:xfrm>
+          <a:off x="0" y="0"/>
+          <a:ext cx="0" cy="0"/>
+          <a:chOff x="0" y="0"/>
+          <a:chExt cx="0" cy="0"/>
+        </a:xfrm>
+      </p:grpSpPr>
+      <p:sp>
+        <p:nvSpPr>
+          <p:cNvPr id="2" name="슬라이드 이미지 개체 틀 1"/>
+          <p:cNvSpPr>
+            <a:spLocks noGrp="1" noRot="1" noChangeAspect="1"/>
+          </p:cNvSpPr>
+          <p:nvPr>
+            <p:ph type="sldImg"/>
+          </p:nvPr>
+        </p:nvSpPr>
+        <p:spPr/>
+      </p:sp>
+      <p:sp>
+        <p:nvSpPr>
+          <p:cNvPr id="3" name="슬라이드 노트 개체 틀 2"/>
+          <p:cNvSpPr>
+            <a:spLocks noGrp="1"/>
+          </p:cNvSpPr>
+          <p:nvPr>
+            <p:ph type="body" idx="1"/>
+          </p:nvPr>
+        </p:nvSpPr>
+        <p:spPr/>
+        <p:txBody>
+          <a:bodyPr/>
+          <a:lstStyle/>
+          <a:p>
+            <a:endParaRPr lang="ko-KR" altLang="en-US" dirty="0"/>
+          </a:p>
+        </p:txBody>
+      </p:sp>
+      <p:sp>
+        <p:nvSpPr>
+          <p:cNvPr id="4" name="슬라이드 번호 개체 틀 3"/>
+          <p:cNvSpPr>
+            <a:spLocks noGrp="1"/>
+          </p:cNvSpPr>
+          <p:nvPr>
+            <p:ph type="sldNum" sz="quarter" idx="5"/>
+          </p:nvPr>
+        </p:nvSpPr>
+        <p:spPr/>
+        <p:txBody>
+          <a:bodyPr/>
+          <a:lstStyle/>
+          <a:p>
+            <a:fld id="{7FB16E04-0E34-4B15-8D1A-78FF6588D599}" type="slidenum">
+              <a:rPr lang="ko-KR" altLang="en-US" smtClean="0"/>
+              <a:t>7</a:t>
+            </a:fld>
+            <a:endParaRPr lang="ko-KR" altLang="en-US"/>
+          </a:p>
+        </p:txBody>
+      </p:sp>
+    </p:spTree>
+    <p:extLst>
+      <p:ext uri="{BB962C8B-B14F-4D97-AF65-F5344CB8AC3E}">
+        <p14:creationId xmlns:p14="http://schemas.microsoft.com/office/powerpoint/2010/main" val="2235124413"/>
+      </p:ext>
+    </p:extLst>
+  </p:cSld>
+  <p:clrMapOvr>
+    <a:masterClrMapping/>
+  </p:clrMapOvr>
+</p:notes>
 </file>
 
 <file path=ppt/slideLayouts/slideLayout1.xml><?xml version="1.0" encoding="utf-8"?>
@@ -23311,8 +23748,8 @@
                 </a:p>
               </p:txBody>
             </p:sp>
-            <mc:AlternateContent xmlns:mc="http://schemas.openxmlformats.org/markup-compatibility/2006">
-              <mc:Choice xmlns:a14="http://schemas.microsoft.com/office/drawing/2010/main" Requires="a14">
+            <mc:AlternateContent xmlns:mc="http://schemas.openxmlformats.org/markup-compatibility/2006" xmlns:a14="http://schemas.microsoft.com/office/drawing/2010/main">
+              <mc:Choice Requires="a14">
                 <p:sp>
                   <p:nvSpPr>
                     <p:cNvPr id="26" name="TextBox 25">
@@ -23341,6 +23778,7 @@
                     </a:bodyPr>
                     <a:lstStyle/>
                     <a:p>
+                      <a:pPr/>
                       <a14:m>
                         <m:oMathPara xmlns:m="http://schemas.openxmlformats.org/officeDocument/2006/math">
                           <m:oMathParaPr>
@@ -23380,7 +23818,7 @@
                   </p:txBody>
                 </p:sp>
               </mc:Choice>
-              <mc:Fallback>
+              <mc:Fallback xmlns="">
                 <p:sp>
                   <p:nvSpPr>
                     <p:cNvPr id="26" name="TextBox 25">
@@ -23425,8 +23863,8 @@
                 </p:sp>
               </mc:Fallback>
             </mc:AlternateContent>
-            <mc:AlternateContent xmlns:mc="http://schemas.openxmlformats.org/markup-compatibility/2006">
-              <mc:Choice xmlns:a14="http://schemas.microsoft.com/office/drawing/2010/main" Requires="a14">
+            <mc:AlternateContent xmlns:mc="http://schemas.openxmlformats.org/markup-compatibility/2006" xmlns:a14="http://schemas.microsoft.com/office/drawing/2010/main">
+              <mc:Choice Requires="a14">
                 <p:sp>
                   <p:nvSpPr>
                     <p:cNvPr id="28" name="TextBox 27">
@@ -23455,6 +23893,7 @@
                     </a:bodyPr>
                     <a:lstStyle/>
                     <a:p>
+                      <a:pPr/>
                       <a14:m>
                         <m:oMathPara xmlns:m="http://schemas.openxmlformats.org/officeDocument/2006/math">
                           <m:oMathParaPr>
@@ -23500,7 +23939,7 @@
                   </p:txBody>
                 </p:sp>
               </mc:Choice>
-              <mc:Fallback>
+              <mc:Fallback xmlns="">
                 <p:sp>
                   <p:nvSpPr>
                     <p:cNvPr id="28" name="TextBox 27">
@@ -23744,6 +24183,4931 @@
     <p:extLst>
       <p:ext uri="{BB962C8B-B14F-4D97-AF65-F5344CB8AC3E}">
         <p14:creationId xmlns:p14="http://schemas.microsoft.com/office/powerpoint/2010/main" val="2777282122"/>
+      </p:ext>
+    </p:extLst>
+  </p:cSld>
+  <p:clrMapOvr>
+    <a:masterClrMapping/>
+  </p:clrMapOvr>
+</p:sld>
+</file>
+
+<file path=ppt/slides/slide7.xml><?xml version="1.0" encoding="utf-8"?>
+<p:sld xmlns:a="http://schemas.openxmlformats.org/drawingml/2006/main" xmlns:r="http://schemas.openxmlformats.org/officeDocument/2006/relationships" xmlns:p="http://schemas.openxmlformats.org/presentationml/2006/main">
+  <p:cSld>
+    <p:spTree>
+      <p:nvGrpSpPr>
+        <p:cNvPr id="1" name=""/>
+        <p:cNvGrpSpPr/>
+        <p:nvPr/>
+      </p:nvGrpSpPr>
+      <p:grpSpPr>
+        <a:xfrm>
+          <a:off x="0" y="0"/>
+          <a:ext cx="0" cy="0"/>
+          <a:chOff x="0" y="0"/>
+          <a:chExt cx="0" cy="0"/>
+        </a:xfrm>
+      </p:grpSpPr>
+      <p:grpSp>
+        <p:nvGrpSpPr>
+          <p:cNvPr id="62" name="그룹 61">
+            <a:extLst>
+              <a:ext uri="{FF2B5EF4-FFF2-40B4-BE49-F238E27FC236}">
+                <a16:creationId xmlns:a16="http://schemas.microsoft.com/office/drawing/2014/main" id="{A4223C68-BF5F-F489-24A7-D835034EF172}"/>
+              </a:ext>
+            </a:extLst>
+          </p:cNvPr>
+          <p:cNvGrpSpPr/>
+          <p:nvPr/>
+        </p:nvGrpSpPr>
+        <p:grpSpPr>
+          <a:xfrm>
+            <a:off x="1331006" y="0"/>
+            <a:ext cx="6010500" cy="6991378"/>
+            <a:chOff x="1331006" y="0"/>
+            <a:chExt cx="6010500" cy="6991378"/>
+          </a:xfrm>
+        </p:grpSpPr>
+        <p:grpSp>
+          <p:nvGrpSpPr>
+            <p:cNvPr id="59" name="그룹 58">
+              <a:extLst>
+                <a:ext uri="{FF2B5EF4-FFF2-40B4-BE49-F238E27FC236}">
+                  <a16:creationId xmlns:a16="http://schemas.microsoft.com/office/drawing/2014/main" id="{20654117-50C6-3C6F-1221-B93B9892216B}"/>
+                </a:ext>
+              </a:extLst>
+            </p:cNvPr>
+            <p:cNvGrpSpPr/>
+            <p:nvPr/>
+          </p:nvGrpSpPr>
+          <p:grpSpPr>
+            <a:xfrm>
+              <a:off x="3945036" y="4815840"/>
+              <a:ext cx="1567609" cy="2175538"/>
+              <a:chOff x="3486993" y="4545072"/>
+              <a:chExt cx="1567609" cy="2175538"/>
+            </a:xfrm>
+          </p:grpSpPr>
+          <mc:AlternateContent xmlns:mc="http://schemas.openxmlformats.org/markup-compatibility/2006">
+            <mc:Choice xmlns:a14="http://schemas.microsoft.com/office/drawing/2010/main" Requires="a14">
+              <p:sp>
+                <p:nvSpPr>
+                  <p:cNvPr id="7" name="TextBox 6">
+                    <a:extLst>
+                      <a:ext uri="{FF2B5EF4-FFF2-40B4-BE49-F238E27FC236}">
+                        <a16:creationId xmlns:a16="http://schemas.microsoft.com/office/drawing/2014/main" id="{3940EACF-596F-3D5F-D17C-4ED6E5CC258D}"/>
+                      </a:ext>
+                    </a:extLst>
+                  </p:cNvPr>
+                  <p:cNvSpPr txBox="1"/>
+                  <p:nvPr/>
+                </p:nvSpPr>
+                <p:spPr>
+                  <a:xfrm>
+                    <a:off x="3486993" y="6002998"/>
+                    <a:ext cx="1567609" cy="276999"/>
+                  </a:xfrm>
+                  <a:prstGeom prst="rect">
+                    <a:avLst/>
+                  </a:prstGeom>
+                  <a:noFill/>
+                </p:spPr>
+                <p:txBody>
+                  <a:bodyPr wrap="none" lIns="0" tIns="0" rIns="0" bIns="0" rtlCol="0">
+                    <a:spAutoFit/>
+                  </a:bodyPr>
+                  <a:lstStyle/>
+                  <a:p>
+                    <a:pPr marL="0" marR="0" lvl="0" indent="0" algn="l" defTabSz="914400" rtl="0" eaLnBrk="1" fontAlgn="auto" latinLnBrk="1" hangingPunct="1">
+                      <a:lnSpc>
+                        <a:spcPct val="100000"/>
+                      </a:lnSpc>
+                      <a:spcBef>
+                        <a:spcPts val="0"/>
+                      </a:spcBef>
+                      <a:spcAft>
+                        <a:spcPts val="0"/>
+                      </a:spcAft>
+                      <a:buClrTx/>
+                      <a:buSzTx/>
+                      <a:buFontTx/>
+                      <a:buNone/>
+                      <a:tabLst/>
+                      <a:defRPr/>
+                    </a:pPr>
+                    <a14:m>
+                      <m:oMathPara xmlns:m="http://schemas.openxmlformats.org/officeDocument/2006/math">
+                        <m:oMathParaPr>
+                          <m:jc m:val="centerGroup"/>
+                        </m:oMathParaPr>
+                        <m:oMath xmlns:m="http://schemas.openxmlformats.org/officeDocument/2006/math">
+                          <m:r>
+                            <a:rPr kumimoji="0" lang="en-US" altLang="ko-KR" sz="1800" b="0" i="1" u="none" strike="noStrike" kern="1200" cap="none" spc="0" normalizeH="0" baseline="0" noProof="0" smtClean="0">
+                              <a:ln>
+                                <a:noFill/>
+                              </a:ln>
+                              <a:solidFill>
+                                <a:prstClr val="black"/>
+                              </a:solidFill>
+                              <a:effectLst/>
+                              <a:uLnTx/>
+                              <a:uFillTx/>
+                              <a:latin typeface="Cambria Math" panose="02040503050406030204" pitchFamily="18" charset="0"/>
+                              <a:cs typeface="+mn-cs"/>
+                            </a:rPr>
+                            <m:t>𝑢</m:t>
+                          </m:r>
+                          <m:r>
+                            <a:rPr kumimoji="0" lang="en-US" altLang="ko-KR" sz="1800" b="0" i="1" u="none" strike="noStrike" kern="1200" cap="none" spc="0" normalizeH="0" baseline="0" noProof="0" smtClean="0">
+                              <a:ln>
+                                <a:noFill/>
+                              </a:ln>
+                              <a:solidFill>
+                                <a:prstClr val="black"/>
+                              </a:solidFill>
+                              <a:effectLst/>
+                              <a:uLnTx/>
+                              <a:uFillTx/>
+                              <a:latin typeface="Cambria Math" panose="02040503050406030204" pitchFamily="18" charset="0"/>
+                              <a:cs typeface="+mn-cs"/>
+                            </a:rPr>
+                            <m:t>=</m:t>
+                          </m:r>
+                          <m:r>
+                            <a:rPr kumimoji="0" lang="en-US" altLang="ko-KR" sz="1800" b="0" i="1" u="none" strike="noStrike" kern="1200" cap="none" spc="0" normalizeH="0" baseline="0" noProof="0" smtClean="0">
+                              <a:ln>
+                                <a:noFill/>
+                              </a:ln>
+                              <a:solidFill>
+                                <a:prstClr val="black"/>
+                              </a:solidFill>
+                              <a:effectLst/>
+                              <a:uLnTx/>
+                              <a:uFillTx/>
+                              <a:latin typeface="Cambria Math" panose="02040503050406030204" pitchFamily="18" charset="0"/>
+                              <a:cs typeface="+mn-cs"/>
+                            </a:rPr>
+                            <m:t>𝛼</m:t>
+                          </m:r>
+                          <m:r>
+                            <a:rPr kumimoji="0" lang="en-US" altLang="ko-KR" sz="1800" b="0" i="1" u="none" strike="noStrike" kern="1200" cap="none" spc="0" normalizeH="0" baseline="0" noProof="0" smtClean="0">
+                              <a:ln>
+                                <a:noFill/>
+                              </a:ln>
+                              <a:solidFill>
+                                <a:prstClr val="black"/>
+                              </a:solidFill>
+                              <a:effectLst/>
+                              <a:uLnTx/>
+                              <a:uFillTx/>
+                              <a:latin typeface="Cambria Math" panose="02040503050406030204" pitchFamily="18" charset="0"/>
+                              <a:cs typeface="+mn-cs"/>
+                            </a:rPr>
+                            <m:t> ∗</m:t>
+                          </m:r>
+                          <m:r>
+                            <a:rPr kumimoji="0" lang="en-US" altLang="ko-KR" sz="1800" b="0" i="1" u="none" strike="noStrike" kern="1200" cap="none" spc="0" normalizeH="0" baseline="0" noProof="0" smtClean="0">
+                              <a:ln>
+                                <a:noFill/>
+                              </a:ln>
+                              <a:solidFill>
+                                <a:prstClr val="black"/>
+                              </a:solidFill>
+                              <a:effectLst/>
+                              <a:uLnTx/>
+                              <a:uFillTx/>
+                              <a:latin typeface="Cambria Math" panose="02040503050406030204" pitchFamily="18" charset="0"/>
+                              <a:cs typeface="+mn-cs"/>
+                            </a:rPr>
+                            <m:t>𝑥</m:t>
+                          </m:r>
+                          <m:r>
+                            <a:rPr kumimoji="0" lang="en-US" altLang="ko-KR" sz="1800" b="0" i="1" u="none" strike="noStrike" kern="1200" cap="none" spc="0" normalizeH="0" baseline="0" noProof="0" smtClean="0">
+                              <a:ln>
+                                <a:noFill/>
+                              </a:ln>
+                              <a:solidFill>
+                                <a:prstClr val="black"/>
+                              </a:solidFill>
+                              <a:effectLst/>
+                              <a:uLnTx/>
+                              <a:uFillTx/>
+                              <a:latin typeface="Cambria Math" panose="02040503050406030204" pitchFamily="18" charset="0"/>
+                              <a:cs typeface="+mn-cs"/>
+                            </a:rPr>
+                            <m:t>+</m:t>
+                          </m:r>
+                          <m:sSub>
+                            <m:sSubPr>
+                              <m:ctrlPr>
+                                <a:rPr kumimoji="0" lang="en-US" altLang="ko-KR" sz="1800" b="0" i="1" u="none" strike="noStrike" kern="1200" cap="none" spc="0" normalizeH="0" baseline="0" noProof="0" smtClean="0">
+                                  <a:ln>
+                                    <a:noFill/>
+                                  </a:ln>
+                                  <a:solidFill>
+                                    <a:prstClr val="black"/>
+                                  </a:solidFill>
+                                  <a:effectLst/>
+                                  <a:uLnTx/>
+                                  <a:uFillTx/>
+                                  <a:latin typeface="Cambria Math" panose="02040503050406030204" pitchFamily="18" charset="0"/>
+                                  <a:cs typeface="+mn-cs"/>
+                                </a:rPr>
+                              </m:ctrlPr>
+                            </m:sSubPr>
+                            <m:e>
+                              <m:r>
+                                <a:rPr kumimoji="0" lang="en-US" altLang="ko-KR" sz="1800" b="0" i="1" u="none" strike="noStrike" kern="1200" cap="none" spc="0" normalizeH="0" baseline="0" noProof="0" smtClean="0">
+                                  <a:ln>
+                                    <a:noFill/>
+                                  </a:ln>
+                                  <a:solidFill>
+                                    <a:prstClr val="black"/>
+                                  </a:solidFill>
+                                  <a:effectLst/>
+                                  <a:uLnTx/>
+                                  <a:uFillTx/>
+                                  <a:latin typeface="Cambria Math" panose="02040503050406030204" pitchFamily="18" charset="0"/>
+                                  <a:cs typeface="+mn-cs"/>
+                                </a:rPr>
+                                <m:t>𝑥</m:t>
+                              </m:r>
+                            </m:e>
+                            <m:sub>
+                              <m:r>
+                                <a:rPr kumimoji="0" lang="en-US" altLang="ko-KR" sz="1800" b="0" i="1" u="none" strike="noStrike" kern="1200" cap="none" spc="0" normalizeH="0" baseline="0" noProof="0" smtClean="0">
+                                  <a:ln>
+                                    <a:noFill/>
+                                  </a:ln>
+                                  <a:solidFill>
+                                    <a:prstClr val="black"/>
+                                  </a:solidFill>
+                                  <a:effectLst/>
+                                  <a:uLnTx/>
+                                  <a:uFillTx/>
+                                  <a:latin typeface="Cambria Math" panose="02040503050406030204" pitchFamily="18" charset="0"/>
+                                  <a:cs typeface="+mn-cs"/>
+                                </a:rPr>
+                                <m:t>0</m:t>
+                              </m:r>
+                            </m:sub>
+                          </m:sSub>
+                        </m:oMath>
+                      </m:oMathPara>
+                    </a14:m>
+                    <a:endParaRPr kumimoji="0" lang="ko-KR" altLang="en-US" sz="1800" b="0" i="0" u="none" strike="noStrike" kern="1200" cap="none" spc="0" normalizeH="0" baseline="0" noProof="0" dirty="0">
+                      <a:ln>
+                        <a:noFill/>
+                      </a:ln>
+                      <a:solidFill>
+                        <a:prstClr val="black"/>
+                      </a:solidFill>
+                      <a:effectLst/>
+                      <a:uLnTx/>
+                      <a:uFillTx/>
+                      <a:latin typeface="맑은 고딕" panose="020F0502020204030204"/>
+                      <a:ea typeface="맑은 고딕" panose="020B0503020000020004" pitchFamily="50" charset="-127"/>
+                      <a:cs typeface="+mn-cs"/>
+                    </a:endParaRPr>
+                  </a:p>
+                </p:txBody>
+              </p:sp>
+            </mc:Choice>
+            <mc:Fallback>
+              <p:sp>
+                <p:nvSpPr>
+                  <p:cNvPr id="7" name="TextBox 6">
+                    <a:extLst>
+                      <a:ext uri="{FF2B5EF4-FFF2-40B4-BE49-F238E27FC236}">
+                        <a16:creationId xmlns:a16="http://schemas.microsoft.com/office/drawing/2014/main" id="{3940EACF-596F-3D5F-D17C-4ED6E5CC258D}"/>
+                      </a:ext>
+                    </a:extLst>
+                  </p:cNvPr>
+                  <p:cNvSpPr txBox="1">
+                    <a:spLocks noRot="1" noChangeAspect="1" noMove="1" noResize="1" noEditPoints="1" noAdjustHandles="1" noChangeArrowheads="1" noChangeShapeType="1" noTextEdit="1"/>
+                  </p:cNvSpPr>
+                  <p:nvPr/>
+                </p:nvSpPr>
+                <p:spPr>
+                  <a:xfrm>
+                    <a:off x="3486993" y="6002998"/>
+                    <a:ext cx="1567609" cy="276999"/>
+                  </a:xfrm>
+                  <a:prstGeom prst="rect">
+                    <a:avLst/>
+                  </a:prstGeom>
+                  <a:blipFill>
+                    <a:blip r:embed="rId3"/>
+                    <a:stretch>
+                      <a:fillRect l="-778" r="-389" b="-19565"/>
+                    </a:stretch>
+                  </a:blipFill>
+                </p:spPr>
+                <p:txBody>
+                  <a:bodyPr/>
+                  <a:lstStyle/>
+                  <a:p>
+                    <a:r>
+                      <a:rPr lang="ko-KR" altLang="en-US">
+                        <a:noFill/>
+                      </a:rPr>
+                      <a:t> </a:t>
+                    </a:r>
+                  </a:p>
+                </p:txBody>
+              </p:sp>
+            </mc:Fallback>
+          </mc:AlternateContent>
+          <mc:AlternateContent xmlns:mc="http://schemas.openxmlformats.org/markup-compatibility/2006">
+            <mc:Choice xmlns:a14="http://schemas.microsoft.com/office/drawing/2010/main" Requires="a14">
+              <p:sp>
+                <p:nvSpPr>
+                  <p:cNvPr id="52" name="TextBox 51">
+                    <a:extLst>
+                      <a:ext uri="{FF2B5EF4-FFF2-40B4-BE49-F238E27FC236}">
+                        <a16:creationId xmlns:a16="http://schemas.microsoft.com/office/drawing/2014/main" id="{EA3B7F3C-A5DF-577B-1639-E84A2EA1E34D}"/>
+                      </a:ext>
+                    </a:extLst>
+                  </p:cNvPr>
+                  <p:cNvSpPr txBox="1"/>
+                  <p:nvPr/>
+                </p:nvSpPr>
+                <p:spPr>
+                  <a:xfrm>
+                    <a:off x="3486993" y="6443611"/>
+                    <a:ext cx="1567160" cy="276999"/>
+                  </a:xfrm>
+                  <a:prstGeom prst="rect">
+                    <a:avLst/>
+                  </a:prstGeom>
+                  <a:noFill/>
+                </p:spPr>
+                <p:txBody>
+                  <a:bodyPr wrap="none" lIns="0" tIns="0" rIns="0" bIns="0" rtlCol="0">
+                    <a:spAutoFit/>
+                  </a:bodyPr>
+                  <a:lstStyle/>
+                  <a:p>
+                    <a:pPr marL="0" marR="0" lvl="0" indent="0" algn="l" defTabSz="914400" rtl="0" eaLnBrk="1" fontAlgn="auto" latinLnBrk="1" hangingPunct="1">
+                      <a:lnSpc>
+                        <a:spcPct val="100000"/>
+                      </a:lnSpc>
+                      <a:spcBef>
+                        <a:spcPts val="0"/>
+                      </a:spcBef>
+                      <a:spcAft>
+                        <a:spcPts val="0"/>
+                      </a:spcAft>
+                      <a:buClrTx/>
+                      <a:buSzTx/>
+                      <a:buFontTx/>
+                      <a:buNone/>
+                      <a:tabLst/>
+                      <a:defRPr/>
+                    </a:pPr>
+                    <a14:m>
+                      <m:oMathPara xmlns:m="http://schemas.openxmlformats.org/officeDocument/2006/math">
+                        <m:oMathParaPr>
+                          <m:jc m:val="centerGroup"/>
+                        </m:oMathParaPr>
+                        <m:oMath xmlns:m="http://schemas.openxmlformats.org/officeDocument/2006/math">
+                          <m:r>
+                            <a:rPr kumimoji="0" lang="en-US" altLang="ko-KR" sz="1800" b="0" i="1" u="none" strike="noStrike" kern="1200" cap="none" spc="0" normalizeH="0" baseline="0" noProof="0" smtClean="0">
+                              <a:ln>
+                                <a:noFill/>
+                              </a:ln>
+                              <a:solidFill>
+                                <a:prstClr val="black"/>
+                              </a:solidFill>
+                              <a:effectLst/>
+                              <a:uLnTx/>
+                              <a:uFillTx/>
+                              <a:latin typeface="Cambria Math" panose="02040503050406030204" pitchFamily="18" charset="0"/>
+                              <a:cs typeface="+mn-cs"/>
+                            </a:rPr>
+                            <m:t>𝑣</m:t>
+                          </m:r>
+                          <m:r>
+                            <a:rPr kumimoji="0" lang="en-US" altLang="ko-KR" sz="1800" b="0" i="1" u="none" strike="noStrike" kern="1200" cap="none" spc="0" normalizeH="0" baseline="0" noProof="0" smtClean="0">
+                              <a:ln>
+                                <a:noFill/>
+                              </a:ln>
+                              <a:solidFill>
+                                <a:prstClr val="black"/>
+                              </a:solidFill>
+                              <a:effectLst/>
+                              <a:uLnTx/>
+                              <a:uFillTx/>
+                              <a:latin typeface="Cambria Math" panose="02040503050406030204" pitchFamily="18" charset="0"/>
+                              <a:cs typeface="+mn-cs"/>
+                            </a:rPr>
+                            <m:t>=</m:t>
+                          </m:r>
+                          <m:r>
+                            <a:rPr kumimoji="0" lang="en-US" altLang="ko-KR" sz="1800" b="0" i="1" u="none" strike="noStrike" kern="1200" cap="none" spc="0" normalizeH="0" baseline="0" noProof="0" smtClean="0">
+                              <a:ln>
+                                <a:noFill/>
+                              </a:ln>
+                              <a:solidFill>
+                                <a:prstClr val="black"/>
+                              </a:solidFill>
+                              <a:effectLst/>
+                              <a:uLnTx/>
+                              <a:uFillTx/>
+                              <a:latin typeface="Cambria Math" panose="02040503050406030204" pitchFamily="18" charset="0"/>
+                              <a:cs typeface="+mn-cs"/>
+                            </a:rPr>
+                            <m:t>𝛽</m:t>
+                          </m:r>
+                          <m:r>
+                            <a:rPr kumimoji="0" lang="en-US" altLang="ko-KR" sz="1800" b="0" i="1" u="none" strike="noStrike" kern="1200" cap="none" spc="0" normalizeH="0" baseline="0" noProof="0" smtClean="0">
+                              <a:ln>
+                                <a:noFill/>
+                              </a:ln>
+                              <a:solidFill>
+                                <a:prstClr val="black"/>
+                              </a:solidFill>
+                              <a:effectLst/>
+                              <a:uLnTx/>
+                              <a:uFillTx/>
+                              <a:latin typeface="Cambria Math" panose="02040503050406030204" pitchFamily="18" charset="0"/>
+                              <a:cs typeface="+mn-cs"/>
+                            </a:rPr>
+                            <m:t> ∗</m:t>
+                          </m:r>
+                          <m:r>
+                            <a:rPr kumimoji="0" lang="en-US" altLang="ko-KR" sz="1800" b="0" i="1" u="none" strike="noStrike" kern="1200" cap="none" spc="0" normalizeH="0" baseline="0" noProof="0" smtClean="0">
+                              <a:ln>
+                                <a:noFill/>
+                              </a:ln>
+                              <a:solidFill>
+                                <a:prstClr val="black"/>
+                              </a:solidFill>
+                              <a:effectLst/>
+                              <a:uLnTx/>
+                              <a:uFillTx/>
+                              <a:latin typeface="Cambria Math" panose="02040503050406030204" pitchFamily="18" charset="0"/>
+                              <a:cs typeface="+mn-cs"/>
+                            </a:rPr>
+                            <m:t>𝑦</m:t>
+                          </m:r>
+                          <m:r>
+                            <a:rPr kumimoji="0" lang="en-US" altLang="ko-KR" sz="1800" b="0" i="1" u="none" strike="noStrike" kern="1200" cap="none" spc="0" normalizeH="0" baseline="0" noProof="0" smtClean="0">
+                              <a:ln>
+                                <a:noFill/>
+                              </a:ln>
+                              <a:solidFill>
+                                <a:prstClr val="black"/>
+                              </a:solidFill>
+                              <a:effectLst/>
+                              <a:uLnTx/>
+                              <a:uFillTx/>
+                              <a:latin typeface="Cambria Math" panose="02040503050406030204" pitchFamily="18" charset="0"/>
+                              <a:cs typeface="+mn-cs"/>
+                            </a:rPr>
+                            <m:t>+</m:t>
+                          </m:r>
+                          <m:sSub>
+                            <m:sSubPr>
+                              <m:ctrlPr>
+                                <a:rPr kumimoji="0" lang="en-US" altLang="ko-KR" sz="1800" b="0" i="1" u="none" strike="noStrike" kern="1200" cap="none" spc="0" normalizeH="0" baseline="0" noProof="0" smtClean="0">
+                                  <a:ln>
+                                    <a:noFill/>
+                                  </a:ln>
+                                  <a:solidFill>
+                                    <a:prstClr val="black"/>
+                                  </a:solidFill>
+                                  <a:effectLst/>
+                                  <a:uLnTx/>
+                                  <a:uFillTx/>
+                                  <a:latin typeface="Cambria Math" panose="02040503050406030204" pitchFamily="18" charset="0"/>
+                                  <a:cs typeface="+mn-cs"/>
+                                </a:rPr>
+                              </m:ctrlPr>
+                            </m:sSubPr>
+                            <m:e>
+                              <m:r>
+                                <a:rPr kumimoji="0" lang="en-US" altLang="ko-KR" sz="1800" b="0" i="1" u="none" strike="noStrike" kern="1200" cap="none" spc="0" normalizeH="0" baseline="0" noProof="0" smtClean="0">
+                                  <a:ln>
+                                    <a:noFill/>
+                                  </a:ln>
+                                  <a:solidFill>
+                                    <a:prstClr val="black"/>
+                                  </a:solidFill>
+                                  <a:effectLst/>
+                                  <a:uLnTx/>
+                                  <a:uFillTx/>
+                                  <a:latin typeface="Cambria Math" panose="02040503050406030204" pitchFamily="18" charset="0"/>
+                                  <a:cs typeface="+mn-cs"/>
+                                </a:rPr>
+                                <m:t>𝑦</m:t>
+                              </m:r>
+                            </m:e>
+                            <m:sub>
+                              <m:r>
+                                <a:rPr kumimoji="0" lang="en-US" altLang="ko-KR" sz="1800" b="0" i="1" u="none" strike="noStrike" kern="1200" cap="none" spc="0" normalizeH="0" baseline="0" noProof="0" smtClean="0">
+                                  <a:ln>
+                                    <a:noFill/>
+                                  </a:ln>
+                                  <a:solidFill>
+                                    <a:prstClr val="black"/>
+                                  </a:solidFill>
+                                  <a:effectLst/>
+                                  <a:uLnTx/>
+                                  <a:uFillTx/>
+                                  <a:latin typeface="Cambria Math" panose="02040503050406030204" pitchFamily="18" charset="0"/>
+                                  <a:cs typeface="+mn-cs"/>
+                                </a:rPr>
+                                <m:t>0</m:t>
+                              </m:r>
+                            </m:sub>
+                          </m:sSub>
+                        </m:oMath>
+                      </m:oMathPara>
+                    </a14:m>
+                    <a:endParaRPr kumimoji="0" lang="ko-KR" altLang="en-US" sz="1800" b="0" i="0" u="none" strike="noStrike" kern="1200" cap="none" spc="0" normalizeH="0" baseline="0" noProof="0" dirty="0">
+                      <a:ln>
+                        <a:noFill/>
+                      </a:ln>
+                      <a:solidFill>
+                        <a:prstClr val="black"/>
+                      </a:solidFill>
+                      <a:effectLst/>
+                      <a:uLnTx/>
+                      <a:uFillTx/>
+                      <a:latin typeface="맑은 고딕" panose="020F0502020204030204"/>
+                      <a:ea typeface="맑은 고딕" panose="020B0503020000020004" pitchFamily="50" charset="-127"/>
+                      <a:cs typeface="+mn-cs"/>
+                    </a:endParaRPr>
+                  </a:p>
+                </p:txBody>
+              </p:sp>
+            </mc:Choice>
+            <mc:Fallback>
+              <p:sp>
+                <p:nvSpPr>
+                  <p:cNvPr id="52" name="TextBox 51">
+                    <a:extLst>
+                      <a:ext uri="{FF2B5EF4-FFF2-40B4-BE49-F238E27FC236}">
+                        <a16:creationId xmlns:a16="http://schemas.microsoft.com/office/drawing/2014/main" id="{EA3B7F3C-A5DF-577B-1639-E84A2EA1E34D}"/>
+                      </a:ext>
+                    </a:extLst>
+                  </p:cNvPr>
+                  <p:cNvSpPr txBox="1">
+                    <a:spLocks noRot="1" noChangeAspect="1" noMove="1" noResize="1" noEditPoints="1" noAdjustHandles="1" noChangeArrowheads="1" noChangeShapeType="1" noTextEdit="1"/>
+                  </p:cNvSpPr>
+                  <p:nvPr/>
+                </p:nvSpPr>
+                <p:spPr>
+                  <a:xfrm>
+                    <a:off x="3486993" y="6443611"/>
+                    <a:ext cx="1567160" cy="276999"/>
+                  </a:xfrm>
+                  <a:prstGeom prst="rect">
+                    <a:avLst/>
+                  </a:prstGeom>
+                  <a:blipFill>
+                    <a:blip r:embed="rId4"/>
+                    <a:stretch>
+                      <a:fillRect l="-778" r="-389" b="-36957"/>
+                    </a:stretch>
+                  </a:blipFill>
+                </p:spPr>
+                <p:txBody>
+                  <a:bodyPr/>
+                  <a:lstStyle/>
+                  <a:p>
+                    <a:r>
+                      <a:rPr lang="ko-KR" altLang="en-US">
+                        <a:noFill/>
+                      </a:rPr>
+                      <a:t> </a:t>
+                    </a:r>
+                  </a:p>
+                </p:txBody>
+              </p:sp>
+            </mc:Fallback>
+          </mc:AlternateContent>
+          <mc:AlternateContent xmlns:mc="http://schemas.openxmlformats.org/markup-compatibility/2006">
+            <mc:Choice xmlns:a14="http://schemas.microsoft.com/office/drawing/2010/main" Requires="a14">
+              <p:sp>
+                <p:nvSpPr>
+                  <p:cNvPr id="53" name="TextBox 52">
+                    <a:extLst>
+                      <a:ext uri="{FF2B5EF4-FFF2-40B4-BE49-F238E27FC236}">
+                        <a16:creationId xmlns:a16="http://schemas.microsoft.com/office/drawing/2014/main" id="{43AE1687-93BE-E198-B550-E4347A43C74D}"/>
+                      </a:ext>
+                    </a:extLst>
+                  </p:cNvPr>
+                  <p:cNvSpPr txBox="1"/>
+                  <p:nvPr/>
+                </p:nvSpPr>
+                <p:spPr>
+                  <a:xfrm>
+                    <a:off x="3486993" y="4545072"/>
+                    <a:ext cx="752321" cy="565348"/>
+                  </a:xfrm>
+                  <a:prstGeom prst="rect">
+                    <a:avLst/>
+                  </a:prstGeom>
+                  <a:noFill/>
+                </p:spPr>
+                <p:txBody>
+                  <a:bodyPr wrap="none" lIns="0" tIns="0" rIns="0" bIns="0" rtlCol="0">
+                    <a:spAutoFit/>
+                  </a:bodyPr>
+                  <a:lstStyle/>
+                  <a:p>
+                    <a:pPr marL="0" marR="0" lvl="0" indent="0" algn="l" defTabSz="914400" rtl="0" eaLnBrk="1" fontAlgn="auto" latinLnBrk="1" hangingPunct="1">
+                      <a:lnSpc>
+                        <a:spcPct val="100000"/>
+                      </a:lnSpc>
+                      <a:spcBef>
+                        <a:spcPts val="0"/>
+                      </a:spcBef>
+                      <a:spcAft>
+                        <a:spcPts val="0"/>
+                      </a:spcAft>
+                      <a:buClrTx/>
+                      <a:buSzTx/>
+                      <a:buFontTx/>
+                      <a:buNone/>
+                      <a:tabLst/>
+                      <a:defRPr/>
+                    </a:pPr>
+                    <a14:m>
+                      <m:oMathPara xmlns:m="http://schemas.openxmlformats.org/officeDocument/2006/math">
+                        <m:oMathParaPr>
+                          <m:jc m:val="centerGroup"/>
+                        </m:oMathParaPr>
+                        <m:oMath xmlns:m="http://schemas.openxmlformats.org/officeDocument/2006/math">
+                          <m:r>
+                            <a:rPr kumimoji="0" lang="en-US" altLang="ko-KR" sz="1800" b="0" i="1" u="none" strike="noStrike" kern="1200" cap="none" spc="0" normalizeH="0" baseline="0" noProof="0" smtClean="0">
+                              <a:ln>
+                                <a:noFill/>
+                              </a:ln>
+                              <a:solidFill>
+                                <a:prstClr val="black"/>
+                              </a:solidFill>
+                              <a:effectLst/>
+                              <a:uLnTx/>
+                              <a:uFillTx/>
+                              <a:latin typeface="Cambria Math" panose="02040503050406030204" pitchFamily="18" charset="0"/>
+                              <a:cs typeface="+mn-cs"/>
+                            </a:rPr>
+                            <m:t>𝑥</m:t>
+                          </m:r>
+                          <m:r>
+                            <a:rPr kumimoji="0" lang="en-US" altLang="ko-KR" sz="1800" b="0" i="1" u="none" strike="noStrike" kern="1200" cap="none" spc="0" normalizeH="0" baseline="0" noProof="0" smtClean="0">
+                              <a:ln>
+                                <a:noFill/>
+                              </a:ln>
+                              <a:solidFill>
+                                <a:prstClr val="black"/>
+                              </a:solidFill>
+                              <a:effectLst/>
+                              <a:uLnTx/>
+                              <a:uFillTx/>
+                              <a:latin typeface="Cambria Math" panose="02040503050406030204" pitchFamily="18" charset="0"/>
+                              <a:cs typeface="+mn-cs"/>
+                            </a:rPr>
+                            <m:t>=</m:t>
+                          </m:r>
+                          <m:f>
+                            <m:fPr>
+                              <m:ctrlPr>
+                                <a:rPr kumimoji="0" lang="en-US" altLang="ko-KR" sz="1800" b="0" i="1" u="none" strike="noStrike" kern="1200" cap="none" spc="0" normalizeH="0" baseline="0" noProof="0" smtClean="0">
+                                  <a:ln>
+                                    <a:noFill/>
+                                  </a:ln>
+                                  <a:solidFill>
+                                    <a:prstClr val="black"/>
+                                  </a:solidFill>
+                                  <a:effectLst/>
+                                  <a:uLnTx/>
+                                  <a:uFillTx/>
+                                  <a:latin typeface="Cambria Math" panose="02040503050406030204" pitchFamily="18" charset="0"/>
+                                  <a:cs typeface="+mn-cs"/>
+                                </a:rPr>
+                              </m:ctrlPr>
+                            </m:fPr>
+                            <m:num>
+                              <m:sSub>
+                                <m:sSubPr>
+                                  <m:ctrlPr>
+                                    <a:rPr kumimoji="0" lang="en-US" altLang="ko-KR" sz="1800" b="0" i="1" u="none" strike="noStrike" kern="1200" cap="none" spc="0" normalizeH="0" baseline="0" noProof="0" smtClean="0">
+                                      <a:ln>
+                                        <a:noFill/>
+                                      </a:ln>
+                                      <a:solidFill>
+                                        <a:prstClr val="black"/>
+                                      </a:solidFill>
+                                      <a:effectLst/>
+                                      <a:uLnTx/>
+                                      <a:uFillTx/>
+                                      <a:latin typeface="Cambria Math" panose="02040503050406030204" pitchFamily="18" charset="0"/>
+                                      <a:cs typeface="+mn-cs"/>
+                                    </a:rPr>
+                                  </m:ctrlPr>
+                                </m:sSubPr>
+                                <m:e>
+                                  <m:r>
+                                    <a:rPr kumimoji="0" lang="en-US" altLang="ko-KR" sz="1800" b="0" i="1" u="none" strike="noStrike" kern="1200" cap="none" spc="0" normalizeH="0" baseline="0" noProof="0" smtClean="0">
+                                      <a:ln>
+                                        <a:noFill/>
+                                      </a:ln>
+                                      <a:solidFill>
+                                        <a:prstClr val="black"/>
+                                      </a:solidFill>
+                                      <a:effectLst/>
+                                      <a:uLnTx/>
+                                      <a:uFillTx/>
+                                      <a:latin typeface="Cambria Math" panose="02040503050406030204" pitchFamily="18" charset="0"/>
+                                      <a:cs typeface="+mn-cs"/>
+                                    </a:rPr>
+                                    <m:t>𝑋</m:t>
+                                  </m:r>
+                                </m:e>
+                                <m:sub>
+                                  <m:r>
+                                    <a:rPr kumimoji="0" lang="en-US" altLang="ko-KR" sz="1800" b="0" i="1" u="none" strike="noStrike" kern="1200" cap="none" spc="0" normalizeH="0" baseline="0" noProof="0" smtClean="0">
+                                      <a:ln>
+                                        <a:noFill/>
+                                      </a:ln>
+                                      <a:solidFill>
+                                        <a:prstClr val="black"/>
+                                      </a:solidFill>
+                                      <a:effectLst/>
+                                      <a:uLnTx/>
+                                      <a:uFillTx/>
+                                      <a:latin typeface="Cambria Math" panose="02040503050406030204" pitchFamily="18" charset="0"/>
+                                      <a:cs typeface="+mn-cs"/>
+                                    </a:rPr>
+                                    <m:t>𝑐</m:t>
+                                  </m:r>
+                                </m:sub>
+                              </m:sSub>
+                            </m:num>
+                            <m:den>
+                              <m:sSub>
+                                <m:sSubPr>
+                                  <m:ctrlPr>
+                                    <a:rPr kumimoji="0" lang="en-US" altLang="ko-KR" sz="1800" b="0" i="1" u="none" strike="noStrike" kern="1200" cap="none" spc="0" normalizeH="0" baseline="0" noProof="0" smtClean="0">
+                                      <a:ln>
+                                        <a:noFill/>
+                                      </a:ln>
+                                      <a:solidFill>
+                                        <a:prstClr val="black"/>
+                                      </a:solidFill>
+                                      <a:effectLst/>
+                                      <a:uLnTx/>
+                                      <a:uFillTx/>
+                                      <a:latin typeface="Cambria Math" panose="02040503050406030204" pitchFamily="18" charset="0"/>
+                                      <a:cs typeface="+mn-cs"/>
+                                    </a:rPr>
+                                  </m:ctrlPr>
+                                </m:sSubPr>
+                                <m:e>
+                                  <m:r>
+                                    <a:rPr kumimoji="0" lang="en-US" altLang="ko-KR" sz="1800" b="0" i="1" u="none" strike="noStrike" kern="1200" cap="none" spc="0" normalizeH="0" baseline="0" noProof="0" smtClean="0">
+                                      <a:ln>
+                                        <a:noFill/>
+                                      </a:ln>
+                                      <a:solidFill>
+                                        <a:prstClr val="black"/>
+                                      </a:solidFill>
+                                      <a:effectLst/>
+                                      <a:uLnTx/>
+                                      <a:uFillTx/>
+                                      <a:latin typeface="Cambria Math" panose="02040503050406030204" pitchFamily="18" charset="0"/>
+                                      <a:cs typeface="+mn-cs"/>
+                                    </a:rPr>
+                                    <m:t>𝑍</m:t>
+                                  </m:r>
+                                </m:e>
+                                <m:sub>
+                                  <m:r>
+                                    <a:rPr kumimoji="0" lang="en-US" altLang="ko-KR" sz="1800" b="0" i="1" u="none" strike="noStrike" kern="1200" cap="none" spc="0" normalizeH="0" baseline="0" noProof="0" smtClean="0">
+                                      <a:ln>
+                                        <a:noFill/>
+                                      </a:ln>
+                                      <a:solidFill>
+                                        <a:prstClr val="black"/>
+                                      </a:solidFill>
+                                      <a:effectLst/>
+                                      <a:uLnTx/>
+                                      <a:uFillTx/>
+                                      <a:latin typeface="Cambria Math" panose="02040503050406030204" pitchFamily="18" charset="0"/>
+                                      <a:cs typeface="+mn-cs"/>
+                                    </a:rPr>
+                                    <m:t>𝑐</m:t>
+                                  </m:r>
+                                </m:sub>
+                              </m:sSub>
+                            </m:den>
+                          </m:f>
+                        </m:oMath>
+                      </m:oMathPara>
+                    </a14:m>
+                    <a:endParaRPr kumimoji="0" lang="ko-KR" altLang="en-US" sz="1800" b="0" i="0" u="none" strike="noStrike" kern="1200" cap="none" spc="0" normalizeH="0" baseline="0" noProof="0" dirty="0">
+                      <a:ln>
+                        <a:noFill/>
+                      </a:ln>
+                      <a:solidFill>
+                        <a:prstClr val="black"/>
+                      </a:solidFill>
+                      <a:effectLst/>
+                      <a:uLnTx/>
+                      <a:uFillTx/>
+                      <a:latin typeface="맑은 고딕" panose="020F0502020204030204"/>
+                      <a:ea typeface="맑은 고딕" panose="020B0503020000020004" pitchFamily="50" charset="-127"/>
+                      <a:cs typeface="+mn-cs"/>
+                    </a:endParaRPr>
+                  </a:p>
+                </p:txBody>
+              </p:sp>
+            </mc:Choice>
+            <mc:Fallback>
+              <p:sp>
+                <p:nvSpPr>
+                  <p:cNvPr id="53" name="TextBox 52">
+                    <a:extLst>
+                      <a:ext uri="{FF2B5EF4-FFF2-40B4-BE49-F238E27FC236}">
+                        <a16:creationId xmlns:a16="http://schemas.microsoft.com/office/drawing/2014/main" id="{43AE1687-93BE-E198-B550-E4347A43C74D}"/>
+                      </a:ext>
+                    </a:extLst>
+                  </p:cNvPr>
+                  <p:cNvSpPr txBox="1">
+                    <a:spLocks noRot="1" noChangeAspect="1" noMove="1" noResize="1" noEditPoints="1" noAdjustHandles="1" noChangeArrowheads="1" noChangeShapeType="1" noTextEdit="1"/>
+                  </p:cNvSpPr>
+                  <p:nvPr/>
+                </p:nvSpPr>
+                <p:spPr>
+                  <a:xfrm>
+                    <a:off x="3486993" y="4545072"/>
+                    <a:ext cx="752321" cy="565348"/>
+                  </a:xfrm>
+                  <a:prstGeom prst="rect">
+                    <a:avLst/>
+                  </a:prstGeom>
+                  <a:blipFill>
+                    <a:blip r:embed="rId5"/>
+                    <a:stretch>
+                      <a:fillRect/>
+                    </a:stretch>
+                  </a:blipFill>
+                </p:spPr>
+                <p:txBody>
+                  <a:bodyPr/>
+                  <a:lstStyle/>
+                  <a:p>
+                    <a:r>
+                      <a:rPr lang="ko-KR" altLang="en-US">
+                        <a:noFill/>
+                      </a:rPr>
+                      <a:t> </a:t>
+                    </a:r>
+                  </a:p>
+                </p:txBody>
+              </p:sp>
+            </mc:Fallback>
+          </mc:AlternateContent>
+          <mc:AlternateContent xmlns:mc="http://schemas.openxmlformats.org/markup-compatibility/2006">
+            <mc:Choice xmlns:a14="http://schemas.microsoft.com/office/drawing/2010/main" Requires="a14">
+              <p:sp>
+                <p:nvSpPr>
+                  <p:cNvPr id="54" name="TextBox 53">
+                    <a:extLst>
+                      <a:ext uri="{FF2B5EF4-FFF2-40B4-BE49-F238E27FC236}">
+                        <a16:creationId xmlns:a16="http://schemas.microsoft.com/office/drawing/2014/main" id="{F981F32C-8A93-C437-570D-BE58BD9CB1D3}"/>
+                      </a:ext>
+                    </a:extLst>
+                  </p:cNvPr>
+                  <p:cNvSpPr txBox="1"/>
+                  <p:nvPr/>
+                </p:nvSpPr>
+                <p:spPr>
+                  <a:xfrm>
+                    <a:off x="3486993" y="5274035"/>
+                    <a:ext cx="746295" cy="565348"/>
+                  </a:xfrm>
+                  <a:prstGeom prst="rect">
+                    <a:avLst/>
+                  </a:prstGeom>
+                  <a:noFill/>
+                </p:spPr>
+                <p:txBody>
+                  <a:bodyPr wrap="none" lIns="0" tIns="0" rIns="0" bIns="0" rtlCol="0">
+                    <a:spAutoFit/>
+                  </a:bodyPr>
+                  <a:lstStyle/>
+                  <a:p>
+                    <a:pPr marL="0" marR="0" lvl="0" indent="0" algn="l" defTabSz="914400" rtl="0" eaLnBrk="1" fontAlgn="auto" latinLnBrk="1" hangingPunct="1">
+                      <a:lnSpc>
+                        <a:spcPct val="100000"/>
+                      </a:lnSpc>
+                      <a:spcBef>
+                        <a:spcPts val="0"/>
+                      </a:spcBef>
+                      <a:spcAft>
+                        <a:spcPts val="0"/>
+                      </a:spcAft>
+                      <a:buClrTx/>
+                      <a:buSzTx/>
+                      <a:buFontTx/>
+                      <a:buNone/>
+                      <a:tabLst/>
+                      <a:defRPr/>
+                    </a:pPr>
+                    <a14:m>
+                      <m:oMathPara xmlns:m="http://schemas.openxmlformats.org/officeDocument/2006/math">
+                        <m:oMathParaPr>
+                          <m:jc m:val="centerGroup"/>
+                        </m:oMathParaPr>
+                        <m:oMath xmlns:m="http://schemas.openxmlformats.org/officeDocument/2006/math">
+                          <m:r>
+                            <a:rPr kumimoji="0" lang="en-US" altLang="ko-KR" sz="1800" b="0" i="1" u="none" strike="noStrike" kern="1200" cap="none" spc="0" normalizeH="0" baseline="0" noProof="0" smtClean="0">
+                              <a:ln>
+                                <a:noFill/>
+                              </a:ln>
+                              <a:solidFill>
+                                <a:prstClr val="black"/>
+                              </a:solidFill>
+                              <a:effectLst/>
+                              <a:uLnTx/>
+                              <a:uFillTx/>
+                              <a:latin typeface="Cambria Math" panose="02040503050406030204" pitchFamily="18" charset="0"/>
+                              <a:cs typeface="+mn-cs"/>
+                            </a:rPr>
+                            <m:t>𝑦</m:t>
+                          </m:r>
+                          <m:r>
+                            <a:rPr kumimoji="0" lang="en-US" altLang="ko-KR" sz="1800" b="0" i="1" u="none" strike="noStrike" kern="1200" cap="none" spc="0" normalizeH="0" baseline="0" noProof="0" smtClean="0">
+                              <a:ln>
+                                <a:noFill/>
+                              </a:ln>
+                              <a:solidFill>
+                                <a:prstClr val="black"/>
+                              </a:solidFill>
+                              <a:effectLst/>
+                              <a:uLnTx/>
+                              <a:uFillTx/>
+                              <a:latin typeface="Cambria Math" panose="02040503050406030204" pitchFamily="18" charset="0"/>
+                              <a:cs typeface="+mn-cs"/>
+                            </a:rPr>
+                            <m:t>=</m:t>
+                          </m:r>
+                          <m:f>
+                            <m:fPr>
+                              <m:ctrlPr>
+                                <a:rPr kumimoji="0" lang="en-US" altLang="ko-KR" sz="1800" b="0" i="1" u="none" strike="noStrike" kern="1200" cap="none" spc="0" normalizeH="0" baseline="0" noProof="0" smtClean="0">
+                                  <a:ln>
+                                    <a:noFill/>
+                                  </a:ln>
+                                  <a:solidFill>
+                                    <a:prstClr val="black"/>
+                                  </a:solidFill>
+                                  <a:effectLst/>
+                                  <a:uLnTx/>
+                                  <a:uFillTx/>
+                                  <a:latin typeface="Cambria Math" panose="02040503050406030204" pitchFamily="18" charset="0"/>
+                                  <a:cs typeface="+mn-cs"/>
+                                </a:rPr>
+                              </m:ctrlPr>
+                            </m:fPr>
+                            <m:num>
+                              <m:sSub>
+                                <m:sSubPr>
+                                  <m:ctrlPr>
+                                    <a:rPr kumimoji="0" lang="en-US" altLang="ko-KR" sz="1800" b="0" i="1" u="none" strike="noStrike" kern="1200" cap="none" spc="0" normalizeH="0" baseline="0" noProof="0" smtClean="0">
+                                      <a:ln>
+                                        <a:noFill/>
+                                      </a:ln>
+                                      <a:solidFill>
+                                        <a:prstClr val="black"/>
+                                      </a:solidFill>
+                                      <a:effectLst/>
+                                      <a:uLnTx/>
+                                      <a:uFillTx/>
+                                      <a:latin typeface="Cambria Math" panose="02040503050406030204" pitchFamily="18" charset="0"/>
+                                      <a:cs typeface="+mn-cs"/>
+                                    </a:rPr>
+                                  </m:ctrlPr>
+                                </m:sSubPr>
+                                <m:e>
+                                  <m:r>
+                                    <a:rPr kumimoji="0" lang="en-US" altLang="ko-KR" sz="1800" b="0" i="1" u="none" strike="noStrike" kern="1200" cap="none" spc="0" normalizeH="0" baseline="0" noProof="0" smtClean="0">
+                                      <a:ln>
+                                        <a:noFill/>
+                                      </a:ln>
+                                      <a:solidFill>
+                                        <a:prstClr val="black"/>
+                                      </a:solidFill>
+                                      <a:effectLst/>
+                                      <a:uLnTx/>
+                                      <a:uFillTx/>
+                                      <a:latin typeface="Cambria Math" panose="02040503050406030204" pitchFamily="18" charset="0"/>
+                                      <a:cs typeface="+mn-cs"/>
+                                    </a:rPr>
+                                    <m:t>𝑌</m:t>
+                                  </m:r>
+                                </m:e>
+                                <m:sub>
+                                  <m:r>
+                                    <a:rPr kumimoji="0" lang="en-US" altLang="ko-KR" sz="1800" b="0" i="1" u="none" strike="noStrike" kern="1200" cap="none" spc="0" normalizeH="0" baseline="0" noProof="0" smtClean="0">
+                                      <a:ln>
+                                        <a:noFill/>
+                                      </a:ln>
+                                      <a:solidFill>
+                                        <a:prstClr val="black"/>
+                                      </a:solidFill>
+                                      <a:effectLst/>
+                                      <a:uLnTx/>
+                                      <a:uFillTx/>
+                                      <a:latin typeface="Cambria Math" panose="02040503050406030204" pitchFamily="18" charset="0"/>
+                                      <a:cs typeface="+mn-cs"/>
+                                    </a:rPr>
+                                    <m:t>𝑐</m:t>
+                                  </m:r>
+                                </m:sub>
+                              </m:sSub>
+                            </m:num>
+                            <m:den>
+                              <m:sSub>
+                                <m:sSubPr>
+                                  <m:ctrlPr>
+                                    <a:rPr kumimoji="0" lang="en-US" altLang="ko-KR" sz="1800" b="0" i="1" u="none" strike="noStrike" kern="1200" cap="none" spc="0" normalizeH="0" baseline="0" noProof="0" smtClean="0">
+                                      <a:ln>
+                                        <a:noFill/>
+                                      </a:ln>
+                                      <a:solidFill>
+                                        <a:prstClr val="black"/>
+                                      </a:solidFill>
+                                      <a:effectLst/>
+                                      <a:uLnTx/>
+                                      <a:uFillTx/>
+                                      <a:latin typeface="Cambria Math" panose="02040503050406030204" pitchFamily="18" charset="0"/>
+                                      <a:cs typeface="+mn-cs"/>
+                                    </a:rPr>
+                                  </m:ctrlPr>
+                                </m:sSubPr>
+                                <m:e>
+                                  <m:r>
+                                    <a:rPr kumimoji="0" lang="en-US" altLang="ko-KR" sz="1800" b="0" i="1" u="none" strike="noStrike" kern="1200" cap="none" spc="0" normalizeH="0" baseline="0" noProof="0" smtClean="0">
+                                      <a:ln>
+                                        <a:noFill/>
+                                      </a:ln>
+                                      <a:solidFill>
+                                        <a:prstClr val="black"/>
+                                      </a:solidFill>
+                                      <a:effectLst/>
+                                      <a:uLnTx/>
+                                      <a:uFillTx/>
+                                      <a:latin typeface="Cambria Math" panose="02040503050406030204" pitchFamily="18" charset="0"/>
+                                      <a:cs typeface="+mn-cs"/>
+                                    </a:rPr>
+                                    <m:t>𝑍</m:t>
+                                  </m:r>
+                                </m:e>
+                                <m:sub>
+                                  <m:r>
+                                    <a:rPr kumimoji="0" lang="en-US" altLang="ko-KR" sz="1800" b="0" i="1" u="none" strike="noStrike" kern="1200" cap="none" spc="0" normalizeH="0" baseline="0" noProof="0" smtClean="0">
+                                      <a:ln>
+                                        <a:noFill/>
+                                      </a:ln>
+                                      <a:solidFill>
+                                        <a:prstClr val="black"/>
+                                      </a:solidFill>
+                                      <a:effectLst/>
+                                      <a:uLnTx/>
+                                      <a:uFillTx/>
+                                      <a:latin typeface="Cambria Math" panose="02040503050406030204" pitchFamily="18" charset="0"/>
+                                      <a:cs typeface="+mn-cs"/>
+                                    </a:rPr>
+                                    <m:t>𝑐</m:t>
+                                  </m:r>
+                                </m:sub>
+                              </m:sSub>
+                            </m:den>
+                          </m:f>
+                        </m:oMath>
+                      </m:oMathPara>
+                    </a14:m>
+                    <a:endParaRPr kumimoji="0" lang="ko-KR" altLang="en-US" sz="1800" b="0" i="0" u="none" strike="noStrike" kern="1200" cap="none" spc="0" normalizeH="0" baseline="0" noProof="0" dirty="0">
+                      <a:ln>
+                        <a:noFill/>
+                      </a:ln>
+                      <a:solidFill>
+                        <a:prstClr val="black"/>
+                      </a:solidFill>
+                      <a:effectLst/>
+                      <a:uLnTx/>
+                      <a:uFillTx/>
+                      <a:latin typeface="맑은 고딕" panose="020F0502020204030204"/>
+                      <a:ea typeface="맑은 고딕" panose="020B0503020000020004" pitchFamily="50" charset="-127"/>
+                      <a:cs typeface="+mn-cs"/>
+                    </a:endParaRPr>
+                  </a:p>
+                </p:txBody>
+              </p:sp>
+            </mc:Choice>
+            <mc:Fallback>
+              <p:sp>
+                <p:nvSpPr>
+                  <p:cNvPr id="54" name="TextBox 53">
+                    <a:extLst>
+                      <a:ext uri="{FF2B5EF4-FFF2-40B4-BE49-F238E27FC236}">
+                        <a16:creationId xmlns:a16="http://schemas.microsoft.com/office/drawing/2014/main" id="{F981F32C-8A93-C437-570D-BE58BD9CB1D3}"/>
+                      </a:ext>
+                    </a:extLst>
+                  </p:cNvPr>
+                  <p:cNvSpPr txBox="1">
+                    <a:spLocks noRot="1" noChangeAspect="1" noMove="1" noResize="1" noEditPoints="1" noAdjustHandles="1" noChangeArrowheads="1" noChangeShapeType="1" noTextEdit="1"/>
+                  </p:cNvSpPr>
+                  <p:nvPr/>
+                </p:nvSpPr>
+                <p:spPr>
+                  <a:xfrm>
+                    <a:off x="3486993" y="5274035"/>
+                    <a:ext cx="746295" cy="565348"/>
+                  </a:xfrm>
+                  <a:prstGeom prst="rect">
+                    <a:avLst/>
+                  </a:prstGeom>
+                  <a:blipFill>
+                    <a:blip r:embed="rId6"/>
+                    <a:stretch>
+                      <a:fillRect/>
+                    </a:stretch>
+                  </a:blipFill>
+                </p:spPr>
+                <p:txBody>
+                  <a:bodyPr/>
+                  <a:lstStyle/>
+                  <a:p>
+                    <a:r>
+                      <a:rPr lang="ko-KR" altLang="en-US">
+                        <a:noFill/>
+                      </a:rPr>
+                      <a:t> </a:t>
+                    </a:r>
+                  </a:p>
+                </p:txBody>
+              </p:sp>
+            </mc:Fallback>
+          </mc:AlternateContent>
+        </p:grpSp>
+        <p:grpSp>
+          <p:nvGrpSpPr>
+            <p:cNvPr id="60" name="그룹 59">
+              <a:extLst>
+                <a:ext uri="{FF2B5EF4-FFF2-40B4-BE49-F238E27FC236}">
+                  <a16:creationId xmlns:a16="http://schemas.microsoft.com/office/drawing/2014/main" id="{D1030DAD-9688-EB63-3D36-116B510D2960}"/>
+                </a:ext>
+              </a:extLst>
+            </p:cNvPr>
+            <p:cNvGrpSpPr/>
+            <p:nvPr/>
+          </p:nvGrpSpPr>
+          <p:grpSpPr>
+            <a:xfrm>
+              <a:off x="1331006" y="0"/>
+              <a:ext cx="6010500" cy="4815840"/>
+              <a:chOff x="1338626" y="-213313"/>
+              <a:chExt cx="6010500" cy="4815840"/>
+            </a:xfrm>
+          </p:grpSpPr>
+          <p:grpSp>
+            <p:nvGrpSpPr>
+              <p:cNvPr id="5" name="그룹 4">
+                <a:extLst>
+                  <a:ext uri="{FF2B5EF4-FFF2-40B4-BE49-F238E27FC236}">
+                    <a16:creationId xmlns:a16="http://schemas.microsoft.com/office/drawing/2014/main" id="{4E1CB71B-0058-2CB4-5E2C-A7DAE967AB48}"/>
+                  </a:ext>
+                </a:extLst>
+              </p:cNvPr>
+              <p:cNvGrpSpPr/>
+              <p:nvPr/>
+            </p:nvGrpSpPr>
+            <p:grpSpPr>
+              <a:xfrm>
+                <a:off x="1338626" y="-213313"/>
+                <a:ext cx="6010500" cy="4815840"/>
+                <a:chOff x="995726" y="745492"/>
+                <a:chExt cx="6010500" cy="4815840"/>
+              </a:xfrm>
+            </p:grpSpPr>
+            <p:sp>
+              <p:nvSpPr>
+                <p:cNvPr id="9" name="평행 사변형 8">
+                  <a:extLst>
+                    <a:ext uri="{FF2B5EF4-FFF2-40B4-BE49-F238E27FC236}">
+                      <a16:creationId xmlns:a16="http://schemas.microsoft.com/office/drawing/2014/main" id="{0725240C-C1FA-7205-1668-05847F02928D}"/>
+                    </a:ext>
+                  </a:extLst>
+                </p:cNvPr>
+                <p:cNvSpPr/>
+                <p:nvPr/>
+              </p:nvSpPr>
+              <p:spPr>
+                <a:xfrm rot="1565019" flipH="1">
+                  <a:off x="3499092" y="1372481"/>
+                  <a:ext cx="3507134" cy="1642631"/>
+                </a:xfrm>
+                <a:prstGeom prst="parallelogram">
+                  <a:avLst>
+                    <a:gd name="adj" fmla="val 48590"/>
+                  </a:avLst>
+                </a:prstGeom>
+                <a:solidFill>
+                  <a:schemeClr val="accent5">
+                    <a:lumMod val="20000"/>
+                    <a:lumOff val="80000"/>
+                    <a:alpha val="21000"/>
+                  </a:schemeClr>
+                </a:solidFill>
+                <a:ln>
+                  <a:noFill/>
+                </a:ln>
+              </p:spPr>
+              <p:style>
+                <a:lnRef idx="2">
+                  <a:schemeClr val="accent1">
+                    <a:shade val="50000"/>
+                  </a:schemeClr>
+                </a:lnRef>
+                <a:fillRef idx="1">
+                  <a:schemeClr val="accent1"/>
+                </a:fillRef>
+                <a:effectRef idx="0">
+                  <a:schemeClr val="accent1"/>
+                </a:effectRef>
+                <a:fontRef idx="minor">
+                  <a:schemeClr val="lt1"/>
+                </a:fontRef>
+              </p:style>
+              <p:txBody>
+                <a:bodyPr rtlCol="0" anchor="ctr"/>
+                <a:lstStyle/>
+                <a:p>
+                  <a:pPr marL="0" marR="0" lvl="0" indent="0" algn="ctr" defTabSz="914400" rtl="0" eaLnBrk="1" fontAlgn="auto" latinLnBrk="1" hangingPunct="1">
+                    <a:lnSpc>
+                      <a:spcPct val="100000"/>
+                    </a:lnSpc>
+                    <a:spcBef>
+                      <a:spcPts val="0"/>
+                    </a:spcBef>
+                    <a:spcAft>
+                      <a:spcPts val="0"/>
+                    </a:spcAft>
+                    <a:buClrTx/>
+                    <a:buSzTx/>
+                    <a:buFontTx/>
+                    <a:buNone/>
+                    <a:tabLst/>
+                    <a:defRPr/>
+                  </a:pPr>
+                  <a:endParaRPr kumimoji="0" lang="ko-KR" altLang="en-US" sz="1800" b="0" i="0" u="none" strike="noStrike" kern="1200" cap="none" spc="0" normalizeH="0" baseline="0" noProof="0" dirty="0">
+                    <a:ln>
+                      <a:noFill/>
+                    </a:ln>
+                    <a:solidFill>
+                      <a:prstClr val="white"/>
+                    </a:solidFill>
+                    <a:effectLst/>
+                    <a:uLnTx/>
+                    <a:uFillTx/>
+                    <a:latin typeface="맑은 고딕" panose="020F0502020204030204"/>
+                    <a:ea typeface="맑은 고딕" panose="020B0503020000020004" pitchFamily="50" charset="-127"/>
+                    <a:cs typeface="+mn-cs"/>
+                  </a:endParaRPr>
+                </a:p>
+              </p:txBody>
+            </p:sp>
+            <p:cxnSp>
+              <p:nvCxnSpPr>
+                <p:cNvPr id="10" name="직선 화살표 연결선 9">
+                  <a:extLst>
+                    <a:ext uri="{FF2B5EF4-FFF2-40B4-BE49-F238E27FC236}">
+                      <a16:creationId xmlns:a16="http://schemas.microsoft.com/office/drawing/2014/main" id="{71CFFD79-D7FC-C85A-C4EF-A6F97A21BC29}"/>
+                    </a:ext>
+                  </a:extLst>
+                </p:cNvPr>
+                <p:cNvCxnSpPr>
+                  <a:cxnSpLocks/>
+                </p:cNvCxnSpPr>
+                <p:nvPr/>
+              </p:nvCxnSpPr>
+              <p:spPr>
+                <a:xfrm flipV="1">
+                  <a:off x="2178050" y="4380232"/>
+                  <a:ext cx="548641" cy="441960"/>
+                </a:xfrm>
+                <a:prstGeom prst="straightConnector1">
+                  <a:avLst/>
+                </a:prstGeom>
+                <a:ln w="28575">
+                  <a:solidFill>
+                    <a:srgbClr val="FF0000"/>
+                  </a:solidFill>
+                  <a:tailEnd type="triangle"/>
+                </a:ln>
+              </p:spPr>
+              <p:style>
+                <a:lnRef idx="1">
+                  <a:schemeClr val="accent1"/>
+                </a:lnRef>
+                <a:fillRef idx="0">
+                  <a:schemeClr val="accent1"/>
+                </a:fillRef>
+                <a:effectRef idx="0">
+                  <a:schemeClr val="accent1"/>
+                </a:effectRef>
+                <a:fontRef idx="minor">
+                  <a:schemeClr val="tx1"/>
+                </a:fontRef>
+              </p:style>
+            </p:cxnSp>
+            <p:cxnSp>
+              <p:nvCxnSpPr>
+                <p:cNvPr id="11" name="직선 화살표 연결선 10">
+                  <a:extLst>
+                    <a:ext uri="{FF2B5EF4-FFF2-40B4-BE49-F238E27FC236}">
+                      <a16:creationId xmlns:a16="http://schemas.microsoft.com/office/drawing/2014/main" id="{05912C0B-02DC-6938-CACB-F68B38EC469B}"/>
+                    </a:ext>
+                  </a:extLst>
+                </p:cNvPr>
+                <p:cNvCxnSpPr>
+                  <a:cxnSpLocks/>
+                </p:cNvCxnSpPr>
+                <p:nvPr/>
+              </p:nvCxnSpPr>
+              <p:spPr>
+                <a:xfrm>
+                  <a:off x="2178050" y="4822192"/>
+                  <a:ext cx="0" cy="739140"/>
+                </a:xfrm>
+                <a:prstGeom prst="straightConnector1">
+                  <a:avLst/>
+                </a:prstGeom>
+                <a:ln w="28575">
+                  <a:solidFill>
+                    <a:srgbClr val="FF0000"/>
+                  </a:solidFill>
+                  <a:tailEnd type="triangle"/>
+                </a:ln>
+              </p:spPr>
+              <p:style>
+                <a:lnRef idx="1">
+                  <a:schemeClr val="accent1"/>
+                </a:lnRef>
+                <a:fillRef idx="0">
+                  <a:schemeClr val="accent1"/>
+                </a:fillRef>
+                <a:effectRef idx="0">
+                  <a:schemeClr val="accent1"/>
+                </a:effectRef>
+                <a:fontRef idx="minor">
+                  <a:schemeClr val="tx1"/>
+                </a:fontRef>
+              </p:style>
+            </p:cxnSp>
+            <p:cxnSp>
+              <p:nvCxnSpPr>
+                <p:cNvPr id="12" name="직선 화살표 연결선 11">
+                  <a:extLst>
+                    <a:ext uri="{FF2B5EF4-FFF2-40B4-BE49-F238E27FC236}">
+                      <a16:creationId xmlns:a16="http://schemas.microsoft.com/office/drawing/2014/main" id="{CD202AD0-63A5-C65A-FB81-CD25EEBA9E46}"/>
+                    </a:ext>
+                  </a:extLst>
+                </p:cNvPr>
+                <p:cNvCxnSpPr>
+                  <a:cxnSpLocks/>
+                </p:cNvCxnSpPr>
+                <p:nvPr/>
+              </p:nvCxnSpPr>
+              <p:spPr>
+                <a:xfrm>
+                  <a:off x="2178050" y="4822192"/>
+                  <a:ext cx="678180" cy="304800"/>
+                </a:xfrm>
+                <a:prstGeom prst="straightConnector1">
+                  <a:avLst/>
+                </a:prstGeom>
+                <a:ln w="28575">
+                  <a:solidFill>
+                    <a:srgbClr val="FF0000"/>
+                  </a:solidFill>
+                  <a:tailEnd type="triangle"/>
+                </a:ln>
+              </p:spPr>
+              <p:style>
+                <a:lnRef idx="1">
+                  <a:schemeClr val="accent1"/>
+                </a:lnRef>
+                <a:fillRef idx="0">
+                  <a:schemeClr val="accent1"/>
+                </a:fillRef>
+                <a:effectRef idx="0">
+                  <a:schemeClr val="accent1"/>
+                </a:effectRef>
+                <a:fontRef idx="minor">
+                  <a:schemeClr val="tx1"/>
+                </a:fontRef>
+              </p:style>
+            </p:cxnSp>
+            <p:sp>
+              <p:nvSpPr>
+                <p:cNvPr id="13" name="타원 12">
+                  <a:extLst>
+                    <a:ext uri="{FF2B5EF4-FFF2-40B4-BE49-F238E27FC236}">
+                      <a16:creationId xmlns:a16="http://schemas.microsoft.com/office/drawing/2014/main" id="{E6E6A736-AED5-34AC-655E-BE63EF87158E}"/>
+                    </a:ext>
+                  </a:extLst>
+                </p:cNvPr>
+                <p:cNvSpPr/>
+                <p:nvPr/>
+              </p:nvSpPr>
+              <p:spPr>
+                <a:xfrm>
+                  <a:off x="2600962" y="4783877"/>
+                  <a:ext cx="83820" cy="83820"/>
+                </a:xfrm>
+                <a:prstGeom prst="ellipse">
+                  <a:avLst/>
+                </a:prstGeom>
+              </p:spPr>
+              <p:style>
+                <a:lnRef idx="2">
+                  <a:schemeClr val="dk1">
+                    <a:shade val="50000"/>
+                  </a:schemeClr>
+                </a:lnRef>
+                <a:fillRef idx="1">
+                  <a:schemeClr val="dk1"/>
+                </a:fillRef>
+                <a:effectRef idx="0">
+                  <a:schemeClr val="dk1"/>
+                </a:effectRef>
+                <a:fontRef idx="minor">
+                  <a:schemeClr val="lt1"/>
+                </a:fontRef>
+              </p:style>
+              <p:txBody>
+                <a:bodyPr rtlCol="0" anchor="ctr"/>
+                <a:lstStyle/>
+                <a:p>
+                  <a:pPr marL="0" marR="0" lvl="0" indent="0" algn="ctr" defTabSz="914400" rtl="0" eaLnBrk="1" fontAlgn="auto" latinLnBrk="1" hangingPunct="1">
+                    <a:lnSpc>
+                      <a:spcPct val="100000"/>
+                    </a:lnSpc>
+                    <a:spcBef>
+                      <a:spcPts val="0"/>
+                    </a:spcBef>
+                    <a:spcAft>
+                      <a:spcPts val="0"/>
+                    </a:spcAft>
+                    <a:buClrTx/>
+                    <a:buSzTx/>
+                    <a:buFontTx/>
+                    <a:buNone/>
+                    <a:tabLst/>
+                    <a:defRPr/>
+                  </a:pPr>
+                  <a:endParaRPr kumimoji="0" lang="ko-KR" altLang="en-US" sz="1800" b="0" i="0" u="none" strike="noStrike" kern="1200" cap="none" spc="0" normalizeH="0" baseline="0" noProof="0">
+                    <a:ln>
+                      <a:noFill/>
+                    </a:ln>
+                    <a:solidFill>
+                      <a:prstClr val="white"/>
+                    </a:solidFill>
+                    <a:effectLst/>
+                    <a:uLnTx/>
+                    <a:uFillTx/>
+                    <a:latin typeface="맑은 고딕" panose="020F0502020204030204"/>
+                    <a:ea typeface="맑은 고딕" panose="020B0503020000020004" pitchFamily="50" charset="-127"/>
+                    <a:cs typeface="+mn-cs"/>
+                  </a:endParaRPr>
+                </a:p>
+              </p:txBody>
+            </p:sp>
+            <p:sp>
+              <p:nvSpPr>
+                <p:cNvPr id="14" name="평행 사변형 13">
+                  <a:extLst>
+                    <a:ext uri="{FF2B5EF4-FFF2-40B4-BE49-F238E27FC236}">
+                      <a16:creationId xmlns:a16="http://schemas.microsoft.com/office/drawing/2014/main" id="{B4A904D3-27B8-EBE6-B90B-53254DB270DF}"/>
+                    </a:ext>
+                  </a:extLst>
+                </p:cNvPr>
+                <p:cNvSpPr/>
+                <p:nvPr/>
+              </p:nvSpPr>
+              <p:spPr>
+                <a:xfrm rot="1565019" flipH="1">
+                  <a:off x="2682815" y="2959883"/>
+                  <a:ext cx="2452377" cy="1321684"/>
+                </a:xfrm>
+                <a:prstGeom prst="parallelogram">
+                  <a:avLst>
+                    <a:gd name="adj" fmla="val 48590"/>
+                  </a:avLst>
+                </a:prstGeom>
+                <a:solidFill>
+                  <a:schemeClr val="accent6">
+                    <a:lumMod val="20000"/>
+                    <a:lumOff val="80000"/>
+                  </a:schemeClr>
+                </a:solidFill>
+                <a:ln>
+                  <a:noFill/>
+                </a:ln>
+              </p:spPr>
+              <p:style>
+                <a:lnRef idx="2">
+                  <a:schemeClr val="accent1">
+                    <a:shade val="50000"/>
+                  </a:schemeClr>
+                </a:lnRef>
+                <a:fillRef idx="1">
+                  <a:schemeClr val="accent1"/>
+                </a:fillRef>
+                <a:effectRef idx="0">
+                  <a:schemeClr val="accent1"/>
+                </a:effectRef>
+                <a:fontRef idx="minor">
+                  <a:schemeClr val="lt1"/>
+                </a:fontRef>
+              </p:style>
+              <p:txBody>
+                <a:bodyPr rtlCol="0" anchor="ctr"/>
+                <a:lstStyle/>
+                <a:p>
+                  <a:pPr marL="0" marR="0" lvl="0" indent="0" algn="ctr" defTabSz="914400" rtl="0" eaLnBrk="1" fontAlgn="auto" latinLnBrk="1" hangingPunct="1">
+                    <a:lnSpc>
+                      <a:spcPct val="100000"/>
+                    </a:lnSpc>
+                    <a:spcBef>
+                      <a:spcPts val="0"/>
+                    </a:spcBef>
+                    <a:spcAft>
+                      <a:spcPts val="0"/>
+                    </a:spcAft>
+                    <a:buClrTx/>
+                    <a:buSzTx/>
+                    <a:buFontTx/>
+                    <a:buNone/>
+                    <a:tabLst/>
+                    <a:defRPr/>
+                  </a:pPr>
+                  <a:endParaRPr kumimoji="0" lang="ko-KR" altLang="en-US" sz="1800" b="0" i="0" u="none" strike="noStrike" kern="1200" cap="none" spc="0" normalizeH="0" baseline="0" noProof="0" dirty="0">
+                    <a:ln>
+                      <a:noFill/>
+                    </a:ln>
+                    <a:solidFill>
+                      <a:prstClr val="white"/>
+                    </a:solidFill>
+                    <a:effectLst/>
+                    <a:uLnTx/>
+                    <a:uFillTx/>
+                    <a:latin typeface="맑은 고딕" panose="020F0502020204030204"/>
+                    <a:ea typeface="맑은 고딕" panose="020B0503020000020004" pitchFamily="50" charset="-127"/>
+                    <a:cs typeface="+mn-cs"/>
+                  </a:endParaRPr>
+                </a:p>
+              </p:txBody>
+            </p:sp>
+            <p:sp>
+              <p:nvSpPr>
+                <p:cNvPr id="15" name="타원 14">
+                  <a:extLst>
+                    <a:ext uri="{FF2B5EF4-FFF2-40B4-BE49-F238E27FC236}">
+                      <a16:creationId xmlns:a16="http://schemas.microsoft.com/office/drawing/2014/main" id="{4EADF0BB-B3E0-C217-5561-1B8B2862699E}"/>
+                    </a:ext>
+                  </a:extLst>
+                </p:cNvPr>
+                <p:cNvSpPr/>
+                <p:nvPr/>
+              </p:nvSpPr>
+              <p:spPr>
+                <a:xfrm>
+                  <a:off x="3568702" y="3427517"/>
+                  <a:ext cx="83820" cy="83820"/>
+                </a:xfrm>
+                <a:prstGeom prst="ellipse">
+                  <a:avLst/>
+                </a:prstGeom>
+              </p:spPr>
+              <p:style>
+                <a:lnRef idx="2">
+                  <a:schemeClr val="dk1">
+                    <a:shade val="50000"/>
+                  </a:schemeClr>
+                </a:lnRef>
+                <a:fillRef idx="1">
+                  <a:schemeClr val="dk1"/>
+                </a:fillRef>
+                <a:effectRef idx="0">
+                  <a:schemeClr val="dk1"/>
+                </a:effectRef>
+                <a:fontRef idx="minor">
+                  <a:schemeClr val="lt1"/>
+                </a:fontRef>
+              </p:style>
+              <p:txBody>
+                <a:bodyPr rtlCol="0" anchor="ctr"/>
+                <a:lstStyle/>
+                <a:p>
+                  <a:pPr marL="0" marR="0" lvl="0" indent="0" algn="ctr" defTabSz="914400" rtl="0" eaLnBrk="1" fontAlgn="auto" latinLnBrk="1" hangingPunct="1">
+                    <a:lnSpc>
+                      <a:spcPct val="100000"/>
+                    </a:lnSpc>
+                    <a:spcBef>
+                      <a:spcPts val="0"/>
+                    </a:spcBef>
+                    <a:spcAft>
+                      <a:spcPts val="0"/>
+                    </a:spcAft>
+                    <a:buClrTx/>
+                    <a:buSzTx/>
+                    <a:buFontTx/>
+                    <a:buNone/>
+                    <a:tabLst/>
+                    <a:defRPr/>
+                  </a:pPr>
+                  <a:endParaRPr kumimoji="0" lang="ko-KR" altLang="en-US" sz="1800" b="0" i="0" u="none" strike="noStrike" kern="1200" cap="none" spc="0" normalizeH="0" baseline="0" noProof="0">
+                    <a:ln>
+                      <a:noFill/>
+                    </a:ln>
+                    <a:solidFill>
+                      <a:prstClr val="white"/>
+                    </a:solidFill>
+                    <a:effectLst/>
+                    <a:uLnTx/>
+                    <a:uFillTx/>
+                    <a:latin typeface="맑은 고딕" panose="020F0502020204030204"/>
+                    <a:ea typeface="맑은 고딕" panose="020B0503020000020004" pitchFamily="50" charset="-127"/>
+                    <a:cs typeface="+mn-cs"/>
+                  </a:endParaRPr>
+                </a:p>
+              </p:txBody>
+            </p:sp>
+            <mc:AlternateContent xmlns:mc="http://schemas.openxmlformats.org/markup-compatibility/2006" xmlns:a14="http://schemas.microsoft.com/office/drawing/2010/main">
+              <mc:Choice Requires="a14">
+                <p:sp>
+                  <p:nvSpPr>
+                    <p:cNvPr id="17" name="TextBox 16">
+                      <a:extLst>
+                        <a:ext uri="{FF2B5EF4-FFF2-40B4-BE49-F238E27FC236}">
+                          <a16:creationId xmlns:a16="http://schemas.microsoft.com/office/drawing/2014/main" id="{FBC8060B-34BD-7155-D3B0-008306D162B9}"/>
+                        </a:ext>
+                      </a:extLst>
+                    </p:cNvPr>
+                    <p:cNvSpPr txBox="1"/>
+                    <p:nvPr/>
+                  </p:nvSpPr>
+                  <p:spPr>
+                    <a:xfrm>
+                      <a:off x="1782753" y="5088892"/>
+                      <a:ext cx="283154" cy="276999"/>
+                    </a:xfrm>
+                    <a:prstGeom prst="rect">
+                      <a:avLst/>
+                    </a:prstGeom>
+                    <a:noFill/>
+                  </p:spPr>
+                  <p:txBody>
+                    <a:bodyPr wrap="none" lIns="0" tIns="0" rIns="0" bIns="0" rtlCol="0">
+                      <a:spAutoFit/>
+                    </a:bodyPr>
+                    <a:lstStyle/>
+                    <a:p>
+                      <a:pPr marL="0" marR="0" lvl="0" indent="0" algn="l" defTabSz="914400" rtl="0" eaLnBrk="1" fontAlgn="auto" latinLnBrk="1" hangingPunct="1">
+                        <a:lnSpc>
+                          <a:spcPct val="100000"/>
+                        </a:lnSpc>
+                        <a:spcBef>
+                          <a:spcPts val="0"/>
+                        </a:spcBef>
+                        <a:spcAft>
+                          <a:spcPts val="0"/>
+                        </a:spcAft>
+                        <a:buClrTx/>
+                        <a:buSzTx/>
+                        <a:buFontTx/>
+                        <a:buNone/>
+                        <a:tabLst/>
+                        <a:defRPr/>
+                      </a:pPr>
+                      <a14:m>
+                        <m:oMathPara xmlns:m="http://schemas.openxmlformats.org/officeDocument/2006/math">
+                          <m:oMathParaPr>
+                            <m:jc m:val="centerGroup"/>
+                          </m:oMathParaPr>
+                          <m:oMath xmlns:m="http://schemas.openxmlformats.org/officeDocument/2006/math">
+                            <m:sSub>
+                              <m:sSubPr>
+                                <m:ctrlPr>
+                                  <a:rPr kumimoji="0" lang="en-US" altLang="ko-KR" sz="1800" b="0" i="1" u="none" strike="noStrike" kern="1200" cap="none" spc="0" normalizeH="0" baseline="0" noProof="0" smtClean="0">
+                                    <a:ln>
+                                      <a:noFill/>
+                                    </a:ln>
+                                    <a:solidFill>
+                                      <a:srgbClr val="FF0000"/>
+                                    </a:solidFill>
+                                    <a:effectLst/>
+                                    <a:uLnTx/>
+                                    <a:uFillTx/>
+                                    <a:latin typeface="Cambria Math" panose="02040503050406030204" pitchFamily="18" charset="0"/>
+                                    <a:cs typeface="+mn-cs"/>
+                                  </a:rPr>
+                                </m:ctrlPr>
+                              </m:sSubPr>
+                              <m:e>
+                                <m:r>
+                                  <a:rPr kumimoji="0" lang="en-US" altLang="ko-KR" sz="1800" b="0" i="1" u="none" strike="noStrike" kern="1200" cap="none" spc="0" normalizeH="0" baseline="0" noProof="0" smtClean="0">
+                                    <a:ln>
+                                      <a:noFill/>
+                                    </a:ln>
+                                    <a:solidFill>
+                                      <a:srgbClr val="FF0000"/>
+                                    </a:solidFill>
+                                    <a:effectLst/>
+                                    <a:uLnTx/>
+                                    <a:uFillTx/>
+                                    <a:latin typeface="Cambria Math" panose="02040503050406030204" pitchFamily="18" charset="0"/>
+                                    <a:cs typeface="+mn-cs"/>
+                                  </a:rPr>
+                                  <m:t>𝑌</m:t>
+                                </m:r>
+                              </m:e>
+                              <m:sub>
+                                <m:r>
+                                  <a:rPr kumimoji="0" lang="en-US" altLang="ko-KR" sz="1800" b="0" i="1" u="none" strike="noStrike" kern="1200" cap="none" spc="0" normalizeH="0" baseline="0" noProof="0" smtClean="0">
+                                    <a:ln>
+                                      <a:noFill/>
+                                    </a:ln>
+                                    <a:solidFill>
+                                      <a:srgbClr val="FF0000"/>
+                                    </a:solidFill>
+                                    <a:effectLst/>
+                                    <a:uLnTx/>
+                                    <a:uFillTx/>
+                                    <a:latin typeface="Cambria Math" panose="02040503050406030204" pitchFamily="18" charset="0"/>
+                                    <a:cs typeface="+mn-cs"/>
+                                  </a:rPr>
+                                  <m:t>𝑐</m:t>
+                                </m:r>
+                              </m:sub>
+                            </m:sSub>
+                          </m:oMath>
+                        </m:oMathPara>
+                      </a14:m>
+                      <a:endParaRPr kumimoji="0" lang="ko-KR" altLang="en-US" sz="1800" b="0" i="0" u="none" strike="noStrike" kern="1200" cap="none" spc="0" normalizeH="0" baseline="0" noProof="0" dirty="0">
+                        <a:ln>
+                          <a:noFill/>
+                        </a:ln>
+                        <a:solidFill>
+                          <a:srgbClr val="FF0000"/>
+                        </a:solidFill>
+                        <a:effectLst/>
+                        <a:uLnTx/>
+                        <a:uFillTx/>
+                        <a:latin typeface="맑은 고딕" panose="020F0502020204030204"/>
+                        <a:ea typeface="맑은 고딕" panose="020B0503020000020004" pitchFamily="50" charset="-127"/>
+                        <a:cs typeface="+mn-cs"/>
+                      </a:endParaRPr>
+                    </a:p>
+                  </p:txBody>
+                </p:sp>
+              </mc:Choice>
+              <mc:Fallback xmlns="">
+                <p:sp>
+                  <p:nvSpPr>
+                    <p:cNvPr id="27" name="TextBox 26">
+                      <a:extLst>
+                        <a:ext uri="{FF2B5EF4-FFF2-40B4-BE49-F238E27FC236}">
+                          <a16:creationId xmlns:a16="http://schemas.microsoft.com/office/drawing/2014/main" id="{AB5ADFF2-1B83-1275-04DD-4B5AC7E504F0}"/>
+                        </a:ext>
+                      </a:extLst>
+                    </p:cNvPr>
+                    <p:cNvSpPr txBox="1">
+                      <a:spLocks noRot="1" noChangeAspect="1" noMove="1" noResize="1" noEditPoints="1" noAdjustHandles="1" noChangeArrowheads="1" noChangeShapeType="1" noTextEdit="1"/>
+                    </p:cNvSpPr>
+                    <p:nvPr/>
+                  </p:nvSpPr>
+                  <p:spPr>
+                    <a:xfrm>
+                      <a:off x="1782753" y="5088892"/>
+                      <a:ext cx="283154" cy="276999"/>
+                    </a:xfrm>
+                    <a:prstGeom prst="rect">
+                      <a:avLst/>
+                    </a:prstGeom>
+                    <a:blipFill>
+                      <a:blip r:embed="rId7"/>
+                      <a:stretch>
+                        <a:fillRect l="-15217" b="-15217"/>
+                      </a:stretch>
+                    </a:blipFill>
+                  </p:spPr>
+                  <p:txBody>
+                    <a:bodyPr/>
+                    <a:lstStyle/>
+                    <a:p>
+                      <a:r>
+                        <a:rPr lang="ko-KR" altLang="en-US">
+                          <a:noFill/>
+                        </a:rPr>
+                        <a:t> </a:t>
+                      </a:r>
+                    </a:p>
+                  </p:txBody>
+                </p:sp>
+              </mc:Fallback>
+            </mc:AlternateContent>
+            <mc:AlternateContent xmlns:mc="http://schemas.openxmlformats.org/markup-compatibility/2006" xmlns:a14="http://schemas.microsoft.com/office/drawing/2010/main">
+              <mc:Choice Requires="a14">
+                <p:sp>
+                  <p:nvSpPr>
+                    <p:cNvPr id="18" name="TextBox 17">
+                      <a:extLst>
+                        <a:ext uri="{FF2B5EF4-FFF2-40B4-BE49-F238E27FC236}">
+                          <a16:creationId xmlns:a16="http://schemas.microsoft.com/office/drawing/2014/main" id="{A2BED1A5-7661-1F9C-B208-9CDFA3635B3E}"/>
+                        </a:ext>
+                      </a:extLst>
+                    </p:cNvPr>
+                    <p:cNvSpPr txBox="1"/>
+                    <p:nvPr/>
+                  </p:nvSpPr>
+                  <p:spPr>
+                    <a:xfrm>
+                      <a:off x="2862179" y="4991593"/>
+                      <a:ext cx="320537" cy="276999"/>
+                    </a:xfrm>
+                    <a:prstGeom prst="rect">
+                      <a:avLst/>
+                    </a:prstGeom>
+                    <a:noFill/>
+                  </p:spPr>
+                  <p:txBody>
+                    <a:bodyPr wrap="none" lIns="0" tIns="0" rIns="0" bIns="0" rtlCol="0">
+                      <a:spAutoFit/>
+                    </a:bodyPr>
+                    <a:lstStyle/>
+                    <a:p>
+                      <a:pPr marL="0" marR="0" lvl="0" indent="0" algn="l" defTabSz="914400" rtl="0" eaLnBrk="1" fontAlgn="auto" latinLnBrk="1" hangingPunct="1">
+                        <a:lnSpc>
+                          <a:spcPct val="100000"/>
+                        </a:lnSpc>
+                        <a:spcBef>
+                          <a:spcPts val="0"/>
+                        </a:spcBef>
+                        <a:spcAft>
+                          <a:spcPts val="0"/>
+                        </a:spcAft>
+                        <a:buClrTx/>
+                        <a:buSzTx/>
+                        <a:buFontTx/>
+                        <a:buNone/>
+                        <a:tabLst/>
+                        <a:defRPr/>
+                      </a:pPr>
+                      <a14:m>
+                        <m:oMathPara xmlns:m="http://schemas.openxmlformats.org/officeDocument/2006/math">
+                          <m:oMathParaPr>
+                            <m:jc m:val="centerGroup"/>
+                          </m:oMathParaPr>
+                          <m:oMath xmlns:m="http://schemas.openxmlformats.org/officeDocument/2006/math">
+                            <m:sSub>
+                              <m:sSubPr>
+                                <m:ctrlPr>
+                                  <a:rPr kumimoji="0" lang="en-US" altLang="ko-KR" sz="1800" b="0" i="1" u="none" strike="noStrike" kern="1200" cap="none" spc="0" normalizeH="0" baseline="0" noProof="0" smtClean="0">
+                                    <a:ln>
+                                      <a:noFill/>
+                                    </a:ln>
+                                    <a:solidFill>
+                                      <a:srgbClr val="FF0000"/>
+                                    </a:solidFill>
+                                    <a:effectLst/>
+                                    <a:uLnTx/>
+                                    <a:uFillTx/>
+                                    <a:latin typeface="Cambria Math" panose="02040503050406030204" pitchFamily="18" charset="0"/>
+                                    <a:cs typeface="+mn-cs"/>
+                                  </a:rPr>
+                                </m:ctrlPr>
+                              </m:sSubPr>
+                              <m:e>
+                                <m:r>
+                                  <a:rPr kumimoji="0" lang="en-US" altLang="ko-KR" sz="1800" b="0" i="1" u="none" strike="noStrike" kern="1200" cap="none" spc="0" normalizeH="0" baseline="0" noProof="0" smtClean="0">
+                                    <a:ln>
+                                      <a:noFill/>
+                                    </a:ln>
+                                    <a:solidFill>
+                                      <a:srgbClr val="FF0000"/>
+                                    </a:solidFill>
+                                    <a:effectLst/>
+                                    <a:uLnTx/>
+                                    <a:uFillTx/>
+                                    <a:latin typeface="Cambria Math" panose="02040503050406030204" pitchFamily="18" charset="0"/>
+                                    <a:cs typeface="+mn-cs"/>
+                                  </a:rPr>
+                                  <m:t>𝑋</m:t>
+                                </m:r>
+                              </m:e>
+                              <m:sub>
+                                <m:r>
+                                  <a:rPr kumimoji="0" lang="en-US" altLang="ko-KR" sz="1800" b="0" i="1" u="none" strike="noStrike" kern="1200" cap="none" spc="0" normalizeH="0" baseline="0" noProof="0" smtClean="0">
+                                    <a:ln>
+                                      <a:noFill/>
+                                    </a:ln>
+                                    <a:solidFill>
+                                      <a:srgbClr val="FF0000"/>
+                                    </a:solidFill>
+                                    <a:effectLst/>
+                                    <a:uLnTx/>
+                                    <a:uFillTx/>
+                                    <a:latin typeface="Cambria Math" panose="02040503050406030204" pitchFamily="18" charset="0"/>
+                                    <a:cs typeface="+mn-cs"/>
+                                  </a:rPr>
+                                  <m:t>𝑐</m:t>
+                                </m:r>
+                              </m:sub>
+                            </m:sSub>
+                          </m:oMath>
+                        </m:oMathPara>
+                      </a14:m>
+                      <a:endParaRPr kumimoji="0" lang="ko-KR" altLang="en-US" sz="1800" b="0" i="0" u="none" strike="noStrike" kern="1200" cap="none" spc="0" normalizeH="0" baseline="0" noProof="0" dirty="0">
+                        <a:ln>
+                          <a:noFill/>
+                        </a:ln>
+                        <a:solidFill>
+                          <a:srgbClr val="FF0000"/>
+                        </a:solidFill>
+                        <a:effectLst/>
+                        <a:uLnTx/>
+                        <a:uFillTx/>
+                        <a:latin typeface="맑은 고딕" panose="020F0502020204030204"/>
+                        <a:ea typeface="맑은 고딕" panose="020B0503020000020004" pitchFamily="50" charset="-127"/>
+                        <a:cs typeface="+mn-cs"/>
+                      </a:endParaRPr>
+                    </a:p>
+                  </p:txBody>
+                </p:sp>
+              </mc:Choice>
+              <mc:Fallback xmlns="">
+                <p:sp>
+                  <p:nvSpPr>
+                    <p:cNvPr id="28" name="TextBox 27">
+                      <a:extLst>
+                        <a:ext uri="{FF2B5EF4-FFF2-40B4-BE49-F238E27FC236}">
+                          <a16:creationId xmlns:a16="http://schemas.microsoft.com/office/drawing/2014/main" id="{44BE4DB2-26F9-D3DC-2325-B1CEC205BF0F}"/>
+                        </a:ext>
+                      </a:extLst>
+                    </p:cNvPr>
+                    <p:cNvSpPr txBox="1">
+                      <a:spLocks noRot="1" noChangeAspect="1" noMove="1" noResize="1" noEditPoints="1" noAdjustHandles="1" noChangeArrowheads="1" noChangeShapeType="1" noTextEdit="1"/>
+                    </p:cNvSpPr>
+                    <p:nvPr/>
+                  </p:nvSpPr>
+                  <p:spPr>
+                    <a:xfrm>
+                      <a:off x="2862179" y="4991593"/>
+                      <a:ext cx="320537" cy="276999"/>
+                    </a:xfrm>
+                    <a:prstGeom prst="rect">
+                      <a:avLst/>
+                    </a:prstGeom>
+                    <a:blipFill>
+                      <a:blip r:embed="rId8"/>
+                      <a:stretch>
+                        <a:fillRect l="-13462" b="-15217"/>
+                      </a:stretch>
+                    </a:blipFill>
+                  </p:spPr>
+                  <p:txBody>
+                    <a:bodyPr/>
+                    <a:lstStyle/>
+                    <a:p>
+                      <a:r>
+                        <a:rPr lang="ko-KR" altLang="en-US">
+                          <a:noFill/>
+                        </a:rPr>
+                        <a:t> </a:t>
+                      </a:r>
+                    </a:p>
+                  </p:txBody>
+                </p:sp>
+              </mc:Fallback>
+            </mc:AlternateContent>
+            <p:sp>
+              <p:nvSpPr>
+                <p:cNvPr id="19" name="TextBox 18">
+                  <a:extLst>
+                    <a:ext uri="{FF2B5EF4-FFF2-40B4-BE49-F238E27FC236}">
+                      <a16:creationId xmlns:a16="http://schemas.microsoft.com/office/drawing/2014/main" id="{30873110-1A1C-D38F-B68E-4714C0857F77}"/>
+                    </a:ext>
+                  </a:extLst>
+                </p:cNvPr>
+                <p:cNvSpPr txBox="1"/>
+                <p:nvPr/>
+              </p:nvSpPr>
+              <p:spPr>
+                <a:xfrm>
+                  <a:off x="995726" y="4601212"/>
+                  <a:ext cx="951222" cy="461665"/>
+                </a:xfrm>
+                <a:prstGeom prst="rect">
+                  <a:avLst/>
+                </a:prstGeom>
+                <a:noFill/>
+              </p:spPr>
+              <p:txBody>
+                <a:bodyPr wrap="none" rtlCol="0">
+                  <a:spAutoFit/>
+                </a:bodyPr>
+                <a:lstStyle/>
+                <a:p>
+                  <a:pPr marL="0" marR="0" lvl="0" indent="0" algn="ctr" defTabSz="914400" rtl="0" eaLnBrk="1" fontAlgn="auto" latinLnBrk="1" hangingPunct="1">
+                    <a:lnSpc>
+                      <a:spcPct val="100000"/>
+                    </a:lnSpc>
+                    <a:spcBef>
+                      <a:spcPts val="0"/>
+                    </a:spcBef>
+                    <a:spcAft>
+                      <a:spcPts val="0"/>
+                    </a:spcAft>
+                    <a:buClrTx/>
+                    <a:buSzTx/>
+                    <a:buFontTx/>
+                    <a:buNone/>
+                    <a:tabLst/>
+                    <a:defRPr/>
+                  </a:pPr>
+                  <a:r>
+                    <a:rPr kumimoji="0" lang="en-US" altLang="ko-KR" sz="1200" b="0" i="0" u="none" strike="noStrike" kern="1200" cap="none" spc="0" normalizeH="0" baseline="0" noProof="0" dirty="0">
+                      <a:ln>
+                        <a:noFill/>
+                      </a:ln>
+                      <a:solidFill>
+                        <a:srgbClr val="FF0000"/>
+                      </a:solidFill>
+                      <a:effectLst/>
+                      <a:uLnTx/>
+                      <a:uFillTx/>
+                      <a:latin typeface="나눔바른고딕" panose="020B0603020101020101" pitchFamily="50" charset="-127"/>
+                      <a:ea typeface="나눔바른고딕" panose="020B0603020101020101" pitchFamily="50" charset="-127"/>
+                      <a:cs typeface="+mn-cs"/>
+                    </a:rPr>
+                    <a:t>Camera</a:t>
+                  </a:r>
+                </a:p>
+                <a:p>
+                  <a:pPr marL="0" marR="0" lvl="0" indent="0" algn="ctr" defTabSz="914400" rtl="0" eaLnBrk="1" fontAlgn="auto" latinLnBrk="1" hangingPunct="1">
+                    <a:lnSpc>
+                      <a:spcPct val="100000"/>
+                    </a:lnSpc>
+                    <a:spcBef>
+                      <a:spcPts val="0"/>
+                    </a:spcBef>
+                    <a:spcAft>
+                      <a:spcPts val="0"/>
+                    </a:spcAft>
+                    <a:buClrTx/>
+                    <a:buSzTx/>
+                    <a:buFontTx/>
+                    <a:buNone/>
+                    <a:tabLst/>
+                    <a:defRPr/>
+                  </a:pPr>
+                  <a:r>
+                    <a:rPr kumimoji="0" lang="en-US" altLang="ko-KR" sz="1200" b="0" i="0" u="none" strike="noStrike" kern="1200" cap="none" spc="0" normalizeH="0" baseline="0" noProof="0" dirty="0">
+                      <a:ln>
+                        <a:noFill/>
+                      </a:ln>
+                      <a:solidFill>
+                        <a:srgbClr val="FF0000"/>
+                      </a:solidFill>
+                      <a:effectLst/>
+                      <a:uLnTx/>
+                      <a:uFillTx/>
+                      <a:latin typeface="나눔바른고딕" panose="020B0603020101020101" pitchFamily="50" charset="-127"/>
+                      <a:ea typeface="나눔바른고딕" panose="020B0603020101020101" pitchFamily="50" charset="-127"/>
+                      <a:cs typeface="+mn-cs"/>
+                    </a:rPr>
+                    <a:t>Coordinate</a:t>
+                  </a:r>
+                  <a:endParaRPr kumimoji="0" lang="ko-KR" altLang="en-US" sz="1200" b="0" i="0" u="none" strike="noStrike" kern="1200" cap="none" spc="0" normalizeH="0" baseline="0" noProof="0" dirty="0">
+                    <a:ln>
+                      <a:noFill/>
+                    </a:ln>
+                    <a:solidFill>
+                      <a:srgbClr val="FF0000"/>
+                    </a:solidFill>
+                    <a:effectLst/>
+                    <a:uLnTx/>
+                    <a:uFillTx/>
+                    <a:latin typeface="나눔바른고딕" panose="020B0603020101020101" pitchFamily="50" charset="-127"/>
+                    <a:ea typeface="나눔바른고딕" panose="020B0603020101020101" pitchFamily="50" charset="-127"/>
+                    <a:cs typeface="+mn-cs"/>
+                  </a:endParaRPr>
+                </a:p>
+              </p:txBody>
+            </p:sp>
+            <mc:AlternateContent xmlns:mc="http://schemas.openxmlformats.org/markup-compatibility/2006">
+              <mc:Choice xmlns:a14="http://schemas.microsoft.com/office/drawing/2010/main" Requires="a14">
+                <p:sp>
+                  <p:nvSpPr>
+                    <p:cNvPr id="20" name="TextBox 19">
+                      <a:extLst>
+                        <a:ext uri="{FF2B5EF4-FFF2-40B4-BE49-F238E27FC236}">
+                          <a16:creationId xmlns:a16="http://schemas.microsoft.com/office/drawing/2014/main" id="{29049F75-1797-A89D-3360-7AF9D5F5F6E2}"/>
+                        </a:ext>
+                      </a:extLst>
+                    </p:cNvPr>
+                    <p:cNvSpPr txBox="1"/>
+                    <p:nvPr/>
+                  </p:nvSpPr>
+                  <p:spPr>
+                    <a:xfrm>
+                      <a:off x="2694955" y="4665686"/>
+                      <a:ext cx="1637179" cy="276999"/>
+                    </a:xfrm>
+                    <a:prstGeom prst="rect">
+                      <a:avLst/>
+                    </a:prstGeom>
+                    <a:noFill/>
+                  </p:spPr>
+                  <p:txBody>
+                    <a:bodyPr wrap="none" lIns="0" tIns="0" rIns="0" bIns="0" rtlCol="0">
+                      <a:spAutoFit/>
+                    </a:bodyPr>
+                    <a:lstStyle/>
+                    <a:p>
+                      <a:pPr marL="0" marR="0" lvl="0" indent="0" algn="l" defTabSz="914400" rtl="0" eaLnBrk="1" fontAlgn="auto" latinLnBrk="1" hangingPunct="1">
+                        <a:lnSpc>
+                          <a:spcPct val="100000"/>
+                        </a:lnSpc>
+                        <a:spcBef>
+                          <a:spcPts val="0"/>
+                        </a:spcBef>
+                        <a:spcAft>
+                          <a:spcPts val="0"/>
+                        </a:spcAft>
+                        <a:buClrTx/>
+                        <a:buSzTx/>
+                        <a:buFontTx/>
+                        <a:buNone/>
+                        <a:tabLst/>
+                        <a:defRPr/>
+                      </a:pPr>
+                      <a14:m>
+                        <m:oMathPara xmlns:m="http://schemas.openxmlformats.org/officeDocument/2006/math">
+                          <m:oMathParaPr>
+                            <m:jc m:val="centerGroup"/>
+                          </m:oMathParaPr>
+                          <m:oMath xmlns:m="http://schemas.openxmlformats.org/officeDocument/2006/math">
+                            <m:sSub>
+                              <m:sSubPr>
+                                <m:ctrlPr>
+                                  <a:rPr kumimoji="0" lang="en-US" altLang="ko-KR" sz="1800" b="0" i="1" u="none" strike="noStrike" kern="1200" cap="none" spc="0" normalizeH="0" baseline="0" noProof="0" smtClean="0">
+                                    <a:ln>
+                                      <a:noFill/>
+                                    </a:ln>
+                                    <a:solidFill>
+                                      <a:prstClr val="black"/>
+                                    </a:solidFill>
+                                    <a:effectLst/>
+                                    <a:uLnTx/>
+                                    <a:uFillTx/>
+                                    <a:latin typeface="Cambria Math" panose="02040503050406030204" pitchFamily="18" charset="0"/>
+                                    <a:cs typeface="+mn-cs"/>
+                                  </a:rPr>
+                                </m:ctrlPr>
+                              </m:sSubPr>
+                              <m:e>
+                                <m:r>
+                                  <a:rPr kumimoji="0" lang="en-US" altLang="ko-KR" sz="1800" b="0" i="1" u="none" strike="noStrike" kern="1200" cap="none" spc="0" normalizeH="0" baseline="0" noProof="0" smtClean="0">
+                                    <a:ln>
+                                      <a:noFill/>
+                                    </a:ln>
+                                    <a:solidFill>
+                                      <a:prstClr val="black"/>
+                                    </a:solidFill>
+                                    <a:effectLst/>
+                                    <a:uLnTx/>
+                                    <a:uFillTx/>
+                                    <a:latin typeface="Cambria Math" panose="02040503050406030204" pitchFamily="18" charset="0"/>
+                                    <a:cs typeface="+mn-cs"/>
+                                  </a:rPr>
+                                  <m:t>𝑝</m:t>
+                                </m:r>
+                              </m:e>
+                              <m:sub>
+                                <m:r>
+                                  <a:rPr kumimoji="0" lang="en-US" altLang="ko-KR" sz="1800" b="0" i="1" u="none" strike="noStrike" kern="1200" cap="none" spc="0" normalizeH="0" baseline="0" noProof="0" smtClean="0">
+                                    <a:ln>
+                                      <a:noFill/>
+                                    </a:ln>
+                                    <a:solidFill>
+                                      <a:prstClr val="black"/>
+                                    </a:solidFill>
+                                    <a:effectLst/>
+                                    <a:uLnTx/>
+                                    <a:uFillTx/>
+                                    <a:latin typeface="Cambria Math" panose="02040503050406030204" pitchFamily="18" charset="0"/>
+                                    <a:cs typeface="+mn-cs"/>
+                                  </a:rPr>
+                                  <m:t>𝑐</m:t>
+                                </m:r>
+                              </m:sub>
+                            </m:sSub>
+                            <m:r>
+                              <a:rPr kumimoji="0" lang="en-US" altLang="ko-KR" sz="1800" b="0" i="1" u="none" strike="noStrike" kern="1200" cap="none" spc="0" normalizeH="0" baseline="0" noProof="0" smtClean="0">
+                                <a:ln>
+                                  <a:noFill/>
+                                </a:ln>
+                                <a:solidFill>
+                                  <a:prstClr val="black"/>
+                                </a:solidFill>
+                                <a:effectLst/>
+                                <a:uLnTx/>
+                                <a:uFillTx/>
+                                <a:latin typeface="Cambria Math" panose="02040503050406030204" pitchFamily="18" charset="0"/>
+                                <a:cs typeface="+mn-cs"/>
+                              </a:rPr>
+                              <m:t>=(</m:t>
+                            </m:r>
+                            <m:sSub>
+                              <m:sSubPr>
+                                <m:ctrlPr>
+                                  <a:rPr kumimoji="0" lang="en-US" altLang="ko-KR" sz="1800" b="0" i="1" u="none" strike="noStrike" kern="1200" cap="none" spc="0" normalizeH="0" baseline="0" noProof="0" smtClean="0">
+                                    <a:ln>
+                                      <a:noFill/>
+                                    </a:ln>
+                                    <a:solidFill>
+                                      <a:prstClr val="black"/>
+                                    </a:solidFill>
+                                    <a:effectLst/>
+                                    <a:uLnTx/>
+                                    <a:uFillTx/>
+                                    <a:latin typeface="Cambria Math" panose="02040503050406030204" pitchFamily="18" charset="0"/>
+                                    <a:cs typeface="+mn-cs"/>
+                                  </a:rPr>
+                                </m:ctrlPr>
+                              </m:sSubPr>
+                              <m:e>
+                                <m:r>
+                                  <a:rPr kumimoji="0" lang="en-US" altLang="ko-KR" sz="1800" b="0" i="1" u="none" strike="noStrike" kern="1200" cap="none" spc="0" normalizeH="0" baseline="0" noProof="0" smtClean="0">
+                                    <a:ln>
+                                      <a:noFill/>
+                                    </a:ln>
+                                    <a:solidFill>
+                                      <a:prstClr val="black"/>
+                                    </a:solidFill>
+                                    <a:effectLst/>
+                                    <a:uLnTx/>
+                                    <a:uFillTx/>
+                                    <a:latin typeface="Cambria Math" panose="02040503050406030204" pitchFamily="18" charset="0"/>
+                                    <a:cs typeface="+mn-cs"/>
+                                  </a:rPr>
+                                  <m:t>𝑋</m:t>
+                                </m:r>
+                              </m:e>
+                              <m:sub>
+                                <m:r>
+                                  <a:rPr kumimoji="0" lang="en-US" altLang="ko-KR" sz="1800" b="0" i="1" u="none" strike="noStrike" kern="1200" cap="none" spc="0" normalizeH="0" baseline="0" noProof="0" smtClean="0">
+                                    <a:ln>
+                                      <a:noFill/>
+                                    </a:ln>
+                                    <a:solidFill>
+                                      <a:prstClr val="black"/>
+                                    </a:solidFill>
+                                    <a:effectLst/>
+                                    <a:uLnTx/>
+                                    <a:uFillTx/>
+                                    <a:latin typeface="Cambria Math" panose="02040503050406030204" pitchFamily="18" charset="0"/>
+                                    <a:cs typeface="+mn-cs"/>
+                                  </a:rPr>
+                                  <m:t>𝑐</m:t>
+                                </m:r>
+                              </m:sub>
+                            </m:sSub>
+                            <m:r>
+                              <a:rPr kumimoji="0" lang="en-US" altLang="ko-KR" sz="1800" b="0" i="1" u="none" strike="noStrike" kern="1200" cap="none" spc="0" normalizeH="0" baseline="0" noProof="0" smtClean="0">
+                                <a:ln>
+                                  <a:noFill/>
+                                </a:ln>
+                                <a:solidFill>
+                                  <a:prstClr val="black"/>
+                                </a:solidFill>
+                                <a:effectLst/>
+                                <a:uLnTx/>
+                                <a:uFillTx/>
+                                <a:latin typeface="Cambria Math" panose="02040503050406030204" pitchFamily="18" charset="0"/>
+                                <a:cs typeface="+mn-cs"/>
+                              </a:rPr>
+                              <m:t>, </m:t>
+                            </m:r>
+                            <m:sSub>
+                              <m:sSubPr>
+                                <m:ctrlPr>
+                                  <a:rPr kumimoji="0" lang="en-US" altLang="ko-KR" sz="1800" b="0" i="1" u="none" strike="noStrike" kern="1200" cap="none" spc="0" normalizeH="0" baseline="0" noProof="0" smtClean="0">
+                                    <a:ln>
+                                      <a:noFill/>
+                                    </a:ln>
+                                    <a:solidFill>
+                                      <a:prstClr val="black"/>
+                                    </a:solidFill>
+                                    <a:effectLst/>
+                                    <a:uLnTx/>
+                                    <a:uFillTx/>
+                                    <a:latin typeface="Cambria Math" panose="02040503050406030204" pitchFamily="18" charset="0"/>
+                                    <a:cs typeface="+mn-cs"/>
+                                  </a:rPr>
+                                </m:ctrlPr>
+                              </m:sSubPr>
+                              <m:e>
+                                <m:r>
+                                  <a:rPr kumimoji="0" lang="en-US" altLang="ko-KR" sz="1800" b="0" i="1" u="none" strike="noStrike" kern="1200" cap="none" spc="0" normalizeH="0" baseline="0" noProof="0" smtClean="0">
+                                    <a:ln>
+                                      <a:noFill/>
+                                    </a:ln>
+                                    <a:solidFill>
+                                      <a:prstClr val="black"/>
+                                    </a:solidFill>
+                                    <a:effectLst/>
+                                    <a:uLnTx/>
+                                    <a:uFillTx/>
+                                    <a:latin typeface="Cambria Math" panose="02040503050406030204" pitchFamily="18" charset="0"/>
+                                    <a:cs typeface="+mn-cs"/>
+                                  </a:rPr>
+                                  <m:t>𝑌</m:t>
+                                </m:r>
+                              </m:e>
+                              <m:sub>
+                                <m:r>
+                                  <a:rPr kumimoji="0" lang="en-US" altLang="ko-KR" sz="1800" b="0" i="1" u="none" strike="noStrike" kern="1200" cap="none" spc="0" normalizeH="0" baseline="0" noProof="0" smtClean="0">
+                                    <a:ln>
+                                      <a:noFill/>
+                                    </a:ln>
+                                    <a:solidFill>
+                                      <a:prstClr val="black"/>
+                                    </a:solidFill>
+                                    <a:effectLst/>
+                                    <a:uLnTx/>
+                                    <a:uFillTx/>
+                                    <a:latin typeface="Cambria Math" panose="02040503050406030204" pitchFamily="18" charset="0"/>
+                                    <a:cs typeface="+mn-cs"/>
+                                  </a:rPr>
+                                  <m:t>𝑐</m:t>
+                                </m:r>
+                              </m:sub>
+                            </m:sSub>
+                            <m:r>
+                              <a:rPr kumimoji="0" lang="en-US" altLang="ko-KR" sz="1800" b="0" i="1" u="none" strike="noStrike" kern="1200" cap="none" spc="0" normalizeH="0" baseline="0" noProof="0" smtClean="0">
+                                <a:ln>
+                                  <a:noFill/>
+                                </a:ln>
+                                <a:solidFill>
+                                  <a:prstClr val="black"/>
+                                </a:solidFill>
+                                <a:effectLst/>
+                                <a:uLnTx/>
+                                <a:uFillTx/>
+                                <a:latin typeface="Cambria Math" panose="02040503050406030204" pitchFamily="18" charset="0"/>
+                                <a:cs typeface="+mn-cs"/>
+                              </a:rPr>
+                              <m:t>, </m:t>
+                            </m:r>
+                            <m:sSub>
+                              <m:sSubPr>
+                                <m:ctrlPr>
+                                  <a:rPr kumimoji="0" lang="en-US" altLang="ko-KR" sz="1800" b="0" i="1" u="none" strike="noStrike" kern="1200" cap="none" spc="0" normalizeH="0" baseline="0" noProof="0" smtClean="0">
+                                    <a:ln>
+                                      <a:noFill/>
+                                    </a:ln>
+                                    <a:solidFill>
+                                      <a:prstClr val="black"/>
+                                    </a:solidFill>
+                                    <a:effectLst/>
+                                    <a:uLnTx/>
+                                    <a:uFillTx/>
+                                    <a:latin typeface="Cambria Math" panose="02040503050406030204" pitchFamily="18" charset="0"/>
+                                    <a:cs typeface="+mn-cs"/>
+                                  </a:rPr>
+                                </m:ctrlPr>
+                              </m:sSubPr>
+                              <m:e>
+                                <m:r>
+                                  <a:rPr kumimoji="0" lang="en-US" altLang="ko-KR" sz="1800" b="0" i="1" u="none" strike="noStrike" kern="1200" cap="none" spc="0" normalizeH="0" baseline="0" noProof="0" smtClean="0">
+                                    <a:ln>
+                                      <a:noFill/>
+                                    </a:ln>
+                                    <a:solidFill>
+                                      <a:prstClr val="black"/>
+                                    </a:solidFill>
+                                    <a:effectLst/>
+                                    <a:uLnTx/>
+                                    <a:uFillTx/>
+                                    <a:latin typeface="Cambria Math" panose="02040503050406030204" pitchFamily="18" charset="0"/>
+                                    <a:cs typeface="+mn-cs"/>
+                                  </a:rPr>
+                                  <m:t>𝑍</m:t>
+                                </m:r>
+                              </m:e>
+                              <m:sub>
+                                <m:r>
+                                  <a:rPr kumimoji="0" lang="en-US" altLang="ko-KR" sz="1800" b="0" i="1" u="none" strike="noStrike" kern="1200" cap="none" spc="0" normalizeH="0" baseline="0" noProof="0" smtClean="0">
+                                    <a:ln>
+                                      <a:noFill/>
+                                    </a:ln>
+                                    <a:solidFill>
+                                      <a:prstClr val="black"/>
+                                    </a:solidFill>
+                                    <a:effectLst/>
+                                    <a:uLnTx/>
+                                    <a:uFillTx/>
+                                    <a:latin typeface="Cambria Math" panose="02040503050406030204" pitchFamily="18" charset="0"/>
+                                    <a:cs typeface="+mn-cs"/>
+                                  </a:rPr>
+                                  <m:t>𝑐</m:t>
+                                </m:r>
+                              </m:sub>
+                            </m:sSub>
+                            <m:r>
+                              <a:rPr kumimoji="0" lang="en-US" altLang="ko-KR" sz="1800" b="0" i="1" u="none" strike="noStrike" kern="1200" cap="none" spc="0" normalizeH="0" baseline="0" noProof="0" smtClean="0">
+                                <a:ln>
+                                  <a:noFill/>
+                                </a:ln>
+                                <a:solidFill>
+                                  <a:prstClr val="black"/>
+                                </a:solidFill>
+                                <a:effectLst/>
+                                <a:uLnTx/>
+                                <a:uFillTx/>
+                                <a:latin typeface="Cambria Math" panose="02040503050406030204" pitchFamily="18" charset="0"/>
+                                <a:cs typeface="+mn-cs"/>
+                              </a:rPr>
+                              <m:t>)</m:t>
+                            </m:r>
+                          </m:oMath>
+                        </m:oMathPara>
+                      </a14:m>
+                      <a:endParaRPr kumimoji="0" lang="ko-KR" altLang="en-US" sz="1800" b="0" i="0" u="none" strike="noStrike" kern="1200" cap="none" spc="0" normalizeH="0" baseline="0" noProof="0" dirty="0">
+                        <a:ln>
+                          <a:noFill/>
+                        </a:ln>
+                        <a:solidFill>
+                          <a:prstClr val="black"/>
+                        </a:solidFill>
+                        <a:effectLst/>
+                        <a:uLnTx/>
+                        <a:uFillTx/>
+                        <a:latin typeface="맑은 고딕" panose="020F0502020204030204"/>
+                        <a:ea typeface="맑은 고딕" panose="020B0503020000020004" pitchFamily="50" charset="-127"/>
+                        <a:cs typeface="+mn-cs"/>
+                      </a:endParaRPr>
+                    </a:p>
+                  </p:txBody>
+                </p:sp>
+              </mc:Choice>
+              <mc:Fallback>
+                <p:sp>
+                  <p:nvSpPr>
+                    <p:cNvPr id="20" name="TextBox 19">
+                      <a:extLst>
+                        <a:ext uri="{FF2B5EF4-FFF2-40B4-BE49-F238E27FC236}">
+                          <a16:creationId xmlns:a16="http://schemas.microsoft.com/office/drawing/2014/main" id="{29049F75-1797-A89D-3360-7AF9D5F5F6E2}"/>
+                        </a:ext>
+                      </a:extLst>
+                    </p:cNvPr>
+                    <p:cNvSpPr txBox="1">
+                      <a:spLocks noRot="1" noChangeAspect="1" noMove="1" noResize="1" noEditPoints="1" noAdjustHandles="1" noChangeArrowheads="1" noChangeShapeType="1" noTextEdit="1"/>
+                    </p:cNvSpPr>
+                    <p:nvPr/>
+                  </p:nvSpPr>
+                  <p:spPr>
+                    <a:xfrm>
+                      <a:off x="2694955" y="4665686"/>
+                      <a:ext cx="1637179" cy="276999"/>
+                    </a:xfrm>
+                    <a:prstGeom prst="rect">
+                      <a:avLst/>
+                    </a:prstGeom>
+                    <a:blipFill>
+                      <a:blip r:embed="rId9"/>
+                      <a:stretch>
+                        <a:fillRect l="-2230" r="-4089" b="-36957"/>
+                      </a:stretch>
+                    </a:blipFill>
+                  </p:spPr>
+                  <p:txBody>
+                    <a:bodyPr/>
+                    <a:lstStyle/>
+                    <a:p>
+                      <a:r>
+                        <a:rPr lang="ko-KR" altLang="en-US">
+                          <a:noFill/>
+                        </a:rPr>
+                        <a:t> </a:t>
+                      </a:r>
+                    </a:p>
+                  </p:txBody>
+                </p:sp>
+              </mc:Fallback>
+            </mc:AlternateContent>
+            <p:sp>
+              <p:nvSpPr>
+                <p:cNvPr id="23" name="TextBox 22">
+                  <a:extLst>
+                    <a:ext uri="{FF2B5EF4-FFF2-40B4-BE49-F238E27FC236}">
+                      <a16:creationId xmlns:a16="http://schemas.microsoft.com/office/drawing/2014/main" id="{4CF2D1DD-7733-508C-A5DF-7CCC13E6F240}"/>
+                    </a:ext>
+                  </a:extLst>
+                </p:cNvPr>
+                <p:cNvSpPr txBox="1"/>
+                <p:nvPr/>
+              </p:nvSpPr>
+              <p:spPr>
+                <a:xfrm>
+                  <a:off x="2867371" y="1373194"/>
+                  <a:ext cx="1041632" cy="276999"/>
+                </a:xfrm>
+                <a:prstGeom prst="rect">
+                  <a:avLst/>
+                </a:prstGeom>
+                <a:noFill/>
+              </p:spPr>
+              <p:txBody>
+                <a:bodyPr wrap="none" rtlCol="0">
+                  <a:spAutoFit/>
+                </a:bodyPr>
+                <a:lstStyle/>
+                <a:p>
+                  <a:pPr marL="0" marR="0" lvl="0" indent="0" algn="ctr" defTabSz="914400" rtl="0" eaLnBrk="1" fontAlgn="auto" latinLnBrk="1" hangingPunct="1">
+                    <a:lnSpc>
+                      <a:spcPct val="100000"/>
+                    </a:lnSpc>
+                    <a:spcBef>
+                      <a:spcPts val="0"/>
+                    </a:spcBef>
+                    <a:spcAft>
+                      <a:spcPts val="0"/>
+                    </a:spcAft>
+                    <a:buClrTx/>
+                    <a:buSzTx/>
+                    <a:buFontTx/>
+                    <a:buNone/>
+                    <a:tabLst/>
+                    <a:defRPr/>
+                  </a:pPr>
+                  <a:r>
+                    <a:rPr kumimoji="0" lang="en-US" altLang="ko-KR" sz="1200" b="0" i="0" u="none" strike="noStrike" kern="1200" cap="none" spc="0" normalizeH="0" baseline="0" noProof="0" dirty="0">
+                      <a:ln>
+                        <a:noFill/>
+                      </a:ln>
+                      <a:solidFill>
+                        <a:prstClr val="black"/>
+                      </a:solidFill>
+                      <a:effectLst/>
+                      <a:uLnTx/>
+                      <a:uFillTx/>
+                      <a:latin typeface="나눔바른고딕" panose="020B0603020101020101" pitchFamily="50" charset="-127"/>
+                      <a:ea typeface="나눔바른고딕" panose="020B0603020101020101" pitchFamily="50" charset="-127"/>
+                      <a:cs typeface="+mn-cs"/>
+                    </a:rPr>
+                    <a:t>image plane</a:t>
+                  </a:r>
+                  <a:endParaRPr kumimoji="0" lang="ko-KR" altLang="en-US" sz="1200" b="0" i="0" u="none" strike="noStrike" kern="1200" cap="none" spc="0" normalizeH="0" baseline="0" noProof="0" dirty="0">
+                    <a:ln>
+                      <a:noFill/>
+                    </a:ln>
+                    <a:solidFill>
+                      <a:prstClr val="black"/>
+                    </a:solidFill>
+                    <a:effectLst/>
+                    <a:uLnTx/>
+                    <a:uFillTx/>
+                    <a:latin typeface="나눔바른고딕" panose="020B0603020101020101" pitchFamily="50" charset="-127"/>
+                    <a:ea typeface="나눔바른고딕" panose="020B0603020101020101" pitchFamily="50" charset="-127"/>
+                    <a:cs typeface="+mn-cs"/>
+                  </a:endParaRPr>
+                </a:p>
+              </p:txBody>
+            </p:sp>
+            <p:cxnSp>
+              <p:nvCxnSpPr>
+                <p:cNvPr id="24" name="직선 화살표 연결선 23">
+                  <a:extLst>
+                    <a:ext uri="{FF2B5EF4-FFF2-40B4-BE49-F238E27FC236}">
+                      <a16:creationId xmlns:a16="http://schemas.microsoft.com/office/drawing/2014/main" id="{F967952F-98A0-FD3B-F417-A2E0F93ABEB9}"/>
+                    </a:ext>
+                  </a:extLst>
+                </p:cNvPr>
+                <p:cNvCxnSpPr>
+                  <a:cxnSpLocks/>
+                </p:cNvCxnSpPr>
+                <p:nvPr/>
+              </p:nvCxnSpPr>
+              <p:spPr>
+                <a:xfrm>
+                  <a:off x="3763010" y="3572124"/>
+                  <a:ext cx="0" cy="739140"/>
+                </a:xfrm>
+                <a:prstGeom prst="straightConnector1">
+                  <a:avLst/>
+                </a:prstGeom>
+                <a:ln w="28575">
+                  <a:solidFill>
+                    <a:schemeClr val="tx1"/>
+                  </a:solidFill>
+                  <a:tailEnd type="triangle"/>
+                </a:ln>
+              </p:spPr>
+              <p:style>
+                <a:lnRef idx="1">
+                  <a:schemeClr val="accent1"/>
+                </a:lnRef>
+                <a:fillRef idx="0">
+                  <a:schemeClr val="accent1"/>
+                </a:fillRef>
+                <a:effectRef idx="0">
+                  <a:schemeClr val="accent1"/>
+                </a:effectRef>
+                <a:fontRef idx="minor">
+                  <a:schemeClr val="tx1"/>
+                </a:fontRef>
+              </p:style>
+            </p:cxnSp>
+            <p:cxnSp>
+              <p:nvCxnSpPr>
+                <p:cNvPr id="25" name="직선 화살표 연결선 24">
+                  <a:extLst>
+                    <a:ext uri="{FF2B5EF4-FFF2-40B4-BE49-F238E27FC236}">
+                      <a16:creationId xmlns:a16="http://schemas.microsoft.com/office/drawing/2014/main" id="{24BCEB09-7C32-DFAB-78CB-2FF06560B8A6}"/>
+                    </a:ext>
+                  </a:extLst>
+                </p:cNvPr>
+                <p:cNvCxnSpPr>
+                  <a:cxnSpLocks/>
+                </p:cNvCxnSpPr>
+                <p:nvPr/>
+              </p:nvCxnSpPr>
+              <p:spPr>
+                <a:xfrm>
+                  <a:off x="3763010" y="3572124"/>
+                  <a:ext cx="678180" cy="304800"/>
+                </a:xfrm>
+                <a:prstGeom prst="straightConnector1">
+                  <a:avLst/>
+                </a:prstGeom>
+                <a:ln w="28575">
+                  <a:solidFill>
+                    <a:schemeClr val="tx1"/>
+                  </a:solidFill>
+                  <a:tailEnd type="triangle"/>
+                </a:ln>
+              </p:spPr>
+              <p:style>
+                <a:lnRef idx="1">
+                  <a:schemeClr val="accent1"/>
+                </a:lnRef>
+                <a:fillRef idx="0">
+                  <a:schemeClr val="accent1"/>
+                </a:fillRef>
+                <a:effectRef idx="0">
+                  <a:schemeClr val="accent1"/>
+                </a:effectRef>
+                <a:fontRef idx="minor">
+                  <a:schemeClr val="tx1"/>
+                </a:fontRef>
+              </p:style>
+            </p:cxnSp>
+            <mc:AlternateContent xmlns:mc="http://schemas.openxmlformats.org/markup-compatibility/2006" xmlns:a14="http://schemas.microsoft.com/office/drawing/2010/main">
+              <mc:Choice Requires="a14">
+                <p:sp>
+                  <p:nvSpPr>
+                    <p:cNvPr id="26" name="TextBox 25">
+                      <a:extLst>
+                        <a:ext uri="{FF2B5EF4-FFF2-40B4-BE49-F238E27FC236}">
+                          <a16:creationId xmlns:a16="http://schemas.microsoft.com/office/drawing/2014/main" id="{EECD7597-AE87-B441-CDF6-32A20348F095}"/>
+                        </a:ext>
+                      </a:extLst>
+                    </p:cNvPr>
+                    <p:cNvSpPr txBox="1"/>
+                    <p:nvPr/>
+                  </p:nvSpPr>
+                  <p:spPr>
+                    <a:xfrm>
+                      <a:off x="3928704" y="3723262"/>
+                      <a:ext cx="212173" cy="276999"/>
+                    </a:xfrm>
+                    <a:prstGeom prst="rect">
+                      <a:avLst/>
+                    </a:prstGeom>
+                    <a:noFill/>
+                  </p:spPr>
+                  <p:txBody>
+                    <a:bodyPr wrap="none" lIns="0" tIns="0" rIns="0" bIns="0" rtlCol="0">
+                      <a:spAutoFit/>
+                    </a:bodyPr>
+                    <a:lstStyle/>
+                    <a:p>
+                      <a:pPr marL="0" marR="0" lvl="0" indent="0" algn="l" defTabSz="914400" rtl="0" eaLnBrk="1" fontAlgn="auto" latinLnBrk="1" hangingPunct="1">
+                        <a:lnSpc>
+                          <a:spcPct val="100000"/>
+                        </a:lnSpc>
+                        <a:spcBef>
+                          <a:spcPts val="0"/>
+                        </a:spcBef>
+                        <a:spcAft>
+                          <a:spcPts val="0"/>
+                        </a:spcAft>
+                        <a:buClrTx/>
+                        <a:buSzTx/>
+                        <a:buFontTx/>
+                        <a:buNone/>
+                        <a:tabLst/>
+                        <a:defRPr/>
+                      </a:pPr>
+                      <a14:m>
+                        <m:oMathPara xmlns:m="http://schemas.openxmlformats.org/officeDocument/2006/math">
+                          <m:oMathParaPr>
+                            <m:jc m:val="centerGroup"/>
+                          </m:oMathParaPr>
+                          <m:oMath xmlns:m="http://schemas.openxmlformats.org/officeDocument/2006/math">
+                            <m:r>
+                              <a:rPr kumimoji="0" lang="en-US" altLang="ko-KR" sz="1800" b="0" i="1" u="none" strike="noStrike" kern="1200" cap="none" spc="0" normalizeH="0" baseline="0" noProof="0" smtClean="0">
+                                <a:ln>
+                                  <a:noFill/>
+                                </a:ln>
+                                <a:solidFill>
+                                  <a:prstClr val="black"/>
+                                </a:solidFill>
+                                <a:effectLst/>
+                                <a:uLnTx/>
+                                <a:uFillTx/>
+                                <a:latin typeface="Cambria Math" panose="02040503050406030204" pitchFamily="18" charset="0"/>
+                                <a:cs typeface="+mn-cs"/>
+                              </a:rPr>
+                              <m:t>𝑥</m:t>
+                            </m:r>
+                          </m:oMath>
+                        </m:oMathPara>
+                      </a14:m>
+                      <a:endParaRPr kumimoji="0" lang="ko-KR" altLang="en-US" sz="1800" b="0" i="0" u="none" strike="noStrike" kern="1200" cap="none" spc="0" normalizeH="0" baseline="0" noProof="0" dirty="0">
+                        <a:ln>
+                          <a:noFill/>
+                        </a:ln>
+                        <a:solidFill>
+                          <a:prstClr val="black"/>
+                        </a:solidFill>
+                        <a:effectLst/>
+                        <a:uLnTx/>
+                        <a:uFillTx/>
+                        <a:latin typeface="맑은 고딕" panose="020F0502020204030204"/>
+                        <a:ea typeface="맑은 고딕" panose="020B0503020000020004" pitchFamily="50" charset="-127"/>
+                        <a:cs typeface="+mn-cs"/>
+                      </a:endParaRPr>
+                    </a:p>
+                  </p:txBody>
+                </p:sp>
+              </mc:Choice>
+              <mc:Fallback xmlns="">
+                <p:sp>
+                  <p:nvSpPr>
+                    <p:cNvPr id="37" name="TextBox 36">
+                      <a:extLst>
+                        <a:ext uri="{FF2B5EF4-FFF2-40B4-BE49-F238E27FC236}">
+                          <a16:creationId xmlns:a16="http://schemas.microsoft.com/office/drawing/2014/main" id="{3AE16F42-F2D3-BFF8-0388-824A0E75802D}"/>
+                        </a:ext>
+                      </a:extLst>
+                    </p:cNvPr>
+                    <p:cNvSpPr txBox="1">
+                      <a:spLocks noRot="1" noChangeAspect="1" noMove="1" noResize="1" noEditPoints="1" noAdjustHandles="1" noChangeArrowheads="1" noChangeShapeType="1" noTextEdit="1"/>
+                    </p:cNvSpPr>
+                    <p:nvPr/>
+                  </p:nvSpPr>
+                  <p:spPr>
+                    <a:xfrm>
+                      <a:off x="3928704" y="3723262"/>
+                      <a:ext cx="212173" cy="276999"/>
+                    </a:xfrm>
+                    <a:prstGeom prst="rect">
+                      <a:avLst/>
+                    </a:prstGeom>
+                    <a:blipFill>
+                      <a:blip r:embed="rId10"/>
+                      <a:stretch>
+                        <a:fillRect l="-8571" r="-5714" b="-2174"/>
+                      </a:stretch>
+                    </a:blipFill>
+                  </p:spPr>
+                  <p:txBody>
+                    <a:bodyPr/>
+                    <a:lstStyle/>
+                    <a:p>
+                      <a:r>
+                        <a:rPr lang="ko-KR" altLang="en-US">
+                          <a:noFill/>
+                        </a:rPr>
+                        <a:t> </a:t>
+                      </a:r>
+                    </a:p>
+                  </p:txBody>
+                </p:sp>
+              </mc:Fallback>
+            </mc:AlternateContent>
+            <mc:AlternateContent xmlns:mc="http://schemas.openxmlformats.org/markup-compatibility/2006" xmlns:a14="http://schemas.microsoft.com/office/drawing/2010/main">
+              <mc:Choice Requires="a14">
+                <p:sp>
+                  <p:nvSpPr>
+                    <p:cNvPr id="27" name="TextBox 26">
+                      <a:extLst>
+                        <a:ext uri="{FF2B5EF4-FFF2-40B4-BE49-F238E27FC236}">
+                          <a16:creationId xmlns:a16="http://schemas.microsoft.com/office/drawing/2014/main" id="{47107563-EA8D-CC0A-B7B6-6F7FFCE47531}"/>
+                        </a:ext>
+                      </a:extLst>
+                    </p:cNvPr>
+                    <p:cNvSpPr txBox="1"/>
+                    <p:nvPr/>
+                  </p:nvSpPr>
+                  <p:spPr>
+                    <a:xfrm>
+                      <a:off x="3500708" y="3827495"/>
+                      <a:ext cx="215572" cy="276999"/>
+                    </a:xfrm>
+                    <a:prstGeom prst="rect">
+                      <a:avLst/>
+                    </a:prstGeom>
+                    <a:noFill/>
+                  </p:spPr>
+                  <p:txBody>
+                    <a:bodyPr wrap="none" lIns="0" tIns="0" rIns="0" bIns="0" rtlCol="0">
+                      <a:spAutoFit/>
+                    </a:bodyPr>
+                    <a:lstStyle/>
+                    <a:p>
+                      <a:pPr marL="0" marR="0" lvl="0" indent="0" algn="l" defTabSz="914400" rtl="0" eaLnBrk="1" fontAlgn="auto" latinLnBrk="1" hangingPunct="1">
+                        <a:lnSpc>
+                          <a:spcPct val="100000"/>
+                        </a:lnSpc>
+                        <a:spcBef>
+                          <a:spcPts val="0"/>
+                        </a:spcBef>
+                        <a:spcAft>
+                          <a:spcPts val="0"/>
+                        </a:spcAft>
+                        <a:buClrTx/>
+                        <a:buSzTx/>
+                        <a:buFontTx/>
+                        <a:buNone/>
+                        <a:tabLst/>
+                        <a:defRPr/>
+                      </a:pPr>
+                      <a14:m>
+                        <m:oMathPara xmlns:m="http://schemas.openxmlformats.org/officeDocument/2006/math">
+                          <m:oMathParaPr>
+                            <m:jc m:val="centerGroup"/>
+                          </m:oMathParaPr>
+                          <m:oMath xmlns:m="http://schemas.openxmlformats.org/officeDocument/2006/math">
+                            <m:r>
+                              <a:rPr kumimoji="0" lang="en-US" altLang="ko-KR" sz="1800" b="0" i="1" u="none" strike="noStrike" kern="1200" cap="none" spc="0" normalizeH="0" baseline="0" noProof="0" smtClean="0">
+                                <a:ln>
+                                  <a:noFill/>
+                                </a:ln>
+                                <a:solidFill>
+                                  <a:prstClr val="black"/>
+                                </a:solidFill>
+                                <a:effectLst/>
+                                <a:uLnTx/>
+                                <a:uFillTx/>
+                                <a:latin typeface="Cambria Math" panose="02040503050406030204" pitchFamily="18" charset="0"/>
+                                <a:cs typeface="+mn-cs"/>
+                              </a:rPr>
+                              <m:t>𝑦</m:t>
+                            </m:r>
+                          </m:oMath>
+                        </m:oMathPara>
+                      </a14:m>
+                      <a:endParaRPr kumimoji="0" lang="ko-KR" altLang="en-US" sz="1800" b="0" i="0" u="none" strike="noStrike" kern="1200" cap="none" spc="0" normalizeH="0" baseline="0" noProof="0" dirty="0">
+                        <a:ln>
+                          <a:noFill/>
+                        </a:ln>
+                        <a:solidFill>
+                          <a:prstClr val="black"/>
+                        </a:solidFill>
+                        <a:effectLst/>
+                        <a:uLnTx/>
+                        <a:uFillTx/>
+                        <a:latin typeface="맑은 고딕" panose="020F0502020204030204"/>
+                        <a:ea typeface="맑은 고딕" panose="020B0503020000020004" pitchFamily="50" charset="-127"/>
+                        <a:cs typeface="+mn-cs"/>
+                      </a:endParaRPr>
+                    </a:p>
+                  </p:txBody>
+                </p:sp>
+              </mc:Choice>
+              <mc:Fallback xmlns="">
+                <p:sp>
+                  <p:nvSpPr>
+                    <p:cNvPr id="38" name="TextBox 37">
+                      <a:extLst>
+                        <a:ext uri="{FF2B5EF4-FFF2-40B4-BE49-F238E27FC236}">
+                          <a16:creationId xmlns:a16="http://schemas.microsoft.com/office/drawing/2014/main" id="{B5869CAC-99CB-90CD-223D-EAEC55120126}"/>
+                        </a:ext>
+                      </a:extLst>
+                    </p:cNvPr>
+                    <p:cNvSpPr txBox="1">
+                      <a:spLocks noRot="1" noChangeAspect="1" noMove="1" noResize="1" noEditPoints="1" noAdjustHandles="1" noChangeArrowheads="1" noChangeShapeType="1" noTextEdit="1"/>
+                    </p:cNvSpPr>
+                    <p:nvPr/>
+                  </p:nvSpPr>
+                  <p:spPr>
+                    <a:xfrm>
+                      <a:off x="3500708" y="3827495"/>
+                      <a:ext cx="215572" cy="276999"/>
+                    </a:xfrm>
+                    <a:prstGeom prst="rect">
+                      <a:avLst/>
+                    </a:prstGeom>
+                    <a:blipFill>
+                      <a:blip r:embed="rId11"/>
+                      <a:stretch>
+                        <a:fillRect l="-20000" r="-20000" b="-28261"/>
+                      </a:stretch>
+                    </a:blipFill>
+                  </p:spPr>
+                  <p:txBody>
+                    <a:bodyPr/>
+                    <a:lstStyle/>
+                    <a:p>
+                      <a:r>
+                        <a:rPr lang="ko-KR" altLang="en-US">
+                          <a:noFill/>
+                        </a:rPr>
+                        <a:t> </a:t>
+                      </a:r>
+                    </a:p>
+                  </p:txBody>
+                </p:sp>
+              </mc:Fallback>
+            </mc:AlternateContent>
+            <p:sp>
+              <p:nvSpPr>
+                <p:cNvPr id="28" name="타원 27">
+                  <a:extLst>
+                    <a:ext uri="{FF2B5EF4-FFF2-40B4-BE49-F238E27FC236}">
+                      <a16:creationId xmlns:a16="http://schemas.microsoft.com/office/drawing/2014/main" id="{BB8E9726-DBDF-F1F6-2BA2-6FCAE2E0112D}"/>
+                    </a:ext>
+                  </a:extLst>
+                </p:cNvPr>
+                <p:cNvSpPr/>
+                <p:nvPr/>
+              </p:nvSpPr>
+              <p:spPr>
+                <a:xfrm>
+                  <a:off x="2131920" y="4773978"/>
+                  <a:ext cx="104233" cy="104233"/>
+                </a:xfrm>
+                <a:prstGeom prst="ellipse">
+                  <a:avLst/>
+                </a:prstGeom>
+                <a:noFill/>
+                <a:ln>
+                  <a:solidFill>
+                    <a:schemeClr val="tx1"/>
+                  </a:solidFill>
+                </a:ln>
+              </p:spPr>
+              <p:style>
+                <a:lnRef idx="2">
+                  <a:schemeClr val="accent1">
+                    <a:shade val="50000"/>
+                  </a:schemeClr>
+                </a:lnRef>
+                <a:fillRef idx="1">
+                  <a:schemeClr val="accent1"/>
+                </a:fillRef>
+                <a:effectRef idx="0">
+                  <a:schemeClr val="accent1"/>
+                </a:effectRef>
+                <a:fontRef idx="minor">
+                  <a:schemeClr val="lt1"/>
+                </a:fontRef>
+              </p:style>
+              <p:txBody>
+                <a:bodyPr rtlCol="0" anchor="ctr"/>
+                <a:lstStyle/>
+                <a:p>
+                  <a:pPr marL="0" marR="0" lvl="0" indent="0" algn="ctr" defTabSz="914400" rtl="0" eaLnBrk="1" fontAlgn="auto" latinLnBrk="1" hangingPunct="1">
+                    <a:lnSpc>
+                      <a:spcPct val="100000"/>
+                    </a:lnSpc>
+                    <a:spcBef>
+                      <a:spcPts val="0"/>
+                    </a:spcBef>
+                    <a:spcAft>
+                      <a:spcPts val="0"/>
+                    </a:spcAft>
+                    <a:buClrTx/>
+                    <a:buSzTx/>
+                    <a:buFontTx/>
+                    <a:buNone/>
+                    <a:tabLst/>
+                    <a:defRPr/>
+                  </a:pPr>
+                  <a:endParaRPr kumimoji="0" lang="ko-KR" altLang="en-US" sz="1800" b="0" i="0" u="none" strike="noStrike" kern="1200" cap="none" spc="0" normalizeH="0" baseline="0" noProof="0">
+                    <a:ln>
+                      <a:noFill/>
+                    </a:ln>
+                    <a:solidFill>
+                      <a:prstClr val="white"/>
+                    </a:solidFill>
+                    <a:effectLst/>
+                    <a:uLnTx/>
+                    <a:uFillTx/>
+                    <a:latin typeface="맑은 고딕" panose="020F0502020204030204"/>
+                    <a:ea typeface="맑은 고딕" panose="020B0503020000020004" pitchFamily="50" charset="-127"/>
+                    <a:cs typeface="+mn-cs"/>
+                  </a:endParaRPr>
+                </a:p>
+              </p:txBody>
+            </p:sp>
+            <p:sp>
+              <p:nvSpPr>
+                <p:cNvPr id="29" name="타원 28">
+                  <a:extLst>
+                    <a:ext uri="{FF2B5EF4-FFF2-40B4-BE49-F238E27FC236}">
+                      <a16:creationId xmlns:a16="http://schemas.microsoft.com/office/drawing/2014/main" id="{42BCD99E-0934-1A97-14A4-2F2FBDC5E1A9}"/>
+                    </a:ext>
+                  </a:extLst>
+                </p:cNvPr>
+                <p:cNvSpPr/>
+                <p:nvPr/>
+              </p:nvSpPr>
+              <p:spPr>
+                <a:xfrm>
+                  <a:off x="3719103" y="3532049"/>
+                  <a:ext cx="104233" cy="104233"/>
+                </a:xfrm>
+                <a:prstGeom prst="ellipse">
+                  <a:avLst/>
+                </a:prstGeom>
+                <a:noFill/>
+                <a:ln>
+                  <a:solidFill>
+                    <a:schemeClr val="tx1"/>
+                  </a:solidFill>
+                </a:ln>
+              </p:spPr>
+              <p:style>
+                <a:lnRef idx="2">
+                  <a:schemeClr val="accent1">
+                    <a:shade val="50000"/>
+                  </a:schemeClr>
+                </a:lnRef>
+                <a:fillRef idx="1">
+                  <a:schemeClr val="accent1"/>
+                </a:fillRef>
+                <a:effectRef idx="0">
+                  <a:schemeClr val="accent1"/>
+                </a:effectRef>
+                <a:fontRef idx="minor">
+                  <a:schemeClr val="lt1"/>
+                </a:fontRef>
+              </p:style>
+              <p:txBody>
+                <a:bodyPr rtlCol="0" anchor="ctr"/>
+                <a:lstStyle/>
+                <a:p>
+                  <a:pPr marL="0" marR="0" lvl="0" indent="0" algn="ctr" defTabSz="914400" rtl="0" eaLnBrk="1" fontAlgn="auto" latinLnBrk="1" hangingPunct="1">
+                    <a:lnSpc>
+                      <a:spcPct val="100000"/>
+                    </a:lnSpc>
+                    <a:spcBef>
+                      <a:spcPts val="0"/>
+                    </a:spcBef>
+                    <a:spcAft>
+                      <a:spcPts val="0"/>
+                    </a:spcAft>
+                    <a:buClrTx/>
+                    <a:buSzTx/>
+                    <a:buFontTx/>
+                    <a:buNone/>
+                    <a:tabLst/>
+                    <a:defRPr/>
+                  </a:pPr>
+                  <a:endParaRPr kumimoji="0" lang="ko-KR" altLang="en-US" sz="1800" b="0" i="0" u="none" strike="noStrike" kern="1200" cap="none" spc="0" normalizeH="0" baseline="0" noProof="0">
+                    <a:ln>
+                      <a:noFill/>
+                    </a:ln>
+                    <a:solidFill>
+                      <a:prstClr val="white"/>
+                    </a:solidFill>
+                    <a:effectLst/>
+                    <a:uLnTx/>
+                    <a:uFillTx/>
+                    <a:latin typeface="맑은 고딕" panose="020F0502020204030204"/>
+                    <a:ea typeface="맑은 고딕" panose="020B0503020000020004" pitchFamily="50" charset="-127"/>
+                    <a:cs typeface="+mn-cs"/>
+                  </a:endParaRPr>
+                </a:p>
+              </p:txBody>
+            </p:sp>
+            <p:sp>
+              <p:nvSpPr>
+                <p:cNvPr id="30" name="평행 사변형 29">
+                  <a:extLst>
+                    <a:ext uri="{FF2B5EF4-FFF2-40B4-BE49-F238E27FC236}">
+                      <a16:creationId xmlns:a16="http://schemas.microsoft.com/office/drawing/2014/main" id="{E058F189-6782-4A8C-6517-C1D8477D566C}"/>
+                    </a:ext>
+                  </a:extLst>
+                </p:cNvPr>
+                <p:cNvSpPr/>
+                <p:nvPr/>
+              </p:nvSpPr>
+              <p:spPr>
+                <a:xfrm rot="1565019" flipH="1">
+                  <a:off x="3990798" y="1607283"/>
+                  <a:ext cx="2449222" cy="997524"/>
+                </a:xfrm>
+                <a:prstGeom prst="parallelogram">
+                  <a:avLst>
+                    <a:gd name="adj" fmla="val 48590"/>
+                  </a:avLst>
+                </a:prstGeom>
+                <a:solidFill>
+                  <a:schemeClr val="accent5">
+                    <a:lumMod val="20000"/>
+                    <a:lumOff val="80000"/>
+                  </a:schemeClr>
+                </a:solidFill>
+                <a:ln>
+                  <a:noFill/>
+                </a:ln>
+              </p:spPr>
+              <p:style>
+                <a:lnRef idx="2">
+                  <a:schemeClr val="accent1">
+                    <a:shade val="50000"/>
+                  </a:schemeClr>
+                </a:lnRef>
+                <a:fillRef idx="1">
+                  <a:schemeClr val="accent1"/>
+                </a:fillRef>
+                <a:effectRef idx="0">
+                  <a:schemeClr val="accent1"/>
+                </a:effectRef>
+                <a:fontRef idx="minor">
+                  <a:schemeClr val="lt1"/>
+                </a:fontRef>
+              </p:style>
+              <p:txBody>
+                <a:bodyPr rtlCol="0" anchor="ctr"/>
+                <a:lstStyle/>
+                <a:p>
+                  <a:pPr marL="0" marR="0" lvl="0" indent="0" algn="ctr" defTabSz="914400" rtl="0" eaLnBrk="1" fontAlgn="auto" latinLnBrk="1" hangingPunct="1">
+                    <a:lnSpc>
+                      <a:spcPct val="100000"/>
+                    </a:lnSpc>
+                    <a:spcBef>
+                      <a:spcPts val="0"/>
+                    </a:spcBef>
+                    <a:spcAft>
+                      <a:spcPts val="0"/>
+                    </a:spcAft>
+                    <a:buClrTx/>
+                    <a:buSzTx/>
+                    <a:buFontTx/>
+                    <a:buNone/>
+                    <a:tabLst/>
+                    <a:defRPr/>
+                  </a:pPr>
+                  <a:endParaRPr kumimoji="0" lang="ko-KR" altLang="en-US" sz="1800" b="0" i="0" u="none" strike="noStrike" kern="1200" cap="none" spc="0" normalizeH="0" baseline="0" noProof="0" dirty="0">
+                    <a:ln>
+                      <a:noFill/>
+                    </a:ln>
+                    <a:solidFill>
+                      <a:prstClr val="white"/>
+                    </a:solidFill>
+                    <a:effectLst/>
+                    <a:uLnTx/>
+                    <a:uFillTx/>
+                    <a:latin typeface="맑은 고딕" panose="020F0502020204030204"/>
+                    <a:ea typeface="맑은 고딕" panose="020B0503020000020004" pitchFamily="50" charset="-127"/>
+                    <a:cs typeface="+mn-cs"/>
+                  </a:endParaRPr>
+                </a:p>
+              </p:txBody>
+            </p:sp>
+            <p:cxnSp>
+              <p:nvCxnSpPr>
+                <p:cNvPr id="31" name="직선 화살표 연결선 30">
+                  <a:extLst>
+                    <a:ext uri="{FF2B5EF4-FFF2-40B4-BE49-F238E27FC236}">
+                      <a16:creationId xmlns:a16="http://schemas.microsoft.com/office/drawing/2014/main" id="{DD0664C6-1CB8-32C8-4DD4-2DF7CED10866}"/>
+                    </a:ext>
+                  </a:extLst>
+                </p:cNvPr>
+                <p:cNvCxnSpPr>
+                  <a:cxnSpLocks/>
+                  <a:stCxn id="13" idx="7"/>
+                </p:cNvCxnSpPr>
+                <p:nvPr/>
+              </p:nvCxnSpPr>
+              <p:spPr>
+                <a:xfrm flipV="1">
+                  <a:off x="2672507" y="745492"/>
+                  <a:ext cx="2850723" cy="4050660"/>
+                </a:xfrm>
+                <a:prstGeom prst="straightConnector1">
+                  <a:avLst/>
+                </a:prstGeom>
+                <a:ln>
+                  <a:solidFill>
+                    <a:schemeClr val="tx1"/>
+                  </a:solidFill>
+                  <a:prstDash val="dash"/>
+                  <a:tailEnd type="triangle"/>
+                </a:ln>
+              </p:spPr>
+              <p:style>
+                <a:lnRef idx="1">
+                  <a:schemeClr val="accent1"/>
+                </a:lnRef>
+                <a:fillRef idx="0">
+                  <a:schemeClr val="accent1"/>
+                </a:fillRef>
+                <a:effectRef idx="0">
+                  <a:schemeClr val="accent1"/>
+                </a:effectRef>
+                <a:fontRef idx="minor">
+                  <a:schemeClr val="tx1"/>
+                </a:fontRef>
+              </p:style>
+            </p:cxnSp>
+            <p:sp>
+              <p:nvSpPr>
+                <p:cNvPr id="32" name="타원 31">
+                  <a:extLst>
+                    <a:ext uri="{FF2B5EF4-FFF2-40B4-BE49-F238E27FC236}">
+                      <a16:creationId xmlns:a16="http://schemas.microsoft.com/office/drawing/2014/main" id="{F2BB3F9E-E4D4-5070-939E-8A6B539A7D41}"/>
+                    </a:ext>
+                  </a:extLst>
+                </p:cNvPr>
+                <p:cNvSpPr/>
+                <p:nvPr/>
+              </p:nvSpPr>
+              <p:spPr>
+                <a:xfrm>
+                  <a:off x="4711702" y="1804457"/>
+                  <a:ext cx="83820" cy="83820"/>
+                </a:xfrm>
+                <a:prstGeom prst="ellipse">
+                  <a:avLst/>
+                </a:prstGeom>
+              </p:spPr>
+              <p:style>
+                <a:lnRef idx="2">
+                  <a:schemeClr val="dk1">
+                    <a:shade val="50000"/>
+                  </a:schemeClr>
+                </a:lnRef>
+                <a:fillRef idx="1">
+                  <a:schemeClr val="dk1"/>
+                </a:fillRef>
+                <a:effectRef idx="0">
+                  <a:schemeClr val="dk1"/>
+                </a:effectRef>
+                <a:fontRef idx="minor">
+                  <a:schemeClr val="lt1"/>
+                </a:fontRef>
+              </p:style>
+              <p:txBody>
+                <a:bodyPr rtlCol="0" anchor="ctr"/>
+                <a:lstStyle/>
+                <a:p>
+                  <a:pPr marL="0" marR="0" lvl="0" indent="0" algn="ctr" defTabSz="914400" rtl="0" eaLnBrk="1" fontAlgn="auto" latinLnBrk="1" hangingPunct="1">
+                    <a:lnSpc>
+                      <a:spcPct val="100000"/>
+                    </a:lnSpc>
+                    <a:spcBef>
+                      <a:spcPts val="0"/>
+                    </a:spcBef>
+                    <a:spcAft>
+                      <a:spcPts val="0"/>
+                    </a:spcAft>
+                    <a:buClrTx/>
+                    <a:buSzTx/>
+                    <a:buFontTx/>
+                    <a:buNone/>
+                    <a:tabLst/>
+                    <a:defRPr/>
+                  </a:pPr>
+                  <a:endParaRPr kumimoji="0" lang="ko-KR" altLang="en-US" sz="1800" b="0" i="0" u="none" strike="noStrike" kern="1200" cap="none" spc="0" normalizeH="0" baseline="0" noProof="0">
+                    <a:ln>
+                      <a:noFill/>
+                    </a:ln>
+                    <a:solidFill>
+                      <a:prstClr val="white"/>
+                    </a:solidFill>
+                    <a:effectLst/>
+                    <a:uLnTx/>
+                    <a:uFillTx/>
+                    <a:latin typeface="맑은 고딕" panose="020F0502020204030204"/>
+                    <a:ea typeface="맑은 고딕" panose="020B0503020000020004" pitchFamily="50" charset="-127"/>
+                    <a:cs typeface="+mn-cs"/>
+                  </a:endParaRPr>
+                </a:p>
+              </p:txBody>
+            </p:sp>
+            <mc:AlternateContent xmlns:mc="http://schemas.openxmlformats.org/markup-compatibility/2006">
+              <mc:Choice xmlns:a14="http://schemas.microsoft.com/office/drawing/2010/main" Requires="a14">
+                <p:sp>
+                  <p:nvSpPr>
+                    <p:cNvPr id="33" name="TextBox 32">
+                      <a:extLst>
+                        <a:ext uri="{FF2B5EF4-FFF2-40B4-BE49-F238E27FC236}">
+                          <a16:creationId xmlns:a16="http://schemas.microsoft.com/office/drawing/2014/main" id="{6099ADC6-27A3-B5D5-079F-19ABC02B4D90}"/>
+                        </a:ext>
+                      </a:extLst>
+                    </p:cNvPr>
+                    <p:cNvSpPr txBox="1"/>
+                    <p:nvPr/>
+                  </p:nvSpPr>
+                  <p:spPr>
+                    <a:xfrm>
+                      <a:off x="4833727" y="1673577"/>
+                      <a:ext cx="814261" cy="336054"/>
+                    </a:xfrm>
+                    <a:prstGeom prst="rect">
+                      <a:avLst/>
+                    </a:prstGeom>
+                    <a:noFill/>
+                  </p:spPr>
+                  <p:txBody>
+                    <a:bodyPr wrap="none" lIns="0" tIns="0" rIns="0" bIns="0" rtlCol="0">
+                      <a:spAutoFit/>
+                    </a:bodyPr>
+                    <a:lstStyle/>
+                    <a:p>
+                      <a:pPr marL="0" marR="0" lvl="0" indent="0" algn="l" defTabSz="914400" rtl="0" eaLnBrk="1" fontAlgn="auto" latinLnBrk="1" hangingPunct="1">
+                        <a:lnSpc>
+                          <a:spcPct val="100000"/>
+                        </a:lnSpc>
+                        <a:spcBef>
+                          <a:spcPts val="0"/>
+                        </a:spcBef>
+                        <a:spcAft>
+                          <a:spcPts val="0"/>
+                        </a:spcAft>
+                        <a:buClrTx/>
+                        <a:buSzTx/>
+                        <a:buFontTx/>
+                        <a:buNone/>
+                        <a:tabLst/>
+                        <a:defRPr/>
+                      </a:pPr>
+                      <a14:m>
+                        <m:oMathPara xmlns:m="http://schemas.openxmlformats.org/officeDocument/2006/math">
+                          <m:oMathParaPr>
+                            <m:jc m:val="centerGroup"/>
+                          </m:oMathParaPr>
+                          <m:oMath xmlns:m="http://schemas.openxmlformats.org/officeDocument/2006/math">
+                            <m:sSub>
+                              <m:sSubPr>
+                                <m:ctrlPr>
+                                  <a:rPr kumimoji="0" lang="en-US" altLang="ko-KR" sz="1800" b="0" i="1" u="none" strike="noStrike" kern="1200" cap="none" spc="0" normalizeH="0" baseline="0" noProof="0" smtClean="0">
+                                    <a:ln>
+                                      <a:noFill/>
+                                    </a:ln>
+                                    <a:solidFill>
+                                      <a:prstClr val="black"/>
+                                    </a:solidFill>
+                                    <a:effectLst/>
+                                    <a:uLnTx/>
+                                    <a:uFillTx/>
+                                    <a:latin typeface="Cambria Math" panose="02040503050406030204" pitchFamily="18" charset="0"/>
+                                    <a:cs typeface="+mn-cs"/>
+                                  </a:rPr>
+                                </m:ctrlPr>
+                              </m:sSubPr>
+                              <m:e>
+                                <m:r>
+                                  <a:rPr kumimoji="0" lang="en-US" altLang="ko-KR" sz="1800" b="0" i="1" u="none" strike="noStrike" kern="1200" cap="none" spc="0" normalizeH="0" baseline="0" noProof="0" smtClean="0">
+                                    <a:ln>
+                                      <a:noFill/>
+                                    </a:ln>
+                                    <a:solidFill>
+                                      <a:prstClr val="black"/>
+                                    </a:solidFill>
+                                    <a:effectLst/>
+                                    <a:uLnTx/>
+                                    <a:uFillTx/>
+                                    <a:latin typeface="Cambria Math" panose="02040503050406030204" pitchFamily="18" charset="0"/>
+                                    <a:cs typeface="+mn-cs"/>
+                                  </a:rPr>
+                                  <m:t>𝑝</m:t>
+                                </m:r>
+                              </m:e>
+                              <m:sub>
+                                <m:r>
+                                  <m:rPr>
+                                    <m:nor/>
+                                  </m:rPr>
+                                  <a:rPr kumimoji="0" lang="en-US" altLang="ko-KR" sz="1800" b="0" i="0" u="none" strike="noStrike" kern="1200" cap="none" spc="0" normalizeH="0" baseline="0" noProof="0" smtClean="0">
+                                    <a:ln>
+                                      <a:noFill/>
+                                    </a:ln>
+                                    <a:solidFill>
+                                      <a:prstClr val="black"/>
+                                    </a:solidFill>
+                                    <a:effectLst/>
+                                    <a:uLnTx/>
+                                    <a:uFillTx/>
+                                    <a:latin typeface="Cambria Math" panose="02040503050406030204" pitchFamily="18" charset="0"/>
+                                    <a:cs typeface="+mn-cs"/>
+                                  </a:rPr>
+                                  <m:t>image</m:t>
+                                </m:r>
+                              </m:sub>
+                            </m:sSub>
+                          </m:oMath>
+                        </m:oMathPara>
+                      </a14:m>
+                      <a:endParaRPr kumimoji="0" lang="ko-KR" altLang="en-US" sz="1800" b="0" i="0" u="none" strike="noStrike" kern="1200" cap="none" spc="0" normalizeH="0" baseline="0" noProof="0" dirty="0">
+                        <a:ln>
+                          <a:noFill/>
+                        </a:ln>
+                        <a:solidFill>
+                          <a:prstClr val="black"/>
+                        </a:solidFill>
+                        <a:effectLst/>
+                        <a:uLnTx/>
+                        <a:uFillTx/>
+                        <a:latin typeface="맑은 고딕" panose="020F0502020204030204"/>
+                        <a:ea typeface="맑은 고딕" panose="020B0503020000020004" pitchFamily="50" charset="-127"/>
+                        <a:cs typeface="+mn-cs"/>
+                      </a:endParaRPr>
+                    </a:p>
+                  </p:txBody>
+                </p:sp>
+              </mc:Choice>
+              <mc:Fallback>
+                <p:sp>
+                  <p:nvSpPr>
+                    <p:cNvPr id="33" name="TextBox 32">
+                      <a:extLst>
+                        <a:ext uri="{FF2B5EF4-FFF2-40B4-BE49-F238E27FC236}">
+                          <a16:creationId xmlns:a16="http://schemas.microsoft.com/office/drawing/2014/main" id="{6099ADC6-27A3-B5D5-079F-19ABC02B4D90}"/>
+                        </a:ext>
+                      </a:extLst>
+                    </p:cNvPr>
+                    <p:cNvSpPr txBox="1">
+                      <a:spLocks noRot="1" noChangeAspect="1" noMove="1" noResize="1" noEditPoints="1" noAdjustHandles="1" noChangeArrowheads="1" noChangeShapeType="1" noTextEdit="1"/>
+                    </p:cNvSpPr>
+                    <p:nvPr/>
+                  </p:nvSpPr>
+                  <p:spPr>
+                    <a:xfrm>
+                      <a:off x="4833727" y="1673577"/>
+                      <a:ext cx="814261" cy="336054"/>
+                    </a:xfrm>
+                    <a:prstGeom prst="rect">
+                      <a:avLst/>
+                    </a:prstGeom>
+                    <a:blipFill>
+                      <a:blip r:embed="rId12"/>
+                      <a:stretch>
+                        <a:fillRect l="-5224" r="-6716" b="-32727"/>
+                      </a:stretch>
+                    </a:blipFill>
+                  </p:spPr>
+                  <p:txBody>
+                    <a:bodyPr/>
+                    <a:lstStyle/>
+                    <a:p>
+                      <a:r>
+                        <a:rPr lang="ko-KR" altLang="en-US">
+                          <a:noFill/>
+                        </a:rPr>
+                        <a:t> </a:t>
+                      </a:r>
+                    </a:p>
+                  </p:txBody>
+                </p:sp>
+              </mc:Fallback>
+            </mc:AlternateContent>
+            <p:grpSp>
+              <p:nvGrpSpPr>
+                <p:cNvPr id="34" name="그룹 33">
+                  <a:extLst>
+                    <a:ext uri="{FF2B5EF4-FFF2-40B4-BE49-F238E27FC236}">
+                      <a16:creationId xmlns:a16="http://schemas.microsoft.com/office/drawing/2014/main" id="{FF3D413F-73EA-1489-F82A-209A11CCEA3B}"/>
+                    </a:ext>
+                  </a:extLst>
+                </p:cNvPr>
+                <p:cNvGrpSpPr/>
+                <p:nvPr/>
+              </p:nvGrpSpPr>
+              <p:grpSpPr>
+                <a:xfrm>
+                  <a:off x="4069832" y="1096530"/>
+                  <a:ext cx="940482" cy="775721"/>
+                  <a:chOff x="5890650" y="463198"/>
+                  <a:chExt cx="940482" cy="775721"/>
+                </a:xfrm>
+              </p:grpSpPr>
+              <p:cxnSp>
+                <p:nvCxnSpPr>
+                  <p:cNvPr id="43" name="직선 화살표 연결선 42">
+                    <a:extLst>
+                      <a:ext uri="{FF2B5EF4-FFF2-40B4-BE49-F238E27FC236}">
+                        <a16:creationId xmlns:a16="http://schemas.microsoft.com/office/drawing/2014/main" id="{34D09D73-A3CE-7CD1-22D0-955BB80EF287}"/>
+                      </a:ext>
+                    </a:extLst>
+                  </p:cNvPr>
+                  <p:cNvCxnSpPr>
+                    <a:cxnSpLocks/>
+                  </p:cNvCxnSpPr>
+                  <p:nvPr/>
+                </p:nvCxnSpPr>
+                <p:spPr>
+                  <a:xfrm>
+                    <a:off x="6152952" y="499779"/>
+                    <a:ext cx="0" cy="739140"/>
+                  </a:xfrm>
+                  <a:prstGeom prst="straightConnector1">
+                    <a:avLst/>
+                  </a:prstGeom>
+                  <a:ln w="28575">
+                    <a:solidFill>
+                      <a:schemeClr val="tx1"/>
+                    </a:solidFill>
+                    <a:tailEnd type="triangle"/>
+                  </a:ln>
+                </p:spPr>
+                <p:style>
+                  <a:lnRef idx="1">
+                    <a:schemeClr val="accent1"/>
+                  </a:lnRef>
+                  <a:fillRef idx="0">
+                    <a:schemeClr val="accent1"/>
+                  </a:fillRef>
+                  <a:effectRef idx="0">
+                    <a:schemeClr val="accent1"/>
+                  </a:effectRef>
+                  <a:fontRef idx="minor">
+                    <a:schemeClr val="tx1"/>
+                  </a:fontRef>
+                </p:style>
+              </p:cxnSp>
+              <p:cxnSp>
+                <p:nvCxnSpPr>
+                  <p:cNvPr id="44" name="직선 화살표 연결선 43">
+                    <a:extLst>
+                      <a:ext uri="{FF2B5EF4-FFF2-40B4-BE49-F238E27FC236}">
+                        <a16:creationId xmlns:a16="http://schemas.microsoft.com/office/drawing/2014/main" id="{9B9DBF9F-1395-F7B8-7C2D-73129894E044}"/>
+                      </a:ext>
+                    </a:extLst>
+                  </p:cNvPr>
+                  <p:cNvCxnSpPr>
+                    <a:cxnSpLocks/>
+                  </p:cNvCxnSpPr>
+                  <p:nvPr/>
+                </p:nvCxnSpPr>
+                <p:spPr>
+                  <a:xfrm>
+                    <a:off x="6152952" y="499779"/>
+                    <a:ext cx="678180" cy="304800"/>
+                  </a:xfrm>
+                  <a:prstGeom prst="straightConnector1">
+                    <a:avLst/>
+                  </a:prstGeom>
+                  <a:ln w="28575">
+                    <a:solidFill>
+                      <a:schemeClr val="tx1"/>
+                    </a:solidFill>
+                    <a:tailEnd type="triangle"/>
+                  </a:ln>
+                </p:spPr>
+                <p:style>
+                  <a:lnRef idx="1">
+                    <a:schemeClr val="accent1"/>
+                  </a:lnRef>
+                  <a:fillRef idx="0">
+                    <a:schemeClr val="accent1"/>
+                  </a:fillRef>
+                  <a:effectRef idx="0">
+                    <a:schemeClr val="accent1"/>
+                  </a:effectRef>
+                  <a:fontRef idx="minor">
+                    <a:schemeClr val="tx1"/>
+                  </a:fontRef>
+                </p:style>
+              </p:cxnSp>
+              <mc:AlternateContent xmlns:mc="http://schemas.openxmlformats.org/markup-compatibility/2006" xmlns:a14="http://schemas.microsoft.com/office/drawing/2010/main">
+                <mc:Choice Requires="a14">
+                  <p:sp>
+                    <p:nvSpPr>
+                      <p:cNvPr id="45" name="TextBox 44">
+                        <a:extLst>
+                          <a:ext uri="{FF2B5EF4-FFF2-40B4-BE49-F238E27FC236}">
+                            <a16:creationId xmlns:a16="http://schemas.microsoft.com/office/drawing/2014/main" id="{3950F3E8-6D4A-7F49-4F8B-32251502B097}"/>
+                          </a:ext>
+                        </a:extLst>
+                      </p:cNvPr>
+                      <p:cNvSpPr txBox="1"/>
+                      <p:nvPr/>
+                    </p:nvSpPr>
+                    <p:spPr>
+                      <a:xfrm>
+                        <a:off x="6318646" y="650917"/>
+                        <a:ext cx="220637" cy="276999"/>
+                      </a:xfrm>
+                      <a:prstGeom prst="rect">
+                        <a:avLst/>
+                      </a:prstGeom>
+                      <a:noFill/>
+                    </p:spPr>
+                    <p:txBody>
+                      <a:bodyPr wrap="none" lIns="0" tIns="0" rIns="0" bIns="0" rtlCol="0">
+                        <a:spAutoFit/>
+                      </a:bodyPr>
+                      <a:lstStyle/>
+                      <a:p>
+                        <a:pPr marL="0" marR="0" lvl="0" indent="0" algn="l" defTabSz="914400" rtl="0" eaLnBrk="1" fontAlgn="auto" latinLnBrk="1" hangingPunct="1">
+                          <a:lnSpc>
+                            <a:spcPct val="100000"/>
+                          </a:lnSpc>
+                          <a:spcBef>
+                            <a:spcPts val="0"/>
+                          </a:spcBef>
+                          <a:spcAft>
+                            <a:spcPts val="0"/>
+                          </a:spcAft>
+                          <a:buClrTx/>
+                          <a:buSzTx/>
+                          <a:buFontTx/>
+                          <a:buNone/>
+                          <a:tabLst/>
+                          <a:defRPr/>
+                        </a:pPr>
+                        <a14:m>
+                          <m:oMathPara xmlns:m="http://schemas.openxmlformats.org/officeDocument/2006/math">
+                            <m:oMathParaPr>
+                              <m:jc m:val="centerGroup"/>
+                            </m:oMathParaPr>
+                            <m:oMath xmlns:m="http://schemas.openxmlformats.org/officeDocument/2006/math">
+                              <m:r>
+                                <a:rPr kumimoji="0" lang="en-US" altLang="ko-KR" sz="1800" b="0" i="1" u="none" strike="noStrike" kern="1200" cap="none" spc="0" normalizeH="0" baseline="0" noProof="0" smtClean="0">
+                                  <a:ln>
+                                    <a:noFill/>
+                                  </a:ln>
+                                  <a:solidFill>
+                                    <a:prstClr val="black"/>
+                                  </a:solidFill>
+                                  <a:effectLst/>
+                                  <a:uLnTx/>
+                                  <a:uFillTx/>
+                                  <a:latin typeface="Cambria Math" panose="02040503050406030204" pitchFamily="18" charset="0"/>
+                                  <a:cs typeface="+mn-cs"/>
+                                </a:rPr>
+                                <m:t>𝑢</m:t>
+                              </m:r>
+                            </m:oMath>
+                          </m:oMathPara>
+                        </a14:m>
+                        <a:endParaRPr kumimoji="0" lang="ko-KR" altLang="en-US" sz="1800" b="0" i="0" u="none" strike="noStrike" kern="1200" cap="none" spc="0" normalizeH="0" baseline="0" noProof="0" dirty="0">
+                          <a:ln>
+                            <a:noFill/>
+                          </a:ln>
+                          <a:solidFill>
+                            <a:prstClr val="black"/>
+                          </a:solidFill>
+                          <a:effectLst/>
+                          <a:uLnTx/>
+                          <a:uFillTx/>
+                          <a:latin typeface="맑은 고딕" panose="020F0502020204030204"/>
+                          <a:ea typeface="맑은 고딕" panose="020B0503020000020004" pitchFamily="50" charset="-127"/>
+                          <a:cs typeface="+mn-cs"/>
+                        </a:endParaRPr>
+                      </a:p>
+                    </p:txBody>
+                  </p:sp>
+                </mc:Choice>
+                <mc:Fallback xmlns="">
+                  <p:sp>
+                    <p:nvSpPr>
+                      <p:cNvPr id="41" name="TextBox 40">
+                        <a:extLst>
+                          <a:ext uri="{FF2B5EF4-FFF2-40B4-BE49-F238E27FC236}">
+                            <a16:creationId xmlns:a16="http://schemas.microsoft.com/office/drawing/2014/main" id="{DE27E15A-E4A8-E8E7-C4DF-8399C33E232D}"/>
+                          </a:ext>
+                        </a:extLst>
+                      </p:cNvPr>
+                      <p:cNvSpPr txBox="1">
+                        <a:spLocks noRot="1" noChangeAspect="1" noMove="1" noResize="1" noEditPoints="1" noAdjustHandles="1" noChangeArrowheads="1" noChangeShapeType="1" noTextEdit="1"/>
+                      </p:cNvSpPr>
+                      <p:nvPr/>
+                    </p:nvSpPr>
+                    <p:spPr>
+                      <a:xfrm>
+                        <a:off x="6318646" y="650917"/>
+                        <a:ext cx="220637" cy="276999"/>
+                      </a:xfrm>
+                      <a:prstGeom prst="rect">
+                        <a:avLst/>
+                      </a:prstGeom>
+                      <a:blipFill>
+                        <a:blip r:embed="rId13"/>
+                        <a:stretch>
+                          <a:fillRect l="-8333" r="-8333" b="-2174"/>
+                        </a:stretch>
+                      </a:blipFill>
+                    </p:spPr>
+                    <p:txBody>
+                      <a:bodyPr/>
+                      <a:lstStyle/>
+                      <a:p>
+                        <a:r>
+                          <a:rPr lang="ko-KR" altLang="en-US">
+                            <a:noFill/>
+                          </a:rPr>
+                          <a:t> </a:t>
+                        </a:r>
+                      </a:p>
+                    </p:txBody>
+                  </p:sp>
+                </mc:Fallback>
+              </mc:AlternateContent>
+              <mc:AlternateContent xmlns:mc="http://schemas.openxmlformats.org/markup-compatibility/2006" xmlns:a14="http://schemas.microsoft.com/office/drawing/2010/main">
+                <mc:Choice Requires="a14">
+                  <p:sp>
+                    <p:nvSpPr>
+                      <p:cNvPr id="46" name="TextBox 45">
+                        <a:extLst>
+                          <a:ext uri="{FF2B5EF4-FFF2-40B4-BE49-F238E27FC236}">
+                            <a16:creationId xmlns:a16="http://schemas.microsoft.com/office/drawing/2014/main" id="{13AA5AF2-D13D-8465-B7CD-203D361738AC}"/>
+                          </a:ext>
+                        </a:extLst>
+                      </p:cNvPr>
+                      <p:cNvSpPr txBox="1"/>
+                      <p:nvPr/>
+                    </p:nvSpPr>
+                    <p:spPr>
+                      <a:xfrm>
+                        <a:off x="5890650" y="755150"/>
+                        <a:ext cx="213520" cy="276999"/>
+                      </a:xfrm>
+                      <a:prstGeom prst="rect">
+                        <a:avLst/>
+                      </a:prstGeom>
+                      <a:noFill/>
+                    </p:spPr>
+                    <p:txBody>
+                      <a:bodyPr wrap="none" lIns="0" tIns="0" rIns="0" bIns="0" rtlCol="0">
+                        <a:spAutoFit/>
+                      </a:bodyPr>
+                      <a:lstStyle/>
+                      <a:p>
+                        <a:pPr marL="0" marR="0" lvl="0" indent="0" algn="l" defTabSz="914400" rtl="0" eaLnBrk="1" fontAlgn="auto" latinLnBrk="1" hangingPunct="1">
+                          <a:lnSpc>
+                            <a:spcPct val="100000"/>
+                          </a:lnSpc>
+                          <a:spcBef>
+                            <a:spcPts val="0"/>
+                          </a:spcBef>
+                          <a:spcAft>
+                            <a:spcPts val="0"/>
+                          </a:spcAft>
+                          <a:buClrTx/>
+                          <a:buSzTx/>
+                          <a:buFontTx/>
+                          <a:buNone/>
+                          <a:tabLst/>
+                          <a:defRPr/>
+                        </a:pPr>
+                        <a14:m>
+                          <m:oMathPara xmlns:m="http://schemas.openxmlformats.org/officeDocument/2006/math">
+                            <m:oMathParaPr>
+                              <m:jc m:val="centerGroup"/>
+                            </m:oMathParaPr>
+                            <m:oMath xmlns:m="http://schemas.openxmlformats.org/officeDocument/2006/math">
+                              <m:r>
+                                <a:rPr kumimoji="0" lang="en-US" altLang="ko-KR" sz="1800" b="0" i="1" u="none" strike="noStrike" kern="1200" cap="none" spc="0" normalizeH="0" baseline="0" noProof="0" smtClean="0">
+                                  <a:ln>
+                                    <a:noFill/>
+                                  </a:ln>
+                                  <a:solidFill>
+                                    <a:prstClr val="black"/>
+                                  </a:solidFill>
+                                  <a:effectLst/>
+                                  <a:uLnTx/>
+                                  <a:uFillTx/>
+                                  <a:latin typeface="Cambria Math" panose="02040503050406030204" pitchFamily="18" charset="0"/>
+                                  <a:cs typeface="+mn-cs"/>
+                                </a:rPr>
+                                <m:t>𝑣</m:t>
+                              </m:r>
+                            </m:oMath>
+                          </m:oMathPara>
+                        </a14:m>
+                        <a:endParaRPr kumimoji="0" lang="ko-KR" altLang="en-US" sz="1800" b="0" i="0" u="none" strike="noStrike" kern="1200" cap="none" spc="0" normalizeH="0" baseline="0" noProof="0" dirty="0">
+                          <a:ln>
+                            <a:noFill/>
+                          </a:ln>
+                          <a:solidFill>
+                            <a:prstClr val="black"/>
+                          </a:solidFill>
+                          <a:effectLst/>
+                          <a:uLnTx/>
+                          <a:uFillTx/>
+                          <a:latin typeface="맑은 고딕" panose="020F0502020204030204"/>
+                          <a:ea typeface="맑은 고딕" panose="020B0503020000020004" pitchFamily="50" charset="-127"/>
+                          <a:cs typeface="+mn-cs"/>
+                        </a:endParaRPr>
+                      </a:p>
+                    </p:txBody>
+                  </p:sp>
+                </mc:Choice>
+                <mc:Fallback xmlns="">
+                  <p:sp>
+                    <p:nvSpPr>
+                      <p:cNvPr id="42" name="TextBox 41">
+                        <a:extLst>
+                          <a:ext uri="{FF2B5EF4-FFF2-40B4-BE49-F238E27FC236}">
+                            <a16:creationId xmlns:a16="http://schemas.microsoft.com/office/drawing/2014/main" id="{7A11A5F1-319E-D2F8-C2BA-FD48C0D8969C}"/>
+                          </a:ext>
+                        </a:extLst>
+                      </p:cNvPr>
+                      <p:cNvSpPr txBox="1">
+                        <a:spLocks noRot="1" noChangeAspect="1" noMove="1" noResize="1" noEditPoints="1" noAdjustHandles="1" noChangeArrowheads="1" noChangeShapeType="1" noTextEdit="1"/>
+                      </p:cNvSpPr>
+                      <p:nvPr/>
+                    </p:nvSpPr>
+                    <p:spPr>
+                      <a:xfrm>
+                        <a:off x="5890650" y="755150"/>
+                        <a:ext cx="213520" cy="276999"/>
+                      </a:xfrm>
+                      <a:prstGeom prst="rect">
+                        <a:avLst/>
+                      </a:prstGeom>
+                      <a:blipFill>
+                        <a:blip r:embed="rId14"/>
+                        <a:stretch>
+                          <a:fillRect l="-8571" r="-8571" b="-2174"/>
+                        </a:stretch>
+                      </a:blipFill>
+                    </p:spPr>
+                    <p:txBody>
+                      <a:bodyPr/>
+                      <a:lstStyle/>
+                      <a:p>
+                        <a:r>
+                          <a:rPr lang="ko-KR" altLang="en-US">
+                            <a:noFill/>
+                          </a:rPr>
+                          <a:t> </a:t>
+                        </a:r>
+                      </a:p>
+                    </p:txBody>
+                  </p:sp>
+                </mc:Fallback>
+              </mc:AlternateContent>
+              <p:sp>
+                <p:nvSpPr>
+                  <p:cNvPr id="47" name="타원 46">
+                    <a:extLst>
+                      <a:ext uri="{FF2B5EF4-FFF2-40B4-BE49-F238E27FC236}">
+                        <a16:creationId xmlns:a16="http://schemas.microsoft.com/office/drawing/2014/main" id="{BABE002D-CBB8-605E-B5BA-0DB51FB839CD}"/>
+                      </a:ext>
+                    </a:extLst>
+                  </p:cNvPr>
+                  <p:cNvSpPr/>
+                  <p:nvPr/>
+                </p:nvSpPr>
+                <p:spPr>
+                  <a:xfrm>
+                    <a:off x="6116035" y="463198"/>
+                    <a:ext cx="104233" cy="104233"/>
+                  </a:xfrm>
+                  <a:prstGeom prst="ellipse">
+                    <a:avLst/>
+                  </a:prstGeom>
+                  <a:noFill/>
+                  <a:ln>
+                    <a:solidFill>
+                      <a:schemeClr val="tx1"/>
+                    </a:solidFill>
+                  </a:ln>
+                </p:spPr>
+                <p:style>
+                  <a:lnRef idx="2">
+                    <a:schemeClr val="accent1">
+                      <a:shade val="50000"/>
+                    </a:schemeClr>
+                  </a:lnRef>
+                  <a:fillRef idx="1">
+                    <a:schemeClr val="accent1"/>
+                  </a:fillRef>
+                  <a:effectRef idx="0">
+                    <a:schemeClr val="accent1"/>
+                  </a:effectRef>
+                  <a:fontRef idx="minor">
+                    <a:schemeClr val="lt1"/>
+                  </a:fontRef>
+                </p:style>
+                <p:txBody>
+                  <a:bodyPr rtlCol="0" anchor="ctr"/>
+                  <a:lstStyle/>
+                  <a:p>
+                    <a:pPr marL="0" marR="0" lvl="0" indent="0" algn="ctr" defTabSz="914400" rtl="0" eaLnBrk="1" fontAlgn="auto" latinLnBrk="1" hangingPunct="1">
+                      <a:lnSpc>
+                        <a:spcPct val="100000"/>
+                      </a:lnSpc>
+                      <a:spcBef>
+                        <a:spcPts val="0"/>
+                      </a:spcBef>
+                      <a:spcAft>
+                        <a:spcPts val="0"/>
+                      </a:spcAft>
+                      <a:buClrTx/>
+                      <a:buSzTx/>
+                      <a:buFontTx/>
+                      <a:buNone/>
+                      <a:tabLst/>
+                      <a:defRPr/>
+                    </a:pPr>
+                    <a:endParaRPr kumimoji="0" lang="ko-KR" altLang="en-US" sz="1800" b="0" i="0" u="none" strike="noStrike" kern="1200" cap="none" spc="0" normalizeH="0" baseline="0" noProof="0">
+                      <a:ln>
+                        <a:noFill/>
+                      </a:ln>
+                      <a:solidFill>
+                        <a:prstClr val="white"/>
+                      </a:solidFill>
+                      <a:effectLst/>
+                      <a:uLnTx/>
+                      <a:uFillTx/>
+                      <a:latin typeface="맑은 고딕" panose="020F0502020204030204"/>
+                      <a:ea typeface="맑은 고딕" panose="020B0503020000020004" pitchFamily="50" charset="-127"/>
+                      <a:cs typeface="+mn-cs"/>
+                    </a:endParaRPr>
+                  </a:p>
+                </p:txBody>
+              </p:sp>
+            </p:grpSp>
+            <mc:AlternateContent xmlns:mc="http://schemas.openxmlformats.org/markup-compatibility/2006">
+              <mc:Choice xmlns:a14="http://schemas.microsoft.com/office/drawing/2010/main" Requires="a14">
+                <p:sp>
+                  <p:nvSpPr>
+                    <p:cNvPr id="21" name="TextBox 20">
+                      <a:extLst>
+                        <a:ext uri="{FF2B5EF4-FFF2-40B4-BE49-F238E27FC236}">
+                          <a16:creationId xmlns:a16="http://schemas.microsoft.com/office/drawing/2014/main" id="{E74E62FE-ED08-F01D-BE41-8B88DA9CA519}"/>
+                        </a:ext>
+                      </a:extLst>
+                    </p:cNvPr>
+                    <p:cNvSpPr txBox="1"/>
+                    <p:nvPr/>
+                  </p:nvSpPr>
+                  <p:spPr>
+                    <a:xfrm>
+                      <a:off x="3113852" y="3099057"/>
+                      <a:ext cx="1279709" cy="298672"/>
+                    </a:xfrm>
+                    <a:prstGeom prst="rect">
+                      <a:avLst/>
+                    </a:prstGeom>
+                    <a:noFill/>
+                  </p:spPr>
+                  <p:txBody>
+                    <a:bodyPr wrap="none" lIns="0" tIns="0" rIns="0" bIns="0" rtlCol="0">
+                      <a:spAutoFit/>
+                    </a:bodyPr>
+                    <a:lstStyle/>
+                    <a:p>
+                      <a:pPr marL="0" marR="0" lvl="0" indent="0" algn="l" defTabSz="914400" rtl="0" eaLnBrk="1" fontAlgn="auto" latinLnBrk="1" hangingPunct="1">
+                        <a:lnSpc>
+                          <a:spcPct val="100000"/>
+                        </a:lnSpc>
+                        <a:spcBef>
+                          <a:spcPts val="0"/>
+                        </a:spcBef>
+                        <a:spcAft>
+                          <a:spcPts val="0"/>
+                        </a:spcAft>
+                        <a:buClrTx/>
+                        <a:buSzTx/>
+                        <a:buFontTx/>
+                        <a:buNone/>
+                        <a:tabLst/>
+                        <a:defRPr/>
+                      </a:pPr>
+                      <a14:m>
+                        <m:oMathPara xmlns:m="http://schemas.openxmlformats.org/officeDocument/2006/math">
+                          <m:oMathParaPr>
+                            <m:jc m:val="centerGroup"/>
+                          </m:oMathParaPr>
+                          <m:oMath xmlns:m="http://schemas.openxmlformats.org/officeDocument/2006/math">
+                            <m:sSub>
+                              <m:sSubPr>
+                                <m:ctrlPr>
+                                  <a:rPr kumimoji="0" lang="en-US" altLang="ko-KR" sz="1600" b="0" i="1" u="none" strike="noStrike" kern="1200" cap="none" spc="0" normalizeH="0" baseline="0" noProof="0" smtClean="0">
+                                    <a:ln>
+                                      <a:noFill/>
+                                    </a:ln>
+                                    <a:solidFill>
+                                      <a:prstClr val="black"/>
+                                    </a:solidFill>
+                                    <a:effectLst/>
+                                    <a:uLnTx/>
+                                    <a:uFillTx/>
+                                    <a:latin typeface="Cambria Math" panose="02040503050406030204" pitchFamily="18" charset="0"/>
+                                    <a:cs typeface="+mn-cs"/>
+                                  </a:rPr>
+                                </m:ctrlPr>
+                              </m:sSubPr>
+                              <m:e>
+                                <m:r>
+                                  <a:rPr kumimoji="0" lang="en-US" altLang="ko-KR" sz="1600" b="0" i="1" u="none" strike="noStrike" kern="1200" cap="none" spc="0" normalizeH="0" baseline="0" noProof="0" smtClean="0">
+                                    <a:ln>
+                                      <a:noFill/>
+                                    </a:ln>
+                                    <a:solidFill>
+                                      <a:prstClr val="black"/>
+                                    </a:solidFill>
+                                    <a:effectLst/>
+                                    <a:uLnTx/>
+                                    <a:uFillTx/>
+                                    <a:latin typeface="Cambria Math" panose="02040503050406030204" pitchFamily="18" charset="0"/>
+                                    <a:cs typeface="+mn-cs"/>
+                                  </a:rPr>
+                                  <m:t>𝑝</m:t>
+                                </m:r>
+                              </m:e>
+                              <m:sub>
+                                <m:r>
+                                  <m:rPr>
+                                    <m:nor/>
+                                  </m:rPr>
+                                  <a:rPr kumimoji="0" lang="en-US" altLang="ko-KR" sz="1600" b="0" i="0" u="none" strike="noStrike" kern="1200" cap="none" spc="0" normalizeH="0" baseline="0" noProof="0" smtClean="0">
+                                    <a:ln>
+                                      <a:noFill/>
+                                    </a:ln>
+                                    <a:solidFill>
+                                      <a:prstClr val="black"/>
+                                    </a:solidFill>
+                                    <a:effectLst/>
+                                    <a:uLnTx/>
+                                    <a:uFillTx/>
+                                    <a:latin typeface="Cambria Math" panose="02040503050406030204" pitchFamily="18" charset="0"/>
+                                    <a:cs typeface="+mn-cs"/>
+                                  </a:rPr>
+                                  <m:t>norm</m:t>
+                                </m:r>
+                                <m:r>
+                                  <m:rPr>
+                                    <m:nor/>
+                                  </m:rPr>
+                                  <a:rPr kumimoji="0" lang="en-US" altLang="ko-KR" sz="1600" b="0" i="0" u="none" strike="noStrike" kern="1200" cap="none" spc="0" normalizeH="0" baseline="0" noProof="0" smtClean="0">
+                                    <a:ln>
+                                      <a:noFill/>
+                                    </a:ln>
+                                    <a:solidFill>
+                                      <a:prstClr val="black"/>
+                                    </a:solidFill>
+                                    <a:effectLst/>
+                                    <a:uLnTx/>
+                                    <a:uFillTx/>
+                                    <a:latin typeface="Cambria Math" panose="02040503050406030204" pitchFamily="18" charset="0"/>
+                                    <a:cs typeface="+mn-cs"/>
+                                  </a:rPr>
+                                  <m:t>_</m:t>
+                                </m:r>
+                                <m:r>
+                                  <m:rPr>
+                                    <m:nor/>
+                                  </m:rPr>
+                                  <a:rPr kumimoji="0" lang="en-US" altLang="ko-KR" sz="1600" b="0" i="0" u="none" strike="noStrike" kern="1200" cap="none" spc="0" normalizeH="0" baseline="0" noProof="0" smtClean="0">
+                                    <a:ln>
+                                      <a:noFill/>
+                                    </a:ln>
+                                    <a:solidFill>
+                                      <a:prstClr val="black"/>
+                                    </a:solidFill>
+                                    <a:effectLst/>
+                                    <a:uLnTx/>
+                                    <a:uFillTx/>
+                                    <a:latin typeface="Cambria Math" panose="02040503050406030204" pitchFamily="18" charset="0"/>
+                                    <a:cs typeface="+mn-cs"/>
+                                  </a:rPr>
+                                  <m:t>image</m:t>
+                                </m:r>
+                              </m:sub>
+                            </m:sSub>
+                          </m:oMath>
+                        </m:oMathPara>
+                      </a14:m>
+                      <a:endParaRPr kumimoji="0" lang="ko-KR" altLang="en-US" sz="1800" b="0" i="0" u="none" strike="noStrike" kern="1200" cap="none" spc="0" normalizeH="0" baseline="0" noProof="0" dirty="0">
+                        <a:ln>
+                          <a:noFill/>
+                        </a:ln>
+                        <a:solidFill>
+                          <a:prstClr val="black"/>
+                        </a:solidFill>
+                        <a:effectLst/>
+                        <a:uLnTx/>
+                        <a:uFillTx/>
+                        <a:latin typeface="맑은 고딕" panose="020F0502020204030204"/>
+                        <a:ea typeface="맑은 고딕" panose="020B0503020000020004" pitchFamily="50" charset="-127"/>
+                        <a:cs typeface="+mn-cs"/>
+                      </a:endParaRPr>
+                    </a:p>
+                  </p:txBody>
+                </p:sp>
+              </mc:Choice>
+              <mc:Fallback>
+                <p:sp>
+                  <p:nvSpPr>
+                    <p:cNvPr id="21" name="TextBox 20">
+                      <a:extLst>
+                        <a:ext uri="{FF2B5EF4-FFF2-40B4-BE49-F238E27FC236}">
+                          <a16:creationId xmlns:a16="http://schemas.microsoft.com/office/drawing/2014/main" id="{E74E62FE-ED08-F01D-BE41-8B88DA9CA519}"/>
+                        </a:ext>
+                      </a:extLst>
+                    </p:cNvPr>
+                    <p:cNvSpPr txBox="1">
+                      <a:spLocks noRot="1" noChangeAspect="1" noMove="1" noResize="1" noEditPoints="1" noAdjustHandles="1" noChangeArrowheads="1" noChangeShapeType="1" noTextEdit="1"/>
+                    </p:cNvSpPr>
+                    <p:nvPr/>
+                  </p:nvSpPr>
+                  <p:spPr>
+                    <a:xfrm>
+                      <a:off x="3113852" y="3099057"/>
+                      <a:ext cx="1279709" cy="298672"/>
+                    </a:xfrm>
+                    <a:prstGeom prst="rect">
+                      <a:avLst/>
+                    </a:prstGeom>
+                    <a:blipFill>
+                      <a:blip r:embed="rId15"/>
+                      <a:stretch>
+                        <a:fillRect l="-2381" r="-2857" b="-30612"/>
+                      </a:stretch>
+                    </a:blipFill>
+                  </p:spPr>
+                  <p:txBody>
+                    <a:bodyPr/>
+                    <a:lstStyle/>
+                    <a:p>
+                      <a:r>
+                        <a:rPr lang="ko-KR" altLang="en-US">
+                          <a:noFill/>
+                        </a:rPr>
+                        <a:t> </a:t>
+                      </a:r>
+                    </a:p>
+                  </p:txBody>
+                </p:sp>
+              </mc:Fallback>
+            </mc:AlternateContent>
+            <mc:AlternateContent xmlns:mc="http://schemas.openxmlformats.org/markup-compatibility/2006" xmlns:a14="http://schemas.microsoft.com/office/drawing/2010/main">
+              <mc:Choice Requires="a14">
+                <p:sp>
+                  <p:nvSpPr>
+                    <p:cNvPr id="16" name="TextBox 15">
+                      <a:extLst>
+                        <a:ext uri="{FF2B5EF4-FFF2-40B4-BE49-F238E27FC236}">
+                          <a16:creationId xmlns:a16="http://schemas.microsoft.com/office/drawing/2014/main" id="{86D3C61A-8D86-5FC5-227E-F40D37B913FE}"/>
+                        </a:ext>
+                      </a:extLst>
+                    </p:cNvPr>
+                    <p:cNvSpPr txBox="1"/>
+                    <p:nvPr/>
+                  </p:nvSpPr>
+                  <p:spPr>
+                    <a:xfrm>
+                      <a:off x="2076487" y="4324213"/>
+                      <a:ext cx="311111" cy="276999"/>
+                    </a:xfrm>
+                    <a:prstGeom prst="rect">
+                      <a:avLst/>
+                    </a:prstGeom>
+                    <a:noFill/>
+                  </p:spPr>
+                  <p:txBody>
+                    <a:bodyPr wrap="none" lIns="0" tIns="0" rIns="0" bIns="0" rtlCol="0">
+                      <a:spAutoFit/>
+                    </a:bodyPr>
+                    <a:lstStyle/>
+                    <a:p>
+                      <a:pPr marL="0" marR="0" lvl="0" indent="0" algn="l" defTabSz="914400" rtl="0" eaLnBrk="1" fontAlgn="auto" latinLnBrk="1" hangingPunct="1">
+                        <a:lnSpc>
+                          <a:spcPct val="100000"/>
+                        </a:lnSpc>
+                        <a:spcBef>
+                          <a:spcPts val="0"/>
+                        </a:spcBef>
+                        <a:spcAft>
+                          <a:spcPts val="0"/>
+                        </a:spcAft>
+                        <a:buClrTx/>
+                        <a:buSzTx/>
+                        <a:buFontTx/>
+                        <a:buNone/>
+                        <a:tabLst/>
+                        <a:defRPr/>
+                      </a:pPr>
+                      <a14:m>
+                        <m:oMathPara xmlns:m="http://schemas.openxmlformats.org/officeDocument/2006/math">
+                          <m:oMathParaPr>
+                            <m:jc m:val="centerGroup"/>
+                          </m:oMathParaPr>
+                          <m:oMath xmlns:m="http://schemas.openxmlformats.org/officeDocument/2006/math">
+                            <m:sSub>
+                              <m:sSubPr>
+                                <m:ctrlPr>
+                                  <a:rPr kumimoji="0" lang="en-US" altLang="ko-KR" sz="1800" b="0" i="1" u="none" strike="noStrike" kern="1200" cap="none" spc="0" normalizeH="0" baseline="0" noProof="0" smtClean="0">
+                                    <a:ln>
+                                      <a:noFill/>
+                                    </a:ln>
+                                    <a:solidFill>
+                                      <a:srgbClr val="FF0000"/>
+                                    </a:solidFill>
+                                    <a:effectLst/>
+                                    <a:uLnTx/>
+                                    <a:uFillTx/>
+                                    <a:latin typeface="Cambria Math" panose="02040503050406030204" pitchFamily="18" charset="0"/>
+                                    <a:cs typeface="+mn-cs"/>
+                                  </a:rPr>
+                                </m:ctrlPr>
+                              </m:sSubPr>
+                              <m:e>
+                                <m:r>
+                                  <a:rPr kumimoji="0" lang="en-US" altLang="ko-KR" sz="1800" b="0" i="1" u="none" strike="noStrike" kern="1200" cap="none" spc="0" normalizeH="0" baseline="0" noProof="0" smtClean="0">
+                                    <a:ln>
+                                      <a:noFill/>
+                                    </a:ln>
+                                    <a:solidFill>
+                                      <a:srgbClr val="FF0000"/>
+                                    </a:solidFill>
+                                    <a:effectLst/>
+                                    <a:uLnTx/>
+                                    <a:uFillTx/>
+                                    <a:latin typeface="Cambria Math" panose="02040503050406030204" pitchFamily="18" charset="0"/>
+                                    <a:cs typeface="+mn-cs"/>
+                                  </a:rPr>
+                                  <m:t>𝑍</m:t>
+                                </m:r>
+                              </m:e>
+                              <m:sub>
+                                <m:r>
+                                  <a:rPr kumimoji="0" lang="en-US" altLang="ko-KR" sz="1800" b="0" i="1" u="none" strike="noStrike" kern="1200" cap="none" spc="0" normalizeH="0" baseline="0" noProof="0" smtClean="0">
+                                    <a:ln>
+                                      <a:noFill/>
+                                    </a:ln>
+                                    <a:solidFill>
+                                      <a:srgbClr val="FF0000"/>
+                                    </a:solidFill>
+                                    <a:effectLst/>
+                                    <a:uLnTx/>
+                                    <a:uFillTx/>
+                                    <a:latin typeface="Cambria Math" panose="02040503050406030204" pitchFamily="18" charset="0"/>
+                                    <a:cs typeface="+mn-cs"/>
+                                  </a:rPr>
+                                  <m:t>𝑐</m:t>
+                                </m:r>
+                              </m:sub>
+                            </m:sSub>
+                          </m:oMath>
+                        </m:oMathPara>
+                      </a14:m>
+                      <a:endParaRPr kumimoji="0" lang="ko-KR" altLang="en-US" sz="1800" b="0" i="0" u="none" strike="noStrike" kern="1200" cap="none" spc="0" normalizeH="0" baseline="0" noProof="0" dirty="0">
+                        <a:ln>
+                          <a:noFill/>
+                        </a:ln>
+                        <a:solidFill>
+                          <a:srgbClr val="FF0000"/>
+                        </a:solidFill>
+                        <a:effectLst/>
+                        <a:uLnTx/>
+                        <a:uFillTx/>
+                        <a:latin typeface="맑은 고딕" panose="020F0502020204030204"/>
+                        <a:ea typeface="맑은 고딕" panose="020B0503020000020004" pitchFamily="50" charset="-127"/>
+                        <a:cs typeface="+mn-cs"/>
+                      </a:endParaRPr>
+                    </a:p>
+                  </p:txBody>
+                </p:sp>
+              </mc:Choice>
+              <mc:Fallback xmlns="">
+                <p:sp>
+                  <p:nvSpPr>
+                    <p:cNvPr id="26" name="TextBox 25">
+                      <a:extLst>
+                        <a:ext uri="{FF2B5EF4-FFF2-40B4-BE49-F238E27FC236}">
+                          <a16:creationId xmlns:a16="http://schemas.microsoft.com/office/drawing/2014/main" id="{4F8A4273-174B-C4FF-A187-67E15F53EF9C}"/>
+                        </a:ext>
+                      </a:extLst>
+                    </p:cNvPr>
+                    <p:cNvSpPr txBox="1">
+                      <a:spLocks noRot="1" noChangeAspect="1" noMove="1" noResize="1" noEditPoints="1" noAdjustHandles="1" noChangeArrowheads="1" noChangeShapeType="1" noTextEdit="1"/>
+                    </p:cNvSpPr>
+                    <p:nvPr/>
+                  </p:nvSpPr>
+                  <p:spPr>
+                    <a:xfrm>
+                      <a:off x="2076487" y="4324213"/>
+                      <a:ext cx="311111" cy="276999"/>
+                    </a:xfrm>
+                    <a:prstGeom prst="rect">
+                      <a:avLst/>
+                    </a:prstGeom>
+                    <a:blipFill>
+                      <a:blip r:embed="rId16"/>
+                      <a:stretch>
+                        <a:fillRect l="-13725" b="-15556"/>
+                      </a:stretch>
+                    </a:blipFill>
+                  </p:spPr>
+                  <p:txBody>
+                    <a:bodyPr/>
+                    <a:lstStyle/>
+                    <a:p>
+                      <a:r>
+                        <a:rPr lang="ko-KR" altLang="en-US">
+                          <a:noFill/>
+                        </a:rPr>
+                        <a:t> </a:t>
+                      </a:r>
+                    </a:p>
+                  </p:txBody>
+                </p:sp>
+              </mc:Fallback>
+            </mc:AlternateContent>
+            <p:sp>
+              <p:nvSpPr>
+                <p:cNvPr id="22" name="TextBox 21">
+                  <a:extLst>
+                    <a:ext uri="{FF2B5EF4-FFF2-40B4-BE49-F238E27FC236}">
+                      <a16:creationId xmlns:a16="http://schemas.microsoft.com/office/drawing/2014/main" id="{6345B2CE-CCC7-1DC7-C05E-919E94DF7431}"/>
+                    </a:ext>
+                  </a:extLst>
+                </p:cNvPr>
+                <p:cNvSpPr txBox="1"/>
+                <p:nvPr/>
+              </p:nvSpPr>
+              <p:spPr>
+                <a:xfrm>
+                  <a:off x="1818239" y="3047286"/>
+                  <a:ext cx="1041632" cy="461665"/>
+                </a:xfrm>
+                <a:prstGeom prst="rect">
+                  <a:avLst/>
+                </a:prstGeom>
+                <a:noFill/>
+              </p:spPr>
+              <p:txBody>
+                <a:bodyPr wrap="none" rtlCol="0">
+                  <a:spAutoFit/>
+                </a:bodyPr>
+                <a:lstStyle/>
+                <a:p>
+                  <a:pPr marL="0" marR="0" lvl="0" indent="0" algn="ctr" defTabSz="914400" rtl="0" eaLnBrk="1" fontAlgn="auto" latinLnBrk="1" hangingPunct="1">
+                    <a:lnSpc>
+                      <a:spcPct val="100000"/>
+                    </a:lnSpc>
+                    <a:spcBef>
+                      <a:spcPts val="0"/>
+                    </a:spcBef>
+                    <a:spcAft>
+                      <a:spcPts val="0"/>
+                    </a:spcAft>
+                    <a:buClrTx/>
+                    <a:buSzTx/>
+                    <a:buFontTx/>
+                    <a:buNone/>
+                    <a:tabLst/>
+                    <a:defRPr/>
+                  </a:pPr>
+                  <a:r>
+                    <a:rPr kumimoji="0" lang="en-US" altLang="ko-KR" sz="1200" b="0" i="0" u="none" strike="noStrike" kern="1200" cap="none" spc="0" normalizeH="0" baseline="0" noProof="0" dirty="0">
+                      <a:ln>
+                        <a:noFill/>
+                      </a:ln>
+                      <a:solidFill>
+                        <a:prstClr val="black"/>
+                      </a:solidFill>
+                      <a:effectLst/>
+                      <a:uLnTx/>
+                      <a:uFillTx/>
+                      <a:latin typeface="나눔바른고딕" panose="020B0603020101020101" pitchFamily="50" charset="-127"/>
+                      <a:ea typeface="나눔바른고딕" panose="020B0603020101020101" pitchFamily="50" charset="-127"/>
+                      <a:cs typeface="+mn-cs"/>
+                    </a:rPr>
+                    <a:t>normalized</a:t>
+                  </a:r>
+                </a:p>
+                <a:p>
+                  <a:pPr marL="0" marR="0" lvl="0" indent="0" algn="ctr" defTabSz="914400" rtl="0" eaLnBrk="1" fontAlgn="auto" latinLnBrk="1" hangingPunct="1">
+                    <a:lnSpc>
+                      <a:spcPct val="100000"/>
+                    </a:lnSpc>
+                    <a:spcBef>
+                      <a:spcPts val="0"/>
+                    </a:spcBef>
+                    <a:spcAft>
+                      <a:spcPts val="0"/>
+                    </a:spcAft>
+                    <a:buClrTx/>
+                    <a:buSzTx/>
+                    <a:buFontTx/>
+                    <a:buNone/>
+                    <a:tabLst/>
+                    <a:defRPr/>
+                  </a:pPr>
+                  <a:r>
+                    <a:rPr kumimoji="0" lang="en-US" altLang="ko-KR" sz="1200" b="0" i="0" u="none" strike="noStrike" kern="1200" cap="none" spc="0" normalizeH="0" baseline="0" noProof="0" dirty="0">
+                      <a:ln>
+                        <a:noFill/>
+                      </a:ln>
+                      <a:solidFill>
+                        <a:prstClr val="black"/>
+                      </a:solidFill>
+                      <a:effectLst/>
+                      <a:uLnTx/>
+                      <a:uFillTx/>
+                      <a:latin typeface="나눔바른고딕" panose="020B0603020101020101" pitchFamily="50" charset="-127"/>
+                      <a:ea typeface="나눔바른고딕" panose="020B0603020101020101" pitchFamily="50" charset="-127"/>
+                      <a:cs typeface="+mn-cs"/>
+                    </a:rPr>
+                    <a:t>image plane</a:t>
+                  </a:r>
+                  <a:endParaRPr kumimoji="0" lang="ko-KR" altLang="en-US" sz="1200" b="0" i="0" u="none" strike="noStrike" kern="1200" cap="none" spc="0" normalizeH="0" baseline="0" noProof="0" dirty="0">
+                    <a:ln>
+                      <a:noFill/>
+                    </a:ln>
+                    <a:solidFill>
+                      <a:prstClr val="black"/>
+                    </a:solidFill>
+                    <a:effectLst/>
+                    <a:uLnTx/>
+                    <a:uFillTx/>
+                    <a:latin typeface="나눔바른고딕" panose="020B0603020101020101" pitchFamily="50" charset="-127"/>
+                    <a:ea typeface="나눔바른고딕" panose="020B0603020101020101" pitchFamily="50" charset="-127"/>
+                    <a:cs typeface="+mn-cs"/>
+                  </a:endParaRPr>
+                </a:p>
+              </p:txBody>
+            </p:sp>
+          </p:grpSp>
+          <p:cxnSp>
+            <p:nvCxnSpPr>
+              <p:cNvPr id="48" name="직선 화살표 연결선 47">
+                <a:extLst>
+                  <a:ext uri="{FF2B5EF4-FFF2-40B4-BE49-F238E27FC236}">
+                    <a16:creationId xmlns:a16="http://schemas.microsoft.com/office/drawing/2014/main" id="{4D3624EE-DCAA-CAF5-F9BD-EA04709ED815}"/>
+                  </a:ext>
+                </a:extLst>
+              </p:cNvPr>
+              <p:cNvCxnSpPr>
+                <a:cxnSpLocks/>
+              </p:cNvCxnSpPr>
+              <p:nvPr/>
+            </p:nvCxnSpPr>
+            <p:spPr>
+              <a:xfrm flipV="1">
+                <a:off x="2520949" y="1975460"/>
+                <a:ext cx="2379593" cy="1884996"/>
+              </a:xfrm>
+              <a:prstGeom prst="straightConnector1">
+                <a:avLst/>
+              </a:prstGeom>
+              <a:ln w="28575">
+                <a:solidFill>
+                  <a:srgbClr val="FF0000"/>
+                </a:solidFill>
+                <a:prstDash val="sysDash"/>
+                <a:tailEnd type="triangle"/>
+              </a:ln>
+            </p:spPr>
+            <p:style>
+              <a:lnRef idx="1">
+                <a:schemeClr val="accent1"/>
+              </a:lnRef>
+              <a:fillRef idx="0">
+                <a:schemeClr val="accent1"/>
+              </a:fillRef>
+              <a:effectRef idx="0">
+                <a:schemeClr val="accent1"/>
+              </a:effectRef>
+              <a:fontRef idx="minor">
+                <a:schemeClr val="tx1"/>
+              </a:fontRef>
+            </p:style>
+          </p:cxnSp>
+          <p:sp>
+            <p:nvSpPr>
+              <p:cNvPr id="55" name="오른쪽 중괄호 54">
+                <a:extLst>
+                  <a:ext uri="{FF2B5EF4-FFF2-40B4-BE49-F238E27FC236}">
+                    <a16:creationId xmlns:a16="http://schemas.microsoft.com/office/drawing/2014/main" id="{D3A528BE-7002-0055-8118-4C536E8A8CF1}"/>
+                  </a:ext>
+                </a:extLst>
+              </p:cNvPr>
+              <p:cNvSpPr/>
+              <p:nvPr/>
+            </p:nvSpPr>
+            <p:spPr>
+              <a:xfrm rot="13938779">
+                <a:off x="3199531" y="2129708"/>
+                <a:ext cx="107233" cy="2039703"/>
+              </a:xfrm>
+              <a:prstGeom prst="rightBrace">
+                <a:avLst>
+                  <a:gd name="adj1" fmla="val 8333"/>
+                  <a:gd name="adj2" fmla="val 49827"/>
+                </a:avLst>
+              </a:prstGeom>
+              <a:ln>
+                <a:solidFill>
+                  <a:srgbClr val="0000FF"/>
+                </a:solidFill>
+              </a:ln>
+            </p:spPr>
+            <p:style>
+              <a:lnRef idx="1">
+                <a:schemeClr val="accent1"/>
+              </a:lnRef>
+              <a:fillRef idx="0">
+                <a:schemeClr val="accent1"/>
+              </a:fillRef>
+              <a:effectRef idx="0">
+                <a:schemeClr val="accent1"/>
+              </a:effectRef>
+              <a:fontRef idx="minor">
+                <a:schemeClr val="tx1"/>
+              </a:fontRef>
+            </p:style>
+            <p:txBody>
+              <a:bodyPr rtlCol="0" anchor="ctr"/>
+              <a:lstStyle/>
+              <a:p>
+                <a:pPr algn="ctr"/>
+                <a:endParaRPr lang="ko-KR" altLang="en-US"/>
+              </a:p>
+            </p:txBody>
+          </p:sp>
+          <mc:AlternateContent xmlns:mc="http://schemas.openxmlformats.org/markup-compatibility/2006">
+            <mc:Choice xmlns:a14="http://schemas.microsoft.com/office/drawing/2010/main" Requires="a14">
+              <p:sp>
+                <p:nvSpPr>
+                  <p:cNvPr id="56" name="TextBox 55">
+                    <a:extLst>
+                      <a:ext uri="{FF2B5EF4-FFF2-40B4-BE49-F238E27FC236}">
+                        <a16:creationId xmlns:a16="http://schemas.microsoft.com/office/drawing/2014/main" id="{55F7CE47-D4E8-B13C-30F8-4DCB03CD3002}"/>
+                      </a:ext>
+                    </a:extLst>
+                  </p:cNvPr>
+                  <p:cNvSpPr txBox="1"/>
+                  <p:nvPr/>
+                </p:nvSpPr>
+                <p:spPr>
+                  <a:xfrm>
+                    <a:off x="2985772" y="2879165"/>
+                    <a:ext cx="376898" cy="161583"/>
+                  </a:xfrm>
+                  <a:prstGeom prst="rect">
+                    <a:avLst/>
+                  </a:prstGeom>
+                  <a:noFill/>
+                </p:spPr>
+                <p:txBody>
+                  <a:bodyPr wrap="none" lIns="0" tIns="0" rIns="0" bIns="0" rtlCol="0">
+                    <a:spAutoFit/>
+                  </a:bodyPr>
+                  <a:lstStyle/>
+                  <a:p>
+                    <a:pPr marL="0" marR="0" lvl="0" indent="0" algn="l" defTabSz="914400" rtl="0" eaLnBrk="1" fontAlgn="auto" latinLnBrk="1" hangingPunct="1">
+                      <a:lnSpc>
+                        <a:spcPct val="100000"/>
+                      </a:lnSpc>
+                      <a:spcBef>
+                        <a:spcPts val="0"/>
+                      </a:spcBef>
+                      <a:spcAft>
+                        <a:spcPts val="0"/>
+                      </a:spcAft>
+                      <a:buClrTx/>
+                      <a:buSzTx/>
+                      <a:buFontTx/>
+                      <a:buNone/>
+                      <a:tabLst/>
+                      <a:defRPr/>
+                    </a:pPr>
+                    <a14:m>
+                      <m:oMathPara xmlns:m="http://schemas.openxmlformats.org/officeDocument/2006/math">
+                        <m:oMathParaPr>
+                          <m:jc m:val="centerGroup"/>
+                        </m:oMathParaPr>
+                        <m:oMath xmlns:m="http://schemas.openxmlformats.org/officeDocument/2006/math">
+                          <m:r>
+                            <a:rPr kumimoji="0" lang="en-US" altLang="ko-KR" sz="1050" b="0" i="1" u="none" strike="noStrike" kern="1200" cap="none" spc="0" normalizeH="0" baseline="0" noProof="0" smtClean="0">
+                              <a:ln>
+                                <a:noFill/>
+                              </a:ln>
+                              <a:solidFill>
+                                <a:srgbClr val="0000FF"/>
+                              </a:solidFill>
+                              <a:effectLst/>
+                              <a:uLnTx/>
+                              <a:uFillTx/>
+                              <a:latin typeface="Cambria Math" panose="02040503050406030204" pitchFamily="18" charset="0"/>
+                              <a:cs typeface="+mn-cs"/>
+                            </a:rPr>
+                            <m:t>𝑓</m:t>
+                          </m:r>
+                          <m:r>
+                            <a:rPr kumimoji="0" lang="en-US" altLang="ko-KR" sz="1050" b="0" i="1" u="none" strike="noStrike" kern="1200" cap="none" spc="0" normalizeH="0" baseline="0" noProof="0" smtClean="0">
+                              <a:ln>
+                                <a:noFill/>
+                              </a:ln>
+                              <a:solidFill>
+                                <a:srgbClr val="0000FF"/>
+                              </a:solidFill>
+                              <a:effectLst/>
+                              <a:uLnTx/>
+                              <a:uFillTx/>
+                              <a:latin typeface="Cambria Math" panose="02040503050406030204" pitchFamily="18" charset="0"/>
+                              <a:cs typeface="+mn-cs"/>
+                            </a:rPr>
+                            <m:t>=1</m:t>
+                          </m:r>
+                        </m:oMath>
+                      </m:oMathPara>
+                    </a14:m>
+                    <a:endParaRPr kumimoji="0" lang="ko-KR" altLang="en-US" sz="1050" b="0" i="0" u="none" strike="noStrike" kern="1200" cap="none" spc="0" normalizeH="0" baseline="0" noProof="0" dirty="0">
+                      <a:ln>
+                        <a:noFill/>
+                      </a:ln>
+                      <a:solidFill>
+                        <a:srgbClr val="0000FF"/>
+                      </a:solidFill>
+                      <a:effectLst/>
+                      <a:uLnTx/>
+                      <a:uFillTx/>
+                      <a:latin typeface="맑은 고딕" panose="020F0502020204030204"/>
+                      <a:ea typeface="맑은 고딕" panose="020B0503020000020004" pitchFamily="50" charset="-127"/>
+                      <a:cs typeface="+mn-cs"/>
+                    </a:endParaRPr>
+                  </a:p>
+                </p:txBody>
+              </p:sp>
+            </mc:Choice>
+            <mc:Fallback>
+              <p:sp>
+                <p:nvSpPr>
+                  <p:cNvPr id="56" name="TextBox 55">
+                    <a:extLst>
+                      <a:ext uri="{FF2B5EF4-FFF2-40B4-BE49-F238E27FC236}">
+                        <a16:creationId xmlns:a16="http://schemas.microsoft.com/office/drawing/2014/main" id="{55F7CE47-D4E8-B13C-30F8-4DCB03CD3002}"/>
+                      </a:ext>
+                    </a:extLst>
+                  </p:cNvPr>
+                  <p:cNvSpPr txBox="1">
+                    <a:spLocks noRot="1" noChangeAspect="1" noMove="1" noResize="1" noEditPoints="1" noAdjustHandles="1" noChangeArrowheads="1" noChangeShapeType="1" noTextEdit="1"/>
+                  </p:cNvSpPr>
+                  <p:nvPr/>
+                </p:nvSpPr>
+                <p:spPr>
+                  <a:xfrm>
+                    <a:off x="2985772" y="2879165"/>
+                    <a:ext cx="376898" cy="161583"/>
+                  </a:xfrm>
+                  <a:prstGeom prst="rect">
+                    <a:avLst/>
+                  </a:prstGeom>
+                  <a:blipFill>
+                    <a:blip r:embed="rId17"/>
+                    <a:stretch>
+                      <a:fillRect l="-11475" r="-6557" b="-37037"/>
+                    </a:stretch>
+                  </a:blipFill>
+                </p:spPr>
+                <p:txBody>
+                  <a:bodyPr/>
+                  <a:lstStyle/>
+                  <a:p>
+                    <a:r>
+                      <a:rPr lang="ko-KR" altLang="en-US">
+                        <a:noFill/>
+                      </a:rPr>
+                      <a:t> </a:t>
+                    </a:r>
+                  </a:p>
+                </p:txBody>
+              </p:sp>
+            </mc:Fallback>
+          </mc:AlternateContent>
+          <mc:AlternateContent xmlns:mc="http://schemas.openxmlformats.org/markup-compatibility/2006">
+            <mc:Choice xmlns:a14="http://schemas.microsoft.com/office/drawing/2010/main" Requires="a14">
+              <p:sp>
+                <p:nvSpPr>
+                  <p:cNvPr id="57" name="TextBox 56">
+                    <a:extLst>
+                      <a:ext uri="{FF2B5EF4-FFF2-40B4-BE49-F238E27FC236}">
+                        <a16:creationId xmlns:a16="http://schemas.microsoft.com/office/drawing/2014/main" id="{A81FDAEC-15C8-A1FD-C2C0-2197FE3642AA}"/>
+                      </a:ext>
+                    </a:extLst>
+                  </p:cNvPr>
+                  <p:cNvSpPr txBox="1"/>
+                  <p:nvPr/>
+                </p:nvSpPr>
+                <p:spPr>
+                  <a:xfrm>
+                    <a:off x="3223535" y="1632581"/>
+                    <a:ext cx="125804" cy="161583"/>
+                  </a:xfrm>
+                  <a:prstGeom prst="rect">
+                    <a:avLst/>
+                  </a:prstGeom>
+                  <a:noFill/>
+                </p:spPr>
+                <p:txBody>
+                  <a:bodyPr wrap="none" lIns="0" tIns="0" rIns="0" bIns="0" rtlCol="0">
+                    <a:spAutoFit/>
+                  </a:bodyPr>
+                  <a:lstStyle/>
+                  <a:p>
+                    <a:pPr marL="0" marR="0" lvl="0" indent="0" algn="l" defTabSz="914400" rtl="0" eaLnBrk="1" fontAlgn="auto" latinLnBrk="1" hangingPunct="1">
+                      <a:lnSpc>
+                        <a:spcPct val="100000"/>
+                      </a:lnSpc>
+                      <a:spcBef>
+                        <a:spcPts val="0"/>
+                      </a:spcBef>
+                      <a:spcAft>
+                        <a:spcPts val="0"/>
+                      </a:spcAft>
+                      <a:buClrTx/>
+                      <a:buSzTx/>
+                      <a:buFontTx/>
+                      <a:buNone/>
+                      <a:tabLst/>
+                      <a:defRPr/>
+                    </a:pPr>
+                    <a14:m>
+                      <m:oMathPara xmlns:m="http://schemas.openxmlformats.org/officeDocument/2006/math">
+                        <m:oMathParaPr>
+                          <m:jc m:val="centerGroup"/>
+                        </m:oMathParaPr>
+                        <m:oMath xmlns:m="http://schemas.openxmlformats.org/officeDocument/2006/math">
+                          <m:r>
+                            <a:rPr kumimoji="0" lang="en-US" altLang="ko-KR" sz="1050" b="0" i="1" u="none" strike="noStrike" kern="1200" cap="none" spc="0" normalizeH="0" baseline="0" noProof="0" smtClean="0">
+                              <a:ln>
+                                <a:noFill/>
+                              </a:ln>
+                              <a:solidFill>
+                                <a:srgbClr val="0000FF"/>
+                              </a:solidFill>
+                              <a:effectLst/>
+                              <a:uLnTx/>
+                              <a:uFillTx/>
+                              <a:latin typeface="Cambria Math" panose="02040503050406030204" pitchFamily="18" charset="0"/>
+                              <a:cs typeface="+mn-cs"/>
+                            </a:rPr>
+                            <m:t>𝑓</m:t>
+                          </m:r>
+                        </m:oMath>
+                      </m:oMathPara>
+                    </a14:m>
+                    <a:endParaRPr kumimoji="0" lang="ko-KR" altLang="en-US" sz="1050" b="0" i="0" u="none" strike="noStrike" kern="1200" cap="none" spc="0" normalizeH="0" baseline="0" noProof="0" dirty="0">
+                      <a:ln>
+                        <a:noFill/>
+                      </a:ln>
+                      <a:solidFill>
+                        <a:srgbClr val="0000FF"/>
+                      </a:solidFill>
+                      <a:effectLst/>
+                      <a:uLnTx/>
+                      <a:uFillTx/>
+                      <a:latin typeface="맑은 고딕" panose="020F0502020204030204"/>
+                      <a:ea typeface="맑은 고딕" panose="020B0503020000020004" pitchFamily="50" charset="-127"/>
+                      <a:cs typeface="+mn-cs"/>
+                    </a:endParaRPr>
+                  </a:p>
+                </p:txBody>
+              </p:sp>
+            </mc:Choice>
+            <mc:Fallback>
+              <p:sp>
+                <p:nvSpPr>
+                  <p:cNvPr id="57" name="TextBox 56">
+                    <a:extLst>
+                      <a:ext uri="{FF2B5EF4-FFF2-40B4-BE49-F238E27FC236}">
+                        <a16:creationId xmlns:a16="http://schemas.microsoft.com/office/drawing/2014/main" id="{A81FDAEC-15C8-A1FD-C2C0-2197FE3642AA}"/>
+                      </a:ext>
+                    </a:extLst>
+                  </p:cNvPr>
+                  <p:cNvSpPr txBox="1">
+                    <a:spLocks noRot="1" noChangeAspect="1" noMove="1" noResize="1" noEditPoints="1" noAdjustHandles="1" noChangeArrowheads="1" noChangeShapeType="1" noTextEdit="1"/>
+                  </p:cNvSpPr>
+                  <p:nvPr/>
+                </p:nvSpPr>
+                <p:spPr>
+                  <a:xfrm>
+                    <a:off x="3223535" y="1632581"/>
+                    <a:ext cx="125804" cy="161583"/>
+                  </a:xfrm>
+                  <a:prstGeom prst="rect">
+                    <a:avLst/>
+                  </a:prstGeom>
+                  <a:blipFill>
+                    <a:blip r:embed="rId18"/>
+                    <a:stretch>
+                      <a:fillRect l="-35000" t="-3846" r="-35000" b="-42308"/>
+                    </a:stretch>
+                  </a:blipFill>
+                </p:spPr>
+                <p:txBody>
+                  <a:bodyPr/>
+                  <a:lstStyle/>
+                  <a:p>
+                    <a:r>
+                      <a:rPr lang="ko-KR" altLang="en-US">
+                        <a:noFill/>
+                      </a:rPr>
+                      <a:t> </a:t>
+                    </a:r>
+                  </a:p>
+                </p:txBody>
+              </p:sp>
+            </mc:Fallback>
+          </mc:AlternateContent>
+          <p:sp>
+            <p:nvSpPr>
+              <p:cNvPr id="58" name="오른쪽 중괄호 57">
+                <a:extLst>
+                  <a:ext uri="{FF2B5EF4-FFF2-40B4-BE49-F238E27FC236}">
+                    <a16:creationId xmlns:a16="http://schemas.microsoft.com/office/drawing/2014/main" id="{D3A90F7C-4CA0-0C2B-D95A-26B035EE4AFC}"/>
+                  </a:ext>
+                </a:extLst>
+              </p:cNvPr>
+              <p:cNvSpPr/>
+              <p:nvPr/>
+            </p:nvSpPr>
+            <p:spPr>
+              <a:xfrm rot="13938779">
+                <a:off x="3270712" y="-183118"/>
+                <a:ext cx="363014" cy="4219195"/>
+              </a:xfrm>
+              <a:prstGeom prst="rightBrace">
+                <a:avLst>
+                  <a:gd name="adj1" fmla="val 8333"/>
+                  <a:gd name="adj2" fmla="val 49827"/>
+                </a:avLst>
+              </a:prstGeom>
+              <a:ln>
+                <a:solidFill>
+                  <a:srgbClr val="0000FF"/>
+                </a:solidFill>
+              </a:ln>
+            </p:spPr>
+            <p:style>
+              <a:lnRef idx="1">
+                <a:schemeClr val="accent1"/>
+              </a:lnRef>
+              <a:fillRef idx="0">
+                <a:schemeClr val="accent1"/>
+              </a:fillRef>
+              <a:effectRef idx="0">
+                <a:schemeClr val="accent1"/>
+              </a:effectRef>
+              <a:fontRef idx="minor">
+                <a:schemeClr val="tx1"/>
+              </a:fontRef>
+            </p:style>
+            <p:txBody>
+              <a:bodyPr rtlCol="0" anchor="ctr"/>
+              <a:lstStyle/>
+              <a:p>
+                <a:pPr algn="ctr"/>
+                <a:endParaRPr lang="ko-KR" altLang="en-US"/>
+              </a:p>
+            </p:txBody>
+          </p:sp>
+        </p:grpSp>
+      </p:grpSp>
+    </p:spTree>
+    <p:extLst>
+      <p:ext uri="{BB962C8B-B14F-4D97-AF65-F5344CB8AC3E}">
+        <p14:creationId xmlns:p14="http://schemas.microsoft.com/office/powerpoint/2010/main" val="2095846757"/>
       </p:ext>
     </p:extLst>
   </p:cSld>
@@ -24046,4 +29410,299 @@
     </a:ext>
   </a:extLst>
 </a:theme>
+</file>
+
+<file path=ppt/theme/theme2.xml><?xml version="1.0" encoding="utf-8"?>
+<a:theme xmlns:a="http://schemas.openxmlformats.org/drawingml/2006/main" name="Office 테마">
+  <a:themeElements>
+    <a:clrScheme name="Office">
+      <a:dk1>
+        <a:sysClr val="windowText" lastClr="000000"/>
+      </a:dk1>
+      <a:lt1>
+        <a:sysClr val="window" lastClr="FFFFFF"/>
+      </a:lt1>
+      <a:dk2>
+        <a:srgbClr val="44546A"/>
+      </a:dk2>
+      <a:lt2>
+        <a:srgbClr val="E7E6E6"/>
+      </a:lt2>
+      <a:accent1>
+        <a:srgbClr val="4472C4"/>
+      </a:accent1>
+      <a:accent2>
+        <a:srgbClr val="ED7D31"/>
+      </a:accent2>
+      <a:accent3>
+        <a:srgbClr val="A5A5A5"/>
+      </a:accent3>
+      <a:accent4>
+        <a:srgbClr val="FFC000"/>
+      </a:accent4>
+      <a:accent5>
+        <a:srgbClr val="5B9BD5"/>
+      </a:accent5>
+      <a:accent6>
+        <a:srgbClr val="70AD47"/>
+      </a:accent6>
+      <a:hlink>
+        <a:srgbClr val="0563C1"/>
+      </a:hlink>
+      <a:folHlink>
+        <a:srgbClr val="954F72"/>
+      </a:folHlink>
+    </a:clrScheme>
+    <a:fontScheme name="Office">
+      <a:majorFont>
+        <a:latin typeface="맑은 고딕" panose="020F0302020204030204"/>
+        <a:ea typeface=""/>
+        <a:cs typeface=""/>
+        <a:font script="Jpan" typeface="游ゴシック Light"/>
+        <a:font script="Hang" typeface="맑은 고딕"/>
+        <a:font script="Hans" typeface="等线 Light"/>
+        <a:font script="Hant" typeface="新細明體"/>
+        <a:font script="Arab" typeface="Times New Roman"/>
+        <a:font script="Hebr" typeface="Times New Roman"/>
+        <a:font script="Thai" typeface="Angsana New"/>
+        <a:font script="Ethi" typeface="Nyala"/>
+        <a:font script="Beng" typeface="Vrinda"/>
+        <a:font script="Gujr" typeface="Shruti"/>
+        <a:font script="Khmr" typeface="MoolBoran"/>
+        <a:font script="Knda" typeface="Tunga"/>
+        <a:font script="Guru" typeface="Raavi"/>
+        <a:font script="Cans" typeface="Euphemia"/>
+        <a:font script="Cher" typeface="Plantagenet Cherokee"/>
+        <a:font script="Yiii" typeface="Microsoft Yi Baiti"/>
+        <a:font script="Tibt" typeface="Microsoft Himalaya"/>
+        <a:font script="Thaa" typeface="MV Boli"/>
+        <a:font script="Deva" typeface="Mangal"/>
+        <a:font script="Telu" typeface="Gautami"/>
+        <a:font script="Taml" typeface="Latha"/>
+        <a:font script="Syrc" typeface="Estrangelo Edessa"/>
+        <a:font script="Orya" typeface="Kalinga"/>
+        <a:font script="Mlym" typeface="Kartika"/>
+        <a:font script="Laoo" typeface="DokChampa"/>
+        <a:font script="Sinh" typeface="Iskoola Pota"/>
+        <a:font script="Mong" typeface="Mongolian Baiti"/>
+        <a:font script="Viet" typeface="Times New Roman"/>
+        <a:font script="Uigh" typeface="Microsoft Uighur"/>
+        <a:font script="Geor" typeface="Sylfaen"/>
+        <a:font script="Armn" typeface="Arial"/>
+        <a:font script="Bugi" typeface="Leelawadee UI"/>
+        <a:font script="Bopo" typeface="Microsoft JhengHei"/>
+        <a:font script="Java" typeface="Javanese Text"/>
+        <a:font script="Lisu" typeface="Segoe UI"/>
+        <a:font script="Mymr" typeface="Myanmar Text"/>
+        <a:font script="Nkoo" typeface="Ebrima"/>
+        <a:font script="Olck" typeface="Nirmala UI"/>
+        <a:font script="Osma" typeface="Ebrima"/>
+        <a:font script="Phag" typeface="Phagspa"/>
+        <a:font script="Syrn" typeface="Estrangelo Edessa"/>
+        <a:font script="Syrj" typeface="Estrangelo Edessa"/>
+        <a:font script="Syre" typeface="Estrangelo Edessa"/>
+        <a:font script="Sora" typeface="Nirmala UI"/>
+        <a:font script="Tale" typeface="Microsoft Tai Le"/>
+        <a:font script="Talu" typeface="Microsoft New Tai Lue"/>
+        <a:font script="Tfng" typeface="Ebrima"/>
+      </a:majorFont>
+      <a:minorFont>
+        <a:latin typeface="맑은 고딕" panose="020F0502020204030204"/>
+        <a:ea typeface=""/>
+        <a:cs typeface=""/>
+        <a:font script="Jpan" typeface="游ゴシック"/>
+        <a:font script="Hang" typeface="맑은 고딕"/>
+        <a:font script="Hans" typeface="等线"/>
+        <a:font script="Hant" typeface="新細明體"/>
+        <a:font script="Arab" typeface="Arial"/>
+        <a:font script="Hebr" typeface="Arial"/>
+        <a:font script="Thai" typeface="Cordia New"/>
+        <a:font script="Ethi" typeface="Nyala"/>
+        <a:font script="Beng" typeface="Vrinda"/>
+        <a:font script="Gujr" typeface="Shruti"/>
+        <a:font script="Khmr" typeface="DaunPenh"/>
+        <a:font script="Knda" typeface="Tunga"/>
+        <a:font script="Guru" typeface="Raavi"/>
+        <a:font script="Cans" typeface="Euphemia"/>
+        <a:font script="Cher" typeface="Plantagenet Cherokee"/>
+        <a:font script="Yiii" typeface="Microsoft Yi Baiti"/>
+        <a:font script="Tibt" typeface="Microsoft Himalaya"/>
+        <a:font script="Thaa" typeface="MV Boli"/>
+        <a:font script="Deva" typeface="Mangal"/>
+        <a:font script="Telu" typeface="Gautami"/>
+        <a:font script="Taml" typeface="Latha"/>
+        <a:font script="Syrc" typeface="Estrangelo Edessa"/>
+        <a:font script="Orya" typeface="Kalinga"/>
+        <a:font script="Mlym" typeface="Kartika"/>
+        <a:font script="Laoo" typeface="DokChampa"/>
+        <a:font script="Sinh" typeface="Iskoola Pota"/>
+        <a:font script="Mong" typeface="Mongolian Baiti"/>
+        <a:font script="Viet" typeface="Arial"/>
+        <a:font script="Uigh" typeface="Microsoft Uighur"/>
+        <a:font script="Geor" typeface="Sylfaen"/>
+        <a:font script="Armn" typeface="Arial"/>
+        <a:font script="Bugi" typeface="Leelawadee UI"/>
+        <a:font script="Bopo" typeface="Microsoft JhengHei"/>
+        <a:font script="Java" typeface="Javanese Text"/>
+        <a:font script="Lisu" typeface="Segoe UI"/>
+        <a:font script="Mymr" typeface="Myanmar Text"/>
+        <a:font script="Nkoo" typeface="Ebrima"/>
+        <a:font script="Olck" typeface="Nirmala UI"/>
+        <a:font script="Osma" typeface="Ebrima"/>
+        <a:font script="Phag" typeface="Phagspa"/>
+        <a:font script="Syrn" typeface="Estrangelo Edessa"/>
+        <a:font script="Syrj" typeface="Estrangelo Edessa"/>
+        <a:font script="Syre" typeface="Estrangelo Edessa"/>
+        <a:font script="Sora" typeface="Nirmala UI"/>
+        <a:font script="Tale" typeface="Microsoft Tai Le"/>
+        <a:font script="Talu" typeface="Microsoft New Tai Lue"/>
+        <a:font script="Tfng" typeface="Ebrima"/>
+      </a:minorFont>
+    </a:fontScheme>
+    <a:fmtScheme name="Office">
+      <a:fillStyleLst>
+        <a:solidFill>
+          <a:schemeClr val="phClr"/>
+        </a:solidFill>
+        <a:gradFill rotWithShape="1">
+          <a:gsLst>
+            <a:gs pos="0">
+              <a:schemeClr val="phClr">
+                <a:lumMod val="110000"/>
+                <a:satMod val="105000"/>
+                <a:tint val="67000"/>
+              </a:schemeClr>
+            </a:gs>
+            <a:gs pos="50000">
+              <a:schemeClr val="phClr">
+                <a:lumMod val="105000"/>
+                <a:satMod val="103000"/>
+                <a:tint val="73000"/>
+              </a:schemeClr>
+            </a:gs>
+            <a:gs pos="100000">
+              <a:schemeClr val="phClr">
+                <a:lumMod val="105000"/>
+                <a:satMod val="109000"/>
+                <a:tint val="81000"/>
+              </a:schemeClr>
+            </a:gs>
+          </a:gsLst>
+          <a:lin ang="5400000" scaled="0"/>
+        </a:gradFill>
+        <a:gradFill rotWithShape="1">
+          <a:gsLst>
+            <a:gs pos="0">
+              <a:schemeClr val="phClr">
+                <a:satMod val="103000"/>
+                <a:lumMod val="102000"/>
+                <a:tint val="94000"/>
+              </a:schemeClr>
+            </a:gs>
+            <a:gs pos="50000">
+              <a:schemeClr val="phClr">
+                <a:satMod val="110000"/>
+                <a:lumMod val="100000"/>
+                <a:shade val="100000"/>
+              </a:schemeClr>
+            </a:gs>
+            <a:gs pos="100000">
+              <a:schemeClr val="phClr">
+                <a:lumMod val="99000"/>
+                <a:satMod val="120000"/>
+                <a:shade val="78000"/>
+              </a:schemeClr>
+            </a:gs>
+          </a:gsLst>
+          <a:lin ang="5400000" scaled="0"/>
+        </a:gradFill>
+      </a:fillStyleLst>
+      <a:lnStyleLst>
+        <a:ln w="6350" cap="flat" cmpd="sng" algn="ctr">
+          <a:solidFill>
+            <a:schemeClr val="phClr"/>
+          </a:solidFill>
+          <a:prstDash val="solid"/>
+          <a:miter lim="800000"/>
+        </a:ln>
+        <a:ln w="12700" cap="flat" cmpd="sng" algn="ctr">
+          <a:solidFill>
+            <a:schemeClr val="phClr"/>
+          </a:solidFill>
+          <a:prstDash val="solid"/>
+          <a:miter lim="800000"/>
+        </a:ln>
+        <a:ln w="19050" cap="flat" cmpd="sng" algn="ctr">
+          <a:solidFill>
+            <a:schemeClr val="phClr"/>
+          </a:solidFill>
+          <a:prstDash val="solid"/>
+          <a:miter lim="800000"/>
+        </a:ln>
+      </a:lnStyleLst>
+      <a:effectStyleLst>
+        <a:effectStyle>
+          <a:effectLst/>
+        </a:effectStyle>
+        <a:effectStyle>
+          <a:effectLst/>
+        </a:effectStyle>
+        <a:effectStyle>
+          <a:effectLst>
+            <a:outerShdw blurRad="57150" dist="19050" dir="5400000" algn="ctr" rotWithShape="0">
+              <a:srgbClr val="000000">
+                <a:alpha val="63000"/>
+              </a:srgbClr>
+            </a:outerShdw>
+          </a:effectLst>
+        </a:effectStyle>
+      </a:effectStyleLst>
+      <a:bgFillStyleLst>
+        <a:solidFill>
+          <a:schemeClr val="phClr"/>
+        </a:solidFill>
+        <a:solidFill>
+          <a:schemeClr val="phClr">
+            <a:tint val="95000"/>
+            <a:satMod val="170000"/>
+          </a:schemeClr>
+        </a:solidFill>
+        <a:gradFill rotWithShape="1">
+          <a:gsLst>
+            <a:gs pos="0">
+              <a:schemeClr val="phClr">
+                <a:tint val="93000"/>
+                <a:satMod val="150000"/>
+                <a:shade val="98000"/>
+                <a:lumMod val="102000"/>
+              </a:schemeClr>
+            </a:gs>
+            <a:gs pos="50000">
+              <a:schemeClr val="phClr">
+                <a:tint val="98000"/>
+                <a:satMod val="130000"/>
+                <a:shade val="90000"/>
+                <a:lumMod val="103000"/>
+              </a:schemeClr>
+            </a:gs>
+            <a:gs pos="100000">
+              <a:schemeClr val="phClr">
+                <a:shade val="63000"/>
+                <a:satMod val="120000"/>
+              </a:schemeClr>
+            </a:gs>
+          </a:gsLst>
+          <a:lin ang="5400000" scaled="0"/>
+        </a:gradFill>
+      </a:bgFillStyleLst>
+    </a:fmtScheme>
+  </a:themeElements>
+  <a:objectDefaults/>
+  <a:extraClrSchemeLst/>
+  <a:extLst>
+    <a:ext uri="{05A4C25C-085E-4340-85A3-A5531E510DB2}">
+      <thm15:themeFamily xmlns:thm15="http://schemas.microsoft.com/office/thememl/2012/main" name="Office Theme" id="{62F939B6-93AF-4DB8-9C6B-D6C7DFDC589F}" vid="{4A3C46E8-61CC-4603-A589-7422A47A8E4A}"/>
+    </a:ext>
+  </a:extLst>
+</a:theme>
 </file>
--- a/assets/img/vision/concept/calibration/calibration.pptx
+++ b/assets/img/vision/concept/calibration/calibration.pptx
@@ -5,7 +5,7 @@
     <p:sldMasterId id="2147483648" r:id="rId1"/>
   </p:sldMasterIdLst>
   <p:notesMasterIdLst>
-    <p:notesMasterId r:id="rId9"/>
+    <p:notesMasterId r:id="rId10"/>
   </p:notesMasterIdLst>
   <p:sldIdLst>
     <p:sldId id="276" r:id="rId2"/>
@@ -15,6 +15,7 @@
     <p:sldId id="280" r:id="rId6"/>
     <p:sldId id="256" r:id="rId7"/>
     <p:sldId id="281" r:id="rId8"/>
+    <p:sldId id="282" r:id="rId9"/>
   </p:sldIdLst>
   <p:sldSz cx="12192000" cy="6858000"/>
   <p:notesSz cx="6858000" cy="9144000"/>
@@ -224,7 +225,7 @@
           <a:p>
             <a:fld id="{A1A29041-9778-454B-A135-55BF0A67CC13}" type="datetimeFigureOut">
               <a:rPr lang="ko-KR" altLang="en-US" smtClean="0"/>
-              <a:t>2023-08-14</a:t>
+              <a:t>2024-07-28</a:t>
             </a:fld>
             <a:endParaRPr lang="ko-KR" altLang="en-US"/>
           </a:p>
@@ -722,7 +723,7 @@
           <a:p>
             <a:fld id="{D91F2FA3-6A4B-4A98-A624-31A8BDB83614}" type="datetimeFigureOut">
               <a:rPr lang="ko-KR" altLang="en-US" smtClean="0"/>
-              <a:t>2023-08-14</a:t>
+              <a:t>2024-07-28</a:t>
             </a:fld>
             <a:endParaRPr lang="ko-KR" altLang="en-US"/>
           </a:p>
@@ -920,7 +921,7 @@
           <a:p>
             <a:fld id="{D91F2FA3-6A4B-4A98-A624-31A8BDB83614}" type="datetimeFigureOut">
               <a:rPr lang="ko-KR" altLang="en-US" smtClean="0"/>
-              <a:t>2023-08-14</a:t>
+              <a:t>2024-07-28</a:t>
             </a:fld>
             <a:endParaRPr lang="ko-KR" altLang="en-US"/>
           </a:p>
@@ -1128,7 +1129,7 @@
           <a:p>
             <a:fld id="{D91F2FA3-6A4B-4A98-A624-31A8BDB83614}" type="datetimeFigureOut">
               <a:rPr lang="ko-KR" altLang="en-US" smtClean="0"/>
-              <a:t>2023-08-14</a:t>
+              <a:t>2024-07-28</a:t>
             </a:fld>
             <a:endParaRPr lang="ko-KR" altLang="en-US"/>
           </a:p>
@@ -1326,7 +1327,7 @@
           <a:p>
             <a:fld id="{D91F2FA3-6A4B-4A98-A624-31A8BDB83614}" type="datetimeFigureOut">
               <a:rPr lang="ko-KR" altLang="en-US" smtClean="0"/>
-              <a:t>2023-08-14</a:t>
+              <a:t>2024-07-28</a:t>
             </a:fld>
             <a:endParaRPr lang="ko-KR" altLang="en-US"/>
           </a:p>
@@ -1601,7 +1602,7 @@
           <a:p>
             <a:fld id="{D91F2FA3-6A4B-4A98-A624-31A8BDB83614}" type="datetimeFigureOut">
               <a:rPr lang="ko-KR" altLang="en-US" smtClean="0"/>
-              <a:t>2023-08-14</a:t>
+              <a:t>2024-07-28</a:t>
             </a:fld>
             <a:endParaRPr lang="ko-KR" altLang="en-US"/>
           </a:p>
@@ -1866,7 +1867,7 @@
           <a:p>
             <a:fld id="{D91F2FA3-6A4B-4A98-A624-31A8BDB83614}" type="datetimeFigureOut">
               <a:rPr lang="ko-KR" altLang="en-US" smtClean="0"/>
-              <a:t>2023-08-14</a:t>
+              <a:t>2024-07-28</a:t>
             </a:fld>
             <a:endParaRPr lang="ko-KR" altLang="en-US"/>
           </a:p>
@@ -2278,7 +2279,7 @@
           <a:p>
             <a:fld id="{D91F2FA3-6A4B-4A98-A624-31A8BDB83614}" type="datetimeFigureOut">
               <a:rPr lang="ko-KR" altLang="en-US" smtClean="0"/>
-              <a:t>2023-08-14</a:t>
+              <a:t>2024-07-28</a:t>
             </a:fld>
             <a:endParaRPr lang="ko-KR" altLang="en-US"/>
           </a:p>
@@ -2419,7 +2420,7 @@
           <a:p>
             <a:fld id="{D91F2FA3-6A4B-4A98-A624-31A8BDB83614}" type="datetimeFigureOut">
               <a:rPr lang="ko-KR" altLang="en-US" smtClean="0"/>
-              <a:t>2023-08-14</a:t>
+              <a:t>2024-07-28</a:t>
             </a:fld>
             <a:endParaRPr lang="ko-KR" altLang="en-US"/>
           </a:p>
@@ -2532,7 +2533,7 @@
           <a:p>
             <a:fld id="{D91F2FA3-6A4B-4A98-A624-31A8BDB83614}" type="datetimeFigureOut">
               <a:rPr lang="ko-KR" altLang="en-US" smtClean="0"/>
-              <a:t>2023-08-14</a:t>
+              <a:t>2024-07-28</a:t>
             </a:fld>
             <a:endParaRPr lang="ko-KR" altLang="en-US"/>
           </a:p>
@@ -2843,7 +2844,7 @@
           <a:p>
             <a:fld id="{D91F2FA3-6A4B-4A98-A624-31A8BDB83614}" type="datetimeFigureOut">
               <a:rPr lang="ko-KR" altLang="en-US" smtClean="0"/>
-              <a:t>2023-08-14</a:t>
+              <a:t>2024-07-28</a:t>
             </a:fld>
             <a:endParaRPr lang="ko-KR" altLang="en-US"/>
           </a:p>
@@ -3131,7 +3132,7 @@
           <a:p>
             <a:fld id="{D91F2FA3-6A4B-4A98-A624-31A8BDB83614}" type="datetimeFigureOut">
               <a:rPr lang="ko-KR" altLang="en-US" smtClean="0"/>
-              <a:t>2023-08-14</a:t>
+              <a:t>2024-07-28</a:t>
             </a:fld>
             <a:endParaRPr lang="ko-KR" altLang="en-US"/>
           </a:p>
@@ -3372,7 +3373,7 @@
           <a:p>
             <a:fld id="{D91F2FA3-6A4B-4A98-A624-31A8BDB83614}" type="datetimeFigureOut">
               <a:rPr lang="ko-KR" altLang="en-US" smtClean="0"/>
-              <a:t>2023-08-14</a:t>
+              <a:t>2024-07-28</a:t>
             </a:fld>
             <a:endParaRPr lang="ko-KR" altLang="en-US"/>
           </a:p>
@@ -24249,8 +24250,8 @@
               <a:chExt cx="1567609" cy="2175538"/>
             </a:xfrm>
           </p:grpSpPr>
-          <mc:AlternateContent xmlns:mc="http://schemas.openxmlformats.org/markup-compatibility/2006">
-            <mc:Choice xmlns:a14="http://schemas.microsoft.com/office/drawing/2010/main" Requires="a14">
+          <mc:AlternateContent xmlns:mc="http://schemas.openxmlformats.org/markup-compatibility/2006" xmlns:a14="http://schemas.microsoft.com/office/drawing/2010/main">
+            <mc:Choice Requires="a14">
               <p:sp>
                 <p:nvSpPr>
                   <p:cNvPr id="7" name="TextBox 6">
@@ -24474,7 +24475,7 @@
                 </p:txBody>
               </p:sp>
             </mc:Choice>
-            <mc:Fallback>
+            <mc:Fallback xmlns="">
               <p:sp>
                 <p:nvSpPr>
                   <p:cNvPr id="7" name="TextBox 6">
@@ -24519,8 +24520,8 @@
               </p:sp>
             </mc:Fallback>
           </mc:AlternateContent>
-          <mc:AlternateContent xmlns:mc="http://schemas.openxmlformats.org/markup-compatibility/2006">
-            <mc:Choice xmlns:a14="http://schemas.microsoft.com/office/drawing/2010/main" Requires="a14">
+          <mc:AlternateContent xmlns:mc="http://schemas.openxmlformats.org/markup-compatibility/2006" xmlns:a14="http://schemas.microsoft.com/office/drawing/2010/main">
+            <mc:Choice Requires="a14">
               <p:sp>
                 <p:nvSpPr>
                   <p:cNvPr id="52" name="TextBox 51">
@@ -24744,7 +24745,7 @@
                 </p:txBody>
               </p:sp>
             </mc:Choice>
-            <mc:Fallback>
+            <mc:Fallback xmlns="">
               <p:sp>
                 <p:nvSpPr>
                   <p:cNvPr id="52" name="TextBox 51">
@@ -24789,8 +24790,8 @@
               </p:sp>
             </mc:Fallback>
           </mc:AlternateContent>
-          <mc:AlternateContent xmlns:mc="http://schemas.openxmlformats.org/markup-compatibility/2006">
-            <mc:Choice xmlns:a14="http://schemas.microsoft.com/office/drawing/2010/main" Requires="a14">
+          <mc:AlternateContent xmlns:mc="http://schemas.openxmlformats.org/markup-compatibility/2006" xmlns:a14="http://schemas.microsoft.com/office/drawing/2010/main">
+            <mc:Choice Requires="a14">
               <p:sp>
                 <p:nvSpPr>
                   <p:cNvPr id="53" name="TextBox 52">
@@ -25028,7 +25029,7 @@
                 </p:txBody>
               </p:sp>
             </mc:Choice>
-            <mc:Fallback>
+            <mc:Fallback xmlns="">
               <p:sp>
                 <p:nvSpPr>
                   <p:cNvPr id="53" name="TextBox 52">
@@ -25073,8 +25074,8 @@
               </p:sp>
             </mc:Fallback>
           </mc:AlternateContent>
-          <mc:AlternateContent xmlns:mc="http://schemas.openxmlformats.org/markup-compatibility/2006">
-            <mc:Choice xmlns:a14="http://schemas.microsoft.com/office/drawing/2010/main" Requires="a14">
+          <mc:AlternateContent xmlns:mc="http://schemas.openxmlformats.org/markup-compatibility/2006" xmlns:a14="http://schemas.microsoft.com/office/drawing/2010/main">
+            <mc:Choice Requires="a14">
               <p:sp>
                 <p:nvSpPr>
                   <p:cNvPr id="54" name="TextBox 53">
@@ -25312,7 +25313,7 @@
                 </p:txBody>
               </p:sp>
             </mc:Choice>
-            <mc:Fallback>
+            <mc:Fallback xmlns="">
               <p:sp>
                 <p:nvSpPr>
                   <p:cNvPr id="54" name="TextBox 53">
@@ -26316,8 +26317,8 @@
                 </a:p>
               </p:txBody>
             </p:sp>
-            <mc:AlternateContent xmlns:mc="http://schemas.openxmlformats.org/markup-compatibility/2006">
-              <mc:Choice xmlns:a14="http://schemas.microsoft.com/office/drawing/2010/main" Requires="a14">
+            <mc:AlternateContent xmlns:mc="http://schemas.openxmlformats.org/markup-compatibility/2006" xmlns:a14="http://schemas.microsoft.com/office/drawing/2010/main">
+              <mc:Choice Requires="a14">
                 <p:sp>
                   <p:nvSpPr>
                     <p:cNvPr id="20" name="TextBox 19">
@@ -26674,7 +26675,7 @@
                   </p:txBody>
                 </p:sp>
               </mc:Choice>
-              <mc:Fallback>
+              <mc:Fallback xmlns="">
                 <p:sp>
                   <p:nvSpPr>
                     <p:cNvPr id="20" name="TextBox 19">
@@ -27525,8 +27526,8 @@
                 </a:p>
               </p:txBody>
             </p:sp>
-            <mc:AlternateContent xmlns:mc="http://schemas.openxmlformats.org/markup-compatibility/2006">
-              <mc:Choice xmlns:a14="http://schemas.microsoft.com/office/drawing/2010/main" Requires="a14">
+            <mc:AlternateContent xmlns:mc="http://schemas.openxmlformats.org/markup-compatibility/2006" xmlns:a14="http://schemas.microsoft.com/office/drawing/2010/main">
+              <mc:Choice Requires="a14">
                 <p:sp>
                   <p:nvSpPr>
                     <p:cNvPr id="33" name="TextBox 32">
@@ -27657,7 +27658,7 @@
                   </p:txBody>
                 </p:sp>
               </mc:Choice>
-              <mc:Fallback>
+              <mc:Fallback xmlns="">
                 <p:sp>
                   <p:nvSpPr>
                     <p:cNvPr id="33" name="TextBox 32">
@@ -28162,8 +28163,8 @@
                 </p:txBody>
               </p:sp>
             </p:grpSp>
-            <mc:AlternateContent xmlns:mc="http://schemas.openxmlformats.org/markup-compatibility/2006">
-              <mc:Choice xmlns:a14="http://schemas.microsoft.com/office/drawing/2010/main" Requires="a14">
+            <mc:AlternateContent xmlns:mc="http://schemas.openxmlformats.org/markup-compatibility/2006" xmlns:a14="http://schemas.microsoft.com/office/drawing/2010/main">
+              <mc:Choice Requires="a14">
                 <p:sp>
                   <p:nvSpPr>
                     <p:cNvPr id="21" name="TextBox 20">
@@ -28332,7 +28333,7 @@
                   </p:txBody>
                 </p:sp>
               </mc:Choice>
-              <mc:Fallback>
+              <mc:Fallback xmlns="">
                 <p:sp>
                   <p:nvSpPr>
                     <p:cNvPr id="21" name="TextBox 20">
@@ -28764,8 +28765,8 @@
               </a:p>
             </p:txBody>
           </p:sp>
-          <mc:AlternateContent xmlns:mc="http://schemas.openxmlformats.org/markup-compatibility/2006">
-            <mc:Choice xmlns:a14="http://schemas.microsoft.com/office/drawing/2010/main" Requires="a14">
+          <mc:AlternateContent xmlns:mc="http://schemas.openxmlformats.org/markup-compatibility/2006" xmlns:a14="http://schemas.microsoft.com/office/drawing/2010/main">
+            <mc:Choice Requires="a14">
               <p:sp>
                 <p:nvSpPr>
                   <p:cNvPr id="56" name="TextBox 55">
@@ -28870,7 +28871,7 @@
                 </p:txBody>
               </p:sp>
             </mc:Choice>
-            <mc:Fallback>
+            <mc:Fallback xmlns="">
               <p:sp>
                 <p:nvSpPr>
                   <p:cNvPr id="56" name="TextBox 55">
@@ -28915,8 +28916,8 @@
               </p:sp>
             </mc:Fallback>
           </mc:AlternateContent>
-          <mc:AlternateContent xmlns:mc="http://schemas.openxmlformats.org/markup-compatibility/2006">
-            <mc:Choice xmlns:a14="http://schemas.microsoft.com/office/drawing/2010/main" Requires="a14">
+          <mc:AlternateContent xmlns:mc="http://schemas.openxmlformats.org/markup-compatibility/2006" xmlns:a14="http://schemas.microsoft.com/office/drawing/2010/main">
+            <mc:Choice Requires="a14">
               <p:sp>
                 <p:nvSpPr>
                   <p:cNvPr id="57" name="TextBox 56">
@@ -29005,7 +29006,7 @@
                 </p:txBody>
               </p:sp>
             </mc:Choice>
-            <mc:Fallback>
+            <mc:Fallback xmlns="">
               <p:sp>
                 <p:nvSpPr>
                   <p:cNvPr id="57" name="TextBox 56">
@@ -29108,6 +29109,343 @@
     <p:extLst>
       <p:ext uri="{BB962C8B-B14F-4D97-AF65-F5344CB8AC3E}">
         <p14:creationId xmlns:p14="http://schemas.microsoft.com/office/powerpoint/2010/main" val="2095846757"/>
+      </p:ext>
+    </p:extLst>
+  </p:cSld>
+  <p:clrMapOvr>
+    <a:masterClrMapping/>
+  </p:clrMapOvr>
+</p:sld>
+</file>
+
+<file path=ppt/slides/slide8.xml><?xml version="1.0" encoding="utf-8"?>
+<p:sld xmlns:a="http://schemas.openxmlformats.org/drawingml/2006/main" xmlns:r="http://schemas.openxmlformats.org/officeDocument/2006/relationships" xmlns:p="http://schemas.openxmlformats.org/presentationml/2006/main">
+  <p:cSld>
+    <p:spTree>
+      <p:nvGrpSpPr>
+        <p:cNvPr id="1" name=""/>
+        <p:cNvGrpSpPr/>
+        <p:nvPr/>
+      </p:nvGrpSpPr>
+      <p:grpSpPr>
+        <a:xfrm>
+          <a:off x="0" y="0"/>
+          <a:ext cx="0" cy="0"/>
+          <a:chOff x="0" y="0"/>
+          <a:chExt cx="0" cy="0"/>
+        </a:xfrm>
+      </p:grpSpPr>
+      <p:grpSp>
+        <p:nvGrpSpPr>
+          <p:cNvPr id="11" name="그룹 10">
+            <a:extLst>
+              <a:ext uri="{FF2B5EF4-FFF2-40B4-BE49-F238E27FC236}">
+                <a16:creationId xmlns:a16="http://schemas.microsoft.com/office/drawing/2014/main" id="{3EBA4FE4-E8AC-11DD-CE28-1FDA9F7A1449}"/>
+              </a:ext>
+            </a:extLst>
+          </p:cNvPr>
+          <p:cNvGrpSpPr/>
+          <p:nvPr/>
+        </p:nvGrpSpPr>
+        <p:grpSpPr>
+          <a:xfrm>
+            <a:off x="1129043" y="883851"/>
+            <a:ext cx="5456634" cy="4575253"/>
+            <a:chOff x="1129043" y="883851"/>
+            <a:chExt cx="5456634" cy="4575253"/>
+          </a:xfrm>
+        </p:grpSpPr>
+        <p:pic>
+          <p:nvPicPr>
+            <p:cNvPr id="5" name="그림 4" descr="텍스트, 번호, 폰트이(가) 표시된 사진&#10;&#10;자동 생성된 설명">
+              <a:extLst>
+                <a:ext uri="{FF2B5EF4-FFF2-40B4-BE49-F238E27FC236}">
+                  <a16:creationId xmlns:a16="http://schemas.microsoft.com/office/drawing/2014/main" id="{D77C27B8-050B-A98A-3B57-DA7C1FF969A5}"/>
+                </a:ext>
+              </a:extLst>
+            </p:cNvPr>
+            <p:cNvPicPr>
+              <a:picLocks noChangeAspect="1"/>
+            </p:cNvPicPr>
+            <p:nvPr/>
+          </p:nvPicPr>
+          <p:blipFill>
+            <a:blip r:embed="rId2">
+              <a:extLst>
+                <a:ext uri="{28A0092B-C50C-407E-A947-70E740481C1C}">
+                  <a14:useLocalDpi xmlns:a14="http://schemas.microsoft.com/office/drawing/2010/main" val="0"/>
+                </a:ext>
+              </a:extLst>
+            </a:blip>
+            <a:stretch>
+              <a:fillRect/>
+            </a:stretch>
+          </p:blipFill>
+          <p:spPr>
+            <a:xfrm>
+              <a:off x="1129043" y="1199802"/>
+              <a:ext cx="4420217" cy="3953427"/>
+            </a:xfrm>
+            <a:prstGeom prst="rect">
+              <a:avLst/>
+            </a:prstGeom>
+          </p:spPr>
+        </p:pic>
+        <p:sp>
+          <p:nvSpPr>
+            <p:cNvPr id="6" name="직사각형 5">
+              <a:extLst>
+                <a:ext uri="{FF2B5EF4-FFF2-40B4-BE49-F238E27FC236}">
+                  <a16:creationId xmlns:a16="http://schemas.microsoft.com/office/drawing/2014/main" id="{540778B2-AD32-15AF-4AFD-469EA4622519}"/>
+                </a:ext>
+              </a:extLst>
+            </p:cNvPr>
+            <p:cNvSpPr/>
+            <p:nvPr/>
+          </p:nvSpPr>
+          <p:spPr>
+            <a:xfrm>
+              <a:off x="1412543" y="1398896"/>
+              <a:ext cx="2053988" cy="3754333"/>
+            </a:xfrm>
+            <a:prstGeom prst="rect">
+              <a:avLst/>
+            </a:prstGeom>
+            <a:noFill/>
+            <a:ln>
+              <a:solidFill>
+                <a:srgbClr val="FF0000"/>
+              </a:solidFill>
+            </a:ln>
+          </p:spPr>
+          <p:style>
+            <a:lnRef idx="2">
+              <a:schemeClr val="accent1">
+                <a:shade val="15000"/>
+              </a:schemeClr>
+            </a:lnRef>
+            <a:fillRef idx="1">
+              <a:schemeClr val="accent1"/>
+            </a:fillRef>
+            <a:effectRef idx="0">
+              <a:schemeClr val="accent1"/>
+            </a:effectRef>
+            <a:fontRef idx="minor">
+              <a:schemeClr val="lt1"/>
+            </a:fontRef>
+          </p:style>
+          <p:txBody>
+            <a:bodyPr rtlCol="0" anchor="ctr"/>
+            <a:lstStyle/>
+            <a:p>
+              <a:pPr algn="ctr"/>
+              <a:endParaRPr lang="ko-KR" altLang="en-US"/>
+            </a:p>
+          </p:txBody>
+        </p:sp>
+        <p:sp>
+          <p:nvSpPr>
+            <p:cNvPr id="7" name="TextBox 6">
+              <a:extLst>
+                <a:ext uri="{FF2B5EF4-FFF2-40B4-BE49-F238E27FC236}">
+                  <a16:creationId xmlns:a16="http://schemas.microsoft.com/office/drawing/2014/main" id="{7EBEF5C9-C86E-7A25-8327-E83E8264D1BC}"/>
+                </a:ext>
+              </a:extLst>
+            </p:cNvPr>
+            <p:cNvSpPr txBox="1"/>
+            <p:nvPr/>
+          </p:nvSpPr>
+          <p:spPr>
+            <a:xfrm>
+              <a:off x="1344304" y="5182105"/>
+              <a:ext cx="3652218" cy="276999"/>
+            </a:xfrm>
+            <a:prstGeom prst="rect">
+              <a:avLst/>
+            </a:prstGeom>
+            <a:noFill/>
+          </p:spPr>
+          <p:txBody>
+            <a:bodyPr wrap="none" rtlCol="0">
+              <a:spAutoFit/>
+            </a:bodyPr>
+            <a:lstStyle/>
+            <a:p>
+              <a:r>
+                <a:rPr lang="en-US" altLang="ko-KR" sz="1200">
+                  <a:solidFill>
+                    <a:srgbClr val="FF0000"/>
+                  </a:solidFill>
+                  <a:latin typeface="나눔바른고딕" panose="020B0603020101020101" pitchFamily="50" charset="-127"/>
+                  <a:ea typeface="나눔바른고딕" panose="020B0603020101020101" pitchFamily="50" charset="-127"/>
+                </a:rPr>
+                <a:t>manual_checkboard_points_extractor.py</a:t>
+              </a:r>
+              <a:r>
+                <a:rPr lang="ko-KR" altLang="en-US" sz="1200">
+                  <a:solidFill>
+                    <a:srgbClr val="FF0000"/>
+                  </a:solidFill>
+                  <a:latin typeface="나눔바른고딕" panose="020B0603020101020101" pitchFamily="50" charset="-127"/>
+                  <a:ea typeface="나눔바른고딕" panose="020B0603020101020101" pitchFamily="50" charset="-127"/>
+                </a:rPr>
+                <a:t> 로 추출함</a:t>
+              </a:r>
+            </a:p>
+          </p:txBody>
+        </p:sp>
+        <p:sp>
+          <p:nvSpPr>
+            <p:cNvPr id="9" name="TextBox 8">
+              <a:extLst>
+                <a:ext uri="{FF2B5EF4-FFF2-40B4-BE49-F238E27FC236}">
+                  <a16:creationId xmlns:a16="http://schemas.microsoft.com/office/drawing/2014/main" id="{B8DF6F1E-4253-6810-0F67-BF87D991506D}"/>
+                </a:ext>
+              </a:extLst>
+            </p:cNvPr>
+            <p:cNvSpPr txBox="1"/>
+            <p:nvPr/>
+          </p:nvSpPr>
+          <p:spPr>
+            <a:xfrm>
+              <a:off x="2677235" y="883851"/>
+              <a:ext cx="3908442" cy="276999"/>
+            </a:xfrm>
+            <a:prstGeom prst="rect">
+              <a:avLst/>
+            </a:prstGeom>
+            <a:noFill/>
+          </p:spPr>
+          <p:txBody>
+            <a:bodyPr wrap="none" rtlCol="0">
+              <a:spAutoFit/>
+            </a:bodyPr>
+            <a:lstStyle/>
+            <a:p>
+              <a:r>
+                <a:rPr lang="en-US" altLang="ko-KR" sz="1200">
+                  <a:solidFill>
+                    <a:srgbClr val="0000FF"/>
+                  </a:solidFill>
+                  <a:latin typeface="나눔바른고딕" panose="020B0603020101020101" pitchFamily="50" charset="-127"/>
+                  <a:ea typeface="나눔바른고딕" panose="020B0603020101020101" pitchFamily="50" charset="-127"/>
+                </a:rPr>
+                <a:t>X,</a:t>
+              </a:r>
+              <a:r>
+                <a:rPr lang="ko-KR" altLang="en-US" sz="1200">
+                  <a:solidFill>
+                    <a:srgbClr val="0000FF"/>
+                  </a:solidFill>
+                  <a:latin typeface="나눔바른고딕" panose="020B0603020101020101" pitchFamily="50" charset="-127"/>
+                  <a:ea typeface="나눔바른고딕" panose="020B0603020101020101" pitchFamily="50" charset="-127"/>
+                </a:rPr>
+                <a:t> </a:t>
+              </a:r>
+              <a:r>
+                <a:rPr lang="en-US" altLang="ko-KR" sz="1200">
+                  <a:solidFill>
+                    <a:srgbClr val="0000FF"/>
+                  </a:solidFill>
+                  <a:latin typeface="나눔바른고딕" panose="020B0603020101020101" pitchFamily="50" charset="-127"/>
+                  <a:ea typeface="나눔바른고딕" panose="020B0603020101020101" pitchFamily="50" charset="-127"/>
+                </a:rPr>
+                <a:t>Y,</a:t>
+              </a:r>
+              <a:r>
+                <a:rPr lang="ko-KR" altLang="en-US" sz="1200">
+                  <a:solidFill>
+                    <a:srgbClr val="0000FF"/>
+                  </a:solidFill>
+                  <a:latin typeface="나눔바른고딕" panose="020B0603020101020101" pitchFamily="50" charset="-127"/>
+                  <a:ea typeface="나눔바른고딕" panose="020B0603020101020101" pitchFamily="50" charset="-127"/>
+                </a:rPr>
+                <a:t> </a:t>
+              </a:r>
+              <a:r>
+                <a:rPr lang="en-US" altLang="ko-KR" sz="1200">
+                  <a:solidFill>
+                    <a:srgbClr val="0000FF"/>
+                  </a:solidFill>
+                  <a:latin typeface="나눔바른고딕" panose="020B0603020101020101" pitchFamily="50" charset="-127"/>
+                  <a:ea typeface="나눔바른고딕" panose="020B0603020101020101" pitchFamily="50" charset="-127"/>
+                </a:rPr>
+                <a:t>Z</a:t>
+              </a:r>
+              <a:r>
+                <a:rPr lang="ko-KR" altLang="en-US" sz="1200">
+                  <a:solidFill>
+                    <a:srgbClr val="0000FF"/>
+                  </a:solidFill>
+                  <a:latin typeface="나눔바른고딕" panose="020B0603020101020101" pitchFamily="50" charset="-127"/>
+                  <a:ea typeface="나눔바른고딕" panose="020B0603020101020101" pitchFamily="50" charset="-127"/>
+                </a:rPr>
+                <a:t> 는 원점을 기준으로 체커보드 패턴을 이용하여 계산함</a:t>
+              </a:r>
+            </a:p>
+          </p:txBody>
+        </p:sp>
+        <p:sp>
+          <p:nvSpPr>
+            <p:cNvPr id="10" name="직사각형 9">
+              <a:extLst>
+                <a:ext uri="{FF2B5EF4-FFF2-40B4-BE49-F238E27FC236}">
+                  <a16:creationId xmlns:a16="http://schemas.microsoft.com/office/drawing/2014/main" id="{4B5C42D1-D9F1-0086-0ABA-D128ECD6562A}"/>
+                </a:ext>
+              </a:extLst>
+            </p:cNvPr>
+            <p:cNvSpPr/>
+            <p:nvPr/>
+          </p:nvSpPr>
+          <p:spPr>
+            <a:xfrm>
+              <a:off x="3480901" y="1398896"/>
+              <a:ext cx="2053988" cy="3754333"/>
+            </a:xfrm>
+            <a:prstGeom prst="rect">
+              <a:avLst/>
+            </a:prstGeom>
+            <a:noFill/>
+            <a:ln>
+              <a:solidFill>
+                <a:srgbClr val="0000FF"/>
+              </a:solidFill>
+            </a:ln>
+          </p:spPr>
+          <p:style>
+            <a:lnRef idx="2">
+              <a:schemeClr val="accent1">
+                <a:shade val="15000"/>
+              </a:schemeClr>
+            </a:lnRef>
+            <a:fillRef idx="1">
+              <a:schemeClr val="accent1"/>
+            </a:fillRef>
+            <a:effectRef idx="0">
+              <a:schemeClr val="accent1"/>
+            </a:effectRef>
+            <a:fontRef idx="minor">
+              <a:schemeClr val="lt1"/>
+            </a:fontRef>
+          </p:style>
+          <p:txBody>
+            <a:bodyPr rtlCol="0" anchor="ctr"/>
+            <a:lstStyle/>
+            <a:p>
+              <a:pPr algn="ctr"/>
+              <a:endParaRPr lang="ko-KR" altLang="en-US">
+                <a:solidFill>
+                  <a:srgbClr val="0000FF"/>
+                </a:solidFill>
+              </a:endParaRPr>
+            </a:p>
+          </p:txBody>
+        </p:sp>
+      </p:grpSp>
+    </p:spTree>
+    <p:extLst>
+      <p:ext uri="{BB962C8B-B14F-4D97-AF65-F5344CB8AC3E}">
+        <p14:creationId xmlns:p14="http://schemas.microsoft.com/office/powerpoint/2010/main" val="4122474726"/>
       </p:ext>
     </p:extLst>
   </p:cSld>
